--- a/webui/app/cats/design_proposal.pptx
+++ b/webui/app/cats/design_proposal.pptx
@@ -4716,8 +4716,8 @@
         </p:nvSpPr>
         <p:spPr bwMode="auto">
           <a:xfrm>
-            <a:off x="208111" y="2644304"/>
-            <a:ext cx="3012426" cy="6836816"/>
+            <a:off x="208111" y="3144416"/>
+            <a:ext cx="3012426" cy="6336704"/>
           </a:xfrm>
           <a:prstGeom prst="roundRect">
             <a:avLst>
@@ -4784,7 +4784,7 @@
         </p:nvSpPr>
         <p:spPr bwMode="auto">
           <a:xfrm>
-            <a:off x="208111" y="2212256"/>
+            <a:off x="208111" y="2957467"/>
             <a:ext cx="3012877" cy="533400"/>
           </a:xfrm>
           <a:custGeom>
@@ -5102,7 +5102,7 @@
         </p:blipFill>
         <p:spPr bwMode="auto">
           <a:xfrm>
-            <a:off x="208111" y="480120"/>
+            <a:off x="208111" y="984176"/>
             <a:ext cx="3012426" cy="1656184"/>
           </a:xfrm>
           <a:prstGeom prst="rect">
@@ -5151,7 +5151,7 @@
         </p:nvGrpSpPr>
         <p:grpSpPr>
           <a:xfrm>
-            <a:off x="208111" y="2745656"/>
+            <a:off x="208111" y="3497387"/>
             <a:ext cx="3012877" cy="736574"/>
             <a:chOff x="208111" y="2597696"/>
             <a:chExt cx="3012877" cy="736574"/>
@@ -5371,7 +5371,7 @@
         </p:nvGrpSpPr>
         <p:grpSpPr>
           <a:xfrm>
-            <a:off x="208111" y="3462343"/>
+            <a:off x="208111" y="4214074"/>
             <a:ext cx="3012877" cy="736574"/>
             <a:chOff x="208111" y="2597696"/>
             <a:chExt cx="3012877" cy="736574"/>
@@ -5591,7 +5591,7 @@
         </p:nvGrpSpPr>
         <p:grpSpPr>
           <a:xfrm>
-            <a:off x="208111" y="4198917"/>
+            <a:off x="208111" y="4950648"/>
             <a:ext cx="3012877" cy="736574"/>
             <a:chOff x="208111" y="2597696"/>
             <a:chExt cx="3012877" cy="736574"/>
@@ -5823,7 +5823,7 @@
         </p:nvGrpSpPr>
         <p:grpSpPr>
           <a:xfrm>
-            <a:off x="208111" y="4935491"/>
+            <a:off x="208111" y="5687222"/>
             <a:ext cx="3012877" cy="736574"/>
             <a:chOff x="208111" y="2597696"/>
             <a:chExt cx="3012877" cy="736574"/>
@@ -6043,7 +6043,7 @@
         </p:nvSpPr>
         <p:spPr>
           <a:xfrm>
-            <a:off x="208111" y="5672065"/>
+            <a:off x="208111" y="6423796"/>
             <a:ext cx="3012877" cy="736574"/>
           </a:xfrm>
           <a:prstGeom prst="rect">
@@ -6168,7 +6168,7 @@
         </p:nvGrpSpPr>
         <p:grpSpPr>
           <a:xfrm>
-            <a:off x="208111" y="6408639"/>
+            <a:off x="208111" y="7160370"/>
             <a:ext cx="3012877" cy="736574"/>
             <a:chOff x="208111" y="2597696"/>
             <a:chExt cx="3012877" cy="736574"/>
@@ -6402,8 +6402,8 @@
         </p:nvSpPr>
         <p:spPr bwMode="auto">
           <a:xfrm>
-            <a:off x="3307010" y="2644304"/>
-            <a:ext cx="9214469" cy="6836816"/>
+            <a:off x="3307010" y="3084374"/>
+            <a:ext cx="9214469" cy="6396745"/>
           </a:xfrm>
           <a:prstGeom prst="roundRect">
             <a:avLst>
@@ -6470,7 +6470,7 @@
         </p:nvSpPr>
         <p:spPr bwMode="auto">
           <a:xfrm>
-            <a:off x="3307011" y="2212256"/>
+            <a:off x="3307011" y="2971056"/>
             <a:ext cx="9215849" cy="533400"/>
           </a:xfrm>
           <a:custGeom>
@@ -6627,7 +6627,7 @@
         </p:nvSpPr>
         <p:spPr bwMode="auto">
           <a:xfrm>
-            <a:off x="2307332" y="3859560"/>
+            <a:off x="2307332" y="4611291"/>
             <a:ext cx="2057400" cy="1130300"/>
           </a:xfrm>
           <a:prstGeom prst="roundRect">
@@ -6865,7 +6865,7 @@
         </p:nvSpPr>
         <p:spPr>
           <a:xfrm>
-            <a:off x="1349394" y="4503578"/>
+            <a:off x="1349394" y="5255309"/>
             <a:ext cx="241426" cy="241426"/>
           </a:xfrm>
           <a:prstGeom prst="ellipse">
@@ -6909,7 +6909,7 @@
         </p:nvSpPr>
         <p:spPr>
           <a:xfrm>
-            <a:off x="4024536" y="3957491"/>
+            <a:off x="4024536" y="4709222"/>
             <a:ext cx="241426" cy="241426"/>
           </a:xfrm>
           <a:prstGeom prst="ellipse">
@@ -6953,7 +6953,7 @@
         </p:nvSpPr>
         <p:spPr>
           <a:xfrm>
-            <a:off x="208111" y="120080"/>
+            <a:off x="208111" y="624136"/>
             <a:ext cx="12313368" cy="144016"/>
           </a:xfrm>
           <a:prstGeom prst="rect">
@@ -6999,7 +6999,7 @@
         </p:nvSpPr>
         <p:spPr>
           <a:xfrm>
-            <a:off x="492727" y="120080"/>
+            <a:off x="492727" y="624136"/>
             <a:ext cx="207641" cy="144016"/>
           </a:xfrm>
           <a:prstGeom prst="rect">
@@ -7045,7 +7045,7 @@
         </p:nvSpPr>
         <p:spPr>
           <a:xfrm>
-            <a:off x="2944416" y="120080"/>
+            <a:off x="2944416" y="624136"/>
             <a:ext cx="792088" cy="144016"/>
           </a:xfrm>
           <a:prstGeom prst="rect">
@@ -7091,7 +7091,7 @@
         </p:nvSpPr>
         <p:spPr>
           <a:xfrm>
-            <a:off x="4168552" y="120080"/>
+            <a:off x="4168552" y="624136"/>
             <a:ext cx="120713" cy="144016"/>
           </a:xfrm>
           <a:prstGeom prst="rect">
@@ -7137,7 +7137,7 @@
         </p:nvSpPr>
         <p:spPr>
           <a:xfrm>
-            <a:off x="8128992" y="128464"/>
+            <a:off x="8128992" y="632520"/>
             <a:ext cx="792088" cy="135632"/>
           </a:xfrm>
           <a:prstGeom prst="rect">
@@ -7183,7 +7183,7 @@
         </p:nvSpPr>
         <p:spPr>
           <a:xfrm>
-            <a:off x="208111" y="120080"/>
+            <a:off x="208111" y="624136"/>
             <a:ext cx="284616" cy="144016"/>
           </a:xfrm>
           <a:prstGeom prst="rect">
@@ -7229,7 +7229,7 @@
         </p:nvSpPr>
         <p:spPr>
           <a:xfrm>
-            <a:off x="700368" y="120080"/>
+            <a:off x="700368" y="624136"/>
             <a:ext cx="155816" cy="144016"/>
           </a:xfrm>
           <a:prstGeom prst="rect">
@@ -7275,7 +7275,7 @@
         </p:nvSpPr>
         <p:spPr>
           <a:xfrm>
-            <a:off x="3736504" y="124272"/>
+            <a:off x="3736504" y="628328"/>
             <a:ext cx="284616" cy="139824"/>
           </a:xfrm>
           <a:prstGeom prst="rect">
@@ -7321,7 +7321,7 @@
         </p:nvSpPr>
         <p:spPr>
           <a:xfrm>
-            <a:off x="4289264" y="120080"/>
+            <a:off x="4289264" y="624136"/>
             <a:ext cx="671375" cy="144016"/>
           </a:xfrm>
           <a:prstGeom prst="rect">
@@ -7367,7 +7367,7 @@
         </p:nvSpPr>
         <p:spPr>
           <a:xfrm>
-            <a:off x="1008584" y="120080"/>
+            <a:off x="1008584" y="624136"/>
             <a:ext cx="855712" cy="144016"/>
           </a:xfrm>
           <a:prstGeom prst="rect">
@@ -7413,7 +7413,7 @@
         </p:nvSpPr>
         <p:spPr>
           <a:xfrm>
-            <a:off x="1992884" y="120080"/>
+            <a:off x="1992884" y="624136"/>
             <a:ext cx="855712" cy="144016"/>
           </a:xfrm>
           <a:prstGeom prst="rect">
@@ -7459,7 +7459,7 @@
         </p:nvSpPr>
         <p:spPr>
           <a:xfrm>
-            <a:off x="5104656" y="120080"/>
+            <a:off x="5104656" y="624136"/>
             <a:ext cx="855712" cy="144016"/>
           </a:xfrm>
           <a:prstGeom prst="rect">
@@ -7505,7 +7505,7 @@
         </p:nvSpPr>
         <p:spPr>
           <a:xfrm>
-            <a:off x="6112768" y="120080"/>
+            <a:off x="6112768" y="624136"/>
             <a:ext cx="855712" cy="144016"/>
           </a:xfrm>
           <a:prstGeom prst="rect">
@@ -7551,7 +7551,7 @@
         </p:nvSpPr>
         <p:spPr>
           <a:xfrm>
-            <a:off x="7120880" y="120080"/>
+            <a:off x="7120880" y="624136"/>
             <a:ext cx="855712" cy="144016"/>
           </a:xfrm>
           <a:prstGeom prst="rect">
@@ -7597,7 +7597,7 @@
         </p:nvSpPr>
         <p:spPr>
           <a:xfrm>
-            <a:off x="9073480" y="128464"/>
+            <a:off x="9073480" y="632520"/>
             <a:ext cx="792088" cy="135632"/>
           </a:xfrm>
           <a:prstGeom prst="rect">
@@ -7643,7 +7643,7 @@
         </p:nvSpPr>
         <p:spPr>
           <a:xfrm>
-            <a:off x="10001200" y="120080"/>
+            <a:off x="10001200" y="624136"/>
             <a:ext cx="855712" cy="144016"/>
           </a:xfrm>
           <a:prstGeom prst="rect">
@@ -7689,7 +7689,7 @@
         </p:nvSpPr>
         <p:spPr>
           <a:xfrm>
-            <a:off x="11009312" y="120080"/>
+            <a:off x="11009312" y="624136"/>
             <a:ext cx="855712" cy="144016"/>
           </a:xfrm>
           <a:prstGeom prst="rect">
@@ -7735,7 +7735,7 @@
         </p:nvSpPr>
         <p:spPr>
           <a:xfrm>
-            <a:off x="12093623" y="120080"/>
+            <a:off x="12093623" y="624136"/>
             <a:ext cx="429237" cy="144016"/>
           </a:xfrm>
           <a:prstGeom prst="rect">
@@ -7781,7 +7781,7 @@
         </p:nvSpPr>
         <p:spPr>
           <a:xfrm>
-            <a:off x="208111" y="264096"/>
+            <a:off x="208111" y="768152"/>
             <a:ext cx="4156621" cy="144840"/>
           </a:xfrm>
           <a:prstGeom prst="rect">
@@ -7837,7 +7837,7 @@
         </p:nvSpPr>
         <p:spPr>
           <a:xfrm>
-            <a:off x="4384575" y="264920"/>
+            <a:off x="4384575" y="768976"/>
             <a:ext cx="3960441" cy="144016"/>
           </a:xfrm>
           <a:prstGeom prst="rect">
@@ -7893,7 +7893,7 @@
         </p:nvSpPr>
         <p:spPr>
           <a:xfrm>
-            <a:off x="8345017" y="264920"/>
+            <a:off x="8345017" y="768976"/>
             <a:ext cx="4177844" cy="144016"/>
           </a:xfrm>
           <a:prstGeom prst="rect">
@@ -7949,7 +7949,7 @@
         </p:nvCxnSpPr>
         <p:spPr>
           <a:xfrm>
-            <a:off x="4292280" y="51852"/>
+            <a:off x="4292280" y="555908"/>
             <a:ext cx="0" cy="288856"/>
           </a:xfrm>
           <a:prstGeom prst="line">
@@ -7988,7 +7988,7 @@
         </p:nvCxnSpPr>
         <p:spPr>
           <a:xfrm>
-            <a:off x="8115972" y="59824"/>
+            <a:off x="8115972" y="563880"/>
             <a:ext cx="0" cy="288856"/>
           </a:xfrm>
           <a:prstGeom prst="line">
@@ -8029,7 +8029,7 @@
         </p:nvSpPr>
         <p:spPr bwMode="auto">
           <a:xfrm>
-            <a:off x="3461828" y="768184"/>
+            <a:off x="3461828" y="1920280"/>
             <a:ext cx="1440000" cy="288000"/>
           </a:xfrm>
           <a:prstGeom prst="roundRect">
@@ -8099,7 +8099,7 @@
         </p:nvSpPr>
         <p:spPr bwMode="auto">
           <a:xfrm>
-            <a:off x="4996963" y="768184"/>
+            <a:off x="4996963" y="1920280"/>
             <a:ext cx="1440000" cy="288000"/>
           </a:xfrm>
           <a:prstGeom prst="roundRect">
@@ -8174,7 +8174,7 @@
         </p:nvSpPr>
         <p:spPr bwMode="auto">
           <a:xfrm>
-            <a:off x="6526221" y="768184"/>
+            <a:off x="6526221" y="1920280"/>
             <a:ext cx="1440000" cy="288000"/>
           </a:xfrm>
           <a:prstGeom prst="roundRect">
@@ -8249,7 +8249,7 @@
         </p:nvSpPr>
         <p:spPr bwMode="auto">
           <a:xfrm>
-            <a:off x="8055479" y="768184"/>
+            <a:off x="8055479" y="1920280"/>
             <a:ext cx="1440000" cy="288000"/>
           </a:xfrm>
           <a:prstGeom prst="roundRect">
@@ -8323,7 +8323,7 @@
         </p:nvSpPr>
         <p:spPr bwMode="auto">
           <a:xfrm>
-            <a:off x="9580131" y="768184"/>
+            <a:off x="9580131" y="1920280"/>
             <a:ext cx="1440000" cy="288000"/>
           </a:xfrm>
           <a:prstGeom prst="roundRect">
@@ -8393,7 +8393,7 @@
         </p:nvSpPr>
         <p:spPr bwMode="auto">
           <a:xfrm>
-            <a:off x="11081480" y="769335"/>
+            <a:off x="11081480" y="1921431"/>
             <a:ext cx="1440000" cy="288000"/>
           </a:xfrm>
           <a:prstGeom prst="roundRect">
@@ -8463,7 +8463,7 @@
         </p:nvSpPr>
         <p:spPr bwMode="auto">
           <a:xfrm>
-            <a:off x="3461828" y="1128224"/>
+            <a:off x="3461828" y="2280320"/>
             <a:ext cx="1440000" cy="288000"/>
           </a:xfrm>
           <a:prstGeom prst="roundRect">
@@ -8533,7 +8533,7 @@
         </p:nvSpPr>
         <p:spPr bwMode="auto">
           <a:xfrm>
-            <a:off x="3388634" y="2334570"/>
+            <a:off x="3388634" y="3072440"/>
             <a:ext cx="900000" cy="288000"/>
           </a:xfrm>
           <a:prstGeom prst="roundRect">
@@ -8603,7 +8603,7 @@
         </p:nvSpPr>
         <p:spPr bwMode="auto">
           <a:xfrm>
-            <a:off x="11549472" y="2334570"/>
+            <a:off x="11549472" y="3072440"/>
             <a:ext cx="900000" cy="288000"/>
           </a:xfrm>
           <a:prstGeom prst="roundRect">
@@ -8671,7 +8671,7 @@
         </p:nvSpPr>
         <p:spPr>
           <a:xfrm>
-            <a:off x="3648692" y="7073205"/>
+            <a:off x="3648692" y="7883098"/>
             <a:ext cx="8663791" cy="864096"/>
           </a:xfrm>
           <a:prstGeom prst="roundRect">
@@ -8722,7 +8722,7 @@
         </p:nvSpPr>
         <p:spPr>
           <a:xfrm>
-            <a:off x="3720700" y="7145213"/>
+            <a:off x="3720700" y="7955106"/>
             <a:ext cx="1811812" cy="720080"/>
           </a:xfrm>
           <a:prstGeom prst="roundRect">
@@ -8784,7 +8784,7 @@
         </p:nvSpPr>
         <p:spPr>
           <a:xfrm>
-            <a:off x="5532512" y="7145213"/>
+            <a:off x="5532512" y="7955106"/>
             <a:ext cx="2880319" cy="720080"/>
           </a:xfrm>
           <a:prstGeom prst="roundRect">
@@ -8854,7 +8854,7 @@
         </p:nvSpPr>
         <p:spPr>
           <a:xfrm>
-            <a:off x="8412832" y="7145213"/>
+            <a:off x="8412832" y="7955106"/>
             <a:ext cx="3849344" cy="720080"/>
           </a:xfrm>
           <a:prstGeom prst="roundRect">
@@ -8925,7 +8925,7 @@
         </p:nvSpPr>
         <p:spPr bwMode="auto">
           <a:xfrm>
-            <a:off x="4364732" y="2334570"/>
+            <a:off x="4364732" y="3072440"/>
             <a:ext cx="900000" cy="288000"/>
           </a:xfrm>
           <a:prstGeom prst="roundRect">
@@ -8995,7 +8995,7 @@
         </p:nvSpPr>
         <p:spPr bwMode="auto">
           <a:xfrm>
-            <a:off x="10577264" y="2334570"/>
+            <a:off x="10577264" y="3072440"/>
             <a:ext cx="900000" cy="288000"/>
           </a:xfrm>
           <a:prstGeom prst="roundRect">
@@ -9063,7 +9063,7 @@
         </p:nvSpPr>
         <p:spPr>
           <a:xfrm>
-            <a:off x="5104656" y="7384540"/>
+            <a:off x="5104656" y="8194433"/>
             <a:ext cx="241426" cy="241426"/>
           </a:xfrm>
           <a:prstGeom prst="ellipse">
@@ -9106,13 +9106,13 @@
           <p:nvPr>
             <p:extLst>
               <p:ext uri="{D42A27DB-BD31-4B8C-83A1-F6EECF244321}">
-                <p14:modId xmlns:p14="http://schemas.microsoft.com/office/powerpoint/2010/main" val="264921068"/>
+                <p14:modId xmlns:p14="http://schemas.microsoft.com/office/powerpoint/2010/main" val="3962707290"/>
               </p:ext>
             </p:extLst>
           </p:nvPr>
         </p:nvGraphicFramePr>
         <p:xfrm>
-          <a:off x="4364732" y="2898530"/>
+          <a:off x="4364732" y="3708423"/>
           <a:ext cx="7361879" cy="3935483"/>
         </p:xfrm>
         <a:graphic>
@@ -9129,7 +9129,7 @@
         </p:nvCxnSpPr>
         <p:spPr>
           <a:xfrm>
-            <a:off x="3747407" y="7937301"/>
+            <a:off x="3747407" y="8747194"/>
             <a:ext cx="0" cy="288856"/>
           </a:xfrm>
           <a:prstGeom prst="line">
@@ -9168,7 +9168,7 @@
         </p:nvCxnSpPr>
         <p:spPr>
           <a:xfrm>
-            <a:off x="7980587" y="7937301"/>
+            <a:off x="7980587" y="8747194"/>
             <a:ext cx="0" cy="288856"/>
           </a:xfrm>
           <a:prstGeom prst="line">
@@ -9207,7 +9207,7 @@
         </p:nvCxnSpPr>
         <p:spPr>
           <a:xfrm>
-            <a:off x="12262176" y="7937301"/>
+            <a:off x="12262176" y="8747194"/>
             <a:ext cx="0" cy="288856"/>
           </a:xfrm>
           <a:prstGeom prst="line">
@@ -9246,7 +9246,7 @@
         </p:nvSpPr>
         <p:spPr>
           <a:xfrm>
-            <a:off x="3762760" y="7947231"/>
+            <a:off x="3762760" y="8757124"/>
             <a:ext cx="1063194" cy="338554"/>
           </a:xfrm>
           <a:prstGeom prst="rect">
@@ -9276,7 +9276,7 @@
         </p:nvSpPr>
         <p:spPr>
           <a:xfrm>
-            <a:off x="7976592" y="7912452"/>
+            <a:off x="7976592" y="8722345"/>
             <a:ext cx="1063194" cy="338554"/>
           </a:xfrm>
           <a:prstGeom prst="rect">
@@ -9306,7 +9306,7 @@
         </p:nvSpPr>
         <p:spPr>
           <a:xfrm>
-            <a:off x="11198982" y="7947231"/>
+            <a:off x="11198982" y="8757124"/>
             <a:ext cx="1063194" cy="338554"/>
           </a:xfrm>
           <a:prstGeom prst="rect">
@@ -9337,7 +9337,7 @@
         </p:nvSpPr>
         <p:spPr>
           <a:xfrm>
-            <a:off x="12141463" y="8285785"/>
+            <a:off x="12141463" y="9095678"/>
             <a:ext cx="241426" cy="241426"/>
           </a:xfrm>
           <a:prstGeom prst="ellipse">
@@ -9381,7 +9381,7 @@
         </p:nvSpPr>
         <p:spPr>
           <a:xfrm>
-            <a:off x="6364795" y="4364074"/>
+            <a:off x="6364795" y="5173967"/>
             <a:ext cx="241426" cy="241426"/>
           </a:xfrm>
           <a:prstGeom prst="ellipse">
@@ -9426,7 +9426,7 @@
         </p:nvSpPr>
         <p:spPr bwMode="auto">
           <a:xfrm>
-            <a:off x="10145216" y="2936143"/>
+            <a:off x="10145216" y="3746036"/>
             <a:ext cx="2237673" cy="355600"/>
           </a:xfrm>
           <a:prstGeom prst="rect">
@@ -9506,7 +9506,7 @@
         </p:nvSpPr>
         <p:spPr>
           <a:xfrm>
-            <a:off x="12238489" y="2812884"/>
+            <a:off x="12238489" y="3622777"/>
             <a:ext cx="241426" cy="241426"/>
           </a:xfrm>
           <a:prstGeom prst="ellipse">
@@ -9552,7 +9552,7 @@
         </p:nvSpPr>
         <p:spPr bwMode="auto">
           <a:xfrm>
-            <a:off x="2037332" y="5774712"/>
+            <a:off x="2037332" y="6526443"/>
             <a:ext cx="540000" cy="288000"/>
           </a:xfrm>
           <a:prstGeom prst="roundRect">
@@ -9616,7 +9616,7 @@
         </p:nvSpPr>
         <p:spPr bwMode="auto">
           <a:xfrm>
-            <a:off x="2629875" y="5779296"/>
+            <a:off x="2629875" y="6531027"/>
             <a:ext cx="540000" cy="288000"/>
           </a:xfrm>
           <a:prstGeom prst="roundRect">
@@ -9678,7 +9678,7 @@
         </p:nvSpPr>
         <p:spPr>
           <a:xfrm>
-            <a:off x="1622870" y="6040352"/>
+            <a:off x="1622870" y="6792083"/>
             <a:ext cx="241426" cy="241426"/>
           </a:xfrm>
           <a:prstGeom prst="ellipse">
@@ -9722,7 +9722,7 @@
         </p:nvSpPr>
         <p:spPr>
           <a:xfrm>
-            <a:off x="5352122" y="2372027"/>
+            <a:off x="5352122" y="3109897"/>
             <a:ext cx="241426" cy="241426"/>
           </a:xfrm>
           <a:prstGeom prst="ellipse">
@@ -9758,6 +9758,139 @@
           </a:p>
         </p:txBody>
       </p:sp>
+      <p:sp>
+        <p:nvSpPr>
+          <p:cNvPr id="122" name="Rectangle 121"/>
+          <p:cNvSpPr/>
+          <p:nvPr/>
+        </p:nvSpPr>
+        <p:spPr>
+          <a:xfrm>
+            <a:off x="0" y="43178"/>
+            <a:ext cx="12801600" cy="360000"/>
+          </a:xfrm>
+          <a:prstGeom prst="rect">
+            <a:avLst/>
+          </a:prstGeom>
+          <a:solidFill>
+            <a:srgbClr val="E7E7E7"/>
+          </a:solidFill>
+          <a:ln>
+            <a:noFill/>
+          </a:ln>
+        </p:spPr>
+        <p:style>
+          <a:lnRef idx="2">
+            <a:schemeClr val="accent1">
+              <a:shade val="50000"/>
+            </a:schemeClr>
+          </a:lnRef>
+          <a:fillRef idx="1">
+            <a:schemeClr val="accent1"/>
+          </a:fillRef>
+          <a:effectRef idx="0">
+            <a:schemeClr val="accent1"/>
+          </a:effectRef>
+          <a:fontRef idx="minor">
+            <a:schemeClr val="lt1"/>
+          </a:fontRef>
+        </p:style>
+        <p:txBody>
+          <a:bodyPr rtlCol="0" anchor="ctr"/>
+          <a:lstStyle/>
+          <a:p>
+            <a:pPr algn="ctr"/>
+            <a:endParaRPr lang="de-DE"/>
+          </a:p>
+        </p:txBody>
+      </p:sp>
+      <p:sp>
+        <p:nvSpPr>
+          <p:cNvPr id="137" name="Rectangle 136"/>
+          <p:cNvSpPr/>
+          <p:nvPr/>
+        </p:nvSpPr>
+        <p:spPr>
+          <a:xfrm>
+            <a:off x="0" y="-2541"/>
+            <a:ext cx="12801600" cy="45719"/>
+          </a:xfrm>
+          <a:prstGeom prst="rect">
+            <a:avLst/>
+          </a:prstGeom>
+          <a:solidFill>
+            <a:srgbClr val="009DE0"/>
+          </a:solidFill>
+          <a:ln>
+            <a:noFill/>
+          </a:ln>
+        </p:spPr>
+        <p:style>
+          <a:lnRef idx="2">
+            <a:schemeClr val="accent1">
+              <a:shade val="50000"/>
+            </a:schemeClr>
+          </a:lnRef>
+          <a:fillRef idx="1">
+            <a:schemeClr val="accent1"/>
+          </a:fillRef>
+          <a:effectRef idx="0">
+            <a:schemeClr val="accent1"/>
+          </a:effectRef>
+          <a:fontRef idx="minor">
+            <a:schemeClr val="lt1"/>
+          </a:fontRef>
+        </p:style>
+        <p:txBody>
+          <a:bodyPr rtlCol="0" anchor="ctr"/>
+          <a:lstStyle/>
+          <a:p>
+            <a:pPr algn="ctr"/>
+            <a:endParaRPr lang="de-DE"/>
+          </a:p>
+        </p:txBody>
+      </p:sp>
+      <p:pic>
+        <p:nvPicPr>
+          <p:cNvPr id="1029" name="Picture 5" descr="http://localhost:8000/img/bridge-logo-text-grey.png"/>
+          <p:cNvPicPr>
+            <a:picLocks noChangeAspect="1" noChangeArrowheads="1"/>
+          </p:cNvPicPr>
+          <p:nvPr/>
+        </p:nvPicPr>
+        <p:blipFill>
+          <a:blip r:embed="rId5">
+            <a:extLst>
+              <a:ext uri="{28A0092B-C50C-407E-A947-70E740481C1C}">
+                <a14:useLocalDpi xmlns:a14="http://schemas.microsoft.com/office/drawing/2010/main" val="0"/>
+              </a:ext>
+            </a:extLst>
+          </a:blip>
+          <a:srcRect/>
+          <a:stretch>
+            <a:fillRect/>
+          </a:stretch>
+        </p:blipFill>
+        <p:spPr bwMode="auto">
+          <a:xfrm>
+            <a:off x="72672" y="108878"/>
+            <a:ext cx="1047750" cy="228600"/>
+          </a:xfrm>
+          <a:prstGeom prst="rect">
+            <a:avLst/>
+          </a:prstGeom>
+          <a:noFill/>
+          <a:extLst>
+            <a:ext uri="{909E8E84-426E-40DD-AFC4-6F175D3DCCD1}">
+              <a14:hiddenFill xmlns:a14="http://schemas.microsoft.com/office/drawing/2010/main">
+                <a:solidFill>
+                  <a:srgbClr val="FFFFFF"/>
+                </a:solidFill>
+              </a14:hiddenFill>
+            </a:ext>
+          </a:extLst>
+        </p:spPr>
+      </p:pic>
     </p:spTree>
     <p:extLst>
       <p:ext uri="{BB962C8B-B14F-4D97-AF65-F5344CB8AC3E}">

--- a/webui/app/cats/design_proposal.pptx
+++ b/webui/app/cats/design_proposal.pptx
@@ -5,10 +5,11 @@
     <p:sldMasterId id="2147483648" r:id="rId1"/>
   </p:sldMasterIdLst>
   <p:notesMasterIdLst>
-    <p:notesMasterId r:id="rId3"/>
+    <p:notesMasterId r:id="rId4"/>
   </p:notesMasterIdLst>
   <p:sldIdLst>
     <p:sldId id="256" r:id="rId2"/>
+    <p:sldId id="257" r:id="rId3"/>
   </p:sldIdLst>
   <p:sldSz cx="12801600" cy="9601200" type="A3"/>
   <p:notesSz cx="6858000" cy="9144000"/>
@@ -1670,7 +1671,7 @@
               <a:t> </a:t>
             </a:r>
             <a:r>
-              <a:rPr lang="de-DE" baseline="0" smtClean="0"/>
+              <a:rPr lang="de-DE" baseline="0" dirty="0" err="1" smtClean="0"/>
               <a:t>calendar</a:t>
             </a:r>
             <a:endParaRPr lang="de-DE" baseline="0" dirty="0" smtClean="0"/>
@@ -1695,6 +1696,1055 @@
             <a:fld id="{2BDE0F86-1AF7-4028-A262-1184A6E5A906}" type="slidenum">
               <a:rPr lang="de-DE" smtClean="0"/>
               <a:t>1</a:t>
+            </a:fld>
+            <a:endParaRPr lang="de-DE"/>
+          </a:p>
+        </p:txBody>
+      </p:sp>
+    </p:spTree>
+    <p:extLst>
+      <p:ext uri="{BB962C8B-B14F-4D97-AF65-F5344CB8AC3E}">
+        <p14:creationId xmlns:p14="http://schemas.microsoft.com/office/powerpoint/2010/main" val="4243287439"/>
+      </p:ext>
+    </p:extLst>
+  </p:cSld>
+  <p:clrMapOvr>
+    <a:masterClrMapping/>
+  </p:clrMapOvr>
+</p:notes>
+</file>
+
+<file path=ppt/notesSlides/notesSlide2.xml><?xml version="1.0" encoding="utf-8"?>
+<p:notes xmlns:a="http://schemas.openxmlformats.org/drawingml/2006/main" xmlns:r="http://schemas.openxmlformats.org/officeDocument/2006/relationships" xmlns:p="http://schemas.openxmlformats.org/presentationml/2006/main">
+  <p:cSld>
+    <p:spTree>
+      <p:nvGrpSpPr>
+        <p:cNvPr id="1" name=""/>
+        <p:cNvGrpSpPr/>
+        <p:nvPr/>
+      </p:nvGrpSpPr>
+      <p:grpSpPr>
+        <a:xfrm>
+          <a:off x="0" y="0"/>
+          <a:ext cx="0" cy="0"/>
+          <a:chOff x="0" y="0"/>
+          <a:chExt cx="0" cy="0"/>
+        </a:xfrm>
+      </p:grpSpPr>
+      <p:sp>
+        <p:nvSpPr>
+          <p:cNvPr id="2" name="Slide Image Placeholder 1"/>
+          <p:cNvSpPr>
+            <a:spLocks noGrp="1" noRot="1" noChangeAspect="1"/>
+          </p:cNvSpPr>
+          <p:nvPr>
+            <p:ph type="sldImg"/>
+          </p:nvPr>
+        </p:nvSpPr>
+        <p:spPr/>
+      </p:sp>
+      <p:sp>
+        <p:nvSpPr>
+          <p:cNvPr id="3" name="Notes Placeholder 2"/>
+          <p:cNvSpPr>
+            <a:spLocks noGrp="1"/>
+          </p:cNvSpPr>
+          <p:nvPr>
+            <p:ph type="body" idx="1"/>
+          </p:nvPr>
+        </p:nvSpPr>
+        <p:spPr/>
+        <p:txBody>
+          <a:bodyPr/>
+          <a:lstStyle/>
+          <a:p>
+            <a:endParaRPr lang="de-DE" dirty="0" smtClean="0"/>
+          </a:p>
+          <a:p>
+            <a:endParaRPr lang="de-DE" dirty="0" smtClean="0"/>
+          </a:p>
+          <a:p>
+            <a:endParaRPr lang="de-DE" dirty="0" smtClean="0"/>
+          </a:p>
+          <a:p>
+            <a:r>
+              <a:rPr lang="de-DE" dirty="0" smtClean="0"/>
+              <a:t>1: </a:t>
+            </a:r>
+            <a:r>
+              <a:rPr lang="de-DE" dirty="0" err="1" smtClean="0"/>
+              <a:t>Recognizes</a:t>
+            </a:r>
+            <a:r>
+              <a:rPr lang="de-DE" dirty="0" smtClean="0"/>
+              <a:t> </a:t>
+            </a:r>
+            <a:r>
+              <a:rPr lang="de-DE" dirty="0" err="1" smtClean="0"/>
+              <a:t>words</a:t>
+            </a:r>
+            <a:r>
+              <a:rPr lang="de-DE" dirty="0" smtClean="0"/>
+              <a:t> </a:t>
+            </a:r>
+            <a:r>
+              <a:rPr lang="de-DE" dirty="0" err="1" smtClean="0"/>
+              <a:t>like</a:t>
+            </a:r>
+            <a:r>
+              <a:rPr lang="de-DE" dirty="0" smtClean="0"/>
+              <a:t> „lunch“, „</a:t>
+            </a:r>
+            <a:r>
+              <a:rPr lang="de-DE" dirty="0" err="1" smtClean="0"/>
+              <a:t>two</a:t>
+            </a:r>
+            <a:r>
+              <a:rPr lang="de-DE" baseline="0" dirty="0" smtClean="0"/>
+              <a:t> </a:t>
+            </a:r>
+            <a:r>
+              <a:rPr lang="de-DE" baseline="0" dirty="0" err="1" smtClean="0"/>
+              <a:t>go</a:t>
+            </a:r>
+            <a:r>
+              <a:rPr lang="de-DE" baseline="0" dirty="0" smtClean="0"/>
+              <a:t>“</a:t>
+            </a:r>
+            <a:r>
+              <a:rPr lang="de-DE" dirty="0" smtClean="0"/>
+              <a:t> </a:t>
+            </a:r>
+            <a:r>
+              <a:rPr lang="de-DE" dirty="0" err="1" smtClean="0"/>
+              <a:t>or</a:t>
+            </a:r>
+            <a:r>
+              <a:rPr lang="de-DE" dirty="0" smtClean="0"/>
+              <a:t> „private“ </a:t>
+            </a:r>
+            <a:r>
+              <a:rPr lang="de-DE" dirty="0" err="1" smtClean="0"/>
+              <a:t>and</a:t>
+            </a:r>
+            <a:r>
+              <a:rPr lang="de-DE" dirty="0" smtClean="0"/>
+              <a:t> </a:t>
+            </a:r>
+            <a:r>
+              <a:rPr lang="de-DE" dirty="0" err="1" smtClean="0"/>
+              <a:t>marks</a:t>
+            </a:r>
+            <a:r>
+              <a:rPr lang="de-DE" baseline="0" dirty="0" smtClean="0"/>
+              <a:t> </a:t>
+            </a:r>
+            <a:r>
+              <a:rPr lang="de-DE" baseline="0" dirty="0" err="1" smtClean="0"/>
+              <a:t>appointment</a:t>
+            </a:r>
+            <a:r>
+              <a:rPr lang="de-DE" baseline="0" dirty="0" smtClean="0"/>
+              <a:t> </a:t>
+            </a:r>
+            <a:r>
+              <a:rPr lang="de-DE" baseline="0" dirty="0" err="1" smtClean="0"/>
+              <a:t>as</a:t>
+            </a:r>
+            <a:r>
+              <a:rPr lang="de-DE" baseline="0" dirty="0" smtClean="0"/>
+              <a:t> „</a:t>
+            </a:r>
+            <a:r>
+              <a:rPr lang="de-DE" baseline="0" dirty="0" err="1" smtClean="0"/>
+              <a:t>unimportant</a:t>
+            </a:r>
+            <a:r>
+              <a:rPr lang="de-DE" baseline="0" dirty="0" smtClean="0"/>
+              <a:t> </a:t>
+            </a:r>
+            <a:r>
+              <a:rPr lang="de-DE" baseline="0" dirty="0" err="1" smtClean="0"/>
+              <a:t>for</a:t>
+            </a:r>
+            <a:r>
+              <a:rPr lang="de-DE" baseline="0" dirty="0" smtClean="0"/>
+              <a:t> CATS“, </a:t>
+            </a:r>
+            <a:r>
+              <a:rPr lang="de-DE" baseline="0" dirty="0" err="1" smtClean="0"/>
+              <a:t>this</a:t>
+            </a:r>
+            <a:r>
+              <a:rPr lang="de-DE" baseline="0" dirty="0" smtClean="0"/>
+              <a:t> </a:t>
+            </a:r>
+            <a:r>
+              <a:rPr lang="de-DE" baseline="0" dirty="0" err="1" smtClean="0"/>
+              <a:t>word</a:t>
+            </a:r>
+            <a:r>
+              <a:rPr lang="de-DE" baseline="0" dirty="0" smtClean="0"/>
+              <a:t> </a:t>
+            </a:r>
+            <a:r>
+              <a:rPr lang="de-DE" baseline="0" dirty="0" err="1" smtClean="0"/>
+              <a:t>list</a:t>
+            </a:r>
+            <a:r>
+              <a:rPr lang="de-DE" baseline="0" dirty="0" smtClean="0"/>
+              <a:t> </a:t>
+            </a:r>
+            <a:r>
+              <a:rPr lang="de-DE" baseline="0" dirty="0" err="1" smtClean="0"/>
+              <a:t>should</a:t>
+            </a:r>
+            <a:r>
+              <a:rPr lang="de-DE" baseline="0" dirty="0" smtClean="0"/>
+              <a:t> </a:t>
+            </a:r>
+            <a:r>
+              <a:rPr lang="de-DE" baseline="0" dirty="0" err="1" smtClean="0"/>
+              <a:t>be</a:t>
+            </a:r>
+            <a:r>
+              <a:rPr lang="de-DE" baseline="0" dirty="0" smtClean="0"/>
+              <a:t> </a:t>
+            </a:r>
+            <a:r>
+              <a:rPr lang="de-DE" baseline="0" dirty="0" err="1" smtClean="0"/>
+              <a:t>editable</a:t>
+            </a:r>
+            <a:r>
+              <a:rPr lang="de-DE" baseline="0" dirty="0" smtClean="0"/>
+              <a:t> </a:t>
+            </a:r>
+            <a:r>
+              <a:rPr lang="de-DE" baseline="0" dirty="0" err="1" smtClean="0"/>
+              <a:t>by</a:t>
+            </a:r>
+            <a:r>
+              <a:rPr lang="de-DE" baseline="0" dirty="0" smtClean="0"/>
+              <a:t> </a:t>
+            </a:r>
+            <a:r>
+              <a:rPr lang="de-DE" baseline="0" dirty="0" err="1" smtClean="0"/>
+              <a:t>the</a:t>
+            </a:r>
+            <a:r>
+              <a:rPr lang="de-DE" baseline="0" dirty="0" smtClean="0"/>
+              <a:t> </a:t>
+            </a:r>
+            <a:r>
+              <a:rPr lang="de-DE" baseline="0" dirty="0" err="1" smtClean="0"/>
+              <a:t>user</a:t>
+            </a:r>
+            <a:endParaRPr lang="de-DE" baseline="0" dirty="0" smtClean="0"/>
+          </a:p>
+          <a:p>
+            <a:r>
+              <a:rPr lang="de-DE" baseline="0" dirty="0" smtClean="0"/>
+              <a:t>2: </a:t>
+            </a:r>
+            <a:r>
+              <a:rPr lang="de-DE" baseline="0" dirty="0" err="1" smtClean="0"/>
+              <a:t>Assign</a:t>
+            </a:r>
+            <a:r>
+              <a:rPr lang="de-DE" baseline="0" dirty="0" smtClean="0"/>
+              <a:t> </a:t>
+            </a:r>
+            <a:r>
+              <a:rPr lang="de-DE" baseline="0" dirty="0" err="1" smtClean="0"/>
+              <a:t>one</a:t>
+            </a:r>
+            <a:r>
+              <a:rPr lang="de-DE" baseline="0" dirty="0" smtClean="0"/>
+              <a:t> </a:t>
+            </a:r>
+            <a:r>
+              <a:rPr lang="de-DE" baseline="0" dirty="0" err="1" smtClean="0"/>
+              <a:t>of</a:t>
+            </a:r>
+            <a:r>
+              <a:rPr lang="de-DE" baseline="0" dirty="0" smtClean="0"/>
+              <a:t> </a:t>
+            </a:r>
+            <a:r>
+              <a:rPr lang="de-DE" baseline="0" dirty="0" err="1" smtClean="0"/>
+              <a:t>the</a:t>
+            </a:r>
+            <a:r>
+              <a:rPr lang="de-DE" baseline="0" dirty="0" smtClean="0"/>
+              <a:t> </a:t>
+            </a:r>
+            <a:r>
+              <a:rPr lang="de-DE" baseline="0" dirty="0" err="1" smtClean="0"/>
+              <a:t>enabled</a:t>
+            </a:r>
+            <a:r>
+              <a:rPr lang="de-DE" baseline="0" dirty="0" smtClean="0"/>
+              <a:t> </a:t>
+            </a:r>
+            <a:r>
+              <a:rPr lang="de-DE" baseline="0" dirty="0" err="1" smtClean="0"/>
+              <a:t>projects</a:t>
+            </a:r>
+            <a:r>
+              <a:rPr lang="de-DE" baseline="0" dirty="0" smtClean="0"/>
+              <a:t> </a:t>
+            </a:r>
+            <a:r>
+              <a:rPr lang="de-DE" baseline="0" dirty="0" err="1" smtClean="0"/>
+              <a:t>to</a:t>
+            </a:r>
+            <a:r>
+              <a:rPr lang="de-DE" baseline="0" dirty="0" smtClean="0"/>
+              <a:t> </a:t>
+            </a:r>
+            <a:r>
+              <a:rPr lang="de-DE" baseline="0" dirty="0" err="1" smtClean="0"/>
+              <a:t>this</a:t>
+            </a:r>
+            <a:r>
+              <a:rPr lang="de-DE" baseline="0" dirty="0" smtClean="0"/>
+              <a:t> </a:t>
+            </a:r>
+            <a:r>
+              <a:rPr lang="de-DE" baseline="0" dirty="0" err="1" smtClean="0"/>
+              <a:t>appointment</a:t>
+            </a:r>
+            <a:endParaRPr lang="de-DE" baseline="0" dirty="0" smtClean="0"/>
+          </a:p>
+          <a:p>
+            <a:r>
+              <a:rPr lang="de-DE" baseline="0" dirty="0" smtClean="0"/>
+              <a:t>3: Button </a:t>
+            </a:r>
+            <a:r>
+              <a:rPr lang="de-DE" baseline="0" dirty="0" err="1" smtClean="0"/>
+              <a:t>that</a:t>
+            </a:r>
+            <a:r>
+              <a:rPr lang="de-DE" baseline="0" dirty="0" smtClean="0"/>
+              <a:t> </a:t>
+            </a:r>
+            <a:r>
+              <a:rPr lang="de-DE" baseline="0" dirty="0" err="1" smtClean="0"/>
+              <a:t>opens</a:t>
+            </a:r>
+            <a:r>
+              <a:rPr lang="de-DE" baseline="0" dirty="0" smtClean="0"/>
+              <a:t> a </a:t>
+            </a:r>
+            <a:r>
+              <a:rPr lang="de-DE" baseline="0" dirty="0" err="1" smtClean="0"/>
+              <a:t>dialog</a:t>
+            </a:r>
+            <a:r>
+              <a:rPr lang="de-DE" baseline="0" dirty="0" smtClean="0"/>
+              <a:t> </a:t>
+            </a:r>
+            <a:r>
+              <a:rPr lang="de-DE" baseline="0" dirty="0" err="1" smtClean="0"/>
+              <a:t>for</a:t>
+            </a:r>
+            <a:r>
+              <a:rPr lang="de-DE" baseline="0" dirty="0" smtClean="0"/>
+              <a:t> </a:t>
+            </a:r>
+            <a:r>
+              <a:rPr lang="de-DE" baseline="0" dirty="0" err="1" smtClean="0"/>
+              <a:t>inserting</a:t>
+            </a:r>
+            <a:r>
+              <a:rPr lang="de-DE" baseline="0" dirty="0" smtClean="0"/>
+              <a:t> a </a:t>
+            </a:r>
+            <a:r>
+              <a:rPr lang="de-DE" baseline="0" dirty="0" err="1" smtClean="0"/>
+              <a:t>value</a:t>
+            </a:r>
+            <a:r>
+              <a:rPr lang="de-DE" baseline="0" dirty="0" smtClean="0"/>
+              <a:t> </a:t>
+            </a:r>
+            <a:r>
+              <a:rPr lang="de-DE" baseline="0" dirty="0" err="1" smtClean="0"/>
+              <a:t>by</a:t>
+            </a:r>
+            <a:r>
+              <a:rPr lang="de-DE" baseline="0" dirty="0" smtClean="0"/>
+              <a:t> </a:t>
+            </a:r>
+            <a:r>
+              <a:rPr lang="de-DE" baseline="0" dirty="0" err="1" smtClean="0"/>
+              <a:t>keyboard</a:t>
+            </a:r>
+            <a:r>
+              <a:rPr lang="de-DE" baseline="0" dirty="0" smtClean="0"/>
+              <a:t> </a:t>
+            </a:r>
+            <a:r>
+              <a:rPr lang="de-DE" baseline="0" dirty="0" err="1" smtClean="0"/>
+              <a:t>rather</a:t>
+            </a:r>
+            <a:r>
+              <a:rPr lang="de-DE" baseline="0" dirty="0" smtClean="0"/>
+              <a:t> </a:t>
+            </a:r>
+            <a:r>
+              <a:rPr lang="de-DE" baseline="0" dirty="0" err="1" smtClean="0"/>
+              <a:t>than</a:t>
+            </a:r>
+            <a:r>
+              <a:rPr lang="de-DE" baseline="0" dirty="0" smtClean="0"/>
+              <a:t> </a:t>
+            </a:r>
+            <a:r>
+              <a:rPr lang="de-DE" baseline="0" dirty="0" err="1" smtClean="0"/>
+              <a:t>by</a:t>
+            </a:r>
+            <a:r>
+              <a:rPr lang="de-DE" baseline="0" dirty="0" smtClean="0"/>
+              <a:t> </a:t>
+            </a:r>
+            <a:r>
+              <a:rPr lang="de-DE" baseline="0" dirty="0" err="1" smtClean="0"/>
+              <a:t>dragging</a:t>
+            </a:r>
+            <a:r>
+              <a:rPr lang="de-DE" baseline="0" dirty="0" smtClean="0"/>
+              <a:t> </a:t>
+            </a:r>
+            <a:r>
+              <a:rPr lang="de-DE" baseline="0" dirty="0" err="1" smtClean="0"/>
+              <a:t>of</a:t>
+            </a:r>
+            <a:r>
+              <a:rPr lang="de-DE" baseline="0" dirty="0" smtClean="0"/>
+              <a:t> </a:t>
+            </a:r>
+            <a:r>
+              <a:rPr lang="de-DE" baseline="0" dirty="0" err="1" smtClean="0"/>
+              <a:t>the</a:t>
+            </a:r>
+            <a:r>
+              <a:rPr lang="de-DE" baseline="0" dirty="0" smtClean="0"/>
+              <a:t> </a:t>
+            </a:r>
+            <a:r>
+              <a:rPr lang="de-DE" baseline="0" dirty="0" err="1" smtClean="0"/>
+              <a:t>bars</a:t>
+            </a:r>
+            <a:endParaRPr lang="de-DE" baseline="0" dirty="0" smtClean="0"/>
+          </a:p>
+          <a:p>
+            <a:r>
+              <a:rPr lang="de-DE" baseline="0" dirty="0" smtClean="0"/>
+              <a:t>4: Absolute </a:t>
+            </a:r>
+            <a:r>
+              <a:rPr lang="de-DE" baseline="0" dirty="0" err="1" smtClean="0"/>
+              <a:t>values</a:t>
+            </a:r>
+            <a:r>
+              <a:rPr lang="de-DE" baseline="0" dirty="0" smtClean="0"/>
+              <a:t>; </a:t>
+            </a:r>
+            <a:r>
+              <a:rPr lang="de-DE" baseline="0" dirty="0" err="1" smtClean="0"/>
+              <a:t>these</a:t>
+            </a:r>
+            <a:r>
+              <a:rPr lang="de-DE" baseline="0" dirty="0" smtClean="0"/>
+              <a:t> </a:t>
+            </a:r>
+            <a:r>
+              <a:rPr lang="de-DE" baseline="0" dirty="0" err="1" smtClean="0"/>
+              <a:t>depend</a:t>
+            </a:r>
+            <a:r>
+              <a:rPr lang="de-DE" baseline="0" dirty="0" smtClean="0"/>
+              <a:t> on </a:t>
+            </a:r>
+            <a:r>
+              <a:rPr lang="de-DE" baseline="0" dirty="0" err="1" smtClean="0"/>
+              <a:t>the</a:t>
+            </a:r>
+            <a:r>
+              <a:rPr lang="de-DE" baseline="0" dirty="0" smtClean="0"/>
+              <a:t> </a:t>
+            </a:r>
+            <a:r>
+              <a:rPr lang="de-DE" baseline="0" dirty="0" err="1" smtClean="0"/>
+              <a:t>curently</a:t>
+            </a:r>
+            <a:r>
+              <a:rPr lang="de-DE" baseline="0" dirty="0" smtClean="0"/>
+              <a:t> </a:t>
+            </a:r>
+            <a:r>
+              <a:rPr lang="de-DE" baseline="0" dirty="0" err="1" smtClean="0"/>
+              <a:t>selected</a:t>
+            </a:r>
+            <a:r>
+              <a:rPr lang="de-DE" baseline="0" dirty="0" smtClean="0"/>
+              <a:t> </a:t>
+            </a:r>
+            <a:r>
+              <a:rPr lang="de-DE" baseline="0" dirty="0" err="1" smtClean="0"/>
+              <a:t>day</a:t>
+            </a:r>
+            <a:endParaRPr lang="de-DE" baseline="0" dirty="0" smtClean="0"/>
+          </a:p>
+          <a:p>
+            <a:r>
+              <a:rPr lang="de-DE" baseline="0" dirty="0" smtClean="0"/>
+              <a:t>5: Projects not </a:t>
+            </a:r>
+            <a:r>
+              <a:rPr lang="de-DE" baseline="0" dirty="0" err="1" smtClean="0"/>
+              <a:t>currently</a:t>
+            </a:r>
+            <a:r>
+              <a:rPr lang="de-DE" baseline="0" dirty="0" smtClean="0"/>
+              <a:t> </a:t>
+            </a:r>
+            <a:r>
+              <a:rPr lang="de-DE" baseline="0" dirty="0" err="1" smtClean="0"/>
+              <a:t>selected</a:t>
+            </a:r>
+            <a:r>
+              <a:rPr lang="de-DE" baseline="0" dirty="0" smtClean="0"/>
+              <a:t> will also </a:t>
+            </a:r>
+            <a:r>
+              <a:rPr lang="de-DE" baseline="0" dirty="0" err="1" smtClean="0"/>
+              <a:t>be</a:t>
+            </a:r>
+            <a:r>
+              <a:rPr lang="de-DE" baseline="0" dirty="0" smtClean="0"/>
+              <a:t> </a:t>
+            </a:r>
+            <a:r>
+              <a:rPr lang="de-DE" baseline="0" dirty="0" err="1" smtClean="0"/>
+              <a:t>shown</a:t>
+            </a:r>
+            <a:r>
+              <a:rPr lang="de-DE" baseline="0" dirty="0" smtClean="0"/>
+              <a:t> in </a:t>
+            </a:r>
+            <a:r>
+              <a:rPr lang="de-DE" baseline="0" dirty="0" err="1" smtClean="0"/>
+              <a:t>the</a:t>
+            </a:r>
+            <a:r>
+              <a:rPr lang="de-DE" baseline="0" dirty="0" smtClean="0"/>
+              <a:t> </a:t>
+            </a:r>
+            <a:r>
+              <a:rPr lang="de-DE" baseline="0" dirty="0" err="1" smtClean="0"/>
+              <a:t>overview</a:t>
+            </a:r>
+            <a:endParaRPr lang="de-DE" baseline="0" dirty="0" smtClean="0"/>
+          </a:p>
+          <a:p>
+            <a:r>
+              <a:rPr lang="de-DE" baseline="0" dirty="0" smtClean="0"/>
+              <a:t>6: Other </a:t>
+            </a:r>
+            <a:r>
+              <a:rPr lang="de-DE" baseline="0" dirty="0" err="1" smtClean="0"/>
+              <a:t>modes</a:t>
+            </a:r>
+            <a:r>
+              <a:rPr lang="de-DE" baseline="0" dirty="0" smtClean="0"/>
+              <a:t> </a:t>
+            </a:r>
+            <a:r>
+              <a:rPr lang="de-DE" baseline="0" dirty="0" err="1" smtClean="0"/>
+              <a:t>could</a:t>
+            </a:r>
+            <a:r>
+              <a:rPr lang="de-DE" baseline="0" dirty="0" smtClean="0"/>
+              <a:t> </a:t>
+            </a:r>
+            <a:r>
+              <a:rPr lang="de-DE" baseline="0" dirty="0" err="1" smtClean="0"/>
+              <a:t>be</a:t>
+            </a:r>
+            <a:r>
+              <a:rPr lang="de-DE" baseline="0" dirty="0" smtClean="0"/>
+              <a:t>: Last 4 </a:t>
+            </a:r>
+            <a:r>
+              <a:rPr lang="de-DE" baseline="0" dirty="0" err="1" smtClean="0"/>
+              <a:t>Weeks</a:t>
+            </a:r>
+            <a:r>
+              <a:rPr lang="de-DE" baseline="0" dirty="0" smtClean="0"/>
+              <a:t>, </a:t>
+            </a:r>
+            <a:r>
+              <a:rPr lang="de-DE" baseline="0" dirty="0" err="1" smtClean="0"/>
+              <a:t>current</a:t>
+            </a:r>
+            <a:r>
+              <a:rPr lang="de-DE" baseline="0" dirty="0" smtClean="0"/>
+              <a:t> </a:t>
+            </a:r>
+            <a:r>
+              <a:rPr lang="de-DE" baseline="0" dirty="0" err="1" smtClean="0"/>
+              <a:t>month</a:t>
+            </a:r>
+            <a:r>
+              <a:rPr lang="de-DE" baseline="0" dirty="0" smtClean="0"/>
+              <a:t>, </a:t>
+            </a:r>
+            <a:r>
+              <a:rPr lang="de-DE" baseline="0" dirty="0" err="1" smtClean="0"/>
+              <a:t>current</a:t>
+            </a:r>
+            <a:r>
+              <a:rPr lang="de-DE" baseline="0" dirty="0" smtClean="0"/>
+              <a:t> </a:t>
+            </a:r>
+            <a:r>
+              <a:rPr lang="de-DE" baseline="0" dirty="0" err="1" smtClean="0"/>
+              <a:t>week</a:t>
+            </a:r>
+            <a:r>
+              <a:rPr lang="de-DE" baseline="0" dirty="0" smtClean="0"/>
+              <a:t>, last 3 </a:t>
+            </a:r>
+            <a:r>
+              <a:rPr lang="de-DE" baseline="0" dirty="0" err="1" smtClean="0"/>
+              <a:t>month</a:t>
+            </a:r>
+            <a:endParaRPr lang="de-DE" baseline="0" dirty="0" smtClean="0"/>
+          </a:p>
+          <a:p>
+            <a:r>
+              <a:rPr lang="de-DE" baseline="0" dirty="0" smtClean="0"/>
+              <a:t>7: System </a:t>
+            </a:r>
+            <a:r>
+              <a:rPr lang="de-DE" baseline="0" dirty="0" err="1" smtClean="0"/>
+              <a:t>might</a:t>
+            </a:r>
+            <a:r>
+              <a:rPr lang="de-DE" baseline="0" dirty="0" smtClean="0"/>
+              <a:t> </a:t>
+            </a:r>
+            <a:r>
+              <a:rPr lang="de-DE" baseline="0" dirty="0" err="1" smtClean="0"/>
+              <a:t>guess</a:t>
+            </a:r>
+            <a:r>
+              <a:rPr lang="de-DE" baseline="0" dirty="0" smtClean="0"/>
+              <a:t> </a:t>
+            </a:r>
+            <a:r>
+              <a:rPr lang="de-DE" baseline="0" dirty="0" err="1" smtClean="0"/>
+              <a:t>to</a:t>
+            </a:r>
+            <a:r>
+              <a:rPr lang="de-DE" baseline="0" dirty="0" smtClean="0"/>
+              <a:t> </a:t>
+            </a:r>
+            <a:r>
+              <a:rPr lang="de-DE" baseline="0" dirty="0" err="1" smtClean="0"/>
+              <a:t>which</a:t>
+            </a:r>
+            <a:r>
+              <a:rPr lang="de-DE" baseline="0" dirty="0" smtClean="0"/>
+              <a:t> </a:t>
+            </a:r>
+            <a:r>
+              <a:rPr lang="de-DE" baseline="0" dirty="0" err="1" smtClean="0"/>
+              <a:t>project</a:t>
+            </a:r>
+            <a:r>
+              <a:rPr lang="de-DE" baseline="0" dirty="0" smtClean="0"/>
+              <a:t> an </a:t>
+            </a:r>
+            <a:r>
+              <a:rPr lang="de-DE" baseline="0" dirty="0" err="1" smtClean="0"/>
+              <a:t>appointment</a:t>
+            </a:r>
+            <a:r>
+              <a:rPr lang="de-DE" baseline="0" dirty="0" smtClean="0"/>
+              <a:t> </a:t>
+            </a:r>
+            <a:r>
+              <a:rPr lang="de-DE" baseline="0" dirty="0" err="1" smtClean="0"/>
+              <a:t>might</a:t>
+            </a:r>
+            <a:r>
+              <a:rPr lang="de-DE" baseline="0" dirty="0" smtClean="0"/>
+              <a:t> </a:t>
+            </a:r>
+            <a:r>
+              <a:rPr lang="de-DE" baseline="0" dirty="0" err="1" smtClean="0"/>
+              <a:t>belong</a:t>
+            </a:r>
+            <a:r>
+              <a:rPr lang="de-DE" baseline="0" dirty="0" smtClean="0"/>
+              <a:t> </a:t>
+            </a:r>
+            <a:r>
+              <a:rPr lang="de-DE" baseline="0" dirty="0" err="1" smtClean="0"/>
+              <a:t>to</a:t>
+            </a:r>
+            <a:r>
+              <a:rPr lang="de-DE" baseline="0" dirty="0" smtClean="0"/>
+              <a:t> – e. g. </a:t>
+            </a:r>
+            <a:r>
+              <a:rPr lang="de-DE" baseline="0" dirty="0" err="1" smtClean="0"/>
+              <a:t>when</a:t>
+            </a:r>
+            <a:r>
+              <a:rPr lang="de-DE" baseline="0" dirty="0" smtClean="0"/>
+              <a:t> an </a:t>
+            </a:r>
+            <a:r>
+              <a:rPr lang="de-DE" baseline="0" dirty="0" err="1" smtClean="0"/>
+              <a:t>appointment</a:t>
+            </a:r>
+            <a:r>
+              <a:rPr lang="de-DE" baseline="0" dirty="0" smtClean="0"/>
+              <a:t> </a:t>
+            </a:r>
+            <a:r>
+              <a:rPr lang="de-DE" baseline="0" dirty="0" err="1" smtClean="0"/>
+              <a:t>with</a:t>
+            </a:r>
+            <a:r>
+              <a:rPr lang="de-DE" baseline="0" dirty="0" smtClean="0"/>
+              <a:t> </a:t>
+            </a:r>
+            <a:r>
+              <a:rPr lang="de-DE" baseline="0" dirty="0" err="1" smtClean="0"/>
+              <a:t>this</a:t>
+            </a:r>
+            <a:r>
+              <a:rPr lang="de-DE" baseline="0" dirty="0" smtClean="0"/>
+              <a:t> title </a:t>
+            </a:r>
+            <a:r>
+              <a:rPr lang="de-DE" baseline="0" dirty="0" err="1" smtClean="0"/>
+              <a:t>has</a:t>
+            </a:r>
+            <a:r>
+              <a:rPr lang="de-DE" baseline="0" dirty="0" smtClean="0"/>
+              <a:t> </a:t>
+            </a:r>
+            <a:r>
+              <a:rPr lang="de-DE" baseline="0" dirty="0" err="1" smtClean="0"/>
+              <a:t>been</a:t>
+            </a:r>
+            <a:r>
+              <a:rPr lang="de-DE" baseline="0" dirty="0" smtClean="0"/>
+              <a:t> </a:t>
+            </a:r>
+            <a:r>
+              <a:rPr lang="de-DE" baseline="0" dirty="0" err="1" smtClean="0"/>
+              <a:t>bound</a:t>
+            </a:r>
+            <a:r>
+              <a:rPr lang="de-DE" baseline="0" dirty="0" smtClean="0"/>
+              <a:t> </a:t>
+            </a:r>
+            <a:r>
+              <a:rPr lang="de-DE" baseline="0" dirty="0" err="1" smtClean="0"/>
+              <a:t>to</a:t>
+            </a:r>
+            <a:r>
+              <a:rPr lang="de-DE" baseline="0" dirty="0" smtClean="0"/>
+              <a:t> </a:t>
+            </a:r>
+            <a:r>
+              <a:rPr lang="de-DE" baseline="0" dirty="0" err="1" smtClean="0"/>
+              <a:t>this</a:t>
+            </a:r>
+            <a:r>
+              <a:rPr lang="de-DE" baseline="0" dirty="0" smtClean="0"/>
+              <a:t> </a:t>
+            </a:r>
+            <a:r>
+              <a:rPr lang="de-DE" baseline="0" dirty="0" err="1" smtClean="0"/>
+              <a:t>project</a:t>
+            </a:r>
+            <a:r>
+              <a:rPr lang="de-DE" baseline="0" dirty="0" smtClean="0"/>
+              <a:t> </a:t>
+            </a:r>
+            <a:r>
+              <a:rPr lang="de-DE" baseline="0" dirty="0" err="1" smtClean="0"/>
+              <a:t>before</a:t>
+            </a:r>
+            <a:r>
+              <a:rPr lang="de-DE" baseline="0" dirty="0" smtClean="0"/>
+              <a:t> </a:t>
+            </a:r>
+            <a:r>
+              <a:rPr lang="de-DE" baseline="0" dirty="0" err="1" smtClean="0"/>
+              <a:t>or</a:t>
+            </a:r>
+            <a:r>
+              <a:rPr lang="de-DE" baseline="0" dirty="0" smtClean="0"/>
+              <a:t> </a:t>
+            </a:r>
+            <a:r>
+              <a:rPr lang="de-DE" baseline="0" dirty="0" err="1" smtClean="0"/>
+              <a:t>if</a:t>
+            </a:r>
+            <a:r>
+              <a:rPr lang="de-DE" baseline="0" dirty="0" smtClean="0"/>
+              <a:t> tags </a:t>
+            </a:r>
+            <a:r>
+              <a:rPr lang="de-DE" baseline="0" dirty="0" err="1" smtClean="0"/>
+              <a:t>or</a:t>
+            </a:r>
+            <a:r>
+              <a:rPr lang="de-DE" baseline="0" dirty="0" smtClean="0"/>
+              <a:t> </a:t>
+            </a:r>
+            <a:r>
+              <a:rPr lang="de-DE" baseline="0" dirty="0" err="1" smtClean="0"/>
+              <a:t>the</a:t>
+            </a:r>
+            <a:r>
+              <a:rPr lang="de-DE" baseline="0" dirty="0" smtClean="0"/>
+              <a:t> </a:t>
+            </a:r>
+            <a:r>
+              <a:rPr lang="de-DE" baseline="0" dirty="0" err="1" smtClean="0"/>
+              <a:t>project</a:t>
+            </a:r>
+            <a:r>
+              <a:rPr lang="de-DE" baseline="0" dirty="0" smtClean="0"/>
+              <a:t> </a:t>
+            </a:r>
+            <a:r>
+              <a:rPr lang="de-DE" baseline="0" dirty="0" err="1" smtClean="0"/>
+              <a:t>name</a:t>
+            </a:r>
+            <a:r>
+              <a:rPr lang="de-DE" baseline="0" dirty="0" smtClean="0"/>
+              <a:t> </a:t>
+            </a:r>
+            <a:r>
+              <a:rPr lang="de-DE" baseline="0" dirty="0" err="1" smtClean="0"/>
+              <a:t>itself</a:t>
+            </a:r>
+            <a:r>
+              <a:rPr lang="de-DE" baseline="0" dirty="0" smtClean="0"/>
+              <a:t> </a:t>
+            </a:r>
+            <a:r>
+              <a:rPr lang="de-DE" baseline="0" dirty="0" err="1" smtClean="0"/>
+              <a:t>appear</a:t>
+            </a:r>
+            <a:r>
+              <a:rPr lang="de-DE" baseline="0" dirty="0" smtClean="0"/>
+              <a:t> in </a:t>
+            </a:r>
+            <a:r>
+              <a:rPr lang="de-DE" baseline="0" dirty="0" err="1" smtClean="0"/>
+              <a:t>the</a:t>
+            </a:r>
+            <a:r>
+              <a:rPr lang="de-DE" baseline="0" dirty="0" smtClean="0"/>
+              <a:t> title</a:t>
+            </a:r>
+          </a:p>
+          <a:p>
+            <a:r>
+              <a:rPr lang="de-DE" baseline="0" dirty="0" smtClean="0"/>
+              <a:t>8: Last </a:t>
+            </a:r>
+            <a:r>
+              <a:rPr lang="de-DE" baseline="0" dirty="0" err="1" smtClean="0"/>
+              <a:t>and</a:t>
+            </a:r>
+            <a:r>
+              <a:rPr lang="de-DE" baseline="0" dirty="0" smtClean="0"/>
+              <a:t> Next will bring </a:t>
+            </a:r>
+            <a:r>
+              <a:rPr lang="de-DE" baseline="0" dirty="0" err="1" smtClean="0"/>
+              <a:t>the</a:t>
+            </a:r>
+            <a:r>
+              <a:rPr lang="de-DE" baseline="0" dirty="0" smtClean="0"/>
+              <a:t> </a:t>
+            </a:r>
+            <a:r>
+              <a:rPr lang="de-DE" baseline="0" dirty="0" err="1" smtClean="0"/>
+              <a:t>user</a:t>
+            </a:r>
+            <a:r>
+              <a:rPr lang="de-DE" baseline="0" dirty="0" smtClean="0"/>
+              <a:t> </a:t>
+            </a:r>
+            <a:r>
+              <a:rPr lang="de-DE" baseline="0" dirty="0" err="1" smtClean="0"/>
+              <a:t>to</a:t>
+            </a:r>
+            <a:r>
+              <a:rPr lang="de-DE" baseline="0" dirty="0" smtClean="0"/>
+              <a:t> </a:t>
+            </a:r>
+            <a:r>
+              <a:rPr lang="de-DE" baseline="0" dirty="0" err="1" smtClean="0"/>
+              <a:t>the</a:t>
+            </a:r>
+            <a:r>
+              <a:rPr lang="de-DE" baseline="0" dirty="0" smtClean="0"/>
+              <a:t> </a:t>
+            </a:r>
+            <a:r>
+              <a:rPr lang="de-DE" baseline="0" dirty="0" err="1" smtClean="0"/>
+              <a:t>next</a:t>
+            </a:r>
+            <a:r>
+              <a:rPr lang="de-DE" baseline="0" dirty="0" smtClean="0"/>
+              <a:t> </a:t>
+            </a:r>
+            <a:r>
+              <a:rPr lang="de-DE" baseline="0" dirty="0" err="1" smtClean="0"/>
+              <a:t>day</a:t>
+            </a:r>
+            <a:r>
+              <a:rPr lang="de-DE" baseline="0" dirty="0" smtClean="0"/>
+              <a:t> he </a:t>
+            </a:r>
+            <a:r>
+              <a:rPr lang="de-DE" baseline="0" dirty="0" err="1" smtClean="0"/>
+              <a:t>has</a:t>
+            </a:r>
+            <a:r>
+              <a:rPr lang="de-DE" baseline="0" dirty="0" smtClean="0"/>
+              <a:t> </a:t>
+            </a:r>
+            <a:r>
+              <a:rPr lang="de-DE" baseline="0" dirty="0" err="1" smtClean="0"/>
+              <a:t>to</a:t>
+            </a:r>
+            <a:r>
+              <a:rPr lang="de-DE" baseline="0" dirty="0" smtClean="0"/>
+              <a:t> </a:t>
+            </a:r>
+            <a:r>
+              <a:rPr lang="de-DE" baseline="0" dirty="0" err="1" smtClean="0"/>
+              <a:t>fill</a:t>
+            </a:r>
+            <a:r>
+              <a:rPr lang="de-DE" baseline="0" dirty="0" smtClean="0"/>
+              <a:t> in </a:t>
+            </a:r>
+            <a:r>
+              <a:rPr lang="de-DE" baseline="0" dirty="0" err="1" smtClean="0"/>
+              <a:t>data</a:t>
+            </a:r>
+            <a:r>
+              <a:rPr lang="de-DE" baseline="0" dirty="0" smtClean="0"/>
+              <a:t>, </a:t>
+            </a:r>
+            <a:r>
+              <a:rPr lang="de-DE" baseline="0" dirty="0" err="1" smtClean="0"/>
+              <a:t>Yesterday</a:t>
+            </a:r>
+            <a:r>
+              <a:rPr lang="de-DE" baseline="0" dirty="0" smtClean="0"/>
+              <a:t> </a:t>
+            </a:r>
+            <a:r>
+              <a:rPr lang="de-DE" baseline="0" dirty="0" err="1" smtClean="0"/>
+              <a:t>and</a:t>
+            </a:r>
+            <a:r>
+              <a:rPr lang="de-DE" baseline="0" dirty="0" smtClean="0"/>
+              <a:t> </a:t>
+            </a:r>
+            <a:r>
+              <a:rPr lang="de-DE" baseline="0" dirty="0" err="1" smtClean="0"/>
+              <a:t>tomorrow</a:t>
+            </a:r>
+            <a:r>
+              <a:rPr lang="de-DE" baseline="0" dirty="0" smtClean="0"/>
+              <a:t> will </a:t>
+            </a:r>
+            <a:r>
+              <a:rPr lang="de-DE" baseline="0" dirty="0" err="1" smtClean="0"/>
+              <a:t>take</a:t>
+            </a:r>
+            <a:r>
+              <a:rPr lang="de-DE" baseline="0" dirty="0" smtClean="0"/>
+              <a:t> </a:t>
+            </a:r>
+            <a:r>
+              <a:rPr lang="de-DE" baseline="0" dirty="0" err="1" smtClean="0"/>
+              <a:t>him</a:t>
+            </a:r>
+            <a:r>
+              <a:rPr lang="de-DE" baseline="0" dirty="0" smtClean="0"/>
+              <a:t> </a:t>
+            </a:r>
+            <a:r>
+              <a:rPr lang="de-DE" baseline="0" dirty="0" err="1" smtClean="0"/>
+              <a:t>stepwise</a:t>
+            </a:r>
+            <a:r>
+              <a:rPr lang="de-DE" baseline="0" dirty="0" smtClean="0"/>
+              <a:t> </a:t>
+            </a:r>
+            <a:r>
+              <a:rPr lang="de-DE" baseline="0" dirty="0" err="1" smtClean="0"/>
+              <a:t>through</a:t>
+            </a:r>
+            <a:r>
+              <a:rPr lang="de-DE" baseline="0" dirty="0" smtClean="0"/>
+              <a:t> </a:t>
+            </a:r>
+            <a:r>
+              <a:rPr lang="de-DE" baseline="0" dirty="0" err="1" smtClean="0"/>
+              <a:t>the</a:t>
+            </a:r>
+            <a:r>
+              <a:rPr lang="de-DE" baseline="0" dirty="0" smtClean="0"/>
+              <a:t> </a:t>
+            </a:r>
+            <a:r>
+              <a:rPr lang="de-DE" baseline="0" dirty="0" err="1" smtClean="0"/>
+              <a:t>calendar</a:t>
+            </a:r>
+            <a:endParaRPr lang="de-DE" baseline="0" dirty="0" smtClean="0"/>
+          </a:p>
+        </p:txBody>
+      </p:sp>
+      <p:sp>
+        <p:nvSpPr>
+          <p:cNvPr id="4" name="Slide Number Placeholder 3"/>
+          <p:cNvSpPr>
+            <a:spLocks noGrp="1"/>
+          </p:cNvSpPr>
+          <p:nvPr>
+            <p:ph type="sldNum" sz="quarter" idx="10"/>
+          </p:nvPr>
+        </p:nvSpPr>
+        <p:spPr/>
+        <p:txBody>
+          <a:bodyPr/>
+          <a:lstStyle/>
+          <a:p>
+            <a:fld id="{2BDE0F86-1AF7-4028-A262-1184A6E5A906}" type="slidenum">
+              <a:rPr lang="de-DE" smtClean="0"/>
+              <a:t>2</a:t>
             </a:fld>
             <a:endParaRPr lang="de-DE"/>
           </a:p>
@@ -6402,8 +7452,8 @@
         </p:nvSpPr>
         <p:spPr bwMode="auto">
           <a:xfrm>
-            <a:off x="3307010" y="3084374"/>
-            <a:ext cx="9214469" cy="6396745"/>
+            <a:off x="3307010" y="1812268"/>
+            <a:ext cx="9214469" cy="7668851"/>
           </a:xfrm>
           <a:prstGeom prst="roundRect">
             <a:avLst>
@@ -6470,7 +7520,7 @@
         </p:nvSpPr>
         <p:spPr bwMode="auto">
           <a:xfrm>
-            <a:off x="3307011" y="2971056"/>
+            <a:off x="3307011" y="1344216"/>
             <a:ext cx="9215849" cy="533400"/>
           </a:xfrm>
           <a:custGeom>
@@ -8021,510 +9071,6 @@
       </p:cxnSp>
       <p:sp>
         <p:nvSpPr>
-          <p:cNvPr id="99" name="AutoShape 10"/>
-          <p:cNvSpPr>
-            <a:spLocks/>
-          </p:cNvSpPr>
-          <p:nvPr/>
-        </p:nvSpPr>
-        <p:spPr bwMode="auto">
-          <a:xfrm>
-            <a:off x="3461828" y="1920280"/>
-            <a:ext cx="1440000" cy="288000"/>
-          </a:xfrm>
-          <a:prstGeom prst="roundRect">
-            <a:avLst>
-              <a:gd name="adj" fmla="val 8417"/>
-            </a:avLst>
-          </a:prstGeom>
-          <a:solidFill>
-            <a:schemeClr val="bg1"/>
-          </a:solidFill>
-          <a:ln>
-            <a:solidFill>
-              <a:srgbClr val="ADADAD"/>
-            </a:solidFill>
-          </a:ln>
-        </p:spPr>
-        <p:txBody>
-          <a:bodyPr lIns="0" tIns="0" rIns="-215" bIns="0" anchor="ctr"/>
-          <a:lstStyle/>
-          <a:p>
-            <a:pPr marL="0" marR="0" lvl="0" indent="0" algn="ctr" defTabSz="914400" eaLnBrk="1" fontAlgn="auto" latinLnBrk="0" hangingPunct="1">
-              <a:lnSpc>
-                <a:spcPct val="100000"/>
-              </a:lnSpc>
-              <a:spcBef>
-                <a:spcPts val="0"/>
-              </a:spcBef>
-              <a:spcAft>
-                <a:spcPts val="0"/>
-              </a:spcAft>
-              <a:buClrTx/>
-              <a:buSzTx/>
-              <a:buFontTx/>
-              <a:buNone/>
-              <a:tabLst/>
-              <a:defRPr/>
-            </a:pPr>
-            <a:r>
-              <a:rPr lang="en-US" sz="1200" kern="0" dirty="0" smtClean="0">
-                <a:latin typeface="Helvetica Neue" pitchFamily="-84" charset="0"/>
-                <a:ea typeface="MS PGothic" pitchFamily="34" charset="-128"/>
-                <a:sym typeface="Helvetica Neue" pitchFamily="-84" charset="0"/>
-              </a:rPr>
-              <a:t>Project A</a:t>
-            </a:r>
-            <a:endParaRPr kumimoji="0" lang="en-US" sz="1200" i="0" u="none" strike="noStrike" kern="0" cap="none" spc="0" normalizeH="0" baseline="0" noProof="0" dirty="0" smtClean="0">
-              <a:ln>
-                <a:noFill/>
-              </a:ln>
-              <a:effectLst/>
-              <a:uLnTx/>
-              <a:uFillTx/>
-              <a:latin typeface="Helvetica Neue" pitchFamily="-84" charset="0"/>
-              <a:ea typeface="MS PGothic" pitchFamily="34" charset="-128"/>
-              <a:sym typeface="Helvetica Neue" pitchFamily="-84" charset="0"/>
-            </a:endParaRPr>
-          </a:p>
-        </p:txBody>
-      </p:sp>
-      <p:sp>
-        <p:nvSpPr>
-          <p:cNvPr id="102" name="AutoShape 10"/>
-          <p:cNvSpPr>
-            <a:spLocks/>
-          </p:cNvSpPr>
-          <p:nvPr/>
-        </p:nvSpPr>
-        <p:spPr bwMode="auto">
-          <a:xfrm>
-            <a:off x="4996963" y="1920280"/>
-            <a:ext cx="1440000" cy="288000"/>
-          </a:xfrm>
-          <a:prstGeom prst="roundRect">
-            <a:avLst>
-              <a:gd name="adj" fmla="val 8417"/>
-            </a:avLst>
-          </a:prstGeom>
-          <a:solidFill>
-            <a:schemeClr val="accent5">
-              <a:lumMod val="40000"/>
-              <a:lumOff val="60000"/>
-            </a:schemeClr>
-          </a:solidFill>
-          <a:ln>
-            <a:solidFill>
-              <a:srgbClr val="ADADAD"/>
-            </a:solidFill>
-          </a:ln>
-          <a:effectLst>
-            <a:innerShdw blurRad="63500" dist="25400" dir="18360000">
-              <a:prstClr val="black">
-                <a:alpha val="26000"/>
-              </a:prstClr>
-            </a:innerShdw>
-          </a:effectLst>
-        </p:spPr>
-        <p:txBody>
-          <a:bodyPr lIns="0" tIns="0" rIns="-215" bIns="0" anchor="ctr"/>
-          <a:lstStyle/>
-          <a:p>
-            <a:pPr marL="0" marR="0" lvl="0" indent="0" algn="ctr" defTabSz="914400" eaLnBrk="1" fontAlgn="auto" latinLnBrk="0" hangingPunct="1">
-              <a:lnSpc>
-                <a:spcPct val="100000"/>
-              </a:lnSpc>
-              <a:spcBef>
-                <a:spcPts val="0"/>
-              </a:spcBef>
-              <a:spcAft>
-                <a:spcPts val="0"/>
-              </a:spcAft>
-              <a:buClrTx/>
-              <a:buSzTx/>
-              <a:buFontTx/>
-              <a:buNone/>
-              <a:tabLst/>
-              <a:defRPr/>
-            </a:pPr>
-            <a:r>
-              <a:rPr kumimoji="0" lang="en-US" sz="1200" i="0" u="none" strike="noStrike" kern="0" cap="none" spc="0" normalizeH="0" baseline="0" noProof="0" dirty="0" smtClean="0">
-                <a:ln>
-                  <a:noFill/>
-                </a:ln>
-                <a:effectLst/>
-                <a:uLnTx/>
-                <a:uFillTx/>
-                <a:latin typeface="Helvetica Neue" pitchFamily="-84" charset="0"/>
-                <a:ea typeface="MS PGothic" pitchFamily="34" charset="-128"/>
-                <a:sym typeface="Helvetica Neue" pitchFamily="-84" charset="0"/>
-              </a:rPr>
-              <a:t>Bridge</a:t>
-            </a:r>
-          </a:p>
-        </p:txBody>
-      </p:sp>
-      <p:sp>
-        <p:nvSpPr>
-          <p:cNvPr id="103" name="AutoShape 10"/>
-          <p:cNvSpPr>
-            <a:spLocks/>
-          </p:cNvSpPr>
-          <p:nvPr/>
-        </p:nvSpPr>
-        <p:spPr bwMode="auto">
-          <a:xfrm>
-            <a:off x="6526221" y="1920280"/>
-            <a:ext cx="1440000" cy="288000"/>
-          </a:xfrm>
-          <a:prstGeom prst="roundRect">
-            <a:avLst>
-              <a:gd name="adj" fmla="val 8417"/>
-            </a:avLst>
-          </a:prstGeom>
-          <a:solidFill>
-            <a:schemeClr val="accent1">
-              <a:lumMod val="40000"/>
-              <a:lumOff val="60000"/>
-            </a:schemeClr>
-          </a:solidFill>
-          <a:ln>
-            <a:solidFill>
-              <a:srgbClr val="ADADAD"/>
-            </a:solidFill>
-          </a:ln>
-          <a:effectLst>
-            <a:innerShdw blurRad="63500" dist="25400" dir="18360000">
-              <a:prstClr val="black">
-                <a:alpha val="26000"/>
-              </a:prstClr>
-            </a:innerShdw>
-          </a:effectLst>
-        </p:spPr>
-        <p:txBody>
-          <a:bodyPr lIns="0" tIns="0" rIns="-215" bIns="0" anchor="ctr"/>
-          <a:lstStyle/>
-          <a:p>
-            <a:pPr marL="0" marR="0" lvl="0" indent="0" algn="ctr" defTabSz="914400" eaLnBrk="1" fontAlgn="auto" latinLnBrk="0" hangingPunct="1">
-              <a:lnSpc>
-                <a:spcPct val="100000"/>
-              </a:lnSpc>
-              <a:spcBef>
-                <a:spcPts val="0"/>
-              </a:spcBef>
-              <a:spcAft>
-                <a:spcPts val="0"/>
-              </a:spcAft>
-              <a:buClrTx/>
-              <a:buSzTx/>
-              <a:buFontTx/>
-              <a:buNone/>
-              <a:tabLst/>
-              <a:defRPr/>
-            </a:pPr>
-            <a:r>
-              <a:rPr kumimoji="0" lang="en-US" sz="1200" i="0" u="none" strike="noStrike" kern="0" cap="none" spc="0" normalizeH="0" baseline="0" noProof="0" dirty="0" smtClean="0">
-                <a:ln>
-                  <a:noFill/>
-                </a:ln>
-                <a:effectLst/>
-                <a:uLnTx/>
-                <a:uFillTx/>
-                <a:latin typeface="Helvetica Neue" pitchFamily="-84" charset="0"/>
-                <a:ea typeface="MS PGothic" pitchFamily="34" charset="-128"/>
-                <a:sym typeface="Helvetica Neue" pitchFamily="-84" charset="0"/>
-              </a:rPr>
-              <a:t>Project X</a:t>
-            </a:r>
-          </a:p>
-        </p:txBody>
-      </p:sp>
-      <p:sp>
-        <p:nvSpPr>
-          <p:cNvPr id="104" name="AutoShape 10"/>
-          <p:cNvSpPr>
-            <a:spLocks/>
-          </p:cNvSpPr>
-          <p:nvPr/>
-        </p:nvSpPr>
-        <p:spPr bwMode="auto">
-          <a:xfrm>
-            <a:off x="8055479" y="1920280"/>
-            <a:ext cx="1440000" cy="288000"/>
-          </a:xfrm>
-          <a:prstGeom prst="roundRect">
-            <a:avLst>
-              <a:gd name="adj" fmla="val 8417"/>
-            </a:avLst>
-          </a:prstGeom>
-          <a:solidFill>
-            <a:schemeClr val="bg2">
-              <a:lumMod val="75000"/>
-            </a:schemeClr>
-          </a:solidFill>
-          <a:ln>
-            <a:solidFill>
-              <a:srgbClr val="ADADAD"/>
-            </a:solidFill>
-          </a:ln>
-          <a:effectLst>
-            <a:innerShdw blurRad="63500" dist="25400" dir="18360000">
-              <a:prstClr val="black">
-                <a:alpha val="26000"/>
-              </a:prstClr>
-            </a:innerShdw>
-          </a:effectLst>
-        </p:spPr>
-        <p:txBody>
-          <a:bodyPr lIns="0" tIns="0" rIns="-215" bIns="0" anchor="ctr"/>
-          <a:lstStyle/>
-          <a:p>
-            <a:pPr marL="0" marR="0" lvl="0" indent="0" algn="ctr" defTabSz="914400" eaLnBrk="1" fontAlgn="auto" latinLnBrk="0" hangingPunct="1">
-              <a:lnSpc>
-                <a:spcPct val="100000"/>
-              </a:lnSpc>
-              <a:spcBef>
-                <a:spcPts val="0"/>
-              </a:spcBef>
-              <a:spcAft>
-                <a:spcPts val="0"/>
-              </a:spcAft>
-              <a:buClrTx/>
-              <a:buSzTx/>
-              <a:buFontTx/>
-              <a:buNone/>
-              <a:tabLst/>
-              <a:defRPr/>
-            </a:pPr>
-            <a:r>
-              <a:rPr kumimoji="0" lang="en-US" sz="1200" i="0" u="none" strike="noStrike" kern="0" cap="none" spc="0" normalizeH="0" baseline="0" noProof="0" dirty="0" smtClean="0">
-                <a:ln>
-                  <a:noFill/>
-                </a:ln>
-                <a:effectLst/>
-                <a:uLnTx/>
-                <a:uFillTx/>
-                <a:latin typeface="Helvetica Neue" pitchFamily="-84" charset="0"/>
-                <a:ea typeface="MS PGothic" pitchFamily="34" charset="-128"/>
-                <a:sym typeface="Helvetica Neue" pitchFamily="-84" charset="0"/>
-              </a:rPr>
-              <a:t>KPI Cockpit</a:t>
-            </a:r>
-          </a:p>
-        </p:txBody>
-      </p:sp>
-      <p:sp>
-        <p:nvSpPr>
-          <p:cNvPr id="105" name="AutoShape 10"/>
-          <p:cNvSpPr>
-            <a:spLocks/>
-          </p:cNvSpPr>
-          <p:nvPr/>
-        </p:nvSpPr>
-        <p:spPr bwMode="auto">
-          <a:xfrm>
-            <a:off x="9580131" y="1920280"/>
-            <a:ext cx="1440000" cy="288000"/>
-          </a:xfrm>
-          <a:prstGeom prst="roundRect">
-            <a:avLst>
-              <a:gd name="adj" fmla="val 8417"/>
-            </a:avLst>
-          </a:prstGeom>
-          <a:solidFill>
-            <a:schemeClr val="bg1"/>
-          </a:solidFill>
-          <a:ln>
-            <a:solidFill>
-              <a:srgbClr val="ADADAD"/>
-            </a:solidFill>
-          </a:ln>
-        </p:spPr>
-        <p:txBody>
-          <a:bodyPr lIns="0" tIns="0" rIns="-215" bIns="0" anchor="ctr"/>
-          <a:lstStyle/>
-          <a:p>
-            <a:pPr marL="0" marR="0" lvl="0" indent="0" algn="ctr" defTabSz="914400" eaLnBrk="1" fontAlgn="auto" latinLnBrk="0" hangingPunct="1">
-              <a:lnSpc>
-                <a:spcPct val="100000"/>
-              </a:lnSpc>
-              <a:spcBef>
-                <a:spcPts val="0"/>
-              </a:spcBef>
-              <a:spcAft>
-                <a:spcPts val="0"/>
-              </a:spcAft>
-              <a:buClrTx/>
-              <a:buSzTx/>
-              <a:buFontTx/>
-              <a:buNone/>
-              <a:tabLst/>
-              <a:defRPr/>
-            </a:pPr>
-            <a:r>
-              <a:rPr lang="en-US" sz="1200" kern="0" dirty="0" smtClean="0">
-                <a:latin typeface="Helvetica Neue" pitchFamily="-84" charset="0"/>
-                <a:ea typeface="MS PGothic" pitchFamily="34" charset="-128"/>
-                <a:sym typeface="Helvetica Neue" pitchFamily="-84" charset="0"/>
-              </a:rPr>
-              <a:t>Blue Banana</a:t>
-            </a:r>
-            <a:endParaRPr kumimoji="0" lang="en-US" sz="1200" i="0" u="none" strike="noStrike" kern="0" cap="none" spc="0" normalizeH="0" baseline="0" noProof="0" dirty="0" smtClean="0">
-              <a:ln>
-                <a:noFill/>
-              </a:ln>
-              <a:effectLst/>
-              <a:uLnTx/>
-              <a:uFillTx/>
-              <a:latin typeface="Helvetica Neue" pitchFamily="-84" charset="0"/>
-              <a:ea typeface="MS PGothic" pitchFamily="34" charset="-128"/>
-              <a:sym typeface="Helvetica Neue" pitchFamily="-84" charset="0"/>
-            </a:endParaRPr>
-          </a:p>
-        </p:txBody>
-      </p:sp>
-      <p:sp>
-        <p:nvSpPr>
-          <p:cNvPr id="106" name="AutoShape 10"/>
-          <p:cNvSpPr>
-            <a:spLocks/>
-          </p:cNvSpPr>
-          <p:nvPr/>
-        </p:nvSpPr>
-        <p:spPr bwMode="auto">
-          <a:xfrm>
-            <a:off x="11081480" y="1921431"/>
-            <a:ext cx="1440000" cy="288000"/>
-          </a:xfrm>
-          <a:prstGeom prst="roundRect">
-            <a:avLst>
-              <a:gd name="adj" fmla="val 8417"/>
-            </a:avLst>
-          </a:prstGeom>
-          <a:solidFill>
-            <a:schemeClr val="bg1"/>
-          </a:solidFill>
-          <a:ln>
-            <a:solidFill>
-              <a:srgbClr val="ADADAD"/>
-            </a:solidFill>
-          </a:ln>
-        </p:spPr>
-        <p:txBody>
-          <a:bodyPr lIns="0" tIns="0" rIns="-215" bIns="0" anchor="ctr"/>
-          <a:lstStyle/>
-          <a:p>
-            <a:pPr marL="0" marR="0" lvl="0" indent="0" algn="ctr" defTabSz="914400" eaLnBrk="1" fontAlgn="auto" latinLnBrk="0" hangingPunct="1">
-              <a:lnSpc>
-                <a:spcPct val="100000"/>
-              </a:lnSpc>
-              <a:spcBef>
-                <a:spcPts val="0"/>
-              </a:spcBef>
-              <a:spcAft>
-                <a:spcPts val="0"/>
-              </a:spcAft>
-              <a:buClrTx/>
-              <a:buSzTx/>
-              <a:buFontTx/>
-              <a:buNone/>
-              <a:tabLst/>
-              <a:defRPr/>
-            </a:pPr>
-            <a:r>
-              <a:rPr lang="en-US" sz="1200" kern="0" dirty="0" smtClean="0">
-                <a:latin typeface="Helvetica Neue" pitchFamily="-84" charset="0"/>
-                <a:ea typeface="MS PGothic" pitchFamily="34" charset="-128"/>
-                <a:sym typeface="Helvetica Neue" pitchFamily="-84" charset="0"/>
-              </a:rPr>
-              <a:t>Project Santa</a:t>
-            </a:r>
-            <a:endParaRPr kumimoji="0" lang="en-US" sz="1200" i="0" u="none" strike="noStrike" kern="0" cap="none" spc="0" normalizeH="0" baseline="0" noProof="0" dirty="0" smtClean="0">
-              <a:ln>
-                <a:noFill/>
-              </a:ln>
-              <a:effectLst/>
-              <a:uLnTx/>
-              <a:uFillTx/>
-              <a:latin typeface="Helvetica Neue" pitchFamily="-84" charset="0"/>
-              <a:ea typeface="MS PGothic" pitchFamily="34" charset="-128"/>
-              <a:sym typeface="Helvetica Neue" pitchFamily="-84" charset="0"/>
-            </a:endParaRPr>
-          </a:p>
-        </p:txBody>
-      </p:sp>
-      <p:sp>
-        <p:nvSpPr>
-          <p:cNvPr id="107" name="AutoShape 10"/>
-          <p:cNvSpPr>
-            <a:spLocks/>
-          </p:cNvSpPr>
-          <p:nvPr/>
-        </p:nvSpPr>
-        <p:spPr bwMode="auto">
-          <a:xfrm>
-            <a:off x="3461828" y="2280320"/>
-            <a:ext cx="1440000" cy="288000"/>
-          </a:xfrm>
-          <a:prstGeom prst="roundRect">
-            <a:avLst>
-              <a:gd name="adj" fmla="val 8417"/>
-            </a:avLst>
-          </a:prstGeom>
-          <a:solidFill>
-            <a:schemeClr val="bg1"/>
-          </a:solidFill>
-          <a:ln>
-            <a:solidFill>
-              <a:srgbClr val="ADADAD"/>
-            </a:solidFill>
-          </a:ln>
-        </p:spPr>
-        <p:txBody>
-          <a:bodyPr lIns="0" tIns="0" rIns="-215" bIns="0" anchor="ctr"/>
-          <a:lstStyle/>
-          <a:p>
-            <a:pPr marL="0" marR="0" lvl="0" indent="0" algn="ctr" defTabSz="914400" eaLnBrk="1" fontAlgn="auto" latinLnBrk="0" hangingPunct="1">
-              <a:lnSpc>
-                <a:spcPct val="100000"/>
-              </a:lnSpc>
-              <a:spcBef>
-                <a:spcPts val="0"/>
-              </a:spcBef>
-              <a:spcAft>
-                <a:spcPts val="0"/>
-              </a:spcAft>
-              <a:buClrTx/>
-              <a:buSzTx/>
-              <a:buFontTx/>
-              <a:buNone/>
-              <a:tabLst/>
-              <a:defRPr/>
-            </a:pPr>
-            <a:r>
-              <a:rPr lang="en-US" sz="1200" kern="0" dirty="0" smtClean="0">
-                <a:latin typeface="Helvetica Neue" pitchFamily="-84" charset="0"/>
-                <a:ea typeface="MS PGothic" pitchFamily="34" charset="-128"/>
-                <a:sym typeface="Helvetica Neue" pitchFamily="-84" charset="0"/>
-              </a:rPr>
-              <a:t>Malibu</a:t>
-            </a:r>
-            <a:endParaRPr kumimoji="0" lang="en-US" sz="1200" i="0" u="none" strike="noStrike" kern="0" cap="none" spc="0" normalizeH="0" baseline="0" noProof="0" dirty="0" smtClean="0">
-              <a:ln>
-                <a:noFill/>
-              </a:ln>
-              <a:effectLst/>
-              <a:uLnTx/>
-              <a:uFillTx/>
-              <a:latin typeface="Helvetica Neue" pitchFamily="-84" charset="0"/>
-              <a:ea typeface="MS PGothic" pitchFamily="34" charset="-128"/>
-              <a:sym typeface="Helvetica Neue" pitchFamily="-84" charset="0"/>
-            </a:endParaRPr>
-          </a:p>
-        </p:txBody>
-      </p:sp>
-      <p:sp>
-        <p:nvSpPr>
           <p:cNvPr id="108" name="AutoShape 10"/>
           <p:cNvSpPr>
             <a:spLocks/>
@@ -9891,10 +10437,6650 @@
           </a:extLst>
         </p:spPr>
       </p:pic>
+      <p:sp>
+        <p:nvSpPr>
+          <p:cNvPr id="139" name="AutoShape 10"/>
+          <p:cNvSpPr>
+            <a:spLocks/>
+          </p:cNvSpPr>
+          <p:nvPr/>
+        </p:nvSpPr>
+        <p:spPr bwMode="auto">
+          <a:xfrm>
+            <a:off x="3461828" y="2064328"/>
+            <a:ext cx="1440000" cy="288000"/>
+          </a:xfrm>
+          <a:prstGeom prst="roundRect">
+            <a:avLst>
+              <a:gd name="adj" fmla="val 8417"/>
+            </a:avLst>
+          </a:prstGeom>
+          <a:solidFill>
+            <a:schemeClr val="bg1"/>
+          </a:solidFill>
+          <a:ln>
+            <a:solidFill>
+              <a:srgbClr val="ADADAD"/>
+            </a:solidFill>
+          </a:ln>
+        </p:spPr>
+        <p:txBody>
+          <a:bodyPr lIns="0" tIns="0" rIns="-215" bIns="0" anchor="ctr"/>
+          <a:lstStyle/>
+          <a:p>
+            <a:pPr marL="0" marR="0" lvl="0" indent="0" algn="ctr" defTabSz="914400" eaLnBrk="1" fontAlgn="auto" latinLnBrk="0" hangingPunct="1">
+              <a:lnSpc>
+                <a:spcPct val="100000"/>
+              </a:lnSpc>
+              <a:spcBef>
+                <a:spcPts val="0"/>
+              </a:spcBef>
+              <a:spcAft>
+                <a:spcPts val="0"/>
+              </a:spcAft>
+              <a:buClrTx/>
+              <a:buSzTx/>
+              <a:buFontTx/>
+              <a:buNone/>
+              <a:tabLst/>
+              <a:defRPr/>
+            </a:pPr>
+            <a:r>
+              <a:rPr lang="en-US" sz="1200" kern="0" dirty="0" smtClean="0">
+                <a:latin typeface="Helvetica Neue" pitchFamily="-84" charset="0"/>
+                <a:ea typeface="MS PGothic" pitchFamily="34" charset="-128"/>
+                <a:sym typeface="Helvetica Neue" pitchFamily="-84" charset="0"/>
+              </a:rPr>
+              <a:t>Project A</a:t>
+            </a:r>
+            <a:endParaRPr kumimoji="0" lang="en-US" sz="1200" i="0" u="none" strike="noStrike" kern="0" cap="none" spc="0" normalizeH="0" baseline="0" noProof="0" dirty="0" smtClean="0">
+              <a:ln>
+                <a:noFill/>
+              </a:ln>
+              <a:effectLst/>
+              <a:uLnTx/>
+              <a:uFillTx/>
+              <a:latin typeface="Helvetica Neue" pitchFamily="-84" charset="0"/>
+              <a:ea typeface="MS PGothic" pitchFamily="34" charset="-128"/>
+              <a:sym typeface="Helvetica Neue" pitchFamily="-84" charset="0"/>
+            </a:endParaRPr>
+          </a:p>
+        </p:txBody>
+      </p:sp>
+      <p:sp>
+        <p:nvSpPr>
+          <p:cNvPr id="140" name="AutoShape 10"/>
+          <p:cNvSpPr>
+            <a:spLocks/>
+          </p:cNvSpPr>
+          <p:nvPr/>
+        </p:nvSpPr>
+        <p:spPr bwMode="auto">
+          <a:xfrm>
+            <a:off x="4996963" y="2064328"/>
+            <a:ext cx="1440000" cy="288000"/>
+          </a:xfrm>
+          <a:prstGeom prst="roundRect">
+            <a:avLst>
+              <a:gd name="adj" fmla="val 8417"/>
+            </a:avLst>
+          </a:prstGeom>
+          <a:solidFill>
+            <a:schemeClr val="accent5">
+              <a:lumMod val="40000"/>
+              <a:lumOff val="60000"/>
+            </a:schemeClr>
+          </a:solidFill>
+          <a:ln>
+            <a:solidFill>
+              <a:srgbClr val="ADADAD"/>
+            </a:solidFill>
+          </a:ln>
+          <a:effectLst>
+            <a:innerShdw blurRad="63500" dist="25400" dir="18360000">
+              <a:prstClr val="black">
+                <a:alpha val="26000"/>
+              </a:prstClr>
+            </a:innerShdw>
+          </a:effectLst>
+        </p:spPr>
+        <p:txBody>
+          <a:bodyPr lIns="0" tIns="0" rIns="-215" bIns="0" anchor="ctr"/>
+          <a:lstStyle/>
+          <a:p>
+            <a:pPr marL="0" marR="0" lvl="0" indent="0" algn="ctr" defTabSz="914400" eaLnBrk="1" fontAlgn="auto" latinLnBrk="0" hangingPunct="1">
+              <a:lnSpc>
+                <a:spcPct val="100000"/>
+              </a:lnSpc>
+              <a:spcBef>
+                <a:spcPts val="0"/>
+              </a:spcBef>
+              <a:spcAft>
+                <a:spcPts val="0"/>
+              </a:spcAft>
+              <a:buClrTx/>
+              <a:buSzTx/>
+              <a:buFontTx/>
+              <a:buNone/>
+              <a:tabLst/>
+              <a:defRPr/>
+            </a:pPr>
+            <a:r>
+              <a:rPr kumimoji="0" lang="en-US" sz="1200" i="0" u="none" strike="noStrike" kern="0" cap="none" spc="0" normalizeH="0" baseline="0" noProof="0" dirty="0" smtClean="0">
+                <a:ln>
+                  <a:noFill/>
+                </a:ln>
+                <a:effectLst/>
+                <a:uLnTx/>
+                <a:uFillTx/>
+                <a:latin typeface="Helvetica Neue" pitchFamily="-84" charset="0"/>
+                <a:ea typeface="MS PGothic" pitchFamily="34" charset="-128"/>
+                <a:sym typeface="Helvetica Neue" pitchFamily="-84" charset="0"/>
+              </a:rPr>
+              <a:t>Bridge</a:t>
+            </a:r>
+          </a:p>
+        </p:txBody>
+      </p:sp>
+      <p:sp>
+        <p:nvSpPr>
+          <p:cNvPr id="141" name="AutoShape 10"/>
+          <p:cNvSpPr>
+            <a:spLocks/>
+          </p:cNvSpPr>
+          <p:nvPr/>
+        </p:nvSpPr>
+        <p:spPr bwMode="auto">
+          <a:xfrm>
+            <a:off x="6526221" y="2064328"/>
+            <a:ext cx="1440000" cy="288000"/>
+          </a:xfrm>
+          <a:prstGeom prst="roundRect">
+            <a:avLst>
+              <a:gd name="adj" fmla="val 8417"/>
+            </a:avLst>
+          </a:prstGeom>
+          <a:solidFill>
+            <a:schemeClr val="accent1">
+              <a:lumMod val="40000"/>
+              <a:lumOff val="60000"/>
+            </a:schemeClr>
+          </a:solidFill>
+          <a:ln>
+            <a:solidFill>
+              <a:srgbClr val="ADADAD"/>
+            </a:solidFill>
+          </a:ln>
+          <a:effectLst>
+            <a:innerShdw blurRad="63500" dist="25400" dir="18360000">
+              <a:prstClr val="black">
+                <a:alpha val="26000"/>
+              </a:prstClr>
+            </a:innerShdw>
+          </a:effectLst>
+        </p:spPr>
+        <p:txBody>
+          <a:bodyPr lIns="0" tIns="0" rIns="-215" bIns="0" anchor="ctr"/>
+          <a:lstStyle/>
+          <a:p>
+            <a:pPr marL="0" marR="0" lvl="0" indent="0" algn="ctr" defTabSz="914400" eaLnBrk="1" fontAlgn="auto" latinLnBrk="0" hangingPunct="1">
+              <a:lnSpc>
+                <a:spcPct val="100000"/>
+              </a:lnSpc>
+              <a:spcBef>
+                <a:spcPts val="0"/>
+              </a:spcBef>
+              <a:spcAft>
+                <a:spcPts val="0"/>
+              </a:spcAft>
+              <a:buClrTx/>
+              <a:buSzTx/>
+              <a:buFontTx/>
+              <a:buNone/>
+              <a:tabLst/>
+              <a:defRPr/>
+            </a:pPr>
+            <a:r>
+              <a:rPr kumimoji="0" lang="en-US" sz="1200" i="0" u="none" strike="noStrike" kern="0" cap="none" spc="0" normalizeH="0" baseline="0" noProof="0" dirty="0" smtClean="0">
+                <a:ln>
+                  <a:noFill/>
+                </a:ln>
+                <a:effectLst/>
+                <a:uLnTx/>
+                <a:uFillTx/>
+                <a:latin typeface="Helvetica Neue" pitchFamily="-84" charset="0"/>
+                <a:ea typeface="MS PGothic" pitchFamily="34" charset="-128"/>
+                <a:sym typeface="Helvetica Neue" pitchFamily="-84" charset="0"/>
+              </a:rPr>
+              <a:t>Project X</a:t>
+            </a:r>
+          </a:p>
+        </p:txBody>
+      </p:sp>
+      <p:sp>
+        <p:nvSpPr>
+          <p:cNvPr id="142" name="AutoShape 10"/>
+          <p:cNvSpPr>
+            <a:spLocks/>
+          </p:cNvSpPr>
+          <p:nvPr/>
+        </p:nvSpPr>
+        <p:spPr bwMode="auto">
+          <a:xfrm>
+            <a:off x="8055479" y="2064328"/>
+            <a:ext cx="1440000" cy="288000"/>
+          </a:xfrm>
+          <a:prstGeom prst="roundRect">
+            <a:avLst>
+              <a:gd name="adj" fmla="val 8417"/>
+            </a:avLst>
+          </a:prstGeom>
+          <a:solidFill>
+            <a:schemeClr val="bg2">
+              <a:lumMod val="75000"/>
+            </a:schemeClr>
+          </a:solidFill>
+          <a:ln>
+            <a:solidFill>
+              <a:srgbClr val="ADADAD"/>
+            </a:solidFill>
+          </a:ln>
+          <a:effectLst>
+            <a:innerShdw blurRad="63500" dist="25400" dir="18360000">
+              <a:prstClr val="black">
+                <a:alpha val="26000"/>
+              </a:prstClr>
+            </a:innerShdw>
+          </a:effectLst>
+        </p:spPr>
+        <p:txBody>
+          <a:bodyPr lIns="0" tIns="0" rIns="-215" bIns="0" anchor="ctr"/>
+          <a:lstStyle/>
+          <a:p>
+            <a:pPr marL="0" marR="0" lvl="0" indent="0" algn="ctr" defTabSz="914400" eaLnBrk="1" fontAlgn="auto" latinLnBrk="0" hangingPunct="1">
+              <a:lnSpc>
+                <a:spcPct val="100000"/>
+              </a:lnSpc>
+              <a:spcBef>
+                <a:spcPts val="0"/>
+              </a:spcBef>
+              <a:spcAft>
+                <a:spcPts val="0"/>
+              </a:spcAft>
+              <a:buClrTx/>
+              <a:buSzTx/>
+              <a:buFontTx/>
+              <a:buNone/>
+              <a:tabLst/>
+              <a:defRPr/>
+            </a:pPr>
+            <a:r>
+              <a:rPr kumimoji="0" lang="en-US" sz="1200" i="0" u="none" strike="noStrike" kern="0" cap="none" spc="0" normalizeH="0" baseline="0" noProof="0" dirty="0" smtClean="0">
+                <a:ln>
+                  <a:noFill/>
+                </a:ln>
+                <a:effectLst/>
+                <a:uLnTx/>
+                <a:uFillTx/>
+                <a:latin typeface="Helvetica Neue" pitchFamily="-84" charset="0"/>
+                <a:ea typeface="MS PGothic" pitchFamily="34" charset="-128"/>
+                <a:sym typeface="Helvetica Neue" pitchFamily="-84" charset="0"/>
+              </a:rPr>
+              <a:t>KPI Cockpit</a:t>
+            </a:r>
+          </a:p>
+        </p:txBody>
+      </p:sp>
+      <p:sp>
+        <p:nvSpPr>
+          <p:cNvPr id="143" name="AutoShape 10"/>
+          <p:cNvSpPr>
+            <a:spLocks/>
+          </p:cNvSpPr>
+          <p:nvPr/>
+        </p:nvSpPr>
+        <p:spPr bwMode="auto">
+          <a:xfrm>
+            <a:off x="9580131" y="2064328"/>
+            <a:ext cx="1440000" cy="288000"/>
+          </a:xfrm>
+          <a:prstGeom prst="roundRect">
+            <a:avLst>
+              <a:gd name="adj" fmla="val 8417"/>
+            </a:avLst>
+          </a:prstGeom>
+          <a:solidFill>
+            <a:schemeClr val="bg1"/>
+          </a:solidFill>
+          <a:ln>
+            <a:solidFill>
+              <a:srgbClr val="ADADAD"/>
+            </a:solidFill>
+          </a:ln>
+        </p:spPr>
+        <p:txBody>
+          <a:bodyPr lIns="0" tIns="0" rIns="-215" bIns="0" anchor="ctr"/>
+          <a:lstStyle/>
+          <a:p>
+            <a:pPr marL="0" marR="0" lvl="0" indent="0" algn="ctr" defTabSz="914400" eaLnBrk="1" fontAlgn="auto" latinLnBrk="0" hangingPunct="1">
+              <a:lnSpc>
+                <a:spcPct val="100000"/>
+              </a:lnSpc>
+              <a:spcBef>
+                <a:spcPts val="0"/>
+              </a:spcBef>
+              <a:spcAft>
+                <a:spcPts val="0"/>
+              </a:spcAft>
+              <a:buClrTx/>
+              <a:buSzTx/>
+              <a:buFontTx/>
+              <a:buNone/>
+              <a:tabLst/>
+              <a:defRPr/>
+            </a:pPr>
+            <a:r>
+              <a:rPr lang="en-US" sz="1200" kern="0" dirty="0" smtClean="0">
+                <a:latin typeface="Helvetica Neue" pitchFamily="-84" charset="0"/>
+                <a:ea typeface="MS PGothic" pitchFamily="34" charset="-128"/>
+                <a:sym typeface="Helvetica Neue" pitchFamily="-84" charset="0"/>
+              </a:rPr>
+              <a:t>Blue Banana</a:t>
+            </a:r>
+            <a:endParaRPr kumimoji="0" lang="en-US" sz="1200" i="0" u="none" strike="noStrike" kern="0" cap="none" spc="0" normalizeH="0" baseline="0" noProof="0" dirty="0" smtClean="0">
+              <a:ln>
+                <a:noFill/>
+              </a:ln>
+              <a:effectLst/>
+              <a:uLnTx/>
+              <a:uFillTx/>
+              <a:latin typeface="Helvetica Neue" pitchFamily="-84" charset="0"/>
+              <a:ea typeface="MS PGothic" pitchFamily="34" charset="-128"/>
+              <a:sym typeface="Helvetica Neue" pitchFamily="-84" charset="0"/>
+            </a:endParaRPr>
+          </a:p>
+        </p:txBody>
+      </p:sp>
+      <p:sp>
+        <p:nvSpPr>
+          <p:cNvPr id="144" name="AutoShape 10"/>
+          <p:cNvSpPr>
+            <a:spLocks/>
+          </p:cNvSpPr>
+          <p:nvPr/>
+        </p:nvSpPr>
+        <p:spPr bwMode="auto">
+          <a:xfrm>
+            <a:off x="11081480" y="2065479"/>
+            <a:ext cx="1440000" cy="288000"/>
+          </a:xfrm>
+          <a:prstGeom prst="roundRect">
+            <a:avLst>
+              <a:gd name="adj" fmla="val 8417"/>
+            </a:avLst>
+          </a:prstGeom>
+          <a:solidFill>
+            <a:schemeClr val="bg1"/>
+          </a:solidFill>
+          <a:ln>
+            <a:solidFill>
+              <a:srgbClr val="ADADAD"/>
+            </a:solidFill>
+          </a:ln>
+        </p:spPr>
+        <p:txBody>
+          <a:bodyPr lIns="0" tIns="0" rIns="-215" bIns="0" anchor="ctr"/>
+          <a:lstStyle/>
+          <a:p>
+            <a:pPr marL="0" marR="0" lvl="0" indent="0" algn="ctr" defTabSz="914400" eaLnBrk="1" fontAlgn="auto" latinLnBrk="0" hangingPunct="1">
+              <a:lnSpc>
+                <a:spcPct val="100000"/>
+              </a:lnSpc>
+              <a:spcBef>
+                <a:spcPts val="0"/>
+              </a:spcBef>
+              <a:spcAft>
+                <a:spcPts val="0"/>
+              </a:spcAft>
+              <a:buClrTx/>
+              <a:buSzTx/>
+              <a:buFontTx/>
+              <a:buNone/>
+              <a:tabLst/>
+              <a:defRPr/>
+            </a:pPr>
+            <a:r>
+              <a:rPr lang="en-US" sz="1200" kern="0" dirty="0" smtClean="0">
+                <a:latin typeface="Helvetica Neue" pitchFamily="-84" charset="0"/>
+                <a:ea typeface="MS PGothic" pitchFamily="34" charset="-128"/>
+                <a:sym typeface="Helvetica Neue" pitchFamily="-84" charset="0"/>
+              </a:rPr>
+              <a:t>Project Santa</a:t>
+            </a:r>
+            <a:endParaRPr kumimoji="0" lang="en-US" sz="1200" i="0" u="none" strike="noStrike" kern="0" cap="none" spc="0" normalizeH="0" baseline="0" noProof="0" dirty="0" smtClean="0">
+              <a:ln>
+                <a:noFill/>
+              </a:ln>
+              <a:effectLst/>
+              <a:uLnTx/>
+              <a:uFillTx/>
+              <a:latin typeface="Helvetica Neue" pitchFamily="-84" charset="0"/>
+              <a:ea typeface="MS PGothic" pitchFamily="34" charset="-128"/>
+              <a:sym typeface="Helvetica Neue" pitchFamily="-84" charset="0"/>
+            </a:endParaRPr>
+          </a:p>
+        </p:txBody>
+      </p:sp>
+      <p:sp>
+        <p:nvSpPr>
+          <p:cNvPr id="145" name="AutoShape 10"/>
+          <p:cNvSpPr>
+            <a:spLocks/>
+          </p:cNvSpPr>
+          <p:nvPr/>
+        </p:nvSpPr>
+        <p:spPr bwMode="auto">
+          <a:xfrm>
+            <a:off x="3461828" y="2424368"/>
+            <a:ext cx="1440000" cy="288000"/>
+          </a:xfrm>
+          <a:prstGeom prst="roundRect">
+            <a:avLst>
+              <a:gd name="adj" fmla="val 8417"/>
+            </a:avLst>
+          </a:prstGeom>
+          <a:solidFill>
+            <a:schemeClr val="bg1"/>
+          </a:solidFill>
+          <a:ln>
+            <a:solidFill>
+              <a:srgbClr val="ADADAD"/>
+            </a:solidFill>
+          </a:ln>
+        </p:spPr>
+        <p:txBody>
+          <a:bodyPr lIns="0" tIns="0" rIns="-215" bIns="0" anchor="ctr"/>
+          <a:lstStyle/>
+          <a:p>
+            <a:pPr marL="0" marR="0" lvl="0" indent="0" algn="ctr" defTabSz="914400" eaLnBrk="1" fontAlgn="auto" latinLnBrk="0" hangingPunct="1">
+              <a:lnSpc>
+                <a:spcPct val="100000"/>
+              </a:lnSpc>
+              <a:spcBef>
+                <a:spcPts val="0"/>
+              </a:spcBef>
+              <a:spcAft>
+                <a:spcPts val="0"/>
+              </a:spcAft>
+              <a:buClrTx/>
+              <a:buSzTx/>
+              <a:buFontTx/>
+              <a:buNone/>
+              <a:tabLst/>
+              <a:defRPr/>
+            </a:pPr>
+            <a:r>
+              <a:rPr lang="en-US" sz="1200" kern="0" dirty="0" smtClean="0">
+                <a:latin typeface="Helvetica Neue" pitchFamily="-84" charset="0"/>
+                <a:ea typeface="MS PGothic" pitchFamily="34" charset="-128"/>
+                <a:sym typeface="Helvetica Neue" pitchFamily="-84" charset="0"/>
+              </a:rPr>
+              <a:t>Malibu</a:t>
+            </a:r>
+            <a:endParaRPr kumimoji="0" lang="en-US" sz="1200" i="0" u="none" strike="noStrike" kern="0" cap="none" spc="0" normalizeH="0" baseline="0" noProof="0" dirty="0" smtClean="0">
+              <a:ln>
+                <a:noFill/>
+              </a:ln>
+              <a:effectLst/>
+              <a:uLnTx/>
+              <a:uFillTx/>
+              <a:latin typeface="Helvetica Neue" pitchFamily="-84" charset="0"/>
+              <a:ea typeface="MS PGothic" pitchFamily="34" charset="-128"/>
+              <a:sym typeface="Helvetica Neue" pitchFamily="-84" charset="0"/>
+            </a:endParaRPr>
+          </a:p>
+        </p:txBody>
+      </p:sp>
     </p:spTree>
     <p:extLst>
       <p:ext uri="{BB962C8B-B14F-4D97-AF65-F5344CB8AC3E}">
         <p14:creationId xmlns:p14="http://schemas.microsoft.com/office/powerpoint/2010/main" val="1929613547"/>
+      </p:ext>
+    </p:extLst>
+  </p:cSld>
+  <p:clrMapOvr>
+    <a:masterClrMapping/>
+  </p:clrMapOvr>
+</p:sld>
+</file>
+
+<file path=ppt/slides/slide2.xml><?xml version="1.0" encoding="utf-8"?>
+<p:sld xmlns:a="http://schemas.openxmlformats.org/drawingml/2006/main" xmlns:r="http://schemas.openxmlformats.org/officeDocument/2006/relationships" xmlns:p="http://schemas.openxmlformats.org/presentationml/2006/main">
+  <p:cSld>
+    <p:spTree>
+      <p:nvGrpSpPr>
+        <p:cNvPr id="1" name=""/>
+        <p:cNvGrpSpPr/>
+        <p:nvPr/>
+      </p:nvGrpSpPr>
+      <p:grpSpPr>
+        <a:xfrm>
+          <a:off x="0" y="0"/>
+          <a:ext cx="0" cy="0"/>
+          <a:chOff x="0" y="0"/>
+          <a:chExt cx="0" cy="0"/>
+        </a:xfrm>
+      </p:grpSpPr>
+      <p:sp>
+        <p:nvSpPr>
+          <p:cNvPr id="15" name="AutoShape 1"/>
+          <p:cNvSpPr>
+            <a:spLocks/>
+          </p:cNvSpPr>
+          <p:nvPr/>
+        </p:nvSpPr>
+        <p:spPr bwMode="auto">
+          <a:xfrm>
+            <a:off x="208111" y="3158082"/>
+            <a:ext cx="3012426" cy="6336704"/>
+          </a:xfrm>
+          <a:prstGeom prst="roundRect">
+            <a:avLst>
+              <a:gd name="adj" fmla="val 3149"/>
+            </a:avLst>
+          </a:prstGeom>
+          <a:solidFill>
+            <a:srgbClr val="FFFEFE"/>
+          </a:solidFill>
+          <a:ln w="12700">
+            <a:solidFill>
+              <a:srgbClr val="ADADAD"/>
+            </a:solidFill>
+            <a:miter lim="800000"/>
+            <a:headEnd/>
+            <a:tailEnd/>
+          </a:ln>
+        </p:spPr>
+        <p:txBody>
+          <a:bodyPr lIns="190500" tIns="190500" rIns="190285" bIns="190500" anchor="ctr"/>
+          <a:lstStyle/>
+          <a:p>
+            <a:pPr marL="0" marR="0" lvl="0" indent="0" algn="l" defTabSz="914400" eaLnBrk="1" fontAlgn="auto" latinLnBrk="0" hangingPunct="1">
+              <a:lnSpc>
+                <a:spcPct val="100000"/>
+              </a:lnSpc>
+              <a:spcBef>
+                <a:spcPts val="0"/>
+              </a:spcBef>
+              <a:spcAft>
+                <a:spcPts val="0"/>
+              </a:spcAft>
+              <a:buClrTx/>
+              <a:buSzTx/>
+              <a:buFontTx/>
+              <a:buNone/>
+              <a:tabLst/>
+              <a:defRPr/>
+            </a:pPr>
+            <a:endParaRPr kumimoji="0" lang="en-US" sz="1100" b="0" i="0" u="none" strike="noStrike" kern="0" cap="none" spc="0" normalizeH="0" baseline="0" noProof="0" dirty="0" smtClean="0">
+              <a:ln>
+                <a:noFill/>
+              </a:ln>
+              <a:solidFill>
+                <a:srgbClr val="1A1A1A"/>
+              </a:solidFill>
+              <a:effectLst/>
+              <a:uLnTx/>
+              <a:uFillTx/>
+              <a:latin typeface="Helvetica Neue" pitchFamily="-84" charset="0"/>
+              <a:ea typeface="MS PGothic" pitchFamily="34" charset="-128"/>
+              <a:sym typeface="Helvetica Neue" pitchFamily="-84" charset="0"/>
+            </a:endParaRPr>
+          </a:p>
+        </p:txBody>
+      </p:sp>
+      <p:sp>
+        <p:nvSpPr>
+          <p:cNvPr id="16" name="Freeform 2"/>
+          <p:cNvSpPr>
+            <a:spLocks/>
+          </p:cNvSpPr>
+          <p:nvPr/>
+        </p:nvSpPr>
+        <p:spPr bwMode="auto">
+          <a:xfrm>
+            <a:off x="208111" y="2957467"/>
+            <a:ext cx="3012877" cy="533400"/>
+          </a:xfrm>
+          <a:custGeom>
+            <a:avLst/>
+            <a:gdLst>
+              <a:gd name="T0" fmla="*/ 0 w 21600"/>
+              <a:gd name="T1" fmla="*/ 5 h 21600"/>
+              <a:gd name="T2" fmla="*/ 0 w 21600"/>
+              <a:gd name="T3" fmla="*/ 1 h 21600"/>
+              <a:gd name="T4" fmla="*/ 15 w 21600"/>
+              <a:gd name="T5" fmla="*/ 0 h 21600"/>
+              <a:gd name="T6" fmla="*/ 2055 w 21600"/>
+              <a:gd name="T7" fmla="*/ 0 h 21600"/>
+              <a:gd name="T8" fmla="*/ 2071 w 21600"/>
+              <a:gd name="T9" fmla="*/ 1 h 21600"/>
+              <a:gd name="T10" fmla="*/ 2071 w 21600"/>
+              <a:gd name="T11" fmla="*/ 5 h 21600"/>
+              <a:gd name="T12" fmla="*/ 0 w 21600"/>
+              <a:gd name="T13" fmla="*/ 5 h 21600"/>
+              <a:gd name="T14" fmla="*/ 0 w 21600"/>
+              <a:gd name="T15" fmla="*/ 5 h 21600"/>
+              <a:gd name="T16" fmla="*/ 0 60000 65536"/>
+              <a:gd name="T17" fmla="*/ 0 60000 65536"/>
+              <a:gd name="T18" fmla="*/ 0 60000 65536"/>
+              <a:gd name="T19" fmla="*/ 0 60000 65536"/>
+              <a:gd name="T20" fmla="*/ 0 60000 65536"/>
+              <a:gd name="T21" fmla="*/ 0 60000 65536"/>
+              <a:gd name="T22" fmla="*/ 0 60000 65536"/>
+              <a:gd name="T23" fmla="*/ 0 60000 65536"/>
+            </a:gdLst>
+            <a:ahLst/>
+            <a:cxnLst>
+              <a:cxn ang="T16">
+                <a:pos x="T0" y="T1"/>
+              </a:cxn>
+              <a:cxn ang="T17">
+                <a:pos x="T2" y="T3"/>
+              </a:cxn>
+              <a:cxn ang="T18">
+                <a:pos x="T4" y="T5"/>
+              </a:cxn>
+              <a:cxn ang="T19">
+                <a:pos x="T6" y="T7"/>
+              </a:cxn>
+              <a:cxn ang="T20">
+                <a:pos x="T8" y="T9"/>
+              </a:cxn>
+              <a:cxn ang="T21">
+                <a:pos x="T10" y="T11"/>
+              </a:cxn>
+              <a:cxn ang="T22">
+                <a:pos x="T12" y="T13"/>
+              </a:cxn>
+              <a:cxn ang="T23">
+                <a:pos x="T14" y="T15"/>
+              </a:cxn>
+            </a:cxnLst>
+            <a:rect l="0" t="0" r="r" b="b"/>
+            <a:pathLst>
+              <a:path w="21600" h="21600">
+                <a:moveTo>
+                  <a:pt x="0" y="21586"/>
+                </a:moveTo>
+                <a:lnTo>
+                  <a:pt x="0" y="3035"/>
+                </a:lnTo>
+                <a:cubicBezTo>
+                  <a:pt x="0" y="3035"/>
+                  <a:pt x="9" y="0"/>
+                  <a:pt x="154" y="0"/>
+                </a:cubicBezTo>
+                <a:cubicBezTo>
+                  <a:pt x="299" y="0"/>
+                  <a:pt x="21426" y="0"/>
+                  <a:pt x="21426" y="0"/>
+                </a:cubicBezTo>
+                <a:cubicBezTo>
+                  <a:pt x="21426" y="0"/>
+                  <a:pt x="21600" y="182"/>
+                  <a:pt x="21600" y="3238"/>
+                </a:cubicBezTo>
+                <a:cubicBezTo>
+                  <a:pt x="21600" y="6293"/>
+                  <a:pt x="21600" y="21600"/>
+                  <a:pt x="21600" y="21600"/>
+                </a:cubicBezTo>
+                <a:cubicBezTo>
+                  <a:pt x="21600" y="21600"/>
+                  <a:pt x="23" y="21586"/>
+                  <a:pt x="0" y="21586"/>
+                </a:cubicBezTo>
+                <a:close/>
+                <a:moveTo>
+                  <a:pt x="0" y="21586"/>
+                </a:moveTo>
+              </a:path>
+            </a:pathLst>
+          </a:custGeom>
+          <a:solidFill>
+            <a:srgbClr val="367FBA"/>
+          </a:solidFill>
+          <a:ln w="12700" cap="flat">
+            <a:solidFill>
+              <a:srgbClr val="367FBA"/>
+            </a:solidFill>
+            <a:prstDash val="solid"/>
+            <a:miter lim="800000"/>
+            <a:headEnd type="none" w="med" len="med"/>
+            <a:tailEnd type="none" w="med" len="med"/>
+          </a:ln>
+        </p:spPr>
+        <p:txBody>
+          <a:bodyPr lIns="0" tIns="0" rIns="0" bIns="0" anchor="ctr"/>
+          <a:lstStyle/>
+          <a:p>
+            <a:pPr marL="0" marR="0" lvl="0" indent="0" algn="ctr" defTabSz="914400" eaLnBrk="1" fontAlgn="auto" latinLnBrk="0" hangingPunct="1">
+              <a:lnSpc>
+                <a:spcPct val="100000"/>
+              </a:lnSpc>
+              <a:spcBef>
+                <a:spcPts val="0"/>
+              </a:spcBef>
+              <a:spcAft>
+                <a:spcPts val="0"/>
+              </a:spcAft>
+              <a:buClrTx/>
+              <a:buSzTx/>
+              <a:buFontTx/>
+              <a:buNone/>
+              <a:tabLst/>
+              <a:defRPr/>
+            </a:pPr>
+            <a:r>
+              <a:rPr kumimoji="0" lang="de-DE" sz="1600" b="0" i="0" u="none" strike="noStrike" kern="0" cap="none" spc="0" normalizeH="0" baseline="0" noProof="0" dirty="0" err="1" smtClean="0">
+                <a:ln>
+                  <a:noFill/>
+                </a:ln>
+                <a:solidFill>
+                  <a:schemeClr val="bg1"/>
+                </a:solidFill>
+                <a:effectLst/>
+                <a:uLnTx/>
+                <a:uFillTx/>
+              </a:rPr>
+              <a:t>My</a:t>
+            </a:r>
+            <a:r>
+              <a:rPr kumimoji="0" lang="de-DE" sz="1600" b="0" i="0" u="none" strike="noStrike" kern="0" cap="none" spc="0" normalizeH="0" baseline="0" noProof="0" dirty="0" smtClean="0">
+                <a:ln>
+                  <a:noFill/>
+                </a:ln>
+                <a:solidFill>
+                  <a:schemeClr val="bg1"/>
+                </a:solidFill>
+                <a:effectLst/>
+                <a:uLnTx/>
+                <a:uFillTx/>
+              </a:rPr>
+              <a:t> </a:t>
+            </a:r>
+            <a:r>
+              <a:rPr kumimoji="0" lang="de-DE" sz="1600" b="0" i="0" u="none" strike="noStrike" kern="0" cap="none" spc="0" normalizeH="0" baseline="0" noProof="0" dirty="0" err="1" smtClean="0">
+                <a:ln>
+                  <a:noFill/>
+                </a:ln>
+                <a:solidFill>
+                  <a:schemeClr val="bg1"/>
+                </a:solidFill>
+                <a:effectLst/>
+                <a:uLnTx/>
+                <a:uFillTx/>
+              </a:rPr>
+              <a:t>day</a:t>
+            </a:r>
+            <a:endParaRPr kumimoji="0" lang="de-DE" sz="1600" b="0" i="0" u="none" strike="noStrike" kern="0" cap="none" spc="0" normalizeH="0" baseline="0" noProof="0" dirty="0" smtClean="0">
+              <a:ln>
+                <a:noFill/>
+              </a:ln>
+              <a:solidFill>
+                <a:schemeClr val="bg1"/>
+              </a:solidFill>
+              <a:effectLst/>
+              <a:uLnTx/>
+              <a:uFillTx/>
+            </a:endParaRPr>
+          </a:p>
+        </p:txBody>
+      </p:sp>
+      <p:sp>
+        <p:nvSpPr>
+          <p:cNvPr id="17" name="Rectangle 3"/>
+          <p:cNvSpPr>
+            <a:spLocks/>
+          </p:cNvSpPr>
+          <p:nvPr/>
+        </p:nvSpPr>
+        <p:spPr bwMode="auto">
+          <a:xfrm>
+            <a:off x="347811" y="2372027"/>
+            <a:ext cx="2707255" cy="215444"/>
+          </a:xfrm>
+          <a:prstGeom prst="rect">
+            <a:avLst/>
+          </a:prstGeom>
+          <a:noFill/>
+          <a:ln>
+            <a:noFill/>
+          </a:ln>
+          <a:extLst>
+            <a:ext uri="{909E8E84-426E-40DD-AFC4-6F175D3DCCD1}">
+              <a14:hiddenFill xmlns:a14="http://schemas.microsoft.com/office/drawing/2010/main">
+                <a:solidFill>
+                  <a:srgbClr val="FFFFFF"/>
+                </a:solidFill>
+              </a14:hiddenFill>
+            </a:ext>
+            <a:ext uri="{91240B29-F687-4F45-9708-019B960494DF}">
+              <a14:hiddenLine xmlns:a14="http://schemas.microsoft.com/office/drawing/2010/main" w="12700">
+                <a:solidFill>
+                  <a:srgbClr val="000000"/>
+                </a:solidFill>
+                <a:miter lim="800000"/>
+                <a:headEnd/>
+                <a:tailEnd/>
+              </a14:hiddenLine>
+            </a:ext>
+          </a:extLst>
+        </p:spPr>
+        <p:txBody>
+          <a:bodyPr wrap="none" lIns="0" tIns="0" rIns="-215" bIns="0" anchor="ctr">
+            <a:spAutoFit/>
+          </a:bodyPr>
+          <a:lstStyle/>
+          <a:p>
+            <a:pPr marL="0" marR="0" lvl="0" indent="0" algn="l" defTabSz="914400" eaLnBrk="1" fontAlgn="auto" latinLnBrk="0" hangingPunct="1">
+              <a:lnSpc>
+                <a:spcPct val="100000"/>
+              </a:lnSpc>
+              <a:spcBef>
+                <a:spcPts val="0"/>
+              </a:spcBef>
+              <a:spcAft>
+                <a:spcPts val="0"/>
+              </a:spcAft>
+              <a:buClrTx/>
+              <a:buSzTx/>
+              <a:buFontTx/>
+              <a:buNone/>
+              <a:tabLst/>
+              <a:defRPr/>
+            </a:pPr>
+            <a:r>
+              <a:rPr kumimoji="0" lang="en-US" sz="1400" b="1" i="0" u="none" strike="noStrike" kern="0" cap="none" spc="0" normalizeH="0" baseline="0" noProof="0" dirty="0" smtClean="0">
+                <a:ln>
+                  <a:noFill/>
+                </a:ln>
+                <a:solidFill>
+                  <a:srgbClr val="FFFFFF"/>
+                </a:solidFill>
+                <a:effectLst/>
+                <a:uLnTx/>
+                <a:uFillTx/>
+                <a:latin typeface="Helvetica Neue" pitchFamily="-84" charset="0"/>
+                <a:ea typeface="MS PGothic" pitchFamily="34" charset="-128"/>
+                <a:sym typeface="Helvetica Neue" pitchFamily="-84" charset="0"/>
+              </a:rPr>
+              <a:t>Meetings at Fri,</a:t>
+            </a:r>
+            <a:r>
+              <a:rPr kumimoji="0" lang="en-US" sz="1400" b="1" i="0" u="none" strike="noStrike" kern="0" cap="none" spc="0" normalizeH="0" noProof="0" dirty="0" smtClean="0">
+                <a:ln>
+                  <a:noFill/>
+                </a:ln>
+                <a:solidFill>
+                  <a:srgbClr val="FFFFFF"/>
+                </a:solidFill>
+                <a:effectLst/>
+                <a:uLnTx/>
+                <a:uFillTx/>
+                <a:latin typeface="Helvetica Neue" pitchFamily="-84" charset="0"/>
+                <a:ea typeface="MS PGothic" pitchFamily="34" charset="-128"/>
+                <a:sym typeface="Helvetica Neue" pitchFamily="-84" charset="0"/>
+              </a:rPr>
+              <a:t> 27</a:t>
+            </a:r>
+            <a:r>
+              <a:rPr kumimoji="0" lang="en-US" sz="1400" b="1" i="0" u="none" strike="noStrike" kern="0" cap="none" spc="0" normalizeH="0" baseline="30000" noProof="0" dirty="0" smtClean="0">
+                <a:ln>
+                  <a:noFill/>
+                </a:ln>
+                <a:solidFill>
+                  <a:srgbClr val="FFFFFF"/>
+                </a:solidFill>
+                <a:effectLst/>
+                <a:uLnTx/>
+                <a:uFillTx/>
+                <a:latin typeface="Helvetica Neue" pitchFamily="-84" charset="0"/>
+                <a:ea typeface="MS PGothic" pitchFamily="34" charset="-128"/>
+                <a:sym typeface="Helvetica Neue" pitchFamily="-84" charset="0"/>
+              </a:rPr>
+              <a:t>th</a:t>
+            </a:r>
+            <a:r>
+              <a:rPr kumimoji="0" lang="en-US" sz="1400" b="1" i="0" u="none" strike="noStrike" kern="0" cap="none" spc="0" normalizeH="0" noProof="0" dirty="0" smtClean="0">
+                <a:ln>
+                  <a:noFill/>
+                </a:ln>
+                <a:solidFill>
+                  <a:srgbClr val="FFFFFF"/>
+                </a:solidFill>
+                <a:effectLst/>
+                <a:uLnTx/>
+                <a:uFillTx/>
+                <a:latin typeface="Helvetica Neue" pitchFamily="-84" charset="0"/>
+                <a:ea typeface="MS PGothic" pitchFamily="34" charset="-128"/>
+                <a:sym typeface="Helvetica Neue" pitchFamily="-84" charset="0"/>
+              </a:rPr>
+              <a:t> of February</a:t>
+            </a:r>
+            <a:endParaRPr kumimoji="0" lang="en-US" sz="1400" b="1" i="0" u="none" strike="noStrike" kern="0" cap="none" spc="0" normalizeH="0" baseline="0" noProof="0" dirty="0" smtClean="0">
+              <a:ln>
+                <a:noFill/>
+              </a:ln>
+              <a:solidFill>
+                <a:srgbClr val="FFFFFF"/>
+              </a:solidFill>
+              <a:effectLst/>
+              <a:uLnTx/>
+              <a:uFillTx/>
+              <a:latin typeface="Helvetica Neue" pitchFamily="-84" charset="0"/>
+              <a:ea typeface="MS PGothic" pitchFamily="34" charset="-128"/>
+              <a:sym typeface="Helvetica Neue" pitchFamily="-84" charset="0"/>
+            </a:endParaRPr>
+          </a:p>
+        </p:txBody>
+      </p:sp>
+      <p:pic>
+        <p:nvPicPr>
+          <p:cNvPr id="1026" name="Picture 2"/>
+          <p:cNvPicPr>
+            <a:picLocks noChangeAspect="1" noChangeArrowheads="1"/>
+          </p:cNvPicPr>
+          <p:nvPr/>
+        </p:nvPicPr>
+        <p:blipFill>
+          <a:blip r:embed="rId3">
+            <a:extLst>
+              <a:ext uri="{28A0092B-C50C-407E-A947-70E740481C1C}">
+                <a14:useLocalDpi xmlns:a14="http://schemas.microsoft.com/office/drawing/2010/main" val="0"/>
+              </a:ext>
+            </a:extLst>
+          </a:blip>
+          <a:srcRect/>
+          <a:stretch>
+            <a:fillRect/>
+          </a:stretch>
+        </p:blipFill>
+        <p:spPr bwMode="auto">
+          <a:xfrm>
+            <a:off x="208111" y="1272208"/>
+            <a:ext cx="3012426" cy="1656184"/>
+          </a:xfrm>
+          <a:prstGeom prst="rect">
+            <a:avLst/>
+          </a:prstGeom>
+          <a:noFill/>
+          <a:ln>
+            <a:noFill/>
+          </a:ln>
+          <a:effectLst/>
+          <a:extLst>
+            <a:ext uri="{909E8E84-426E-40DD-AFC4-6F175D3DCCD1}">
+              <a14:hiddenFill xmlns:a14="http://schemas.microsoft.com/office/drawing/2010/main">
+                <a:solidFill>
+                  <a:schemeClr val="accent1"/>
+                </a:solidFill>
+              </a14:hiddenFill>
+            </a:ext>
+            <a:ext uri="{91240B29-F687-4F45-9708-019B960494DF}">
+              <a14:hiddenLine xmlns:a14="http://schemas.microsoft.com/office/drawing/2010/main" w="9525">
+                <a:solidFill>
+                  <a:schemeClr val="tx1"/>
+                </a:solidFill>
+                <a:miter lim="800000"/>
+                <a:headEnd/>
+                <a:tailEnd/>
+              </a14:hiddenLine>
+            </a:ext>
+            <a:ext uri="{AF507438-7753-43E0-B8FC-AC1667EBCBE1}">
+              <a14:hiddenEffects xmlns:a14="http://schemas.microsoft.com/office/drawing/2010/main">
+                <a:effectLst>
+                  <a:outerShdw dist="35921" dir="2700000" algn="ctr" rotWithShape="0">
+                    <a:schemeClr val="bg2"/>
+                  </a:outerShdw>
+                </a:effectLst>
+              </a14:hiddenEffects>
+            </a:ext>
+          </a:extLst>
+        </p:spPr>
+      </p:pic>
+      <p:sp>
+        <p:nvSpPr>
+          <p:cNvPr id="18" name="Rectangle 17"/>
+          <p:cNvSpPr/>
+          <p:nvPr/>
+        </p:nvSpPr>
+        <p:spPr>
+          <a:xfrm>
+            <a:off x="492726" y="3497387"/>
+            <a:ext cx="2728262" cy="736574"/>
+          </a:xfrm>
+          <a:prstGeom prst="rect">
+            <a:avLst/>
+          </a:prstGeom>
+          <a:solidFill>
+            <a:schemeClr val="bg1">
+              <a:lumMod val="95000"/>
+            </a:schemeClr>
+          </a:solidFill>
+          <a:ln>
+            <a:noFill/>
+          </a:ln>
+        </p:spPr>
+        <p:style>
+          <a:lnRef idx="2">
+            <a:schemeClr val="accent1">
+              <a:shade val="50000"/>
+            </a:schemeClr>
+          </a:lnRef>
+          <a:fillRef idx="1">
+            <a:schemeClr val="accent1"/>
+          </a:fillRef>
+          <a:effectRef idx="0">
+            <a:schemeClr val="accent1"/>
+          </a:effectRef>
+          <a:fontRef idx="minor">
+            <a:schemeClr val="lt1"/>
+          </a:fontRef>
+        </p:style>
+        <p:txBody>
+          <a:bodyPr rtlCol="0" anchor="ctr"/>
+          <a:lstStyle/>
+          <a:p>
+            <a:pPr lvl="0" defTabSz="914400">
+              <a:defRPr/>
+            </a:pPr>
+            <a:r>
+              <a:rPr lang="en-US" sz="1200" b="1" kern="0" dirty="0" smtClean="0">
+                <a:solidFill>
+                  <a:schemeClr val="tx1"/>
+                </a:solidFill>
+                <a:latin typeface="Helvetica Neue" pitchFamily="-84" charset="0"/>
+                <a:ea typeface="MS PGothic" pitchFamily="34" charset="-128"/>
+                <a:sym typeface="Helvetica Neue" pitchFamily="-84" charset="0"/>
+              </a:rPr>
+              <a:t>Meeting with Thomas</a:t>
+            </a:r>
+            <a:endParaRPr lang="en-US" sz="1050" kern="0" dirty="0">
+              <a:solidFill>
+                <a:schemeClr val="tx1"/>
+              </a:solidFill>
+              <a:latin typeface="Helvetica Neue" pitchFamily="-84" charset="0"/>
+              <a:ea typeface="MS PGothic" pitchFamily="34" charset="-128"/>
+              <a:sym typeface="Helvetica Neue" pitchFamily="-84" charset="0"/>
+            </a:endParaRPr>
+          </a:p>
+          <a:p>
+            <a:pPr lvl="0" defTabSz="914400">
+              <a:defRPr/>
+            </a:pPr>
+            <a:r>
+              <a:rPr lang="en-US" sz="1050" kern="0" dirty="0" smtClean="0">
+                <a:solidFill>
+                  <a:schemeClr val="tx1"/>
+                </a:solidFill>
+                <a:latin typeface="Helvetica Neue" pitchFamily="-84" charset="0"/>
+                <a:ea typeface="MS PGothic" pitchFamily="34" charset="-128"/>
+                <a:sym typeface="Helvetica Neue" pitchFamily="-84" charset="0"/>
+              </a:rPr>
+              <a:t>60 minutes</a:t>
+            </a:r>
+            <a:endParaRPr lang="en-US" sz="1050" kern="0" dirty="0">
+              <a:solidFill>
+                <a:schemeClr val="tx1"/>
+              </a:solidFill>
+              <a:latin typeface="Helvetica Neue" pitchFamily="-84" charset="0"/>
+              <a:ea typeface="MS PGothic" pitchFamily="34" charset="-128"/>
+              <a:sym typeface="Helvetica Neue" pitchFamily="-84" charset="0"/>
+            </a:endParaRPr>
+          </a:p>
+          <a:p>
+            <a:pPr lvl="0" defTabSz="914400">
+              <a:defRPr/>
+            </a:pPr>
+            <a:r>
+              <a:rPr lang="en-US" sz="1050" kern="0" dirty="0" smtClean="0">
+                <a:solidFill>
+                  <a:schemeClr val="tx1"/>
+                </a:solidFill>
+                <a:latin typeface="Helvetica Neue" pitchFamily="-84" charset="0"/>
+                <a:ea typeface="MS PGothic" pitchFamily="34" charset="-128"/>
+                <a:sym typeface="Helvetica Neue" pitchFamily="-84" charset="0"/>
+              </a:rPr>
+              <a:t>WDF7, X1.54</a:t>
+            </a:r>
+            <a:endParaRPr lang="en-US" sz="1050" kern="0" dirty="0">
+              <a:solidFill>
+                <a:schemeClr val="tx1"/>
+              </a:solidFill>
+              <a:latin typeface="Helvetica Neue" pitchFamily="-84" charset="0"/>
+              <a:ea typeface="MS PGothic" pitchFamily="34" charset="-128"/>
+              <a:sym typeface="Helvetica Neue" pitchFamily="-84" charset="0"/>
+            </a:endParaRPr>
+          </a:p>
+          <a:p>
+            <a:pPr algn="ctr"/>
+            <a:endParaRPr lang="de-DE" sz="1050" dirty="0">
+              <a:solidFill>
+                <a:schemeClr val="tx1"/>
+              </a:solidFill>
+            </a:endParaRPr>
+          </a:p>
+        </p:txBody>
+      </p:sp>
+      <p:sp>
+        <p:nvSpPr>
+          <p:cNvPr id="33" name="Rectangle 32"/>
+          <p:cNvSpPr/>
+          <p:nvPr/>
+        </p:nvSpPr>
+        <p:spPr>
+          <a:xfrm>
+            <a:off x="492726" y="4214074"/>
+            <a:ext cx="2728262" cy="736574"/>
+          </a:xfrm>
+          <a:prstGeom prst="rect">
+            <a:avLst/>
+          </a:prstGeom>
+          <a:solidFill>
+            <a:schemeClr val="bg1">
+              <a:lumMod val="95000"/>
+            </a:schemeClr>
+          </a:solidFill>
+          <a:ln>
+            <a:noFill/>
+          </a:ln>
+        </p:spPr>
+        <p:style>
+          <a:lnRef idx="2">
+            <a:schemeClr val="accent1">
+              <a:shade val="50000"/>
+            </a:schemeClr>
+          </a:lnRef>
+          <a:fillRef idx="1">
+            <a:schemeClr val="accent1"/>
+          </a:fillRef>
+          <a:effectRef idx="0">
+            <a:schemeClr val="accent1"/>
+          </a:effectRef>
+          <a:fontRef idx="minor">
+            <a:schemeClr val="lt1"/>
+          </a:fontRef>
+        </p:style>
+        <p:txBody>
+          <a:bodyPr rtlCol="0" anchor="ctr"/>
+          <a:lstStyle/>
+          <a:p>
+            <a:pPr lvl="0" defTabSz="914400">
+              <a:defRPr/>
+            </a:pPr>
+            <a:r>
+              <a:rPr lang="en-US" sz="1200" b="1" kern="0" dirty="0" smtClean="0">
+                <a:solidFill>
+                  <a:schemeClr val="tx1"/>
+                </a:solidFill>
+                <a:latin typeface="Helvetica Neue" pitchFamily="-84" charset="0"/>
+                <a:ea typeface="MS PGothic" pitchFamily="34" charset="-128"/>
+                <a:sym typeface="Helvetica Neue" pitchFamily="-84" charset="0"/>
+              </a:rPr>
+              <a:t>PFP</a:t>
+            </a:r>
+            <a:endParaRPr lang="en-US" sz="1050" kern="0" dirty="0">
+              <a:solidFill>
+                <a:schemeClr val="tx1"/>
+              </a:solidFill>
+              <a:latin typeface="Helvetica Neue" pitchFamily="-84" charset="0"/>
+              <a:ea typeface="MS PGothic" pitchFamily="34" charset="-128"/>
+              <a:sym typeface="Helvetica Neue" pitchFamily="-84" charset="0"/>
+            </a:endParaRPr>
+          </a:p>
+          <a:p>
+            <a:pPr lvl="0" defTabSz="914400">
+              <a:defRPr/>
+            </a:pPr>
+            <a:r>
+              <a:rPr lang="en-US" sz="1050" kern="0" dirty="0" smtClean="0">
+                <a:solidFill>
+                  <a:schemeClr val="tx1"/>
+                </a:solidFill>
+                <a:latin typeface="Helvetica Neue" pitchFamily="-84" charset="0"/>
+                <a:ea typeface="MS PGothic" pitchFamily="34" charset="-128"/>
+                <a:sym typeface="Helvetica Neue" pitchFamily="-84" charset="0"/>
+              </a:rPr>
+              <a:t>45 minutes</a:t>
+            </a:r>
+            <a:endParaRPr lang="en-US" sz="1050" kern="0" dirty="0">
+              <a:solidFill>
+                <a:schemeClr val="tx1"/>
+              </a:solidFill>
+              <a:latin typeface="Helvetica Neue" pitchFamily="-84" charset="0"/>
+              <a:ea typeface="MS PGothic" pitchFamily="34" charset="-128"/>
+              <a:sym typeface="Helvetica Neue" pitchFamily="-84" charset="0"/>
+            </a:endParaRPr>
+          </a:p>
+          <a:p>
+            <a:pPr lvl="0" defTabSz="914400">
+              <a:defRPr/>
+            </a:pPr>
+            <a:r>
+              <a:rPr lang="en-US" sz="1050" kern="0" dirty="0" smtClean="0">
+                <a:solidFill>
+                  <a:schemeClr val="tx1"/>
+                </a:solidFill>
+                <a:latin typeface="Helvetica Neue" pitchFamily="-84" charset="0"/>
+                <a:ea typeface="MS PGothic" pitchFamily="34" charset="-128"/>
+                <a:sym typeface="Helvetica Neue" pitchFamily="-84" charset="0"/>
+              </a:rPr>
+              <a:t>WDF7, X1.54</a:t>
+            </a:r>
+            <a:endParaRPr lang="en-US" sz="1050" kern="0" dirty="0">
+              <a:solidFill>
+                <a:schemeClr val="tx1"/>
+              </a:solidFill>
+              <a:latin typeface="Helvetica Neue" pitchFamily="-84" charset="0"/>
+              <a:ea typeface="MS PGothic" pitchFamily="34" charset="-128"/>
+              <a:sym typeface="Helvetica Neue" pitchFamily="-84" charset="0"/>
+            </a:endParaRPr>
+          </a:p>
+          <a:p>
+            <a:pPr algn="ctr"/>
+            <a:endParaRPr lang="de-DE" sz="1050" dirty="0">
+              <a:solidFill>
+                <a:schemeClr val="tx1"/>
+              </a:solidFill>
+            </a:endParaRPr>
+          </a:p>
+        </p:txBody>
+      </p:sp>
+      <p:sp>
+        <p:nvSpPr>
+          <p:cNvPr id="43" name="Rectangle 15"/>
+          <p:cNvSpPr>
+            <a:spLocks/>
+          </p:cNvSpPr>
+          <p:nvPr/>
+        </p:nvSpPr>
+        <p:spPr bwMode="auto">
+          <a:xfrm>
+            <a:off x="1936304" y="5020422"/>
+            <a:ext cx="1206500" cy="355600"/>
+          </a:xfrm>
+          <a:prstGeom prst="rect">
+            <a:avLst/>
+          </a:prstGeom>
+          <a:noFill/>
+          <a:ln>
+            <a:noFill/>
+          </a:ln>
+          <a:extLst>
+            <a:ext uri="{909E8E84-426E-40DD-AFC4-6F175D3DCCD1}">
+              <a14:hiddenFill xmlns:a14="http://schemas.microsoft.com/office/drawing/2010/main">
+                <a:solidFill>
+                  <a:srgbClr val="FFFFFF"/>
+                </a:solidFill>
+              </a14:hiddenFill>
+            </a:ext>
+            <a:ext uri="{91240B29-F687-4F45-9708-019B960494DF}">
+              <a14:hiddenLine xmlns:a14="http://schemas.microsoft.com/office/drawing/2010/main" w="12700">
+                <a:solidFill>
+                  <a:srgbClr val="000000"/>
+                </a:solidFill>
+                <a:miter lim="800000"/>
+                <a:headEnd/>
+                <a:tailEnd/>
+              </a14:hiddenLine>
+            </a:ext>
+          </a:extLst>
+        </p:spPr>
+        <p:txBody>
+          <a:bodyPr lIns="0" tIns="0" rIns="-215" bIns="0" anchor="ctr"/>
+          <a:lstStyle/>
+          <a:p>
+            <a:pPr algn="r"/>
+            <a:r>
+              <a:rPr lang="en-US" sz="1400" dirty="0" smtClean="0">
+                <a:solidFill>
+                  <a:schemeClr val="bg1">
+                    <a:lumMod val="65000"/>
+                  </a:schemeClr>
+                </a:solidFill>
+                <a:latin typeface="Helvetica Neue" pitchFamily="-84" charset="0"/>
+                <a:ea typeface="MS PGothic" pitchFamily="34" charset="-128"/>
+                <a:sym typeface="Helvetica Neue" pitchFamily="-84" charset="0"/>
+              </a:rPr>
+              <a:t>Assign</a:t>
+            </a:r>
+            <a:r>
+              <a:rPr lang="en-US" sz="1400" dirty="0" smtClean="0">
+                <a:solidFill>
+                  <a:schemeClr val="bg1">
+                    <a:lumMod val="65000"/>
+                  </a:schemeClr>
+                </a:solidFill>
+                <a:latin typeface="Webdings" pitchFamily="18" charset="2"/>
+                <a:ea typeface="MS PGothic" pitchFamily="34" charset="-128"/>
+                <a:sym typeface="Webdings" pitchFamily="18" charset="2"/>
+              </a:rPr>
+              <a:t> </a:t>
+            </a:r>
+            <a:r>
+              <a:rPr lang="en-US" sz="1400" dirty="0">
+                <a:solidFill>
+                  <a:schemeClr val="bg1">
+                    <a:lumMod val="65000"/>
+                  </a:schemeClr>
+                </a:solidFill>
+                <a:latin typeface="Webdings" pitchFamily="18" charset="2"/>
+                <a:ea typeface="MS PGothic" pitchFamily="34" charset="-128"/>
+                <a:sym typeface="Webdings" pitchFamily="18" charset="2"/>
+              </a:rPr>
+              <a:t>6</a:t>
+            </a:r>
+          </a:p>
+        </p:txBody>
+      </p:sp>
+      <p:sp>
+        <p:nvSpPr>
+          <p:cNvPr id="45" name="Rectangle 44"/>
+          <p:cNvSpPr/>
+          <p:nvPr/>
+        </p:nvSpPr>
+        <p:spPr>
+          <a:xfrm>
+            <a:off x="492726" y="4944616"/>
+            <a:ext cx="2728262" cy="736574"/>
+          </a:xfrm>
+          <a:prstGeom prst="rect">
+            <a:avLst/>
+          </a:prstGeom>
+          <a:solidFill>
+            <a:schemeClr val="bg1">
+              <a:lumMod val="95000"/>
+            </a:schemeClr>
+          </a:solidFill>
+          <a:ln>
+            <a:noFill/>
+          </a:ln>
+        </p:spPr>
+        <p:style>
+          <a:lnRef idx="2">
+            <a:schemeClr val="accent1">
+              <a:shade val="50000"/>
+            </a:schemeClr>
+          </a:lnRef>
+          <a:fillRef idx="1">
+            <a:schemeClr val="accent1"/>
+          </a:fillRef>
+          <a:effectRef idx="0">
+            <a:schemeClr val="accent1"/>
+          </a:effectRef>
+          <a:fontRef idx="minor">
+            <a:schemeClr val="lt1"/>
+          </a:fontRef>
+        </p:style>
+        <p:txBody>
+          <a:bodyPr rtlCol="0" anchor="ctr"/>
+          <a:lstStyle/>
+          <a:p>
+            <a:pPr lvl="0" defTabSz="914400">
+              <a:defRPr/>
+            </a:pPr>
+            <a:r>
+              <a:rPr lang="en-US" sz="1200" b="1" kern="0" dirty="0" smtClean="0">
+                <a:solidFill>
+                  <a:schemeClr val="tx1"/>
+                </a:solidFill>
+                <a:latin typeface="Helvetica Neue" pitchFamily="-84" charset="0"/>
+                <a:ea typeface="MS PGothic" pitchFamily="34" charset="-128"/>
+                <a:sym typeface="Helvetica Neue" pitchFamily="-84" charset="0"/>
+              </a:rPr>
+              <a:t>Conception for CATS</a:t>
+            </a:r>
+            <a:endParaRPr lang="en-US" sz="1050" kern="0" dirty="0">
+              <a:solidFill>
+                <a:schemeClr val="tx1"/>
+              </a:solidFill>
+              <a:latin typeface="Helvetica Neue" pitchFamily="-84" charset="0"/>
+              <a:ea typeface="MS PGothic" pitchFamily="34" charset="-128"/>
+              <a:sym typeface="Helvetica Neue" pitchFamily="-84" charset="0"/>
+            </a:endParaRPr>
+          </a:p>
+          <a:p>
+            <a:pPr lvl="0" defTabSz="914400">
+              <a:defRPr/>
+            </a:pPr>
+            <a:r>
+              <a:rPr lang="en-US" sz="1050" kern="0" dirty="0" smtClean="0">
+                <a:solidFill>
+                  <a:schemeClr val="tx1"/>
+                </a:solidFill>
+                <a:latin typeface="Helvetica Neue" pitchFamily="-84" charset="0"/>
+                <a:ea typeface="MS PGothic" pitchFamily="34" charset="-128"/>
+                <a:sym typeface="Helvetica Neue" pitchFamily="-84" charset="0"/>
+              </a:rPr>
+              <a:t>90 minutes</a:t>
+            </a:r>
+            <a:endParaRPr lang="en-US" sz="1050" kern="0" dirty="0">
+              <a:solidFill>
+                <a:schemeClr val="tx1"/>
+              </a:solidFill>
+              <a:latin typeface="Helvetica Neue" pitchFamily="-84" charset="0"/>
+              <a:ea typeface="MS PGothic" pitchFamily="34" charset="-128"/>
+              <a:sym typeface="Helvetica Neue" pitchFamily="-84" charset="0"/>
+            </a:endParaRPr>
+          </a:p>
+          <a:p>
+            <a:pPr lvl="0" defTabSz="914400">
+              <a:defRPr/>
+            </a:pPr>
+            <a:r>
+              <a:rPr lang="en-US" sz="1050" kern="0" dirty="0" smtClean="0">
+                <a:solidFill>
+                  <a:schemeClr val="tx1"/>
+                </a:solidFill>
+                <a:latin typeface="Helvetica Neue" pitchFamily="-84" charset="0"/>
+                <a:ea typeface="MS PGothic" pitchFamily="34" charset="-128"/>
+                <a:sym typeface="Helvetica Neue" pitchFamily="-84" charset="0"/>
+              </a:rPr>
+              <a:t>WDF7, X1.54</a:t>
+            </a:r>
+            <a:endParaRPr lang="en-US" sz="1050" kern="0" dirty="0">
+              <a:solidFill>
+                <a:schemeClr val="tx1"/>
+              </a:solidFill>
+              <a:latin typeface="Helvetica Neue" pitchFamily="-84" charset="0"/>
+              <a:ea typeface="MS PGothic" pitchFamily="34" charset="-128"/>
+              <a:sym typeface="Helvetica Neue" pitchFamily="-84" charset="0"/>
+            </a:endParaRPr>
+          </a:p>
+          <a:p>
+            <a:pPr algn="ctr"/>
+            <a:endParaRPr lang="de-DE" sz="1050" dirty="0">
+              <a:solidFill>
+                <a:schemeClr val="tx1"/>
+              </a:solidFill>
+            </a:endParaRPr>
+          </a:p>
+        </p:txBody>
+      </p:sp>
+      <p:sp>
+        <p:nvSpPr>
+          <p:cNvPr id="48" name="Rectangle 47"/>
+          <p:cNvSpPr/>
+          <p:nvPr/>
+        </p:nvSpPr>
+        <p:spPr>
+          <a:xfrm>
+            <a:off x="492726" y="5681190"/>
+            <a:ext cx="2728262" cy="736574"/>
+          </a:xfrm>
+          <a:prstGeom prst="rect">
+            <a:avLst/>
+          </a:prstGeom>
+          <a:solidFill>
+            <a:schemeClr val="bg1">
+              <a:lumMod val="95000"/>
+            </a:schemeClr>
+          </a:solidFill>
+          <a:ln>
+            <a:noFill/>
+          </a:ln>
+        </p:spPr>
+        <p:style>
+          <a:lnRef idx="2">
+            <a:schemeClr val="accent1">
+              <a:shade val="50000"/>
+            </a:schemeClr>
+          </a:lnRef>
+          <a:fillRef idx="1">
+            <a:schemeClr val="accent1"/>
+          </a:fillRef>
+          <a:effectRef idx="0">
+            <a:schemeClr val="accent1"/>
+          </a:effectRef>
+          <a:fontRef idx="minor">
+            <a:schemeClr val="lt1"/>
+          </a:fontRef>
+        </p:style>
+        <p:txBody>
+          <a:bodyPr rtlCol="0" anchor="ctr"/>
+          <a:lstStyle/>
+          <a:p>
+            <a:pPr defTabSz="914400"/>
+            <a:r>
+              <a:rPr lang="en-US" sz="1200" b="1" kern="0" dirty="0">
+                <a:solidFill>
+                  <a:schemeClr val="tx1"/>
+                </a:solidFill>
+                <a:latin typeface="Helvetica Neue" pitchFamily="-84" charset="0"/>
+                <a:ea typeface="MS PGothic" pitchFamily="34" charset="-128"/>
+                <a:sym typeface="Helvetica Neue" pitchFamily="-84" charset="0"/>
+              </a:rPr>
+              <a:t>Planning Bridge</a:t>
+            </a:r>
+          </a:p>
+          <a:p>
+            <a:pPr defTabSz="914400">
+              <a:defRPr/>
+            </a:pPr>
+            <a:r>
+              <a:rPr lang="en-US" sz="1050" kern="0" dirty="0">
+                <a:solidFill>
+                  <a:schemeClr val="tx1"/>
+                </a:solidFill>
+                <a:latin typeface="Helvetica Neue" pitchFamily="-84" charset="0"/>
+                <a:ea typeface="MS PGothic" pitchFamily="34" charset="-128"/>
+                <a:sym typeface="Helvetica Neue" pitchFamily="-84" charset="0"/>
+              </a:rPr>
+              <a:t>90 minutes</a:t>
+            </a:r>
+          </a:p>
+          <a:p>
+            <a:pPr defTabSz="914400">
+              <a:defRPr/>
+            </a:pPr>
+            <a:r>
+              <a:rPr lang="en-US" sz="1050" kern="0" dirty="0">
+                <a:solidFill>
+                  <a:schemeClr val="tx1"/>
+                </a:solidFill>
+                <a:latin typeface="Helvetica Neue" pitchFamily="-84" charset="0"/>
+                <a:ea typeface="MS PGothic" pitchFamily="34" charset="-128"/>
+                <a:sym typeface="Helvetica Neue" pitchFamily="-84" charset="0"/>
+              </a:rPr>
+              <a:t>WDF7, X1.54</a:t>
+            </a:r>
+          </a:p>
+          <a:p>
+            <a:pPr defTabSz="914400"/>
+            <a:endParaRPr lang="de-DE" sz="1200" b="1" kern="0" dirty="0">
+              <a:solidFill>
+                <a:schemeClr val="tx1"/>
+              </a:solidFill>
+              <a:latin typeface="Helvetica Neue" pitchFamily="-84" charset="0"/>
+              <a:ea typeface="MS PGothic" pitchFamily="34" charset="-128"/>
+            </a:endParaRPr>
+          </a:p>
+        </p:txBody>
+      </p:sp>
+      <p:sp>
+        <p:nvSpPr>
+          <p:cNvPr id="51" name="Rectangle 50"/>
+          <p:cNvSpPr/>
+          <p:nvPr/>
+        </p:nvSpPr>
+        <p:spPr>
+          <a:xfrm>
+            <a:off x="492726" y="6417764"/>
+            <a:ext cx="2728262" cy="736574"/>
+          </a:xfrm>
+          <a:prstGeom prst="rect">
+            <a:avLst/>
+          </a:prstGeom>
+          <a:solidFill>
+            <a:schemeClr val="bg1">
+              <a:lumMod val="95000"/>
+            </a:schemeClr>
+          </a:solidFill>
+          <a:ln>
+            <a:noFill/>
+          </a:ln>
+        </p:spPr>
+        <p:style>
+          <a:lnRef idx="2">
+            <a:schemeClr val="accent1">
+              <a:shade val="50000"/>
+            </a:schemeClr>
+          </a:lnRef>
+          <a:fillRef idx="1">
+            <a:schemeClr val="accent1"/>
+          </a:fillRef>
+          <a:effectRef idx="0">
+            <a:schemeClr val="accent1"/>
+          </a:effectRef>
+          <a:fontRef idx="minor">
+            <a:schemeClr val="lt1"/>
+          </a:fontRef>
+        </p:style>
+        <p:txBody>
+          <a:bodyPr rtlCol="0" anchor="ctr"/>
+          <a:lstStyle/>
+          <a:p>
+            <a:pPr defTabSz="914400"/>
+            <a:r>
+              <a:rPr lang="en-US" sz="1200" b="1" kern="0" dirty="0">
+                <a:solidFill>
+                  <a:schemeClr val="tx1"/>
+                </a:solidFill>
+                <a:latin typeface="Helvetica Neue" pitchFamily="-84" charset="0"/>
+                <a:ea typeface="MS PGothic" pitchFamily="34" charset="-128"/>
+                <a:sym typeface="Helvetica Neue" pitchFamily="-84" charset="0"/>
+              </a:rPr>
+              <a:t>TwoGo Ride to Karlsruhe</a:t>
+            </a:r>
+          </a:p>
+          <a:p>
+            <a:pPr defTabSz="914400">
+              <a:defRPr/>
+            </a:pPr>
+            <a:r>
+              <a:rPr lang="en-US" sz="1050" kern="0" dirty="0">
+                <a:solidFill>
+                  <a:schemeClr val="tx1"/>
+                </a:solidFill>
+                <a:latin typeface="Helvetica Neue" pitchFamily="-84" charset="0"/>
+                <a:ea typeface="MS PGothic" pitchFamily="34" charset="-128"/>
+                <a:sym typeface="Helvetica Neue" pitchFamily="-84" charset="0"/>
+              </a:rPr>
+              <a:t>40 minutes</a:t>
+            </a:r>
+          </a:p>
+          <a:p>
+            <a:pPr defTabSz="914400">
+              <a:defRPr/>
+            </a:pPr>
+            <a:r>
+              <a:rPr lang="en-US" sz="1050" kern="0" dirty="0">
+                <a:solidFill>
+                  <a:schemeClr val="tx1"/>
+                </a:solidFill>
+                <a:latin typeface="Helvetica Neue" pitchFamily="-84" charset="0"/>
+                <a:ea typeface="MS PGothic" pitchFamily="34" charset="-128"/>
+                <a:sym typeface="Helvetica Neue" pitchFamily="-84" charset="0"/>
+              </a:rPr>
+              <a:t>No location</a:t>
+            </a:r>
+          </a:p>
+          <a:p>
+            <a:pPr defTabSz="914400"/>
+            <a:endParaRPr lang="de-DE" sz="1200" b="1" kern="0" dirty="0">
+              <a:solidFill>
+                <a:schemeClr val="tx1"/>
+              </a:solidFill>
+              <a:latin typeface="Helvetica Neue" pitchFamily="-84" charset="0"/>
+              <a:ea typeface="MS PGothic" pitchFamily="34" charset="-128"/>
+            </a:endParaRPr>
+          </a:p>
+        </p:txBody>
+      </p:sp>
+      <p:sp>
+        <p:nvSpPr>
+          <p:cNvPr id="55" name="AutoShape 1"/>
+          <p:cNvSpPr>
+            <a:spLocks/>
+          </p:cNvSpPr>
+          <p:nvPr/>
+        </p:nvSpPr>
+        <p:spPr bwMode="auto">
+          <a:xfrm>
+            <a:off x="3307700" y="1825935"/>
+            <a:ext cx="9214469" cy="7668851"/>
+          </a:xfrm>
+          <a:prstGeom prst="roundRect">
+            <a:avLst>
+              <a:gd name="adj" fmla="val 697"/>
+            </a:avLst>
+          </a:prstGeom>
+          <a:solidFill>
+            <a:srgbClr val="FFFEFE"/>
+          </a:solidFill>
+          <a:ln w="12700">
+            <a:solidFill>
+              <a:srgbClr val="ADADAD"/>
+            </a:solidFill>
+            <a:miter lim="800000"/>
+            <a:headEnd/>
+            <a:tailEnd/>
+          </a:ln>
+        </p:spPr>
+        <p:txBody>
+          <a:bodyPr lIns="190500" tIns="190500" rIns="190285" bIns="190500" anchor="ctr"/>
+          <a:lstStyle/>
+          <a:p>
+            <a:pPr marL="0" marR="0" lvl="0" indent="0" algn="l" defTabSz="914400" eaLnBrk="1" fontAlgn="auto" latinLnBrk="0" hangingPunct="1">
+              <a:lnSpc>
+                <a:spcPct val="100000"/>
+              </a:lnSpc>
+              <a:spcBef>
+                <a:spcPts val="0"/>
+              </a:spcBef>
+              <a:spcAft>
+                <a:spcPts val="0"/>
+              </a:spcAft>
+              <a:buClrTx/>
+              <a:buSzTx/>
+              <a:buFontTx/>
+              <a:buNone/>
+              <a:tabLst/>
+              <a:defRPr/>
+            </a:pPr>
+            <a:endParaRPr kumimoji="0" lang="en-US" sz="1100" b="0" i="0" u="none" strike="noStrike" kern="0" cap="none" spc="0" normalizeH="0" baseline="0" noProof="0" dirty="0" smtClean="0">
+              <a:ln>
+                <a:noFill/>
+              </a:ln>
+              <a:solidFill>
+                <a:srgbClr val="1A1A1A"/>
+              </a:solidFill>
+              <a:effectLst/>
+              <a:uLnTx/>
+              <a:uFillTx/>
+              <a:latin typeface="Helvetica Neue" pitchFamily="-84" charset="0"/>
+              <a:ea typeface="MS PGothic" pitchFamily="34" charset="-128"/>
+              <a:sym typeface="Helvetica Neue" pitchFamily="-84" charset="0"/>
+            </a:endParaRPr>
+          </a:p>
+        </p:txBody>
+      </p:sp>
+      <p:sp>
+        <p:nvSpPr>
+          <p:cNvPr id="56" name="Freeform 2"/>
+          <p:cNvSpPr>
+            <a:spLocks/>
+          </p:cNvSpPr>
+          <p:nvPr/>
+        </p:nvSpPr>
+        <p:spPr bwMode="auto">
+          <a:xfrm>
+            <a:off x="3307011" y="1344216"/>
+            <a:ext cx="9215849" cy="533400"/>
+          </a:xfrm>
+          <a:prstGeom prst="round2SameRect">
+            <a:avLst/>
+          </a:prstGeom>
+          <a:solidFill>
+            <a:srgbClr val="367FBA"/>
+          </a:solidFill>
+          <a:ln w="12700" cap="flat">
+            <a:solidFill>
+              <a:srgbClr val="367FBA"/>
+            </a:solidFill>
+            <a:prstDash val="solid"/>
+            <a:miter lim="800000"/>
+            <a:headEnd type="none" w="med" len="med"/>
+            <a:tailEnd type="none" w="med" len="med"/>
+          </a:ln>
+        </p:spPr>
+        <p:txBody>
+          <a:bodyPr lIns="0" tIns="0" rIns="0" bIns="0" anchor="ctr"/>
+          <a:lstStyle/>
+          <a:p>
+            <a:pPr marL="0" marR="0" lvl="0" indent="0" algn="ctr" defTabSz="914400" eaLnBrk="1" fontAlgn="auto" latinLnBrk="0" hangingPunct="1">
+              <a:lnSpc>
+                <a:spcPct val="100000"/>
+              </a:lnSpc>
+              <a:spcBef>
+                <a:spcPts val="0"/>
+              </a:spcBef>
+              <a:spcAft>
+                <a:spcPts val="0"/>
+              </a:spcAft>
+              <a:buClrTx/>
+              <a:buSzTx/>
+              <a:buFontTx/>
+              <a:buNone/>
+              <a:tabLst/>
+              <a:defRPr/>
+            </a:pPr>
+            <a:r>
+              <a:rPr kumimoji="0" lang="de-DE" sz="1600" b="0" i="0" u="none" strike="noStrike" kern="0" cap="none" spc="0" normalizeH="0" baseline="0" noProof="0" dirty="0" smtClean="0">
+                <a:ln>
+                  <a:noFill/>
+                </a:ln>
+                <a:solidFill>
+                  <a:schemeClr val="bg1"/>
+                </a:solidFill>
+                <a:effectLst/>
+                <a:uLnTx/>
+                <a:uFillTx/>
+              </a:rPr>
+              <a:t>27th </a:t>
+            </a:r>
+            <a:r>
+              <a:rPr kumimoji="0" lang="de-DE" sz="1600" b="0" i="0" u="none" strike="noStrike" kern="0" cap="none" spc="0" normalizeH="0" baseline="0" noProof="0" dirty="0" err="1" smtClean="0">
+                <a:ln>
+                  <a:noFill/>
+                </a:ln>
+                <a:solidFill>
+                  <a:schemeClr val="bg1"/>
+                </a:solidFill>
+                <a:effectLst/>
+                <a:uLnTx/>
+                <a:uFillTx/>
+              </a:rPr>
+              <a:t>of</a:t>
+            </a:r>
+            <a:r>
+              <a:rPr kumimoji="0" lang="de-DE" sz="1600" b="0" i="0" u="none" strike="noStrike" kern="0" cap="none" spc="0" normalizeH="0" baseline="0" noProof="0" dirty="0" smtClean="0">
+                <a:ln>
+                  <a:noFill/>
+                </a:ln>
+                <a:solidFill>
+                  <a:schemeClr val="bg1"/>
+                </a:solidFill>
+                <a:effectLst/>
+                <a:uLnTx/>
+                <a:uFillTx/>
+              </a:rPr>
+              <a:t> March</a:t>
+            </a:r>
+          </a:p>
+        </p:txBody>
+      </p:sp>
+      <p:sp>
+        <p:nvSpPr>
+          <p:cNvPr id="58" name="Rectangle 57"/>
+          <p:cNvSpPr/>
+          <p:nvPr/>
+        </p:nvSpPr>
+        <p:spPr>
+          <a:xfrm>
+            <a:off x="208111" y="624136"/>
+            <a:ext cx="12313368" cy="144016"/>
+          </a:xfrm>
+          <a:prstGeom prst="rect">
+            <a:avLst/>
+          </a:prstGeom>
+          <a:solidFill>
+            <a:srgbClr val="ACACAC"/>
+          </a:solidFill>
+          <a:ln>
+            <a:noFill/>
+          </a:ln>
+        </p:spPr>
+        <p:style>
+          <a:lnRef idx="2">
+            <a:schemeClr val="accent1">
+              <a:shade val="50000"/>
+            </a:schemeClr>
+          </a:lnRef>
+          <a:fillRef idx="1">
+            <a:schemeClr val="accent1"/>
+          </a:fillRef>
+          <a:effectRef idx="0">
+            <a:schemeClr val="accent1"/>
+          </a:effectRef>
+          <a:fontRef idx="minor">
+            <a:schemeClr val="lt1"/>
+          </a:fontRef>
+        </p:style>
+        <p:txBody>
+          <a:bodyPr rtlCol="0" anchor="ctr"/>
+          <a:lstStyle/>
+          <a:p>
+            <a:pPr algn="ctr"/>
+            <a:endParaRPr lang="de-DE" dirty="0"/>
+          </a:p>
+        </p:txBody>
+      </p:sp>
+      <p:sp>
+        <p:nvSpPr>
+          <p:cNvPr id="61" name="Rectangle 60"/>
+          <p:cNvSpPr/>
+          <p:nvPr/>
+        </p:nvSpPr>
+        <p:spPr>
+          <a:xfrm>
+            <a:off x="492727" y="624136"/>
+            <a:ext cx="207641" cy="144016"/>
+          </a:xfrm>
+          <a:prstGeom prst="rect">
+            <a:avLst/>
+          </a:prstGeom>
+          <a:solidFill>
+            <a:srgbClr val="F0AB00"/>
+          </a:solidFill>
+          <a:ln>
+            <a:noFill/>
+          </a:ln>
+        </p:spPr>
+        <p:style>
+          <a:lnRef idx="2">
+            <a:schemeClr val="accent1">
+              <a:shade val="50000"/>
+            </a:schemeClr>
+          </a:lnRef>
+          <a:fillRef idx="1">
+            <a:schemeClr val="accent1"/>
+          </a:fillRef>
+          <a:effectRef idx="0">
+            <a:schemeClr val="accent1"/>
+          </a:effectRef>
+          <a:fontRef idx="minor">
+            <a:schemeClr val="lt1"/>
+          </a:fontRef>
+        </p:style>
+        <p:txBody>
+          <a:bodyPr rtlCol="0" anchor="ctr"/>
+          <a:lstStyle/>
+          <a:p>
+            <a:pPr algn="ctr"/>
+            <a:endParaRPr lang="de-DE" dirty="0"/>
+          </a:p>
+        </p:txBody>
+      </p:sp>
+      <p:sp>
+        <p:nvSpPr>
+          <p:cNvPr id="62" name="Rectangle 61"/>
+          <p:cNvSpPr/>
+          <p:nvPr/>
+        </p:nvSpPr>
+        <p:spPr>
+          <a:xfrm>
+            <a:off x="2944416" y="624136"/>
+            <a:ext cx="792088" cy="144016"/>
+          </a:xfrm>
+          <a:prstGeom prst="rect">
+            <a:avLst/>
+          </a:prstGeom>
+          <a:solidFill>
+            <a:srgbClr val="F0AB00"/>
+          </a:solidFill>
+          <a:ln>
+            <a:noFill/>
+          </a:ln>
+        </p:spPr>
+        <p:style>
+          <a:lnRef idx="2">
+            <a:schemeClr val="accent1">
+              <a:shade val="50000"/>
+            </a:schemeClr>
+          </a:lnRef>
+          <a:fillRef idx="1">
+            <a:schemeClr val="accent1"/>
+          </a:fillRef>
+          <a:effectRef idx="0">
+            <a:schemeClr val="accent1"/>
+          </a:effectRef>
+          <a:fontRef idx="minor">
+            <a:schemeClr val="lt1"/>
+          </a:fontRef>
+        </p:style>
+        <p:txBody>
+          <a:bodyPr rtlCol="0" anchor="ctr"/>
+          <a:lstStyle/>
+          <a:p>
+            <a:pPr algn="ctr"/>
+            <a:endParaRPr lang="de-DE" dirty="0"/>
+          </a:p>
+        </p:txBody>
+      </p:sp>
+      <p:sp>
+        <p:nvSpPr>
+          <p:cNvPr id="64" name="Rectangle 63"/>
+          <p:cNvSpPr/>
+          <p:nvPr/>
+        </p:nvSpPr>
+        <p:spPr>
+          <a:xfrm>
+            <a:off x="4168552" y="624136"/>
+            <a:ext cx="120713" cy="144016"/>
+          </a:xfrm>
+          <a:prstGeom prst="rect">
+            <a:avLst/>
+          </a:prstGeom>
+          <a:solidFill>
+            <a:srgbClr val="F0AB00"/>
+          </a:solidFill>
+          <a:ln>
+            <a:noFill/>
+          </a:ln>
+        </p:spPr>
+        <p:style>
+          <a:lnRef idx="2">
+            <a:schemeClr val="accent1">
+              <a:shade val="50000"/>
+            </a:schemeClr>
+          </a:lnRef>
+          <a:fillRef idx="1">
+            <a:schemeClr val="accent1"/>
+          </a:fillRef>
+          <a:effectRef idx="0">
+            <a:schemeClr val="accent1"/>
+          </a:effectRef>
+          <a:fontRef idx="minor">
+            <a:schemeClr val="lt1"/>
+          </a:fontRef>
+        </p:style>
+        <p:txBody>
+          <a:bodyPr rtlCol="0" anchor="ctr"/>
+          <a:lstStyle/>
+          <a:p>
+            <a:pPr algn="ctr"/>
+            <a:endParaRPr lang="de-DE" dirty="0"/>
+          </a:p>
+        </p:txBody>
+      </p:sp>
+      <p:sp>
+        <p:nvSpPr>
+          <p:cNvPr id="65" name="Rectangle 64"/>
+          <p:cNvSpPr/>
+          <p:nvPr/>
+        </p:nvSpPr>
+        <p:spPr>
+          <a:xfrm>
+            <a:off x="8128992" y="632520"/>
+            <a:ext cx="792088" cy="135632"/>
+          </a:xfrm>
+          <a:prstGeom prst="rect">
+            <a:avLst/>
+          </a:prstGeom>
+          <a:solidFill>
+            <a:srgbClr val="F0AB00"/>
+          </a:solidFill>
+          <a:ln>
+            <a:noFill/>
+          </a:ln>
+        </p:spPr>
+        <p:style>
+          <a:lnRef idx="2">
+            <a:schemeClr val="accent1">
+              <a:shade val="50000"/>
+            </a:schemeClr>
+          </a:lnRef>
+          <a:fillRef idx="1">
+            <a:schemeClr val="accent1"/>
+          </a:fillRef>
+          <a:effectRef idx="0">
+            <a:schemeClr val="accent1"/>
+          </a:effectRef>
+          <a:fontRef idx="minor">
+            <a:schemeClr val="lt1"/>
+          </a:fontRef>
+        </p:style>
+        <p:txBody>
+          <a:bodyPr rtlCol="0" anchor="ctr"/>
+          <a:lstStyle/>
+          <a:p>
+            <a:pPr algn="ctr"/>
+            <a:endParaRPr lang="de-DE" dirty="0"/>
+          </a:p>
+        </p:txBody>
+      </p:sp>
+      <p:sp>
+        <p:nvSpPr>
+          <p:cNvPr id="66" name="Rectangle 65"/>
+          <p:cNvSpPr/>
+          <p:nvPr/>
+        </p:nvSpPr>
+        <p:spPr>
+          <a:xfrm>
+            <a:off x="208111" y="624136"/>
+            <a:ext cx="284616" cy="144016"/>
+          </a:xfrm>
+          <a:prstGeom prst="rect">
+            <a:avLst/>
+          </a:prstGeom>
+          <a:solidFill>
+            <a:srgbClr val="FADD99"/>
+          </a:solidFill>
+          <a:ln>
+            <a:noFill/>
+          </a:ln>
+        </p:spPr>
+        <p:style>
+          <a:lnRef idx="2">
+            <a:schemeClr val="accent1">
+              <a:shade val="50000"/>
+            </a:schemeClr>
+          </a:lnRef>
+          <a:fillRef idx="1">
+            <a:schemeClr val="accent1"/>
+          </a:fillRef>
+          <a:effectRef idx="0">
+            <a:schemeClr val="accent1"/>
+          </a:effectRef>
+          <a:fontRef idx="minor">
+            <a:schemeClr val="lt1"/>
+          </a:fontRef>
+        </p:style>
+        <p:txBody>
+          <a:bodyPr rtlCol="0" anchor="ctr"/>
+          <a:lstStyle/>
+          <a:p>
+            <a:pPr algn="ctr"/>
+            <a:endParaRPr lang="de-DE" dirty="0"/>
+          </a:p>
+        </p:txBody>
+      </p:sp>
+      <p:sp>
+        <p:nvSpPr>
+          <p:cNvPr id="67" name="Rectangle 66"/>
+          <p:cNvSpPr/>
+          <p:nvPr/>
+        </p:nvSpPr>
+        <p:spPr>
+          <a:xfrm>
+            <a:off x="700368" y="624136"/>
+            <a:ext cx="155816" cy="144016"/>
+          </a:xfrm>
+          <a:prstGeom prst="rect">
+            <a:avLst/>
+          </a:prstGeom>
+          <a:solidFill>
+            <a:srgbClr val="FADD99"/>
+          </a:solidFill>
+          <a:ln>
+            <a:noFill/>
+          </a:ln>
+        </p:spPr>
+        <p:style>
+          <a:lnRef idx="2">
+            <a:schemeClr val="accent1">
+              <a:shade val="50000"/>
+            </a:schemeClr>
+          </a:lnRef>
+          <a:fillRef idx="1">
+            <a:schemeClr val="accent1"/>
+          </a:fillRef>
+          <a:effectRef idx="0">
+            <a:schemeClr val="accent1"/>
+          </a:effectRef>
+          <a:fontRef idx="minor">
+            <a:schemeClr val="lt1"/>
+          </a:fontRef>
+        </p:style>
+        <p:txBody>
+          <a:bodyPr rtlCol="0" anchor="ctr"/>
+          <a:lstStyle/>
+          <a:p>
+            <a:pPr algn="ctr"/>
+            <a:endParaRPr lang="de-DE" dirty="0"/>
+          </a:p>
+        </p:txBody>
+      </p:sp>
+      <p:sp>
+        <p:nvSpPr>
+          <p:cNvPr id="68" name="Rectangle 67"/>
+          <p:cNvSpPr/>
+          <p:nvPr/>
+        </p:nvSpPr>
+        <p:spPr>
+          <a:xfrm>
+            <a:off x="3736504" y="628328"/>
+            <a:ext cx="284616" cy="139824"/>
+          </a:xfrm>
+          <a:prstGeom prst="rect">
+            <a:avLst/>
+          </a:prstGeom>
+          <a:solidFill>
+            <a:srgbClr val="FADD99"/>
+          </a:solidFill>
+          <a:ln>
+            <a:noFill/>
+          </a:ln>
+        </p:spPr>
+        <p:style>
+          <a:lnRef idx="2">
+            <a:schemeClr val="accent1">
+              <a:shade val="50000"/>
+            </a:schemeClr>
+          </a:lnRef>
+          <a:fillRef idx="1">
+            <a:schemeClr val="accent1"/>
+          </a:fillRef>
+          <a:effectRef idx="0">
+            <a:schemeClr val="accent1"/>
+          </a:effectRef>
+          <a:fontRef idx="minor">
+            <a:schemeClr val="lt1"/>
+          </a:fontRef>
+        </p:style>
+        <p:txBody>
+          <a:bodyPr rtlCol="0" anchor="ctr"/>
+          <a:lstStyle/>
+          <a:p>
+            <a:pPr algn="ctr"/>
+            <a:endParaRPr lang="de-DE" dirty="0"/>
+          </a:p>
+        </p:txBody>
+      </p:sp>
+      <p:sp>
+        <p:nvSpPr>
+          <p:cNvPr id="69" name="Rectangle 68"/>
+          <p:cNvSpPr/>
+          <p:nvPr/>
+        </p:nvSpPr>
+        <p:spPr>
+          <a:xfrm>
+            <a:off x="4289264" y="624136"/>
+            <a:ext cx="671375" cy="144016"/>
+          </a:xfrm>
+          <a:prstGeom prst="rect">
+            <a:avLst/>
+          </a:prstGeom>
+          <a:solidFill>
+            <a:srgbClr val="FADD99"/>
+          </a:solidFill>
+          <a:ln>
+            <a:noFill/>
+          </a:ln>
+        </p:spPr>
+        <p:style>
+          <a:lnRef idx="2">
+            <a:schemeClr val="accent1">
+              <a:shade val="50000"/>
+            </a:schemeClr>
+          </a:lnRef>
+          <a:fillRef idx="1">
+            <a:schemeClr val="accent1"/>
+          </a:fillRef>
+          <a:effectRef idx="0">
+            <a:schemeClr val="accent1"/>
+          </a:effectRef>
+          <a:fontRef idx="minor">
+            <a:schemeClr val="lt1"/>
+          </a:fontRef>
+        </p:style>
+        <p:txBody>
+          <a:bodyPr rtlCol="0" anchor="ctr"/>
+          <a:lstStyle/>
+          <a:p>
+            <a:pPr algn="ctr"/>
+            <a:endParaRPr lang="de-DE" dirty="0"/>
+          </a:p>
+        </p:txBody>
+      </p:sp>
+      <p:sp>
+        <p:nvSpPr>
+          <p:cNvPr id="70" name="Rectangle 69"/>
+          <p:cNvSpPr/>
+          <p:nvPr/>
+        </p:nvSpPr>
+        <p:spPr>
+          <a:xfrm>
+            <a:off x="1008584" y="624136"/>
+            <a:ext cx="855712" cy="144016"/>
+          </a:xfrm>
+          <a:prstGeom prst="rect">
+            <a:avLst/>
+          </a:prstGeom>
+          <a:solidFill>
+            <a:srgbClr val="FADD99"/>
+          </a:solidFill>
+          <a:ln>
+            <a:noFill/>
+          </a:ln>
+        </p:spPr>
+        <p:style>
+          <a:lnRef idx="2">
+            <a:schemeClr val="accent1">
+              <a:shade val="50000"/>
+            </a:schemeClr>
+          </a:lnRef>
+          <a:fillRef idx="1">
+            <a:schemeClr val="accent1"/>
+          </a:fillRef>
+          <a:effectRef idx="0">
+            <a:schemeClr val="accent1"/>
+          </a:effectRef>
+          <a:fontRef idx="minor">
+            <a:schemeClr val="lt1"/>
+          </a:fontRef>
+        </p:style>
+        <p:txBody>
+          <a:bodyPr rtlCol="0" anchor="ctr"/>
+          <a:lstStyle/>
+          <a:p>
+            <a:pPr algn="ctr"/>
+            <a:endParaRPr lang="de-DE" dirty="0"/>
+          </a:p>
+        </p:txBody>
+      </p:sp>
+      <p:sp>
+        <p:nvSpPr>
+          <p:cNvPr id="71" name="Rectangle 70"/>
+          <p:cNvSpPr/>
+          <p:nvPr/>
+        </p:nvSpPr>
+        <p:spPr>
+          <a:xfrm>
+            <a:off x="1992884" y="624136"/>
+            <a:ext cx="855712" cy="144016"/>
+          </a:xfrm>
+          <a:prstGeom prst="rect">
+            <a:avLst/>
+          </a:prstGeom>
+          <a:solidFill>
+            <a:srgbClr val="FADD99"/>
+          </a:solidFill>
+          <a:ln>
+            <a:noFill/>
+          </a:ln>
+        </p:spPr>
+        <p:style>
+          <a:lnRef idx="2">
+            <a:schemeClr val="accent1">
+              <a:shade val="50000"/>
+            </a:schemeClr>
+          </a:lnRef>
+          <a:fillRef idx="1">
+            <a:schemeClr val="accent1"/>
+          </a:fillRef>
+          <a:effectRef idx="0">
+            <a:schemeClr val="accent1"/>
+          </a:effectRef>
+          <a:fontRef idx="minor">
+            <a:schemeClr val="lt1"/>
+          </a:fontRef>
+        </p:style>
+        <p:txBody>
+          <a:bodyPr rtlCol="0" anchor="ctr"/>
+          <a:lstStyle/>
+          <a:p>
+            <a:pPr algn="ctr"/>
+            <a:endParaRPr lang="de-DE" dirty="0"/>
+          </a:p>
+        </p:txBody>
+      </p:sp>
+      <p:sp>
+        <p:nvSpPr>
+          <p:cNvPr id="73" name="Rectangle 72"/>
+          <p:cNvSpPr/>
+          <p:nvPr/>
+        </p:nvSpPr>
+        <p:spPr>
+          <a:xfrm>
+            <a:off x="5104656" y="624136"/>
+            <a:ext cx="855712" cy="144016"/>
+          </a:xfrm>
+          <a:prstGeom prst="rect">
+            <a:avLst/>
+          </a:prstGeom>
+          <a:solidFill>
+            <a:srgbClr val="FADD99"/>
+          </a:solidFill>
+          <a:ln>
+            <a:noFill/>
+          </a:ln>
+        </p:spPr>
+        <p:style>
+          <a:lnRef idx="2">
+            <a:schemeClr val="accent1">
+              <a:shade val="50000"/>
+            </a:schemeClr>
+          </a:lnRef>
+          <a:fillRef idx="1">
+            <a:schemeClr val="accent1"/>
+          </a:fillRef>
+          <a:effectRef idx="0">
+            <a:schemeClr val="accent1"/>
+          </a:effectRef>
+          <a:fontRef idx="minor">
+            <a:schemeClr val="lt1"/>
+          </a:fontRef>
+        </p:style>
+        <p:txBody>
+          <a:bodyPr rtlCol="0" anchor="ctr"/>
+          <a:lstStyle/>
+          <a:p>
+            <a:pPr algn="ctr"/>
+            <a:endParaRPr lang="de-DE" dirty="0"/>
+          </a:p>
+        </p:txBody>
+      </p:sp>
+      <p:sp>
+        <p:nvSpPr>
+          <p:cNvPr id="74" name="Rectangle 73"/>
+          <p:cNvSpPr/>
+          <p:nvPr/>
+        </p:nvSpPr>
+        <p:spPr>
+          <a:xfrm>
+            <a:off x="6112768" y="624136"/>
+            <a:ext cx="855712" cy="144016"/>
+          </a:xfrm>
+          <a:prstGeom prst="rect">
+            <a:avLst/>
+          </a:prstGeom>
+          <a:solidFill>
+            <a:srgbClr val="FADD99"/>
+          </a:solidFill>
+          <a:ln>
+            <a:noFill/>
+          </a:ln>
+        </p:spPr>
+        <p:style>
+          <a:lnRef idx="2">
+            <a:schemeClr val="accent1">
+              <a:shade val="50000"/>
+            </a:schemeClr>
+          </a:lnRef>
+          <a:fillRef idx="1">
+            <a:schemeClr val="accent1"/>
+          </a:fillRef>
+          <a:effectRef idx="0">
+            <a:schemeClr val="accent1"/>
+          </a:effectRef>
+          <a:fontRef idx="minor">
+            <a:schemeClr val="lt1"/>
+          </a:fontRef>
+        </p:style>
+        <p:txBody>
+          <a:bodyPr rtlCol="0" anchor="ctr"/>
+          <a:lstStyle/>
+          <a:p>
+            <a:pPr algn="ctr"/>
+            <a:endParaRPr lang="de-DE" dirty="0"/>
+          </a:p>
+        </p:txBody>
+      </p:sp>
+      <p:sp>
+        <p:nvSpPr>
+          <p:cNvPr id="75" name="Rectangle 74"/>
+          <p:cNvSpPr/>
+          <p:nvPr/>
+        </p:nvSpPr>
+        <p:spPr>
+          <a:xfrm>
+            <a:off x="7120880" y="624136"/>
+            <a:ext cx="855712" cy="144016"/>
+          </a:xfrm>
+          <a:prstGeom prst="rect">
+            <a:avLst/>
+          </a:prstGeom>
+          <a:solidFill>
+            <a:srgbClr val="FADD99"/>
+          </a:solidFill>
+          <a:ln>
+            <a:noFill/>
+          </a:ln>
+        </p:spPr>
+        <p:style>
+          <a:lnRef idx="2">
+            <a:schemeClr val="accent1">
+              <a:shade val="50000"/>
+            </a:schemeClr>
+          </a:lnRef>
+          <a:fillRef idx="1">
+            <a:schemeClr val="accent1"/>
+          </a:fillRef>
+          <a:effectRef idx="0">
+            <a:schemeClr val="accent1"/>
+          </a:effectRef>
+          <a:fontRef idx="minor">
+            <a:schemeClr val="lt1"/>
+          </a:fontRef>
+        </p:style>
+        <p:txBody>
+          <a:bodyPr rtlCol="0" anchor="ctr"/>
+          <a:lstStyle/>
+          <a:p>
+            <a:pPr algn="ctr"/>
+            <a:endParaRPr lang="de-DE" dirty="0"/>
+          </a:p>
+        </p:txBody>
+      </p:sp>
+      <p:sp>
+        <p:nvSpPr>
+          <p:cNvPr id="76" name="Rectangle 75"/>
+          <p:cNvSpPr/>
+          <p:nvPr/>
+        </p:nvSpPr>
+        <p:spPr>
+          <a:xfrm>
+            <a:off x="9073480" y="632520"/>
+            <a:ext cx="792088" cy="135632"/>
+          </a:xfrm>
+          <a:prstGeom prst="rect">
+            <a:avLst/>
+          </a:prstGeom>
+          <a:solidFill>
+            <a:srgbClr val="F0AB00"/>
+          </a:solidFill>
+          <a:ln>
+            <a:noFill/>
+          </a:ln>
+        </p:spPr>
+        <p:style>
+          <a:lnRef idx="2">
+            <a:schemeClr val="accent1">
+              <a:shade val="50000"/>
+            </a:schemeClr>
+          </a:lnRef>
+          <a:fillRef idx="1">
+            <a:schemeClr val="accent1"/>
+          </a:fillRef>
+          <a:effectRef idx="0">
+            <a:schemeClr val="accent1"/>
+          </a:effectRef>
+          <a:fontRef idx="minor">
+            <a:schemeClr val="lt1"/>
+          </a:fontRef>
+        </p:style>
+        <p:txBody>
+          <a:bodyPr rtlCol="0" anchor="ctr"/>
+          <a:lstStyle/>
+          <a:p>
+            <a:pPr algn="ctr"/>
+            <a:endParaRPr lang="de-DE" dirty="0"/>
+          </a:p>
+        </p:txBody>
+      </p:sp>
+      <p:sp>
+        <p:nvSpPr>
+          <p:cNvPr id="77" name="Rectangle 76"/>
+          <p:cNvSpPr/>
+          <p:nvPr/>
+        </p:nvSpPr>
+        <p:spPr>
+          <a:xfrm>
+            <a:off x="10001200" y="624136"/>
+            <a:ext cx="855712" cy="144016"/>
+          </a:xfrm>
+          <a:prstGeom prst="rect">
+            <a:avLst/>
+          </a:prstGeom>
+          <a:solidFill>
+            <a:srgbClr val="FADD99"/>
+          </a:solidFill>
+          <a:ln>
+            <a:noFill/>
+          </a:ln>
+        </p:spPr>
+        <p:style>
+          <a:lnRef idx="2">
+            <a:schemeClr val="accent1">
+              <a:shade val="50000"/>
+            </a:schemeClr>
+          </a:lnRef>
+          <a:fillRef idx="1">
+            <a:schemeClr val="accent1"/>
+          </a:fillRef>
+          <a:effectRef idx="0">
+            <a:schemeClr val="accent1"/>
+          </a:effectRef>
+          <a:fontRef idx="minor">
+            <a:schemeClr val="lt1"/>
+          </a:fontRef>
+        </p:style>
+        <p:txBody>
+          <a:bodyPr rtlCol="0" anchor="ctr"/>
+          <a:lstStyle/>
+          <a:p>
+            <a:pPr algn="ctr"/>
+            <a:endParaRPr lang="de-DE" dirty="0"/>
+          </a:p>
+        </p:txBody>
+      </p:sp>
+      <p:sp>
+        <p:nvSpPr>
+          <p:cNvPr id="78" name="Rectangle 77"/>
+          <p:cNvSpPr/>
+          <p:nvPr/>
+        </p:nvSpPr>
+        <p:spPr>
+          <a:xfrm>
+            <a:off x="11009312" y="624136"/>
+            <a:ext cx="855712" cy="144016"/>
+          </a:xfrm>
+          <a:prstGeom prst="rect">
+            <a:avLst/>
+          </a:prstGeom>
+          <a:solidFill>
+            <a:srgbClr val="FADD99"/>
+          </a:solidFill>
+          <a:ln>
+            <a:noFill/>
+          </a:ln>
+        </p:spPr>
+        <p:style>
+          <a:lnRef idx="2">
+            <a:schemeClr val="accent1">
+              <a:shade val="50000"/>
+            </a:schemeClr>
+          </a:lnRef>
+          <a:fillRef idx="1">
+            <a:schemeClr val="accent1"/>
+          </a:fillRef>
+          <a:effectRef idx="0">
+            <a:schemeClr val="accent1"/>
+          </a:effectRef>
+          <a:fontRef idx="minor">
+            <a:schemeClr val="lt1"/>
+          </a:fontRef>
+        </p:style>
+        <p:txBody>
+          <a:bodyPr rtlCol="0" anchor="ctr"/>
+          <a:lstStyle/>
+          <a:p>
+            <a:pPr algn="ctr"/>
+            <a:endParaRPr lang="de-DE" dirty="0"/>
+          </a:p>
+        </p:txBody>
+      </p:sp>
+      <p:sp>
+        <p:nvSpPr>
+          <p:cNvPr id="79" name="Rectangle 78"/>
+          <p:cNvSpPr/>
+          <p:nvPr/>
+        </p:nvSpPr>
+        <p:spPr>
+          <a:xfrm>
+            <a:off x="12093623" y="624136"/>
+            <a:ext cx="429237" cy="144016"/>
+          </a:xfrm>
+          <a:prstGeom prst="rect">
+            <a:avLst/>
+          </a:prstGeom>
+          <a:solidFill>
+            <a:srgbClr val="FADD99"/>
+          </a:solidFill>
+          <a:ln>
+            <a:noFill/>
+          </a:ln>
+        </p:spPr>
+        <p:style>
+          <a:lnRef idx="2">
+            <a:schemeClr val="accent1">
+              <a:shade val="50000"/>
+            </a:schemeClr>
+          </a:lnRef>
+          <a:fillRef idx="1">
+            <a:schemeClr val="accent1"/>
+          </a:fillRef>
+          <a:effectRef idx="0">
+            <a:schemeClr val="accent1"/>
+          </a:effectRef>
+          <a:fontRef idx="minor">
+            <a:schemeClr val="lt1"/>
+          </a:fontRef>
+        </p:style>
+        <p:txBody>
+          <a:bodyPr rtlCol="0" anchor="ctr"/>
+          <a:lstStyle/>
+          <a:p>
+            <a:pPr algn="ctr"/>
+            <a:endParaRPr lang="de-DE" dirty="0"/>
+          </a:p>
+        </p:txBody>
+      </p:sp>
+      <p:sp>
+        <p:nvSpPr>
+          <p:cNvPr id="80" name="Rectangle 79"/>
+          <p:cNvSpPr/>
+          <p:nvPr/>
+        </p:nvSpPr>
+        <p:spPr>
+          <a:xfrm>
+            <a:off x="208111" y="768152"/>
+            <a:ext cx="4156621" cy="144840"/>
+          </a:xfrm>
+          <a:prstGeom prst="rect">
+            <a:avLst/>
+          </a:prstGeom>
+          <a:noFill/>
+          <a:ln>
+            <a:noFill/>
+          </a:ln>
+        </p:spPr>
+        <p:style>
+          <a:lnRef idx="2">
+            <a:schemeClr val="accent1">
+              <a:shade val="50000"/>
+            </a:schemeClr>
+          </a:lnRef>
+          <a:fillRef idx="1">
+            <a:schemeClr val="accent1"/>
+          </a:fillRef>
+          <a:effectRef idx="0">
+            <a:schemeClr val="accent1"/>
+          </a:effectRef>
+          <a:fontRef idx="minor">
+            <a:schemeClr val="lt1"/>
+          </a:fontRef>
+        </p:style>
+        <p:txBody>
+          <a:bodyPr rtlCol="0" anchor="ctr"/>
+          <a:lstStyle/>
+          <a:p>
+            <a:pPr algn="ctr"/>
+            <a:r>
+              <a:rPr lang="de-DE" sz="1100" dirty="0" err="1" smtClean="0">
+                <a:solidFill>
+                  <a:schemeClr val="tx1"/>
+                </a:solidFill>
+              </a:rPr>
+              <a:t>January</a:t>
+            </a:r>
+            <a:endParaRPr lang="de-DE" sz="1100" dirty="0">
+              <a:solidFill>
+                <a:schemeClr val="tx1"/>
+              </a:solidFill>
+            </a:endParaRPr>
+          </a:p>
+        </p:txBody>
+      </p:sp>
+      <p:sp>
+        <p:nvSpPr>
+          <p:cNvPr id="82" name="Rectangle 81"/>
+          <p:cNvSpPr/>
+          <p:nvPr/>
+        </p:nvSpPr>
+        <p:spPr>
+          <a:xfrm>
+            <a:off x="4384575" y="768976"/>
+            <a:ext cx="3960441" cy="144016"/>
+          </a:xfrm>
+          <a:prstGeom prst="rect">
+            <a:avLst/>
+          </a:prstGeom>
+          <a:noFill/>
+          <a:ln>
+            <a:noFill/>
+          </a:ln>
+        </p:spPr>
+        <p:style>
+          <a:lnRef idx="2">
+            <a:schemeClr val="accent1">
+              <a:shade val="50000"/>
+            </a:schemeClr>
+          </a:lnRef>
+          <a:fillRef idx="1">
+            <a:schemeClr val="accent1"/>
+          </a:fillRef>
+          <a:effectRef idx="0">
+            <a:schemeClr val="accent1"/>
+          </a:effectRef>
+          <a:fontRef idx="minor">
+            <a:schemeClr val="lt1"/>
+          </a:fontRef>
+        </p:style>
+        <p:txBody>
+          <a:bodyPr rtlCol="0" anchor="ctr"/>
+          <a:lstStyle/>
+          <a:p>
+            <a:pPr algn="ctr"/>
+            <a:r>
+              <a:rPr lang="de-DE" sz="1100" dirty="0" err="1" smtClean="0">
+                <a:solidFill>
+                  <a:schemeClr val="tx1"/>
+                </a:solidFill>
+              </a:rPr>
+              <a:t>February</a:t>
+            </a:r>
+            <a:endParaRPr lang="de-DE" sz="1100" dirty="0">
+              <a:solidFill>
+                <a:schemeClr val="tx1"/>
+              </a:solidFill>
+            </a:endParaRPr>
+          </a:p>
+        </p:txBody>
+      </p:sp>
+      <p:sp>
+        <p:nvSpPr>
+          <p:cNvPr id="83" name="Rectangle 82"/>
+          <p:cNvSpPr/>
+          <p:nvPr/>
+        </p:nvSpPr>
+        <p:spPr>
+          <a:xfrm>
+            <a:off x="8345017" y="768976"/>
+            <a:ext cx="4177844" cy="144016"/>
+          </a:xfrm>
+          <a:prstGeom prst="rect">
+            <a:avLst/>
+          </a:prstGeom>
+          <a:noFill/>
+          <a:ln>
+            <a:noFill/>
+          </a:ln>
+        </p:spPr>
+        <p:style>
+          <a:lnRef idx="2">
+            <a:schemeClr val="accent1">
+              <a:shade val="50000"/>
+            </a:schemeClr>
+          </a:lnRef>
+          <a:fillRef idx="1">
+            <a:schemeClr val="accent1"/>
+          </a:fillRef>
+          <a:effectRef idx="0">
+            <a:schemeClr val="accent1"/>
+          </a:effectRef>
+          <a:fontRef idx="minor">
+            <a:schemeClr val="lt1"/>
+          </a:fontRef>
+        </p:style>
+        <p:txBody>
+          <a:bodyPr rtlCol="0" anchor="ctr"/>
+          <a:lstStyle/>
+          <a:p>
+            <a:pPr algn="ctr"/>
+            <a:r>
+              <a:rPr lang="de-DE" sz="1100" dirty="0" smtClean="0">
+                <a:solidFill>
+                  <a:schemeClr val="tx1"/>
+                </a:solidFill>
+              </a:rPr>
+              <a:t>March</a:t>
+            </a:r>
+            <a:endParaRPr lang="de-DE" sz="1100" dirty="0">
+              <a:solidFill>
+                <a:schemeClr val="tx1"/>
+              </a:solidFill>
+            </a:endParaRPr>
+          </a:p>
+        </p:txBody>
+      </p:sp>
+      <p:cxnSp>
+        <p:nvCxnSpPr>
+          <p:cNvPr id="84" name="Straight Connector 83"/>
+          <p:cNvCxnSpPr/>
+          <p:nvPr/>
+        </p:nvCxnSpPr>
+        <p:spPr>
+          <a:xfrm>
+            <a:off x="4292280" y="555908"/>
+            <a:ext cx="0" cy="288856"/>
+          </a:xfrm>
+          <a:prstGeom prst="line">
+            <a:avLst/>
+          </a:prstGeom>
+          <a:ln w="19050">
+            <a:solidFill>
+              <a:schemeClr val="tx1">
+                <a:lumMod val="75000"/>
+                <a:lumOff val="25000"/>
+              </a:schemeClr>
+            </a:solidFill>
+            <a:prstDash val="sysDash"/>
+          </a:ln>
+        </p:spPr>
+        <p:style>
+          <a:lnRef idx="1">
+            <a:schemeClr val="dk1"/>
+          </a:lnRef>
+          <a:fillRef idx="0">
+            <a:schemeClr val="dk1"/>
+          </a:fillRef>
+          <a:effectRef idx="0">
+            <a:schemeClr val="dk1"/>
+          </a:effectRef>
+          <a:fontRef idx="minor">
+            <a:schemeClr val="tx1"/>
+          </a:fontRef>
+        </p:style>
+      </p:cxnSp>
+      <p:cxnSp>
+        <p:nvCxnSpPr>
+          <p:cNvPr id="89" name="Straight Connector 88"/>
+          <p:cNvCxnSpPr/>
+          <p:nvPr/>
+        </p:nvCxnSpPr>
+        <p:spPr>
+          <a:xfrm>
+            <a:off x="8115972" y="563880"/>
+            <a:ext cx="0" cy="288856"/>
+          </a:xfrm>
+          <a:prstGeom prst="line">
+            <a:avLst/>
+          </a:prstGeom>
+          <a:ln w="19050">
+            <a:solidFill>
+              <a:schemeClr val="tx1">
+                <a:lumMod val="75000"/>
+                <a:lumOff val="25000"/>
+              </a:schemeClr>
+            </a:solidFill>
+            <a:prstDash val="sysDash"/>
+          </a:ln>
+        </p:spPr>
+        <p:style>
+          <a:lnRef idx="1">
+            <a:schemeClr val="dk1"/>
+          </a:lnRef>
+          <a:fillRef idx="0">
+            <a:schemeClr val="dk1"/>
+          </a:fillRef>
+          <a:effectRef idx="0">
+            <a:schemeClr val="dk1"/>
+          </a:effectRef>
+          <a:fontRef idx="minor">
+            <a:schemeClr val="tx1"/>
+          </a:fontRef>
+        </p:style>
+      </p:cxnSp>
+      <p:sp>
+        <p:nvSpPr>
+          <p:cNvPr id="108" name="AutoShape 10"/>
+          <p:cNvSpPr>
+            <a:spLocks/>
+          </p:cNvSpPr>
+          <p:nvPr/>
+        </p:nvSpPr>
+        <p:spPr bwMode="auto">
+          <a:xfrm>
+            <a:off x="3388634" y="1488232"/>
+            <a:ext cx="900000" cy="288000"/>
+          </a:xfrm>
+          <a:prstGeom prst="roundRect">
+            <a:avLst>
+              <a:gd name="adj" fmla="val 8417"/>
+            </a:avLst>
+          </a:prstGeom>
+          <a:solidFill>
+            <a:schemeClr val="bg1"/>
+          </a:solidFill>
+          <a:ln>
+            <a:solidFill>
+              <a:srgbClr val="ADADAD"/>
+            </a:solidFill>
+          </a:ln>
+        </p:spPr>
+        <p:txBody>
+          <a:bodyPr lIns="0" tIns="0" rIns="-215" bIns="0" anchor="ctr"/>
+          <a:lstStyle/>
+          <a:p>
+            <a:pPr lvl="0" algn="ctr" defTabSz="914400"/>
+            <a:r>
+              <a:rPr lang="de-DE" sz="1200" dirty="0">
+                <a:latin typeface="SAP-icons" panose="02000503000000000000" pitchFamily="2" charset="0"/>
+              </a:rPr>
+              <a:t></a:t>
+            </a:r>
+            <a:endParaRPr kumimoji="0" lang="en-US" sz="1200" i="0" u="none" strike="noStrike" kern="0" cap="none" spc="0" normalizeH="0" baseline="0" noProof="0" dirty="0" smtClean="0">
+              <a:ln>
+                <a:noFill/>
+              </a:ln>
+              <a:effectLst/>
+              <a:uLnTx/>
+              <a:uFillTx/>
+              <a:latin typeface="SAP-icons" panose="02000503000000000000" pitchFamily="2" charset="0"/>
+              <a:ea typeface="MS PGothic" pitchFamily="34" charset="-128"/>
+              <a:sym typeface="Helvetica Neue" pitchFamily="-84" charset="0"/>
+            </a:endParaRPr>
+          </a:p>
+        </p:txBody>
+      </p:sp>
+      <p:sp>
+        <p:nvSpPr>
+          <p:cNvPr id="109" name="AutoShape 10"/>
+          <p:cNvSpPr>
+            <a:spLocks/>
+          </p:cNvSpPr>
+          <p:nvPr/>
+        </p:nvSpPr>
+        <p:spPr bwMode="auto">
+          <a:xfrm>
+            <a:off x="11549472" y="1488232"/>
+            <a:ext cx="900000" cy="288000"/>
+          </a:xfrm>
+          <a:prstGeom prst="roundRect">
+            <a:avLst>
+              <a:gd name="adj" fmla="val 8417"/>
+            </a:avLst>
+          </a:prstGeom>
+          <a:solidFill>
+            <a:schemeClr val="bg1"/>
+          </a:solidFill>
+          <a:ln>
+            <a:solidFill>
+              <a:srgbClr val="ADADAD"/>
+            </a:solidFill>
+          </a:ln>
+        </p:spPr>
+        <p:txBody>
+          <a:bodyPr lIns="0" tIns="0" rIns="-215" bIns="0" anchor="ctr"/>
+          <a:lstStyle/>
+          <a:p>
+            <a:pPr lvl="0" algn="ctr" defTabSz="914400"/>
+            <a:r>
+              <a:rPr lang="de-DE" sz="1200" dirty="0">
+                <a:latin typeface="SAP-icons" panose="02000503000000000000" pitchFamily="2" charset="0"/>
+              </a:rPr>
+              <a:t></a:t>
+            </a:r>
+            <a:endParaRPr kumimoji="0" lang="en-US" sz="1200" i="0" u="none" strike="noStrike" kern="0" cap="none" spc="0" normalizeH="0" baseline="0" noProof="0" dirty="0" smtClean="0">
+              <a:ln>
+                <a:noFill/>
+              </a:ln>
+              <a:effectLst/>
+              <a:uLnTx/>
+              <a:uFillTx/>
+              <a:latin typeface="SAP-icons" panose="02000503000000000000" pitchFamily="2" charset="0"/>
+              <a:ea typeface="MS PGothic" pitchFamily="34" charset="-128"/>
+              <a:sym typeface="Helvetica Neue" pitchFamily="-84" charset="0"/>
+            </a:endParaRPr>
+          </a:p>
+        </p:txBody>
+      </p:sp>
+      <p:sp>
+        <p:nvSpPr>
+          <p:cNvPr id="113" name="Rounded Rectangle 112"/>
+          <p:cNvSpPr/>
+          <p:nvPr/>
+        </p:nvSpPr>
+        <p:spPr>
+          <a:xfrm>
+            <a:off x="3625514" y="5482159"/>
+            <a:ext cx="8663791" cy="864096"/>
+          </a:xfrm>
+          <a:prstGeom prst="roundRect">
+            <a:avLst>
+              <a:gd name="adj" fmla="val 8995"/>
+            </a:avLst>
+          </a:prstGeom>
+          <a:solidFill>
+            <a:schemeClr val="tx1">
+              <a:lumMod val="65000"/>
+              <a:lumOff val="35000"/>
+            </a:schemeClr>
+          </a:solidFill>
+          <a:ln>
+            <a:noFill/>
+          </a:ln>
+        </p:spPr>
+        <p:style>
+          <a:lnRef idx="2">
+            <a:schemeClr val="accent1">
+              <a:shade val="50000"/>
+            </a:schemeClr>
+          </a:lnRef>
+          <a:fillRef idx="1">
+            <a:schemeClr val="accent1"/>
+          </a:fillRef>
+          <a:effectRef idx="0">
+            <a:schemeClr val="accent1"/>
+          </a:effectRef>
+          <a:fontRef idx="minor">
+            <a:schemeClr val="lt1"/>
+          </a:fontRef>
+        </p:style>
+        <p:txBody>
+          <a:bodyPr rtlCol="0" anchor="ctr"/>
+          <a:lstStyle/>
+          <a:p>
+            <a:pPr algn="ctr"/>
+            <a:endParaRPr lang="de-DE"/>
+          </a:p>
+        </p:txBody>
+      </p:sp>
+      <p:sp>
+        <p:nvSpPr>
+          <p:cNvPr id="88" name="Rounded Rectangle 87"/>
+          <p:cNvSpPr/>
+          <p:nvPr/>
+        </p:nvSpPr>
+        <p:spPr>
+          <a:xfrm>
+            <a:off x="3697522" y="5554167"/>
+            <a:ext cx="1811812" cy="720080"/>
+          </a:xfrm>
+          <a:prstGeom prst="roundRect">
+            <a:avLst>
+              <a:gd name="adj" fmla="val 8995"/>
+            </a:avLst>
+          </a:prstGeom>
+          <a:solidFill>
+            <a:schemeClr val="accent5">
+              <a:lumMod val="40000"/>
+              <a:lumOff val="60000"/>
+            </a:schemeClr>
+          </a:solidFill>
+          <a:ln>
+            <a:noFill/>
+          </a:ln>
+        </p:spPr>
+        <p:style>
+          <a:lnRef idx="2">
+            <a:schemeClr val="accent1">
+              <a:shade val="50000"/>
+            </a:schemeClr>
+          </a:lnRef>
+          <a:fillRef idx="1">
+            <a:schemeClr val="accent1"/>
+          </a:fillRef>
+          <a:effectRef idx="0">
+            <a:schemeClr val="accent1"/>
+          </a:effectRef>
+          <a:fontRef idx="minor">
+            <a:schemeClr val="lt1"/>
+          </a:fontRef>
+        </p:style>
+        <p:txBody>
+          <a:bodyPr rtlCol="0" anchor="ctr"/>
+          <a:lstStyle/>
+          <a:p>
+            <a:pPr algn="ctr"/>
+            <a:r>
+              <a:rPr lang="de-DE" dirty="0" smtClean="0"/>
+              <a:t>Bridge</a:t>
+            </a:r>
+          </a:p>
+          <a:p>
+            <a:pPr algn="ctr"/>
+            <a:r>
+              <a:rPr lang="de-DE" sz="1600" dirty="0" smtClean="0"/>
+              <a:t>1h 40m (21 %)</a:t>
+            </a:r>
+            <a:endParaRPr lang="de-DE" sz="1600" dirty="0"/>
+          </a:p>
+        </p:txBody>
+      </p:sp>
+      <p:sp>
+        <p:nvSpPr>
+          <p:cNvPr id="147" name="Rectangle 146"/>
+          <p:cNvSpPr/>
+          <p:nvPr/>
+        </p:nvSpPr>
+        <p:spPr>
+          <a:xfrm>
+            <a:off x="5256175" y="5554167"/>
+            <a:ext cx="252027" cy="720000"/>
+          </a:xfrm>
+          <a:prstGeom prst="rect">
+            <a:avLst/>
+          </a:prstGeom>
+          <a:solidFill>
+            <a:schemeClr val="accent5">
+              <a:lumMod val="40000"/>
+              <a:lumOff val="60000"/>
+            </a:schemeClr>
+          </a:solidFill>
+          <a:ln>
+            <a:noFill/>
+          </a:ln>
+        </p:spPr>
+        <p:style>
+          <a:lnRef idx="2">
+            <a:schemeClr val="accent1">
+              <a:shade val="50000"/>
+            </a:schemeClr>
+          </a:lnRef>
+          <a:fillRef idx="1">
+            <a:schemeClr val="accent1"/>
+          </a:fillRef>
+          <a:effectRef idx="0">
+            <a:schemeClr val="accent1"/>
+          </a:effectRef>
+          <a:fontRef idx="minor">
+            <a:schemeClr val="lt1"/>
+          </a:fontRef>
+        </p:style>
+        <p:txBody>
+          <a:bodyPr rtlCol="0" anchor="ctr"/>
+          <a:lstStyle/>
+          <a:p>
+            <a:pPr algn="ctr"/>
+            <a:endParaRPr lang="de-DE"/>
+          </a:p>
+        </p:txBody>
+      </p:sp>
+      <p:sp>
+        <p:nvSpPr>
+          <p:cNvPr id="111" name="Rounded Rectangle 110"/>
+          <p:cNvSpPr/>
+          <p:nvPr/>
+        </p:nvSpPr>
+        <p:spPr>
+          <a:xfrm>
+            <a:off x="5509334" y="5554167"/>
+            <a:ext cx="2880319" cy="720080"/>
+          </a:xfrm>
+          <a:prstGeom prst="roundRect">
+            <a:avLst>
+              <a:gd name="adj" fmla="val 8995"/>
+            </a:avLst>
+          </a:prstGeom>
+          <a:solidFill>
+            <a:schemeClr val="accent1">
+              <a:lumMod val="40000"/>
+              <a:lumOff val="60000"/>
+            </a:schemeClr>
+          </a:solidFill>
+          <a:ln>
+            <a:noFill/>
+          </a:ln>
+        </p:spPr>
+        <p:style>
+          <a:lnRef idx="2">
+            <a:schemeClr val="accent1">
+              <a:shade val="50000"/>
+            </a:schemeClr>
+          </a:lnRef>
+          <a:fillRef idx="1">
+            <a:schemeClr val="accent1"/>
+          </a:fillRef>
+          <a:effectRef idx="0">
+            <a:schemeClr val="accent1"/>
+          </a:effectRef>
+          <a:fontRef idx="minor">
+            <a:schemeClr val="lt1"/>
+          </a:fontRef>
+        </p:style>
+        <p:txBody>
+          <a:bodyPr rtlCol="0" anchor="ctr"/>
+          <a:lstStyle/>
+          <a:p>
+            <a:pPr algn="ctr"/>
+            <a:r>
+              <a:rPr lang="de-DE" dirty="0" smtClean="0"/>
+              <a:t>Project X</a:t>
+            </a:r>
+          </a:p>
+          <a:p>
+            <a:pPr lvl="0" algn="ctr"/>
+            <a:r>
+              <a:rPr lang="de-DE" sz="1600" dirty="0" smtClean="0">
+                <a:solidFill>
+                  <a:prstClr val="white"/>
+                </a:solidFill>
+              </a:rPr>
+              <a:t>2h 30m (31 %)</a:t>
+            </a:r>
+            <a:endParaRPr lang="de-DE" sz="1600" dirty="0">
+              <a:solidFill>
+                <a:prstClr val="white"/>
+              </a:solidFill>
+            </a:endParaRPr>
+          </a:p>
+        </p:txBody>
+      </p:sp>
+      <p:cxnSp>
+        <p:nvCxnSpPr>
+          <p:cNvPr id="119" name="Straight Connector 118"/>
+          <p:cNvCxnSpPr/>
+          <p:nvPr/>
+        </p:nvCxnSpPr>
+        <p:spPr>
+          <a:xfrm>
+            <a:off x="3724229" y="6346255"/>
+            <a:ext cx="0" cy="288856"/>
+          </a:xfrm>
+          <a:prstGeom prst="line">
+            <a:avLst/>
+          </a:prstGeom>
+          <a:ln w="19050">
+            <a:solidFill>
+              <a:schemeClr val="tx1">
+                <a:lumMod val="75000"/>
+                <a:lumOff val="25000"/>
+              </a:schemeClr>
+            </a:solidFill>
+            <a:prstDash val="sysDash"/>
+          </a:ln>
+        </p:spPr>
+        <p:style>
+          <a:lnRef idx="1">
+            <a:schemeClr val="dk1"/>
+          </a:lnRef>
+          <a:fillRef idx="0">
+            <a:schemeClr val="dk1"/>
+          </a:fillRef>
+          <a:effectRef idx="0">
+            <a:schemeClr val="dk1"/>
+          </a:effectRef>
+          <a:fontRef idx="minor">
+            <a:schemeClr val="tx1"/>
+          </a:fontRef>
+        </p:style>
+      </p:cxnSp>
+      <p:cxnSp>
+        <p:nvCxnSpPr>
+          <p:cNvPr id="120" name="Straight Connector 119"/>
+          <p:cNvCxnSpPr/>
+          <p:nvPr/>
+        </p:nvCxnSpPr>
+        <p:spPr>
+          <a:xfrm>
+            <a:off x="7957409" y="6346255"/>
+            <a:ext cx="0" cy="288856"/>
+          </a:xfrm>
+          <a:prstGeom prst="line">
+            <a:avLst/>
+          </a:prstGeom>
+          <a:ln w="19050">
+            <a:solidFill>
+              <a:schemeClr val="tx1">
+                <a:lumMod val="75000"/>
+                <a:lumOff val="25000"/>
+              </a:schemeClr>
+            </a:solidFill>
+            <a:prstDash val="sysDash"/>
+          </a:ln>
+        </p:spPr>
+        <p:style>
+          <a:lnRef idx="1">
+            <a:schemeClr val="dk1"/>
+          </a:lnRef>
+          <a:fillRef idx="0">
+            <a:schemeClr val="dk1"/>
+          </a:fillRef>
+          <a:effectRef idx="0">
+            <a:schemeClr val="dk1"/>
+          </a:effectRef>
+          <a:fontRef idx="minor">
+            <a:schemeClr val="tx1"/>
+          </a:fontRef>
+        </p:style>
+      </p:cxnSp>
+      <p:cxnSp>
+        <p:nvCxnSpPr>
+          <p:cNvPr id="121" name="Straight Connector 120"/>
+          <p:cNvCxnSpPr/>
+          <p:nvPr/>
+        </p:nvCxnSpPr>
+        <p:spPr>
+          <a:xfrm>
+            <a:off x="12238998" y="6346255"/>
+            <a:ext cx="0" cy="288856"/>
+          </a:xfrm>
+          <a:prstGeom prst="line">
+            <a:avLst/>
+          </a:prstGeom>
+          <a:ln w="19050">
+            <a:solidFill>
+              <a:schemeClr val="tx1">
+                <a:lumMod val="75000"/>
+                <a:lumOff val="25000"/>
+              </a:schemeClr>
+            </a:solidFill>
+            <a:prstDash val="sysDash"/>
+          </a:ln>
+        </p:spPr>
+        <p:style>
+          <a:lnRef idx="1">
+            <a:schemeClr val="dk1"/>
+          </a:lnRef>
+          <a:fillRef idx="0">
+            <a:schemeClr val="dk1"/>
+          </a:fillRef>
+          <a:effectRef idx="0">
+            <a:schemeClr val="dk1"/>
+          </a:effectRef>
+          <a:fontRef idx="minor">
+            <a:schemeClr val="tx1"/>
+          </a:fontRef>
+        </p:style>
+      </p:cxnSp>
+      <p:sp>
+        <p:nvSpPr>
+          <p:cNvPr id="118" name="TextBox 117"/>
+          <p:cNvSpPr txBox="1"/>
+          <p:nvPr/>
+        </p:nvSpPr>
+        <p:spPr>
+          <a:xfrm>
+            <a:off x="3739582" y="6356185"/>
+            <a:ext cx="1063194" cy="338554"/>
+          </a:xfrm>
+          <a:prstGeom prst="rect">
+            <a:avLst/>
+          </a:prstGeom>
+          <a:noFill/>
+        </p:spPr>
+        <p:txBody>
+          <a:bodyPr wrap="square" rtlCol="0">
+            <a:spAutoFit/>
+          </a:bodyPr>
+          <a:lstStyle/>
+          <a:p>
+            <a:r>
+              <a:rPr lang="de-DE" sz="1600" dirty="0" smtClean="0"/>
+              <a:t>0h</a:t>
+            </a:r>
+            <a:endParaRPr lang="de-DE" sz="1600" dirty="0"/>
+          </a:p>
+        </p:txBody>
+      </p:sp>
+      <p:sp>
+        <p:nvSpPr>
+          <p:cNvPr id="123" name="TextBox 122"/>
+          <p:cNvSpPr txBox="1"/>
+          <p:nvPr/>
+        </p:nvSpPr>
+        <p:spPr>
+          <a:xfrm>
+            <a:off x="7953414" y="6321406"/>
+            <a:ext cx="1063194" cy="338554"/>
+          </a:xfrm>
+          <a:prstGeom prst="rect">
+            <a:avLst/>
+          </a:prstGeom>
+          <a:noFill/>
+        </p:spPr>
+        <p:txBody>
+          <a:bodyPr wrap="square" rtlCol="0">
+            <a:spAutoFit/>
+          </a:bodyPr>
+          <a:lstStyle/>
+          <a:p>
+            <a:r>
+              <a:rPr lang="de-DE" sz="1600" dirty="0" smtClean="0"/>
+              <a:t>4h</a:t>
+            </a:r>
+            <a:endParaRPr lang="de-DE" sz="1600" dirty="0"/>
+          </a:p>
+        </p:txBody>
+      </p:sp>
+      <p:sp>
+        <p:nvSpPr>
+          <p:cNvPr id="124" name="TextBox 123"/>
+          <p:cNvSpPr txBox="1"/>
+          <p:nvPr/>
+        </p:nvSpPr>
+        <p:spPr>
+          <a:xfrm>
+            <a:off x="11175804" y="6356185"/>
+            <a:ext cx="1063194" cy="338554"/>
+          </a:xfrm>
+          <a:prstGeom prst="rect">
+            <a:avLst/>
+          </a:prstGeom>
+          <a:noFill/>
+        </p:spPr>
+        <p:txBody>
+          <a:bodyPr wrap="square" rtlCol="0">
+            <a:spAutoFit/>
+          </a:bodyPr>
+          <a:lstStyle/>
+          <a:p>
+            <a:pPr algn="r"/>
+            <a:r>
+              <a:rPr lang="de-DE" sz="1600" dirty="0" smtClean="0"/>
+              <a:t>8h</a:t>
+            </a:r>
+            <a:endParaRPr lang="de-DE" sz="1600" dirty="0"/>
+          </a:p>
+        </p:txBody>
+      </p:sp>
+      <p:sp>
+        <p:nvSpPr>
+          <p:cNvPr id="122" name="Rectangle 121"/>
+          <p:cNvSpPr/>
+          <p:nvPr/>
+        </p:nvSpPr>
+        <p:spPr>
+          <a:xfrm>
+            <a:off x="0" y="43178"/>
+            <a:ext cx="12801600" cy="360000"/>
+          </a:xfrm>
+          <a:prstGeom prst="rect">
+            <a:avLst/>
+          </a:prstGeom>
+          <a:solidFill>
+            <a:srgbClr val="E7E7E7"/>
+          </a:solidFill>
+          <a:ln>
+            <a:noFill/>
+          </a:ln>
+        </p:spPr>
+        <p:style>
+          <a:lnRef idx="2">
+            <a:schemeClr val="accent1">
+              <a:shade val="50000"/>
+            </a:schemeClr>
+          </a:lnRef>
+          <a:fillRef idx="1">
+            <a:schemeClr val="accent1"/>
+          </a:fillRef>
+          <a:effectRef idx="0">
+            <a:schemeClr val="accent1"/>
+          </a:effectRef>
+          <a:fontRef idx="minor">
+            <a:schemeClr val="lt1"/>
+          </a:fontRef>
+        </p:style>
+        <p:txBody>
+          <a:bodyPr rtlCol="0" anchor="ctr"/>
+          <a:lstStyle/>
+          <a:p>
+            <a:pPr algn="ctr"/>
+            <a:endParaRPr lang="de-DE"/>
+          </a:p>
+        </p:txBody>
+      </p:sp>
+      <p:sp>
+        <p:nvSpPr>
+          <p:cNvPr id="130" name="TextBox 129"/>
+          <p:cNvSpPr txBox="1"/>
+          <p:nvPr/>
+        </p:nvSpPr>
+        <p:spPr>
+          <a:xfrm>
+            <a:off x="3307009" y="1877616"/>
+            <a:ext cx="9214469" cy="1620000"/>
+          </a:xfrm>
+          <a:prstGeom prst="rect">
+            <a:avLst/>
+          </a:prstGeom>
+          <a:solidFill>
+            <a:schemeClr val="bg1">
+              <a:lumMod val="85000"/>
+            </a:schemeClr>
+          </a:solidFill>
+        </p:spPr>
+        <p:txBody>
+          <a:bodyPr wrap="square" rtlCol="0">
+            <a:spAutoFit/>
+          </a:bodyPr>
+          <a:lstStyle/>
+          <a:p>
+            <a:endParaRPr lang="de-DE" sz="1400" dirty="0"/>
+          </a:p>
+        </p:txBody>
+      </p:sp>
+      <p:sp>
+        <p:nvSpPr>
+          <p:cNvPr id="137" name="Rectangle 136"/>
+          <p:cNvSpPr/>
+          <p:nvPr/>
+        </p:nvSpPr>
+        <p:spPr>
+          <a:xfrm>
+            <a:off x="0" y="-2541"/>
+            <a:ext cx="12801600" cy="45719"/>
+          </a:xfrm>
+          <a:prstGeom prst="rect">
+            <a:avLst/>
+          </a:prstGeom>
+          <a:solidFill>
+            <a:srgbClr val="009DE0"/>
+          </a:solidFill>
+          <a:ln>
+            <a:noFill/>
+          </a:ln>
+        </p:spPr>
+        <p:style>
+          <a:lnRef idx="2">
+            <a:schemeClr val="accent1">
+              <a:shade val="50000"/>
+            </a:schemeClr>
+          </a:lnRef>
+          <a:fillRef idx="1">
+            <a:schemeClr val="accent1"/>
+          </a:fillRef>
+          <a:effectRef idx="0">
+            <a:schemeClr val="accent1"/>
+          </a:effectRef>
+          <a:fontRef idx="minor">
+            <a:schemeClr val="lt1"/>
+          </a:fontRef>
+        </p:style>
+        <p:txBody>
+          <a:bodyPr rtlCol="0" anchor="ctr"/>
+          <a:lstStyle/>
+          <a:p>
+            <a:pPr algn="ctr"/>
+            <a:endParaRPr lang="de-DE"/>
+          </a:p>
+        </p:txBody>
+      </p:sp>
+      <p:pic>
+        <p:nvPicPr>
+          <p:cNvPr id="1029" name="Picture 5" descr="http://localhost:8000/img/bridge-logo-text-grey.png"/>
+          <p:cNvPicPr>
+            <a:picLocks noChangeAspect="1" noChangeArrowheads="1"/>
+          </p:cNvPicPr>
+          <p:nvPr/>
+        </p:nvPicPr>
+        <p:blipFill>
+          <a:blip r:embed="rId4">
+            <a:extLst>
+              <a:ext uri="{28A0092B-C50C-407E-A947-70E740481C1C}">
+                <a14:useLocalDpi xmlns:a14="http://schemas.microsoft.com/office/drawing/2010/main" val="0"/>
+              </a:ext>
+            </a:extLst>
+          </a:blip>
+          <a:srcRect/>
+          <a:stretch>
+            <a:fillRect/>
+          </a:stretch>
+        </p:blipFill>
+        <p:spPr bwMode="auto">
+          <a:xfrm>
+            <a:off x="72672" y="108878"/>
+            <a:ext cx="1047750" cy="228600"/>
+          </a:xfrm>
+          <a:prstGeom prst="rect">
+            <a:avLst/>
+          </a:prstGeom>
+          <a:noFill/>
+          <a:extLst>
+            <a:ext uri="{909E8E84-426E-40DD-AFC4-6F175D3DCCD1}">
+              <a14:hiddenFill xmlns:a14="http://schemas.microsoft.com/office/drawing/2010/main">
+                <a:solidFill>
+                  <a:srgbClr val="FFFFFF"/>
+                </a:solidFill>
+              </a14:hiddenFill>
+            </a:ext>
+          </a:extLst>
+        </p:spPr>
+      </p:pic>
+      <p:sp>
+        <p:nvSpPr>
+          <p:cNvPr id="139" name="AutoShape 10"/>
+          <p:cNvSpPr>
+            <a:spLocks/>
+          </p:cNvSpPr>
+          <p:nvPr/>
+        </p:nvSpPr>
+        <p:spPr bwMode="auto">
+          <a:xfrm>
+            <a:off x="4099081" y="2352360"/>
+            <a:ext cx="1440000" cy="288000"/>
+          </a:xfrm>
+          <a:prstGeom prst="roundRect">
+            <a:avLst>
+              <a:gd name="adj" fmla="val 8417"/>
+            </a:avLst>
+          </a:prstGeom>
+          <a:solidFill>
+            <a:schemeClr val="bg1"/>
+          </a:solidFill>
+          <a:ln>
+            <a:solidFill>
+              <a:srgbClr val="ADADAD"/>
+            </a:solidFill>
+          </a:ln>
+        </p:spPr>
+        <p:txBody>
+          <a:bodyPr lIns="0" tIns="0" rIns="-215" bIns="0" anchor="ctr"/>
+          <a:lstStyle/>
+          <a:p>
+            <a:pPr marL="0" marR="0" lvl="0" indent="0" algn="ctr" defTabSz="914400" eaLnBrk="1" fontAlgn="auto" latinLnBrk="0" hangingPunct="1">
+              <a:lnSpc>
+                <a:spcPct val="100000"/>
+              </a:lnSpc>
+              <a:spcBef>
+                <a:spcPts val="0"/>
+              </a:spcBef>
+              <a:spcAft>
+                <a:spcPts val="0"/>
+              </a:spcAft>
+              <a:buClrTx/>
+              <a:buSzTx/>
+              <a:buFontTx/>
+              <a:buNone/>
+              <a:tabLst/>
+              <a:defRPr/>
+            </a:pPr>
+            <a:r>
+              <a:rPr lang="en-US" sz="1200" kern="0" dirty="0" smtClean="0">
+                <a:latin typeface="Helvetica Neue" pitchFamily="-84" charset="0"/>
+                <a:ea typeface="MS PGothic" pitchFamily="34" charset="-128"/>
+                <a:sym typeface="Helvetica Neue" pitchFamily="-84" charset="0"/>
+              </a:rPr>
+              <a:t>Project A</a:t>
+            </a:r>
+            <a:endParaRPr kumimoji="0" lang="en-US" sz="1200" i="0" u="none" strike="noStrike" kern="0" cap="none" spc="0" normalizeH="0" baseline="0" noProof="0" dirty="0" smtClean="0">
+              <a:ln>
+                <a:noFill/>
+              </a:ln>
+              <a:effectLst/>
+              <a:uLnTx/>
+              <a:uFillTx/>
+              <a:latin typeface="Helvetica Neue" pitchFamily="-84" charset="0"/>
+              <a:ea typeface="MS PGothic" pitchFamily="34" charset="-128"/>
+              <a:sym typeface="Helvetica Neue" pitchFamily="-84" charset="0"/>
+            </a:endParaRPr>
+          </a:p>
+        </p:txBody>
+      </p:sp>
+      <p:sp>
+        <p:nvSpPr>
+          <p:cNvPr id="140" name="AutoShape 10"/>
+          <p:cNvSpPr>
+            <a:spLocks/>
+          </p:cNvSpPr>
+          <p:nvPr/>
+        </p:nvSpPr>
+        <p:spPr bwMode="auto">
+          <a:xfrm>
+            <a:off x="5634216" y="2352360"/>
+            <a:ext cx="1440000" cy="288000"/>
+          </a:xfrm>
+          <a:prstGeom prst="roundRect">
+            <a:avLst>
+              <a:gd name="adj" fmla="val 8417"/>
+            </a:avLst>
+          </a:prstGeom>
+          <a:solidFill>
+            <a:schemeClr val="accent5">
+              <a:lumMod val="40000"/>
+              <a:lumOff val="60000"/>
+            </a:schemeClr>
+          </a:solidFill>
+          <a:ln>
+            <a:solidFill>
+              <a:srgbClr val="ADADAD"/>
+            </a:solidFill>
+          </a:ln>
+          <a:effectLst>
+            <a:innerShdw blurRad="63500" dist="25400" dir="18360000">
+              <a:prstClr val="black">
+                <a:alpha val="26000"/>
+              </a:prstClr>
+            </a:innerShdw>
+          </a:effectLst>
+        </p:spPr>
+        <p:txBody>
+          <a:bodyPr lIns="0" tIns="0" rIns="-215" bIns="0" anchor="ctr"/>
+          <a:lstStyle/>
+          <a:p>
+            <a:pPr marL="0" marR="0" lvl="0" indent="0" algn="ctr" defTabSz="914400" eaLnBrk="1" fontAlgn="auto" latinLnBrk="0" hangingPunct="1">
+              <a:lnSpc>
+                <a:spcPct val="100000"/>
+              </a:lnSpc>
+              <a:spcBef>
+                <a:spcPts val="0"/>
+              </a:spcBef>
+              <a:spcAft>
+                <a:spcPts val="0"/>
+              </a:spcAft>
+              <a:buClrTx/>
+              <a:buSzTx/>
+              <a:buFontTx/>
+              <a:buNone/>
+              <a:tabLst/>
+              <a:defRPr/>
+            </a:pPr>
+            <a:r>
+              <a:rPr kumimoji="0" lang="en-US" sz="1200" i="0" u="none" strike="noStrike" kern="0" cap="none" spc="0" normalizeH="0" baseline="0" noProof="0" dirty="0" smtClean="0">
+                <a:ln>
+                  <a:noFill/>
+                </a:ln>
+                <a:effectLst/>
+                <a:uLnTx/>
+                <a:uFillTx/>
+                <a:latin typeface="Helvetica Neue" pitchFamily="-84" charset="0"/>
+                <a:ea typeface="MS PGothic" pitchFamily="34" charset="-128"/>
+                <a:sym typeface="Helvetica Neue" pitchFamily="-84" charset="0"/>
+              </a:rPr>
+              <a:t>Bridge</a:t>
+            </a:r>
+          </a:p>
+        </p:txBody>
+      </p:sp>
+      <p:sp>
+        <p:nvSpPr>
+          <p:cNvPr id="141" name="AutoShape 10"/>
+          <p:cNvSpPr>
+            <a:spLocks/>
+          </p:cNvSpPr>
+          <p:nvPr/>
+        </p:nvSpPr>
+        <p:spPr bwMode="auto">
+          <a:xfrm>
+            <a:off x="7163474" y="2352360"/>
+            <a:ext cx="1440000" cy="288000"/>
+          </a:xfrm>
+          <a:prstGeom prst="roundRect">
+            <a:avLst>
+              <a:gd name="adj" fmla="val 8417"/>
+            </a:avLst>
+          </a:prstGeom>
+          <a:solidFill>
+            <a:schemeClr val="accent1">
+              <a:lumMod val="40000"/>
+              <a:lumOff val="60000"/>
+            </a:schemeClr>
+          </a:solidFill>
+          <a:ln>
+            <a:solidFill>
+              <a:srgbClr val="ADADAD"/>
+            </a:solidFill>
+          </a:ln>
+          <a:effectLst>
+            <a:innerShdw blurRad="63500" dist="25400" dir="18360000">
+              <a:prstClr val="black">
+                <a:alpha val="26000"/>
+              </a:prstClr>
+            </a:innerShdw>
+          </a:effectLst>
+        </p:spPr>
+        <p:txBody>
+          <a:bodyPr lIns="0" tIns="0" rIns="-215" bIns="0" anchor="ctr"/>
+          <a:lstStyle/>
+          <a:p>
+            <a:pPr marL="0" marR="0" lvl="0" indent="0" algn="ctr" defTabSz="914400" eaLnBrk="1" fontAlgn="auto" latinLnBrk="0" hangingPunct="1">
+              <a:lnSpc>
+                <a:spcPct val="100000"/>
+              </a:lnSpc>
+              <a:spcBef>
+                <a:spcPts val="0"/>
+              </a:spcBef>
+              <a:spcAft>
+                <a:spcPts val="0"/>
+              </a:spcAft>
+              <a:buClrTx/>
+              <a:buSzTx/>
+              <a:buFontTx/>
+              <a:buNone/>
+              <a:tabLst/>
+              <a:defRPr/>
+            </a:pPr>
+            <a:r>
+              <a:rPr kumimoji="0" lang="en-US" sz="1200" i="0" u="none" strike="noStrike" kern="0" cap="none" spc="0" normalizeH="0" baseline="0" noProof="0" dirty="0" smtClean="0">
+                <a:ln>
+                  <a:noFill/>
+                </a:ln>
+                <a:effectLst/>
+                <a:uLnTx/>
+                <a:uFillTx/>
+                <a:latin typeface="Helvetica Neue" pitchFamily="-84" charset="0"/>
+                <a:ea typeface="MS PGothic" pitchFamily="34" charset="-128"/>
+                <a:sym typeface="Helvetica Neue" pitchFamily="-84" charset="0"/>
+              </a:rPr>
+              <a:t>Project X</a:t>
+            </a:r>
+          </a:p>
+        </p:txBody>
+      </p:sp>
+      <p:sp>
+        <p:nvSpPr>
+          <p:cNvPr id="142" name="AutoShape 10"/>
+          <p:cNvSpPr>
+            <a:spLocks/>
+          </p:cNvSpPr>
+          <p:nvPr/>
+        </p:nvSpPr>
+        <p:spPr bwMode="auto">
+          <a:xfrm>
+            <a:off x="8692732" y="2352360"/>
+            <a:ext cx="1440000" cy="288000"/>
+          </a:xfrm>
+          <a:prstGeom prst="roundRect">
+            <a:avLst>
+              <a:gd name="adj" fmla="val 8417"/>
+            </a:avLst>
+          </a:prstGeom>
+          <a:solidFill>
+            <a:schemeClr val="bg2">
+              <a:lumMod val="75000"/>
+            </a:schemeClr>
+          </a:solidFill>
+          <a:ln>
+            <a:solidFill>
+              <a:srgbClr val="ADADAD"/>
+            </a:solidFill>
+          </a:ln>
+          <a:effectLst>
+            <a:innerShdw blurRad="63500" dist="25400" dir="18360000">
+              <a:prstClr val="black">
+                <a:alpha val="26000"/>
+              </a:prstClr>
+            </a:innerShdw>
+          </a:effectLst>
+        </p:spPr>
+        <p:txBody>
+          <a:bodyPr lIns="0" tIns="0" rIns="-215" bIns="0" anchor="ctr"/>
+          <a:lstStyle/>
+          <a:p>
+            <a:pPr marL="0" marR="0" lvl="0" indent="0" algn="ctr" defTabSz="914400" eaLnBrk="1" fontAlgn="auto" latinLnBrk="0" hangingPunct="1">
+              <a:lnSpc>
+                <a:spcPct val="100000"/>
+              </a:lnSpc>
+              <a:spcBef>
+                <a:spcPts val="0"/>
+              </a:spcBef>
+              <a:spcAft>
+                <a:spcPts val="0"/>
+              </a:spcAft>
+              <a:buClrTx/>
+              <a:buSzTx/>
+              <a:buFontTx/>
+              <a:buNone/>
+              <a:tabLst/>
+              <a:defRPr/>
+            </a:pPr>
+            <a:r>
+              <a:rPr kumimoji="0" lang="en-US" sz="1200" i="0" u="none" strike="noStrike" kern="0" cap="none" spc="0" normalizeH="0" baseline="0" noProof="0" dirty="0" smtClean="0">
+                <a:ln>
+                  <a:noFill/>
+                </a:ln>
+                <a:effectLst/>
+                <a:uLnTx/>
+                <a:uFillTx/>
+                <a:latin typeface="Helvetica Neue" pitchFamily="-84" charset="0"/>
+                <a:ea typeface="MS PGothic" pitchFamily="34" charset="-128"/>
+                <a:sym typeface="Helvetica Neue" pitchFamily="-84" charset="0"/>
+              </a:rPr>
+              <a:t>KPI Cockpit</a:t>
+            </a:r>
+          </a:p>
+        </p:txBody>
+      </p:sp>
+      <p:sp>
+        <p:nvSpPr>
+          <p:cNvPr id="143" name="AutoShape 10"/>
+          <p:cNvSpPr>
+            <a:spLocks/>
+          </p:cNvSpPr>
+          <p:nvPr/>
+        </p:nvSpPr>
+        <p:spPr bwMode="auto">
+          <a:xfrm>
+            <a:off x="10217384" y="2352360"/>
+            <a:ext cx="1440000" cy="288000"/>
+          </a:xfrm>
+          <a:prstGeom prst="roundRect">
+            <a:avLst>
+              <a:gd name="adj" fmla="val 8417"/>
+            </a:avLst>
+          </a:prstGeom>
+          <a:solidFill>
+            <a:schemeClr val="bg1"/>
+          </a:solidFill>
+          <a:ln>
+            <a:solidFill>
+              <a:srgbClr val="ADADAD"/>
+            </a:solidFill>
+          </a:ln>
+        </p:spPr>
+        <p:txBody>
+          <a:bodyPr lIns="0" tIns="0" rIns="-215" bIns="0" anchor="ctr"/>
+          <a:lstStyle/>
+          <a:p>
+            <a:pPr marL="0" marR="0" lvl="0" indent="0" algn="ctr" defTabSz="914400" eaLnBrk="1" fontAlgn="auto" latinLnBrk="0" hangingPunct="1">
+              <a:lnSpc>
+                <a:spcPct val="100000"/>
+              </a:lnSpc>
+              <a:spcBef>
+                <a:spcPts val="0"/>
+              </a:spcBef>
+              <a:spcAft>
+                <a:spcPts val="0"/>
+              </a:spcAft>
+              <a:buClrTx/>
+              <a:buSzTx/>
+              <a:buFontTx/>
+              <a:buNone/>
+              <a:tabLst/>
+              <a:defRPr/>
+            </a:pPr>
+            <a:r>
+              <a:rPr lang="en-US" sz="1200" kern="0" dirty="0" smtClean="0">
+                <a:latin typeface="Helvetica Neue" pitchFamily="-84" charset="0"/>
+                <a:ea typeface="MS PGothic" pitchFamily="34" charset="-128"/>
+                <a:sym typeface="Helvetica Neue" pitchFamily="-84" charset="0"/>
+              </a:rPr>
+              <a:t>Blue Banana</a:t>
+            </a:r>
+            <a:endParaRPr kumimoji="0" lang="en-US" sz="1200" i="0" u="none" strike="noStrike" kern="0" cap="none" spc="0" normalizeH="0" baseline="0" noProof="0" dirty="0" smtClean="0">
+              <a:ln>
+                <a:noFill/>
+              </a:ln>
+              <a:effectLst/>
+              <a:uLnTx/>
+              <a:uFillTx/>
+              <a:latin typeface="Helvetica Neue" pitchFamily="-84" charset="0"/>
+              <a:ea typeface="MS PGothic" pitchFamily="34" charset="-128"/>
+              <a:sym typeface="Helvetica Neue" pitchFamily="-84" charset="0"/>
+            </a:endParaRPr>
+          </a:p>
+        </p:txBody>
+      </p:sp>
+      <p:sp>
+        <p:nvSpPr>
+          <p:cNvPr id="144" name="AutoShape 10"/>
+          <p:cNvSpPr>
+            <a:spLocks/>
+          </p:cNvSpPr>
+          <p:nvPr/>
+        </p:nvSpPr>
+        <p:spPr bwMode="auto">
+          <a:xfrm>
+            <a:off x="5634216" y="2712400"/>
+            <a:ext cx="1440000" cy="288000"/>
+          </a:xfrm>
+          <a:prstGeom prst="roundRect">
+            <a:avLst>
+              <a:gd name="adj" fmla="val 8417"/>
+            </a:avLst>
+          </a:prstGeom>
+          <a:solidFill>
+            <a:schemeClr val="bg1"/>
+          </a:solidFill>
+          <a:ln>
+            <a:solidFill>
+              <a:srgbClr val="ADADAD"/>
+            </a:solidFill>
+          </a:ln>
+        </p:spPr>
+        <p:txBody>
+          <a:bodyPr lIns="0" tIns="0" rIns="-215" bIns="0" anchor="ctr"/>
+          <a:lstStyle/>
+          <a:p>
+            <a:pPr marL="0" marR="0" lvl="0" indent="0" algn="ctr" defTabSz="914400" eaLnBrk="1" fontAlgn="auto" latinLnBrk="0" hangingPunct="1">
+              <a:lnSpc>
+                <a:spcPct val="100000"/>
+              </a:lnSpc>
+              <a:spcBef>
+                <a:spcPts val="0"/>
+              </a:spcBef>
+              <a:spcAft>
+                <a:spcPts val="0"/>
+              </a:spcAft>
+              <a:buClrTx/>
+              <a:buSzTx/>
+              <a:buFontTx/>
+              <a:buNone/>
+              <a:tabLst/>
+              <a:defRPr/>
+            </a:pPr>
+            <a:r>
+              <a:rPr lang="en-US" sz="1200" kern="0" dirty="0" smtClean="0">
+                <a:latin typeface="Helvetica Neue" pitchFamily="-84" charset="0"/>
+                <a:ea typeface="MS PGothic" pitchFamily="34" charset="-128"/>
+                <a:sym typeface="Helvetica Neue" pitchFamily="-84" charset="0"/>
+              </a:rPr>
+              <a:t>Project Santa</a:t>
+            </a:r>
+            <a:endParaRPr kumimoji="0" lang="en-US" sz="1200" i="0" u="none" strike="noStrike" kern="0" cap="none" spc="0" normalizeH="0" baseline="0" noProof="0" dirty="0" smtClean="0">
+              <a:ln>
+                <a:noFill/>
+              </a:ln>
+              <a:effectLst/>
+              <a:uLnTx/>
+              <a:uFillTx/>
+              <a:latin typeface="Helvetica Neue" pitchFamily="-84" charset="0"/>
+              <a:ea typeface="MS PGothic" pitchFamily="34" charset="-128"/>
+              <a:sym typeface="Helvetica Neue" pitchFamily="-84" charset="0"/>
+            </a:endParaRPr>
+          </a:p>
+        </p:txBody>
+      </p:sp>
+      <p:sp>
+        <p:nvSpPr>
+          <p:cNvPr id="145" name="AutoShape 10"/>
+          <p:cNvSpPr>
+            <a:spLocks/>
+          </p:cNvSpPr>
+          <p:nvPr/>
+        </p:nvSpPr>
+        <p:spPr bwMode="auto">
+          <a:xfrm>
+            <a:off x="4099081" y="2712400"/>
+            <a:ext cx="1440000" cy="288000"/>
+          </a:xfrm>
+          <a:prstGeom prst="roundRect">
+            <a:avLst>
+              <a:gd name="adj" fmla="val 8417"/>
+            </a:avLst>
+          </a:prstGeom>
+          <a:solidFill>
+            <a:schemeClr val="bg1"/>
+          </a:solidFill>
+          <a:ln>
+            <a:solidFill>
+              <a:srgbClr val="ADADAD"/>
+            </a:solidFill>
+          </a:ln>
+        </p:spPr>
+        <p:txBody>
+          <a:bodyPr lIns="0" tIns="0" rIns="-215" bIns="0" anchor="ctr"/>
+          <a:lstStyle/>
+          <a:p>
+            <a:pPr marL="0" marR="0" lvl="0" indent="0" algn="ctr" defTabSz="914400" eaLnBrk="1" fontAlgn="auto" latinLnBrk="0" hangingPunct="1">
+              <a:lnSpc>
+                <a:spcPct val="100000"/>
+              </a:lnSpc>
+              <a:spcBef>
+                <a:spcPts val="0"/>
+              </a:spcBef>
+              <a:spcAft>
+                <a:spcPts val="0"/>
+              </a:spcAft>
+              <a:buClrTx/>
+              <a:buSzTx/>
+              <a:buFontTx/>
+              <a:buNone/>
+              <a:tabLst/>
+              <a:defRPr/>
+            </a:pPr>
+            <a:r>
+              <a:rPr lang="en-US" sz="1200" kern="0" dirty="0" smtClean="0">
+                <a:latin typeface="Helvetica Neue" pitchFamily="-84" charset="0"/>
+                <a:ea typeface="MS PGothic" pitchFamily="34" charset="-128"/>
+                <a:sym typeface="Helvetica Neue" pitchFamily="-84" charset="0"/>
+              </a:rPr>
+              <a:t>Malibu</a:t>
+            </a:r>
+            <a:endParaRPr kumimoji="0" lang="en-US" sz="1200" i="0" u="none" strike="noStrike" kern="0" cap="none" spc="0" normalizeH="0" baseline="0" noProof="0" dirty="0" smtClean="0">
+              <a:ln>
+                <a:noFill/>
+              </a:ln>
+              <a:effectLst/>
+              <a:uLnTx/>
+              <a:uFillTx/>
+              <a:latin typeface="Helvetica Neue" pitchFamily="-84" charset="0"/>
+              <a:ea typeface="MS PGothic" pitchFamily="34" charset="-128"/>
+              <a:sym typeface="Helvetica Neue" pitchFamily="-84" charset="0"/>
+            </a:endParaRPr>
+          </a:p>
+        </p:txBody>
+      </p:sp>
+      <p:sp>
+        <p:nvSpPr>
+          <p:cNvPr id="2" name="Oval 1"/>
+          <p:cNvSpPr/>
+          <p:nvPr/>
+        </p:nvSpPr>
+        <p:spPr>
+          <a:xfrm>
+            <a:off x="11743124" y="649104"/>
+            <a:ext cx="94079" cy="94079"/>
+          </a:xfrm>
+          <a:prstGeom prst="ellipse">
+            <a:avLst/>
+          </a:prstGeom>
+          <a:ln>
+            <a:noFill/>
+          </a:ln>
+        </p:spPr>
+        <p:style>
+          <a:lnRef idx="2">
+            <a:schemeClr val="accent2">
+              <a:shade val="50000"/>
+            </a:schemeClr>
+          </a:lnRef>
+          <a:fillRef idx="1">
+            <a:schemeClr val="accent2"/>
+          </a:fillRef>
+          <a:effectRef idx="0">
+            <a:schemeClr val="accent2"/>
+          </a:effectRef>
+          <a:fontRef idx="minor">
+            <a:schemeClr val="lt1"/>
+          </a:fontRef>
+        </p:style>
+        <p:txBody>
+          <a:bodyPr rtlCol="0" anchor="ctr"/>
+          <a:lstStyle/>
+          <a:p>
+            <a:pPr algn="ctr"/>
+            <a:endParaRPr lang="de-DE"/>
+          </a:p>
+        </p:txBody>
+      </p:sp>
+      <p:sp>
+        <p:nvSpPr>
+          <p:cNvPr id="86" name="Rectangle 85"/>
+          <p:cNvSpPr/>
+          <p:nvPr/>
+        </p:nvSpPr>
+        <p:spPr>
+          <a:xfrm>
+            <a:off x="492727" y="7154338"/>
+            <a:ext cx="2728262" cy="736574"/>
+          </a:xfrm>
+          <a:prstGeom prst="rect">
+            <a:avLst/>
+          </a:prstGeom>
+          <a:solidFill>
+            <a:schemeClr val="bg1">
+              <a:lumMod val="95000"/>
+            </a:schemeClr>
+          </a:solidFill>
+          <a:ln>
+            <a:noFill/>
+          </a:ln>
+        </p:spPr>
+        <p:style>
+          <a:lnRef idx="2">
+            <a:schemeClr val="accent1">
+              <a:shade val="50000"/>
+            </a:schemeClr>
+          </a:lnRef>
+          <a:fillRef idx="1">
+            <a:schemeClr val="accent1"/>
+          </a:fillRef>
+          <a:effectRef idx="0">
+            <a:schemeClr val="accent1"/>
+          </a:effectRef>
+          <a:fontRef idx="minor">
+            <a:schemeClr val="lt1"/>
+          </a:fontRef>
+        </p:style>
+        <p:txBody>
+          <a:bodyPr rtlCol="0" anchor="ctr"/>
+          <a:lstStyle/>
+          <a:p>
+            <a:pPr defTabSz="914400"/>
+            <a:r>
+              <a:rPr lang="en-US" sz="1200" b="1" kern="0" dirty="0">
+                <a:solidFill>
+                  <a:schemeClr val="tx1"/>
+                </a:solidFill>
+                <a:latin typeface="Helvetica Neue" pitchFamily="-84" charset="0"/>
+                <a:ea typeface="MS PGothic" pitchFamily="34" charset="-128"/>
+                <a:sym typeface="Helvetica Neue" pitchFamily="-84" charset="0"/>
+              </a:rPr>
+              <a:t>Commit to “Tools/Bridge</a:t>
+            </a:r>
+            <a:r>
+              <a:rPr lang="en-US" sz="1200" b="1" kern="0" dirty="0" smtClean="0">
+                <a:solidFill>
+                  <a:schemeClr val="tx1"/>
+                </a:solidFill>
+                <a:latin typeface="Helvetica Neue" pitchFamily="-84" charset="0"/>
+                <a:ea typeface="MS PGothic" pitchFamily="34" charset="-128"/>
+                <a:sym typeface="Helvetica Neue" pitchFamily="-84" charset="0"/>
+              </a:rPr>
+              <a:t>” (master)</a:t>
+            </a:r>
+            <a:endParaRPr lang="en-US" sz="1200" b="1" kern="0" dirty="0">
+              <a:solidFill>
+                <a:schemeClr val="tx1"/>
+              </a:solidFill>
+              <a:latin typeface="Helvetica Neue" pitchFamily="-84" charset="0"/>
+              <a:ea typeface="MS PGothic" pitchFamily="34" charset="-128"/>
+              <a:sym typeface="Helvetica Neue" pitchFamily="-84" charset="0"/>
+            </a:endParaRPr>
+          </a:p>
+          <a:p>
+            <a:pPr defTabSz="914400"/>
+            <a:r>
+              <a:rPr lang="en-US" sz="1050" kern="0" dirty="0">
+                <a:solidFill>
+                  <a:schemeClr val="tx1"/>
+                </a:solidFill>
+                <a:latin typeface="Helvetica Neue" pitchFamily="-84" charset="0"/>
+                <a:ea typeface="MS PGothic" pitchFamily="34" charset="-128"/>
+                <a:sym typeface="Helvetica Neue" pitchFamily="-84" charset="0"/>
+              </a:rPr>
+              <a:t>16:52</a:t>
+            </a:r>
+          </a:p>
+          <a:p>
+            <a:pPr defTabSz="914400"/>
+            <a:r>
+              <a:rPr lang="en-US" sz="1050" kern="0" dirty="0">
+                <a:solidFill>
+                  <a:schemeClr val="tx1"/>
+                </a:solidFill>
+                <a:latin typeface="Helvetica Neue" pitchFamily="-84" charset="0"/>
+                <a:ea typeface="MS PGothic" pitchFamily="34" charset="-128"/>
+                <a:sym typeface="Helvetica Neue" pitchFamily="-84" charset="0"/>
+              </a:rPr>
+              <a:t>Added fading animation to </a:t>
+            </a:r>
+          </a:p>
+          <a:p>
+            <a:pPr defTabSz="914400"/>
+            <a:r>
+              <a:rPr lang="en-US" sz="1050" kern="0" dirty="0">
+                <a:solidFill>
+                  <a:schemeClr val="tx1"/>
+                </a:solidFill>
+                <a:latin typeface="Helvetica Neue" pitchFamily="-84" charset="0"/>
+                <a:ea typeface="MS PGothic" pitchFamily="34" charset="-128"/>
+                <a:sym typeface="Helvetica Neue" pitchFamily="-84" charset="0"/>
+              </a:rPr>
+              <a:t>lunch menu and refactored…</a:t>
+            </a:r>
+          </a:p>
+          <a:p>
+            <a:pPr defTabSz="914400"/>
+            <a:endParaRPr lang="de-DE" sz="1200" b="1" kern="0" dirty="0">
+              <a:solidFill>
+                <a:schemeClr val="tx1"/>
+              </a:solidFill>
+              <a:latin typeface="Helvetica Neue" pitchFamily="-84" charset="0"/>
+              <a:ea typeface="MS PGothic" pitchFamily="34" charset="-128"/>
+            </a:endParaRPr>
+          </a:p>
+        </p:txBody>
+      </p:sp>
+      <p:sp>
+        <p:nvSpPr>
+          <p:cNvPr id="90" name="Rectangle 89"/>
+          <p:cNvSpPr/>
+          <p:nvPr/>
+        </p:nvSpPr>
+        <p:spPr>
+          <a:xfrm>
+            <a:off x="492727" y="7875730"/>
+            <a:ext cx="2728262" cy="736574"/>
+          </a:xfrm>
+          <a:prstGeom prst="rect">
+            <a:avLst/>
+          </a:prstGeom>
+          <a:solidFill>
+            <a:schemeClr val="bg1">
+              <a:lumMod val="95000"/>
+            </a:schemeClr>
+          </a:solidFill>
+          <a:ln>
+            <a:noFill/>
+          </a:ln>
+        </p:spPr>
+        <p:style>
+          <a:lnRef idx="2">
+            <a:schemeClr val="accent1">
+              <a:shade val="50000"/>
+            </a:schemeClr>
+          </a:lnRef>
+          <a:fillRef idx="1">
+            <a:schemeClr val="accent1"/>
+          </a:fillRef>
+          <a:effectRef idx="0">
+            <a:schemeClr val="accent1"/>
+          </a:effectRef>
+          <a:fontRef idx="minor">
+            <a:schemeClr val="lt1"/>
+          </a:fontRef>
+        </p:style>
+        <p:txBody>
+          <a:bodyPr rtlCol="0" anchor="ctr"/>
+          <a:lstStyle/>
+          <a:p>
+            <a:pPr defTabSz="914400"/>
+            <a:r>
+              <a:rPr lang="en-US" sz="1200" b="1" kern="0" dirty="0" err="1">
+                <a:solidFill>
+                  <a:schemeClr val="tx1"/>
+                </a:solidFill>
+                <a:latin typeface="Helvetica Neue" pitchFamily="-84" charset="0"/>
+                <a:ea typeface="MS PGothic" pitchFamily="34" charset="-128"/>
+                <a:sym typeface="Helvetica Neue" pitchFamily="-84" charset="0"/>
+              </a:rPr>
+              <a:t>Jira</a:t>
+            </a:r>
+            <a:r>
+              <a:rPr lang="en-US" sz="1200" b="1" kern="0" dirty="0">
+                <a:solidFill>
+                  <a:schemeClr val="tx1"/>
+                </a:solidFill>
+                <a:latin typeface="Helvetica Neue" pitchFamily="-84" charset="0"/>
+                <a:ea typeface="MS PGothic" pitchFamily="34" charset="-128"/>
+                <a:sym typeface="Helvetica Neue" pitchFamily="-84" charset="0"/>
+              </a:rPr>
+              <a:t>: Refactor </a:t>
+            </a:r>
+            <a:r>
+              <a:rPr lang="en-US" sz="1200" b="1" kern="0" dirty="0" err="1">
+                <a:solidFill>
+                  <a:schemeClr val="tx1"/>
+                </a:solidFill>
+                <a:latin typeface="Helvetica Neue" pitchFamily="-84" charset="0"/>
+                <a:ea typeface="MS PGothic" pitchFamily="34" charset="-128"/>
+                <a:sym typeface="Helvetica Neue" pitchFamily="-84" charset="0"/>
+              </a:rPr>
+              <a:t>css</a:t>
+            </a:r>
+            <a:r>
+              <a:rPr lang="en-US" sz="1200" b="1" kern="0" dirty="0">
+                <a:solidFill>
+                  <a:schemeClr val="tx1"/>
+                </a:solidFill>
+                <a:latin typeface="Helvetica Neue" pitchFamily="-84" charset="0"/>
+                <a:ea typeface="MS PGothic" pitchFamily="34" charset="-128"/>
+                <a:sym typeface="Helvetica Neue" pitchFamily="-84" charset="0"/>
+              </a:rPr>
+              <a:t> of CATS app</a:t>
+            </a:r>
+          </a:p>
+          <a:p>
+            <a:pPr defTabSz="914400"/>
+            <a:r>
+              <a:rPr lang="en-US" sz="1050" kern="0" dirty="0">
+                <a:solidFill>
+                  <a:schemeClr val="tx1"/>
+                </a:solidFill>
+                <a:latin typeface="Helvetica Neue" pitchFamily="-84" charset="0"/>
+                <a:ea typeface="MS PGothic" pitchFamily="34" charset="-128"/>
+                <a:sym typeface="Helvetica Neue" pitchFamily="-84" charset="0"/>
+              </a:rPr>
+              <a:t>Completed at 17:00</a:t>
+            </a:r>
+            <a:endParaRPr lang="de-DE" sz="1050" kern="0" dirty="0">
+              <a:solidFill>
+                <a:schemeClr val="tx1"/>
+              </a:solidFill>
+              <a:latin typeface="Helvetica Neue" pitchFamily="-84" charset="0"/>
+              <a:ea typeface="MS PGothic" pitchFamily="34" charset="-128"/>
+              <a:sym typeface="Helvetica Neue" pitchFamily="-84" charset="0"/>
+            </a:endParaRPr>
+          </a:p>
+          <a:p>
+            <a:pPr defTabSz="914400"/>
+            <a:endParaRPr lang="en-US" sz="1200" b="1" kern="0" dirty="0">
+              <a:solidFill>
+                <a:schemeClr val="tx1"/>
+              </a:solidFill>
+              <a:latin typeface="Helvetica Neue" pitchFamily="-84" charset="0"/>
+              <a:ea typeface="MS PGothic" pitchFamily="34" charset="-128"/>
+              <a:sym typeface="Helvetica Neue" pitchFamily="-84" charset="0"/>
+            </a:endParaRPr>
+          </a:p>
+        </p:txBody>
+      </p:sp>
+      <p:sp>
+        <p:nvSpPr>
+          <p:cNvPr id="3" name="Rectangle 2"/>
+          <p:cNvSpPr/>
+          <p:nvPr/>
+        </p:nvSpPr>
+        <p:spPr>
+          <a:xfrm>
+            <a:off x="2690257" y="3612925"/>
+            <a:ext cx="503664" cy="477054"/>
+          </a:xfrm>
+          <a:prstGeom prst="rect">
+            <a:avLst/>
+          </a:prstGeom>
+        </p:spPr>
+        <p:txBody>
+          <a:bodyPr wrap="none">
+            <a:spAutoFit/>
+          </a:bodyPr>
+          <a:lstStyle/>
+          <a:p>
+            <a:r>
+              <a:rPr lang="de-DE" dirty="0" smtClean="0">
+                <a:solidFill>
+                  <a:schemeClr val="bg1">
+                    <a:lumMod val="75000"/>
+                  </a:schemeClr>
+                </a:solidFill>
+                <a:latin typeface="SAP-icons" panose="02000503000000000000" pitchFamily="2" charset="0"/>
+              </a:rPr>
+              <a:t></a:t>
+            </a:r>
+            <a:endParaRPr lang="de-DE" dirty="0">
+              <a:solidFill>
+                <a:schemeClr val="bg1">
+                  <a:lumMod val="75000"/>
+                </a:schemeClr>
+              </a:solidFill>
+              <a:latin typeface="SAP-icons" panose="02000503000000000000" pitchFamily="2" charset="0"/>
+            </a:endParaRPr>
+          </a:p>
+        </p:txBody>
+      </p:sp>
+      <p:sp>
+        <p:nvSpPr>
+          <p:cNvPr id="4" name="Rectangle 3"/>
+          <p:cNvSpPr/>
+          <p:nvPr/>
+        </p:nvSpPr>
+        <p:spPr>
+          <a:xfrm>
+            <a:off x="2720715" y="8005490"/>
+            <a:ext cx="428322" cy="477054"/>
+          </a:xfrm>
+          <a:prstGeom prst="rect">
+            <a:avLst/>
+          </a:prstGeom>
+        </p:spPr>
+        <p:txBody>
+          <a:bodyPr wrap="none">
+            <a:spAutoFit/>
+          </a:bodyPr>
+          <a:lstStyle/>
+          <a:p>
+            <a:r>
+              <a:rPr lang="de-DE" dirty="0" smtClean="0">
+                <a:solidFill>
+                  <a:schemeClr val="bg1">
+                    <a:lumMod val="75000"/>
+                  </a:schemeClr>
+                </a:solidFill>
+                <a:latin typeface="SAP-icons" panose="02000503000000000000" pitchFamily="2" charset="0"/>
+              </a:rPr>
+              <a:t></a:t>
+            </a:r>
+            <a:endParaRPr lang="de-DE" dirty="0">
+              <a:solidFill>
+                <a:schemeClr val="bg1">
+                  <a:lumMod val="75000"/>
+                </a:schemeClr>
+              </a:solidFill>
+              <a:latin typeface="SAP-icons" panose="02000503000000000000" pitchFamily="2" charset="0"/>
+            </a:endParaRPr>
+          </a:p>
+        </p:txBody>
+      </p:sp>
+      <p:sp>
+        <p:nvSpPr>
+          <p:cNvPr id="7" name="Rectangle 6"/>
+          <p:cNvSpPr/>
+          <p:nvPr/>
+        </p:nvSpPr>
+        <p:spPr>
+          <a:xfrm>
+            <a:off x="2707891" y="7273395"/>
+            <a:ext cx="486030" cy="477054"/>
+          </a:xfrm>
+          <a:prstGeom prst="rect">
+            <a:avLst/>
+          </a:prstGeom>
+        </p:spPr>
+        <p:txBody>
+          <a:bodyPr wrap="none">
+            <a:spAutoFit/>
+          </a:bodyPr>
+          <a:lstStyle/>
+          <a:p>
+            <a:r>
+              <a:rPr lang="de-DE" dirty="0">
+                <a:solidFill>
+                  <a:schemeClr val="bg1">
+                    <a:lumMod val="75000"/>
+                  </a:schemeClr>
+                </a:solidFill>
+                <a:latin typeface="SAP-icons" panose="02000503000000000000" pitchFamily="2" charset="0"/>
+              </a:rPr>
+              <a:t></a:t>
+            </a:r>
+          </a:p>
+        </p:txBody>
+      </p:sp>
+      <p:sp>
+        <p:nvSpPr>
+          <p:cNvPr id="94" name="Rectangle 93"/>
+          <p:cNvSpPr/>
+          <p:nvPr/>
+        </p:nvSpPr>
+        <p:spPr>
+          <a:xfrm>
+            <a:off x="2690257" y="4345019"/>
+            <a:ext cx="503664" cy="477054"/>
+          </a:xfrm>
+          <a:prstGeom prst="rect">
+            <a:avLst/>
+          </a:prstGeom>
+        </p:spPr>
+        <p:txBody>
+          <a:bodyPr wrap="none">
+            <a:spAutoFit/>
+          </a:bodyPr>
+          <a:lstStyle/>
+          <a:p>
+            <a:r>
+              <a:rPr lang="de-DE" dirty="0" smtClean="0">
+                <a:solidFill>
+                  <a:schemeClr val="bg1">
+                    <a:lumMod val="75000"/>
+                  </a:schemeClr>
+                </a:solidFill>
+                <a:latin typeface="SAP-icons" panose="02000503000000000000" pitchFamily="2" charset="0"/>
+              </a:rPr>
+              <a:t></a:t>
+            </a:r>
+            <a:endParaRPr lang="de-DE" dirty="0">
+              <a:solidFill>
+                <a:schemeClr val="bg1">
+                  <a:lumMod val="75000"/>
+                </a:schemeClr>
+              </a:solidFill>
+              <a:latin typeface="SAP-icons" panose="02000503000000000000" pitchFamily="2" charset="0"/>
+            </a:endParaRPr>
+          </a:p>
+        </p:txBody>
+      </p:sp>
+      <p:sp>
+        <p:nvSpPr>
+          <p:cNvPr id="95" name="Rectangle 94"/>
+          <p:cNvSpPr/>
+          <p:nvPr/>
+        </p:nvSpPr>
+        <p:spPr>
+          <a:xfrm>
+            <a:off x="2690257" y="5077113"/>
+            <a:ext cx="503664" cy="477054"/>
+          </a:xfrm>
+          <a:prstGeom prst="rect">
+            <a:avLst/>
+          </a:prstGeom>
+        </p:spPr>
+        <p:txBody>
+          <a:bodyPr wrap="none">
+            <a:spAutoFit/>
+          </a:bodyPr>
+          <a:lstStyle/>
+          <a:p>
+            <a:r>
+              <a:rPr lang="de-DE" dirty="0" smtClean="0">
+                <a:solidFill>
+                  <a:schemeClr val="bg1">
+                    <a:lumMod val="75000"/>
+                  </a:schemeClr>
+                </a:solidFill>
+                <a:latin typeface="SAP-icons" panose="02000503000000000000" pitchFamily="2" charset="0"/>
+              </a:rPr>
+              <a:t></a:t>
+            </a:r>
+            <a:endParaRPr lang="de-DE" dirty="0">
+              <a:solidFill>
+                <a:schemeClr val="bg1">
+                  <a:lumMod val="75000"/>
+                </a:schemeClr>
+              </a:solidFill>
+              <a:latin typeface="SAP-icons" panose="02000503000000000000" pitchFamily="2" charset="0"/>
+            </a:endParaRPr>
+          </a:p>
+        </p:txBody>
+      </p:sp>
+      <p:sp>
+        <p:nvSpPr>
+          <p:cNvPr id="96" name="Rectangle 95"/>
+          <p:cNvSpPr/>
+          <p:nvPr/>
+        </p:nvSpPr>
+        <p:spPr>
+          <a:xfrm>
+            <a:off x="2690257" y="5809207"/>
+            <a:ext cx="503664" cy="477054"/>
+          </a:xfrm>
+          <a:prstGeom prst="rect">
+            <a:avLst/>
+          </a:prstGeom>
+        </p:spPr>
+        <p:txBody>
+          <a:bodyPr wrap="none">
+            <a:spAutoFit/>
+          </a:bodyPr>
+          <a:lstStyle/>
+          <a:p>
+            <a:r>
+              <a:rPr lang="de-DE" dirty="0" smtClean="0">
+                <a:solidFill>
+                  <a:schemeClr val="bg1">
+                    <a:lumMod val="75000"/>
+                  </a:schemeClr>
+                </a:solidFill>
+                <a:latin typeface="SAP-icons" panose="02000503000000000000" pitchFamily="2" charset="0"/>
+              </a:rPr>
+              <a:t></a:t>
+            </a:r>
+            <a:endParaRPr lang="de-DE" dirty="0">
+              <a:solidFill>
+                <a:schemeClr val="bg1">
+                  <a:lumMod val="75000"/>
+                </a:schemeClr>
+              </a:solidFill>
+              <a:latin typeface="SAP-icons" panose="02000503000000000000" pitchFamily="2" charset="0"/>
+            </a:endParaRPr>
+          </a:p>
+        </p:txBody>
+      </p:sp>
+      <p:sp>
+        <p:nvSpPr>
+          <p:cNvPr id="97" name="Rectangle 96"/>
+          <p:cNvSpPr/>
+          <p:nvPr/>
+        </p:nvSpPr>
+        <p:spPr>
+          <a:xfrm>
+            <a:off x="2690257" y="6541301"/>
+            <a:ext cx="503664" cy="477054"/>
+          </a:xfrm>
+          <a:prstGeom prst="rect">
+            <a:avLst/>
+          </a:prstGeom>
+        </p:spPr>
+        <p:txBody>
+          <a:bodyPr wrap="none">
+            <a:spAutoFit/>
+          </a:bodyPr>
+          <a:lstStyle/>
+          <a:p>
+            <a:r>
+              <a:rPr lang="de-DE" dirty="0" smtClean="0">
+                <a:solidFill>
+                  <a:schemeClr val="bg1">
+                    <a:lumMod val="75000"/>
+                  </a:schemeClr>
+                </a:solidFill>
+                <a:latin typeface="SAP-icons" panose="02000503000000000000" pitchFamily="2" charset="0"/>
+              </a:rPr>
+              <a:t></a:t>
+            </a:r>
+            <a:endParaRPr lang="de-DE" dirty="0">
+              <a:solidFill>
+                <a:schemeClr val="bg1">
+                  <a:lumMod val="75000"/>
+                </a:schemeClr>
+              </a:solidFill>
+              <a:latin typeface="SAP-icons" panose="02000503000000000000" pitchFamily="2" charset="0"/>
+            </a:endParaRPr>
+          </a:p>
+        </p:txBody>
+      </p:sp>
+      <p:sp>
+        <p:nvSpPr>
+          <p:cNvPr id="98" name="Rectangle 97"/>
+          <p:cNvSpPr/>
+          <p:nvPr/>
+        </p:nvSpPr>
+        <p:spPr>
+          <a:xfrm>
+            <a:off x="208111" y="3499328"/>
+            <a:ext cx="284616" cy="5112976"/>
+          </a:xfrm>
+          <a:prstGeom prst="rect">
+            <a:avLst/>
+          </a:prstGeom>
+          <a:solidFill>
+            <a:schemeClr val="bg1">
+              <a:lumMod val="95000"/>
+            </a:schemeClr>
+          </a:solidFill>
+          <a:ln>
+            <a:noFill/>
+          </a:ln>
+        </p:spPr>
+        <p:style>
+          <a:lnRef idx="2">
+            <a:schemeClr val="accent1">
+              <a:shade val="50000"/>
+            </a:schemeClr>
+          </a:lnRef>
+          <a:fillRef idx="1">
+            <a:schemeClr val="accent1"/>
+          </a:fillRef>
+          <a:effectRef idx="0">
+            <a:schemeClr val="accent1"/>
+          </a:effectRef>
+          <a:fontRef idx="minor">
+            <a:schemeClr val="lt1"/>
+          </a:fontRef>
+        </p:style>
+        <p:txBody>
+          <a:bodyPr rtlCol="0" anchor="ctr"/>
+          <a:lstStyle/>
+          <a:p>
+            <a:pPr algn="ctr"/>
+            <a:endParaRPr lang="de-DE" sz="1050" dirty="0">
+              <a:solidFill>
+                <a:schemeClr val="tx1"/>
+              </a:solidFill>
+            </a:endParaRPr>
+          </a:p>
+        </p:txBody>
+      </p:sp>
+      <p:sp>
+        <p:nvSpPr>
+          <p:cNvPr id="99" name="AutoShape 4"/>
+          <p:cNvSpPr>
+            <a:spLocks/>
+          </p:cNvSpPr>
+          <p:nvPr/>
+        </p:nvSpPr>
+        <p:spPr bwMode="auto">
+          <a:xfrm>
+            <a:off x="274219" y="3713274"/>
+            <a:ext cx="152400" cy="152400"/>
+          </a:xfrm>
+          <a:prstGeom prst="roundRect">
+            <a:avLst>
+              <a:gd name="adj" fmla="val 20005"/>
+            </a:avLst>
+          </a:prstGeom>
+          <a:gradFill rotWithShape="0">
+            <a:gsLst>
+              <a:gs pos="0">
+                <a:srgbClr val="FFFEFE"/>
+              </a:gs>
+              <a:gs pos="44623">
+                <a:srgbClr val="FFFEFE"/>
+              </a:gs>
+              <a:gs pos="47871">
+                <a:srgbClr val="FFFEFE"/>
+              </a:gs>
+              <a:gs pos="100000">
+                <a:srgbClr val="CECDCD"/>
+              </a:gs>
+            </a:gsLst>
+            <a:lin ang="5400000" scaled="1"/>
+          </a:gradFill>
+          <a:ln w="12700">
+            <a:solidFill>
+              <a:srgbClr val="979797"/>
+            </a:solidFill>
+            <a:miter lim="800000"/>
+            <a:headEnd/>
+            <a:tailEnd/>
+          </a:ln>
+          <a:effectLst>
+            <a:outerShdw blurRad="12700" dist="12699" dir="5400000" algn="ctr" rotWithShape="0">
+              <a:schemeClr val="bg2">
+                <a:alpha val="14998"/>
+              </a:schemeClr>
+            </a:outerShdw>
+          </a:effectLst>
+        </p:spPr>
+        <p:txBody>
+          <a:bodyPr lIns="0" tIns="0" rIns="0" bIns="0"/>
+          <a:lstStyle/>
+          <a:p>
+            <a:pPr>
+              <a:defRPr/>
+            </a:pPr>
+            <a:endParaRPr lang="en-US">
+              <a:latin typeface="Gill Sans" charset="0"/>
+              <a:ea typeface="ヒラギノ角ゴ ProN W3" charset="0"/>
+              <a:sym typeface="Gill Sans" charset="0"/>
+            </a:endParaRPr>
+          </a:p>
+        </p:txBody>
+      </p:sp>
+      <p:sp>
+        <p:nvSpPr>
+          <p:cNvPr id="100" name="AutoShape 4"/>
+          <p:cNvSpPr>
+            <a:spLocks/>
+          </p:cNvSpPr>
+          <p:nvPr/>
+        </p:nvSpPr>
+        <p:spPr bwMode="auto">
+          <a:xfrm>
+            <a:off x="274219" y="4432220"/>
+            <a:ext cx="152400" cy="152400"/>
+          </a:xfrm>
+          <a:prstGeom prst="roundRect">
+            <a:avLst>
+              <a:gd name="adj" fmla="val 20005"/>
+            </a:avLst>
+          </a:prstGeom>
+          <a:gradFill rotWithShape="0">
+            <a:gsLst>
+              <a:gs pos="0">
+                <a:srgbClr val="FFFEFE"/>
+              </a:gs>
+              <a:gs pos="44623">
+                <a:srgbClr val="FFFEFE"/>
+              </a:gs>
+              <a:gs pos="47871">
+                <a:srgbClr val="FFFEFE"/>
+              </a:gs>
+              <a:gs pos="100000">
+                <a:srgbClr val="CECDCD"/>
+              </a:gs>
+            </a:gsLst>
+            <a:lin ang="5400000" scaled="1"/>
+          </a:gradFill>
+          <a:ln w="12700">
+            <a:solidFill>
+              <a:srgbClr val="979797"/>
+            </a:solidFill>
+            <a:miter lim="800000"/>
+            <a:headEnd/>
+            <a:tailEnd/>
+          </a:ln>
+          <a:effectLst>
+            <a:outerShdw blurRad="12700" dist="12699" dir="5400000" algn="ctr" rotWithShape="0">
+              <a:schemeClr val="bg2">
+                <a:alpha val="14998"/>
+              </a:schemeClr>
+            </a:outerShdw>
+          </a:effectLst>
+        </p:spPr>
+        <p:txBody>
+          <a:bodyPr lIns="0" tIns="0" rIns="0" bIns="0"/>
+          <a:lstStyle/>
+          <a:p>
+            <a:pPr>
+              <a:defRPr/>
+            </a:pPr>
+            <a:endParaRPr lang="en-US">
+              <a:latin typeface="Gill Sans" charset="0"/>
+              <a:ea typeface="ヒラギノ角ゴ ProN W3" charset="0"/>
+              <a:sym typeface="Gill Sans" charset="0"/>
+            </a:endParaRPr>
+          </a:p>
+        </p:txBody>
+      </p:sp>
+      <p:sp>
+        <p:nvSpPr>
+          <p:cNvPr id="101" name="AutoShape 4"/>
+          <p:cNvSpPr>
+            <a:spLocks/>
+          </p:cNvSpPr>
+          <p:nvPr/>
+        </p:nvSpPr>
+        <p:spPr bwMode="auto">
+          <a:xfrm>
+            <a:off x="274219" y="5151166"/>
+            <a:ext cx="152400" cy="152400"/>
+          </a:xfrm>
+          <a:prstGeom prst="roundRect">
+            <a:avLst>
+              <a:gd name="adj" fmla="val 20005"/>
+            </a:avLst>
+          </a:prstGeom>
+          <a:gradFill rotWithShape="0">
+            <a:gsLst>
+              <a:gs pos="0">
+                <a:srgbClr val="FFFEFE"/>
+              </a:gs>
+              <a:gs pos="44623">
+                <a:srgbClr val="FFFEFE"/>
+              </a:gs>
+              <a:gs pos="47871">
+                <a:srgbClr val="FFFEFE"/>
+              </a:gs>
+              <a:gs pos="100000">
+                <a:srgbClr val="CECDCD"/>
+              </a:gs>
+            </a:gsLst>
+            <a:lin ang="5400000" scaled="1"/>
+          </a:gradFill>
+          <a:ln w="12700">
+            <a:solidFill>
+              <a:srgbClr val="979797"/>
+            </a:solidFill>
+            <a:miter lim="800000"/>
+            <a:headEnd/>
+            <a:tailEnd/>
+          </a:ln>
+          <a:effectLst>
+            <a:outerShdw blurRad="12700" dist="12699" dir="5400000" algn="ctr" rotWithShape="0">
+              <a:schemeClr val="bg2">
+                <a:alpha val="14998"/>
+              </a:schemeClr>
+            </a:outerShdw>
+          </a:effectLst>
+        </p:spPr>
+        <p:txBody>
+          <a:bodyPr lIns="0" tIns="0" rIns="0" bIns="0"/>
+          <a:lstStyle/>
+          <a:p>
+            <a:pPr>
+              <a:defRPr/>
+            </a:pPr>
+            <a:endParaRPr lang="en-US">
+              <a:latin typeface="Gill Sans" charset="0"/>
+              <a:ea typeface="ヒラギノ角ゴ ProN W3" charset="0"/>
+              <a:sym typeface="Gill Sans" charset="0"/>
+            </a:endParaRPr>
+          </a:p>
+        </p:txBody>
+      </p:sp>
+      <p:sp>
+        <p:nvSpPr>
+          <p:cNvPr id="102" name="AutoShape 4"/>
+          <p:cNvSpPr>
+            <a:spLocks/>
+          </p:cNvSpPr>
+          <p:nvPr/>
+        </p:nvSpPr>
+        <p:spPr bwMode="auto">
+          <a:xfrm>
+            <a:off x="274219" y="5870112"/>
+            <a:ext cx="152400" cy="152400"/>
+          </a:xfrm>
+          <a:prstGeom prst="roundRect">
+            <a:avLst>
+              <a:gd name="adj" fmla="val 20005"/>
+            </a:avLst>
+          </a:prstGeom>
+          <a:gradFill rotWithShape="0">
+            <a:gsLst>
+              <a:gs pos="0">
+                <a:srgbClr val="FFFEFE"/>
+              </a:gs>
+              <a:gs pos="44623">
+                <a:srgbClr val="FFFEFE"/>
+              </a:gs>
+              <a:gs pos="47871">
+                <a:srgbClr val="FFFEFE"/>
+              </a:gs>
+              <a:gs pos="100000">
+                <a:srgbClr val="CECDCD"/>
+              </a:gs>
+            </a:gsLst>
+            <a:lin ang="5400000" scaled="1"/>
+          </a:gradFill>
+          <a:ln w="12700">
+            <a:solidFill>
+              <a:srgbClr val="979797"/>
+            </a:solidFill>
+            <a:miter lim="800000"/>
+            <a:headEnd/>
+            <a:tailEnd/>
+          </a:ln>
+          <a:effectLst>
+            <a:outerShdw blurRad="12700" dist="12699" dir="5400000" algn="ctr" rotWithShape="0">
+              <a:schemeClr val="bg2">
+                <a:alpha val="14998"/>
+              </a:schemeClr>
+            </a:outerShdw>
+          </a:effectLst>
+        </p:spPr>
+        <p:txBody>
+          <a:bodyPr lIns="0" tIns="0" rIns="0" bIns="0"/>
+          <a:lstStyle/>
+          <a:p>
+            <a:pPr>
+              <a:defRPr/>
+            </a:pPr>
+            <a:endParaRPr lang="en-US">
+              <a:latin typeface="Gill Sans" charset="0"/>
+              <a:ea typeface="ヒラギノ角ゴ ProN W3" charset="0"/>
+              <a:sym typeface="Gill Sans" charset="0"/>
+            </a:endParaRPr>
+          </a:p>
+        </p:txBody>
+      </p:sp>
+      <p:sp>
+        <p:nvSpPr>
+          <p:cNvPr id="103" name="AutoShape 4"/>
+          <p:cNvSpPr>
+            <a:spLocks/>
+          </p:cNvSpPr>
+          <p:nvPr/>
+        </p:nvSpPr>
+        <p:spPr bwMode="auto">
+          <a:xfrm>
+            <a:off x="274219" y="6589058"/>
+            <a:ext cx="152400" cy="152400"/>
+          </a:xfrm>
+          <a:prstGeom prst="roundRect">
+            <a:avLst>
+              <a:gd name="adj" fmla="val 20005"/>
+            </a:avLst>
+          </a:prstGeom>
+          <a:gradFill rotWithShape="0">
+            <a:gsLst>
+              <a:gs pos="0">
+                <a:srgbClr val="FFFEFE"/>
+              </a:gs>
+              <a:gs pos="44623">
+                <a:srgbClr val="FFFEFE"/>
+              </a:gs>
+              <a:gs pos="47871">
+                <a:srgbClr val="FFFEFE"/>
+              </a:gs>
+              <a:gs pos="100000">
+                <a:srgbClr val="CECDCD"/>
+              </a:gs>
+            </a:gsLst>
+            <a:lin ang="5400000" scaled="1"/>
+          </a:gradFill>
+          <a:ln w="12700">
+            <a:solidFill>
+              <a:srgbClr val="979797"/>
+            </a:solidFill>
+            <a:miter lim="800000"/>
+            <a:headEnd/>
+            <a:tailEnd/>
+          </a:ln>
+          <a:effectLst>
+            <a:outerShdw blurRad="12700" dist="12699" dir="5400000" algn="ctr" rotWithShape="0">
+              <a:schemeClr val="bg2">
+                <a:alpha val="14998"/>
+              </a:schemeClr>
+            </a:outerShdw>
+          </a:effectLst>
+        </p:spPr>
+        <p:txBody>
+          <a:bodyPr lIns="0" tIns="0" rIns="0" bIns="0"/>
+          <a:lstStyle/>
+          <a:p>
+            <a:pPr>
+              <a:defRPr/>
+            </a:pPr>
+            <a:endParaRPr lang="en-US">
+              <a:latin typeface="Gill Sans" charset="0"/>
+              <a:ea typeface="ヒラギノ角ゴ ProN W3" charset="0"/>
+              <a:sym typeface="Gill Sans" charset="0"/>
+            </a:endParaRPr>
+          </a:p>
+        </p:txBody>
+      </p:sp>
+      <p:sp>
+        <p:nvSpPr>
+          <p:cNvPr id="107" name="Rectangle 106"/>
+          <p:cNvSpPr/>
+          <p:nvPr/>
+        </p:nvSpPr>
+        <p:spPr>
+          <a:xfrm>
+            <a:off x="204583" y="4988839"/>
+            <a:ext cx="377026" cy="477054"/>
+          </a:xfrm>
+          <a:prstGeom prst="rect">
+            <a:avLst/>
+          </a:prstGeom>
+        </p:spPr>
+        <p:txBody>
+          <a:bodyPr wrap="none">
+            <a:spAutoFit/>
+          </a:bodyPr>
+          <a:lstStyle/>
+          <a:p>
+            <a:r>
+              <a:rPr lang="de-DE" dirty="0">
+                <a:sym typeface="SAPDings"/>
+              </a:rPr>
+              <a:t></a:t>
+            </a:r>
+            <a:endParaRPr lang="de-DE" dirty="0"/>
+          </a:p>
+        </p:txBody>
+      </p:sp>
+      <p:sp>
+        <p:nvSpPr>
+          <p:cNvPr id="110" name="Rectangle 109"/>
+          <p:cNvSpPr/>
+          <p:nvPr/>
+        </p:nvSpPr>
+        <p:spPr>
+          <a:xfrm>
+            <a:off x="208111" y="5681190"/>
+            <a:ext cx="377026" cy="477054"/>
+          </a:xfrm>
+          <a:prstGeom prst="rect">
+            <a:avLst/>
+          </a:prstGeom>
+        </p:spPr>
+        <p:txBody>
+          <a:bodyPr wrap="none">
+            <a:spAutoFit/>
+          </a:bodyPr>
+          <a:lstStyle/>
+          <a:p>
+            <a:r>
+              <a:rPr lang="de-DE" dirty="0">
+                <a:sym typeface="SAPDings"/>
+              </a:rPr>
+              <a:t></a:t>
+            </a:r>
+            <a:endParaRPr lang="de-DE" dirty="0"/>
+          </a:p>
+        </p:txBody>
+      </p:sp>
+      <p:sp>
+        <p:nvSpPr>
+          <p:cNvPr id="9" name="TextBox 8"/>
+          <p:cNvSpPr txBox="1"/>
+          <p:nvPr/>
+        </p:nvSpPr>
+        <p:spPr>
+          <a:xfrm>
+            <a:off x="208111" y="8612304"/>
+            <a:ext cx="3012878" cy="307777"/>
+          </a:xfrm>
+          <a:prstGeom prst="rect">
+            <a:avLst/>
+          </a:prstGeom>
+          <a:solidFill>
+            <a:schemeClr val="bg1">
+              <a:lumMod val="85000"/>
+            </a:schemeClr>
+          </a:solidFill>
+        </p:spPr>
+        <p:txBody>
+          <a:bodyPr wrap="square" rtlCol="0">
+            <a:spAutoFit/>
+          </a:bodyPr>
+          <a:lstStyle/>
+          <a:p>
+            <a:r>
+              <a:rPr lang="de-DE" sz="1400" dirty="0" smtClean="0"/>
+              <a:t>Selected: 3h (37.5 %)</a:t>
+            </a:r>
+            <a:endParaRPr lang="de-DE" sz="1400" dirty="0"/>
+          </a:p>
+        </p:txBody>
+      </p:sp>
+      <p:sp>
+        <p:nvSpPr>
+          <p:cNvPr id="10" name="Rectangle 9"/>
+          <p:cNvSpPr/>
+          <p:nvPr/>
+        </p:nvSpPr>
+        <p:spPr>
+          <a:xfrm>
+            <a:off x="8389654" y="5448672"/>
+            <a:ext cx="116200" cy="930990"/>
+          </a:xfrm>
+          <a:prstGeom prst="rect">
+            <a:avLst/>
+          </a:prstGeom>
+          <a:solidFill>
+            <a:schemeClr val="tx1"/>
+          </a:solidFill>
+          <a:ln>
+            <a:noFill/>
+          </a:ln>
+        </p:spPr>
+        <p:style>
+          <a:lnRef idx="2">
+            <a:schemeClr val="accent1">
+              <a:shade val="50000"/>
+            </a:schemeClr>
+          </a:lnRef>
+          <a:fillRef idx="1">
+            <a:schemeClr val="accent1"/>
+          </a:fillRef>
+          <a:effectRef idx="0">
+            <a:schemeClr val="accent1"/>
+          </a:effectRef>
+          <a:fontRef idx="minor">
+            <a:schemeClr val="lt1"/>
+          </a:fontRef>
+        </p:style>
+        <p:txBody>
+          <a:bodyPr rtlCol="0" anchor="ctr"/>
+          <a:lstStyle/>
+          <a:p>
+            <a:pPr algn="ctr"/>
+            <a:endParaRPr lang="de-DE"/>
+          </a:p>
+        </p:txBody>
+      </p:sp>
+      <p:sp>
+        <p:nvSpPr>
+          <p:cNvPr id="135" name="TextBox 134"/>
+          <p:cNvSpPr txBox="1"/>
+          <p:nvPr/>
+        </p:nvSpPr>
+        <p:spPr>
+          <a:xfrm>
+            <a:off x="3336810" y="1946411"/>
+            <a:ext cx="3012878" cy="307777"/>
+          </a:xfrm>
+          <a:prstGeom prst="rect">
+            <a:avLst/>
+          </a:prstGeom>
+          <a:solidFill>
+            <a:schemeClr val="bg1">
+              <a:lumMod val="85000"/>
+            </a:schemeClr>
+          </a:solidFill>
+        </p:spPr>
+        <p:txBody>
+          <a:bodyPr wrap="square" rtlCol="0">
+            <a:spAutoFit/>
+          </a:bodyPr>
+          <a:lstStyle/>
+          <a:p>
+            <a:r>
+              <a:rPr lang="de-DE" sz="1400" dirty="0" err="1" smtClean="0"/>
+              <a:t>My</a:t>
+            </a:r>
+            <a:r>
+              <a:rPr lang="de-DE" sz="1400" dirty="0" smtClean="0"/>
+              <a:t> Projects</a:t>
+            </a:r>
+            <a:endParaRPr lang="de-DE" sz="1400" dirty="0"/>
+          </a:p>
+        </p:txBody>
+      </p:sp>
+      <p:sp>
+        <p:nvSpPr>
+          <p:cNvPr id="138" name="Rectangle 137"/>
+          <p:cNvSpPr/>
+          <p:nvPr/>
+        </p:nvSpPr>
+        <p:spPr>
+          <a:xfrm>
+            <a:off x="8137627" y="5554167"/>
+            <a:ext cx="252027" cy="720000"/>
+          </a:xfrm>
+          <a:prstGeom prst="rect">
+            <a:avLst/>
+          </a:prstGeom>
+          <a:solidFill>
+            <a:schemeClr val="accent1">
+              <a:lumMod val="40000"/>
+              <a:lumOff val="60000"/>
+            </a:schemeClr>
+          </a:solidFill>
+          <a:ln>
+            <a:noFill/>
+          </a:ln>
+        </p:spPr>
+        <p:style>
+          <a:lnRef idx="2">
+            <a:schemeClr val="accent1">
+              <a:shade val="50000"/>
+            </a:schemeClr>
+          </a:lnRef>
+          <a:fillRef idx="1">
+            <a:schemeClr val="accent1"/>
+          </a:fillRef>
+          <a:effectRef idx="0">
+            <a:schemeClr val="accent1"/>
+          </a:effectRef>
+          <a:fontRef idx="minor">
+            <a:schemeClr val="lt1"/>
+          </a:fontRef>
+        </p:style>
+        <p:txBody>
+          <a:bodyPr rtlCol="0" anchor="ctr"/>
+          <a:lstStyle/>
+          <a:p>
+            <a:pPr algn="ctr"/>
+            <a:endParaRPr lang="de-DE"/>
+          </a:p>
+        </p:txBody>
+      </p:sp>
+      <p:sp>
+        <p:nvSpPr>
+          <p:cNvPr id="167" name="Rounded Rectangle 166"/>
+          <p:cNvSpPr/>
+          <p:nvPr/>
+        </p:nvSpPr>
+        <p:spPr>
+          <a:xfrm>
+            <a:off x="8631867" y="5566261"/>
+            <a:ext cx="3607131" cy="720080"/>
+          </a:xfrm>
+          <a:prstGeom prst="roundRect">
+            <a:avLst>
+              <a:gd name="adj" fmla="val 8995"/>
+            </a:avLst>
+          </a:prstGeom>
+          <a:pattFill prst="wdUpDiag">
+            <a:fgClr>
+              <a:schemeClr val="bg1">
+                <a:lumMod val="85000"/>
+              </a:schemeClr>
+            </a:fgClr>
+            <a:bgClr>
+              <a:schemeClr val="bg1"/>
+            </a:bgClr>
+          </a:pattFill>
+          <a:ln>
+            <a:noFill/>
+          </a:ln>
+        </p:spPr>
+        <p:style>
+          <a:lnRef idx="2">
+            <a:schemeClr val="accent1">
+              <a:shade val="50000"/>
+            </a:schemeClr>
+          </a:lnRef>
+          <a:fillRef idx="1">
+            <a:schemeClr val="accent1"/>
+          </a:fillRef>
+          <a:effectRef idx="0">
+            <a:schemeClr val="accent1"/>
+          </a:effectRef>
+          <a:fontRef idx="minor">
+            <a:schemeClr val="lt1"/>
+          </a:fontRef>
+        </p:style>
+        <p:txBody>
+          <a:bodyPr rtlCol="0" anchor="ctr"/>
+          <a:lstStyle/>
+          <a:p>
+            <a:pPr algn="ctr"/>
+            <a:endParaRPr lang="de-DE" sz="1600" dirty="0"/>
+          </a:p>
+        </p:txBody>
+      </p:sp>
+      <p:sp>
+        <p:nvSpPr>
+          <p:cNvPr id="168" name="Rectangle 167"/>
+          <p:cNvSpPr/>
+          <p:nvPr/>
+        </p:nvSpPr>
+        <p:spPr>
+          <a:xfrm>
+            <a:off x="8505854" y="5566261"/>
+            <a:ext cx="252027" cy="720000"/>
+          </a:xfrm>
+          <a:prstGeom prst="rect">
+            <a:avLst/>
+          </a:prstGeom>
+          <a:pattFill prst="wdUpDiag">
+            <a:fgClr>
+              <a:schemeClr val="bg1">
+                <a:lumMod val="85000"/>
+              </a:schemeClr>
+            </a:fgClr>
+            <a:bgClr>
+              <a:schemeClr val="bg1"/>
+            </a:bgClr>
+          </a:pattFill>
+          <a:ln>
+            <a:noFill/>
+          </a:ln>
+        </p:spPr>
+        <p:style>
+          <a:lnRef idx="2">
+            <a:schemeClr val="accent1">
+              <a:shade val="50000"/>
+            </a:schemeClr>
+          </a:lnRef>
+          <a:fillRef idx="1">
+            <a:schemeClr val="accent1"/>
+          </a:fillRef>
+          <a:effectRef idx="0">
+            <a:schemeClr val="accent1"/>
+          </a:effectRef>
+          <a:fontRef idx="minor">
+            <a:schemeClr val="lt1"/>
+          </a:fontRef>
+        </p:style>
+        <p:txBody>
+          <a:bodyPr rtlCol="0" anchor="ctr"/>
+          <a:lstStyle/>
+          <a:p>
+            <a:pPr algn="ctr"/>
+            <a:endParaRPr lang="de-DE"/>
+          </a:p>
+        </p:txBody>
+      </p:sp>
+      <p:pic>
+        <p:nvPicPr>
+          <p:cNvPr id="136" name="Picture 10" descr="\\dwdf200\ux\UI_Guidelines_Internal\Projects\Fiori-Stencils\Xchange\HandCursor.png"/>
+          <p:cNvPicPr>
+            <a:picLocks noChangeAspect="1" noChangeArrowheads="1"/>
+          </p:cNvPicPr>
+          <p:nvPr/>
+        </p:nvPicPr>
+        <p:blipFill>
+          <a:blip r:embed="rId5" cstate="print">
+            <a:extLst>
+              <a:ext uri="{28A0092B-C50C-407E-A947-70E740481C1C}">
+                <a14:useLocalDpi xmlns:a14="http://schemas.microsoft.com/office/drawing/2010/main" val="0"/>
+              </a:ext>
+            </a:extLst>
+          </a:blip>
+          <a:srcRect/>
+          <a:stretch>
+            <a:fillRect/>
+          </a:stretch>
+        </p:blipFill>
+        <p:spPr bwMode="auto">
+          <a:xfrm rot="3182465">
+            <a:off x="7707490" y="6086066"/>
+            <a:ext cx="777351" cy="1005983"/>
+          </a:xfrm>
+          <a:prstGeom prst="rect">
+            <a:avLst/>
+          </a:prstGeom>
+          <a:noFill/>
+          <a:extLst>
+            <a:ext uri="{909E8E84-426E-40DD-AFC4-6F175D3DCCD1}">
+              <a14:hiddenFill xmlns:a14="http://schemas.microsoft.com/office/drawing/2010/main">
+                <a:solidFill>
+                  <a:srgbClr val="FFFFFF"/>
+                </a:solidFill>
+              </a14:hiddenFill>
+            </a:ext>
+          </a:extLst>
+        </p:spPr>
+      </p:pic>
+      <p:sp>
+        <p:nvSpPr>
+          <p:cNvPr id="146" name="Rectangle 145"/>
+          <p:cNvSpPr/>
+          <p:nvPr/>
+        </p:nvSpPr>
+        <p:spPr>
+          <a:xfrm>
+            <a:off x="5508202" y="5554167"/>
+            <a:ext cx="252027" cy="720000"/>
+          </a:xfrm>
+          <a:prstGeom prst="rect">
+            <a:avLst/>
+          </a:prstGeom>
+          <a:solidFill>
+            <a:schemeClr val="accent1">
+              <a:lumMod val="40000"/>
+              <a:lumOff val="60000"/>
+            </a:schemeClr>
+          </a:solidFill>
+          <a:ln>
+            <a:noFill/>
+          </a:ln>
+        </p:spPr>
+        <p:style>
+          <a:lnRef idx="2">
+            <a:schemeClr val="accent1">
+              <a:shade val="50000"/>
+            </a:schemeClr>
+          </a:lnRef>
+          <a:fillRef idx="1">
+            <a:schemeClr val="accent1"/>
+          </a:fillRef>
+          <a:effectRef idx="0">
+            <a:schemeClr val="accent1"/>
+          </a:effectRef>
+          <a:fontRef idx="minor">
+            <a:schemeClr val="lt1"/>
+          </a:fontRef>
+        </p:style>
+        <p:txBody>
+          <a:bodyPr rtlCol="0" anchor="ctr"/>
+          <a:lstStyle/>
+          <a:p>
+            <a:pPr algn="ctr"/>
+            <a:endParaRPr lang="de-DE"/>
+          </a:p>
+        </p:txBody>
+      </p:sp>
+      <p:cxnSp>
+        <p:nvCxnSpPr>
+          <p:cNvPr id="12" name="Straight Arrow Connector 11"/>
+          <p:cNvCxnSpPr/>
+          <p:nvPr/>
+        </p:nvCxnSpPr>
+        <p:spPr>
+          <a:xfrm>
+            <a:off x="8444644" y="5793494"/>
+            <a:ext cx="548444" cy="0"/>
+          </a:xfrm>
+          <a:prstGeom prst="straightConnector1">
+            <a:avLst/>
+          </a:prstGeom>
+          <a:ln>
+            <a:tailEnd type="arrow"/>
+          </a:ln>
+        </p:spPr>
+        <p:style>
+          <a:lnRef idx="3">
+            <a:schemeClr val="accent2"/>
+          </a:lnRef>
+          <a:fillRef idx="0">
+            <a:schemeClr val="accent2"/>
+          </a:fillRef>
+          <a:effectRef idx="2">
+            <a:schemeClr val="accent2"/>
+          </a:effectRef>
+          <a:fontRef idx="minor">
+            <a:schemeClr val="tx1"/>
+          </a:fontRef>
+        </p:style>
+      </p:cxnSp>
+      <p:cxnSp>
+        <p:nvCxnSpPr>
+          <p:cNvPr id="148" name="Straight Arrow Connector 147"/>
+          <p:cNvCxnSpPr/>
+          <p:nvPr/>
+        </p:nvCxnSpPr>
+        <p:spPr>
+          <a:xfrm flipH="1" flipV="1">
+            <a:off x="7877017" y="5789891"/>
+            <a:ext cx="548444" cy="0"/>
+          </a:xfrm>
+          <a:prstGeom prst="straightConnector1">
+            <a:avLst/>
+          </a:prstGeom>
+          <a:ln>
+            <a:tailEnd type="arrow"/>
+          </a:ln>
+        </p:spPr>
+        <p:style>
+          <a:lnRef idx="3">
+            <a:schemeClr val="accent2"/>
+          </a:lnRef>
+          <a:fillRef idx="0">
+            <a:schemeClr val="accent2"/>
+          </a:fillRef>
+          <a:effectRef idx="2">
+            <a:schemeClr val="accent2"/>
+          </a:effectRef>
+          <a:fontRef idx="minor">
+            <a:schemeClr val="tx1"/>
+          </a:fontRef>
+        </p:style>
+      </p:cxnSp>
+      <p:pic>
+        <p:nvPicPr>
+          <p:cNvPr id="149" name="Picture 10" descr="\\dwdf200\ux\UI_Guidelines_Internal\Projects\Fiori-Stencils\Xchange\HandCursor.png"/>
+          <p:cNvPicPr>
+            <a:picLocks noChangeAspect="1" noChangeArrowheads="1"/>
+          </p:cNvPicPr>
+          <p:nvPr/>
+        </p:nvPicPr>
+        <p:blipFill>
+          <a:blip r:embed="rId5" cstate="print">
+            <a:extLst>
+              <a:ext uri="{28A0092B-C50C-407E-A947-70E740481C1C}">
+                <a14:useLocalDpi xmlns:a14="http://schemas.microsoft.com/office/drawing/2010/main" val="0"/>
+              </a:ext>
+            </a:extLst>
+          </a:blip>
+          <a:srcRect/>
+          <a:stretch>
+            <a:fillRect/>
+          </a:stretch>
+        </p:blipFill>
+        <p:spPr bwMode="auto">
+          <a:xfrm rot="8483191">
+            <a:off x="5860857" y="1608688"/>
+            <a:ext cx="777351" cy="1005983"/>
+          </a:xfrm>
+          <a:prstGeom prst="rect">
+            <a:avLst/>
+          </a:prstGeom>
+          <a:noFill/>
+          <a:extLst>
+            <a:ext uri="{909E8E84-426E-40DD-AFC4-6F175D3DCCD1}">
+              <a14:hiddenFill xmlns:a14="http://schemas.microsoft.com/office/drawing/2010/main">
+                <a:solidFill>
+                  <a:srgbClr val="FFFFFF"/>
+                </a:solidFill>
+              </a14:hiddenFill>
+            </a:ext>
+          </a:extLst>
+        </p:spPr>
+      </p:pic>
+      <p:sp>
+        <p:nvSpPr>
+          <p:cNvPr id="13" name="TextBox 12"/>
+          <p:cNvSpPr txBox="1"/>
+          <p:nvPr/>
+        </p:nvSpPr>
+        <p:spPr>
+          <a:xfrm>
+            <a:off x="5760229" y="1792523"/>
+            <a:ext cx="662425" cy="307777"/>
+          </a:xfrm>
+          <a:prstGeom prst="rect">
+            <a:avLst/>
+          </a:prstGeom>
+          <a:noFill/>
+        </p:spPr>
+        <p:txBody>
+          <a:bodyPr wrap="none" rtlCol="0">
+            <a:spAutoFit/>
+          </a:bodyPr>
+          <a:lstStyle/>
+          <a:p>
+            <a:r>
+              <a:rPr lang="de-DE" sz="1400" dirty="0" err="1" smtClean="0"/>
+              <a:t>Toogle</a:t>
+            </a:r>
+            <a:endParaRPr lang="de-DE" sz="1400" dirty="0"/>
+          </a:p>
+        </p:txBody>
+      </p:sp>
+      <p:sp>
+        <p:nvSpPr>
+          <p:cNvPr id="150" name="TextBox 149"/>
+          <p:cNvSpPr txBox="1"/>
+          <p:nvPr/>
+        </p:nvSpPr>
+        <p:spPr>
+          <a:xfrm>
+            <a:off x="7715681" y="6601464"/>
+            <a:ext cx="525657" cy="307777"/>
+          </a:xfrm>
+          <a:prstGeom prst="rect">
+            <a:avLst/>
+          </a:prstGeom>
+          <a:noFill/>
+        </p:spPr>
+        <p:txBody>
+          <a:bodyPr wrap="none" rtlCol="0">
+            <a:spAutoFit/>
+          </a:bodyPr>
+          <a:lstStyle/>
+          <a:p>
+            <a:r>
+              <a:rPr lang="de-DE" sz="1400" dirty="0" smtClean="0"/>
+              <a:t>Drag</a:t>
+            </a:r>
+            <a:endParaRPr lang="de-DE" sz="1400" dirty="0"/>
+          </a:p>
+        </p:txBody>
+      </p:sp>
+      <p:pic>
+        <p:nvPicPr>
+          <p:cNvPr id="151" name="Picture 10" descr="\\dwdf200\ux\UI_Guidelines_Internal\Projects\Fiori-Stencils\Xchange\HandCursor.png"/>
+          <p:cNvPicPr>
+            <a:picLocks noChangeAspect="1" noChangeArrowheads="1"/>
+          </p:cNvPicPr>
+          <p:nvPr/>
+        </p:nvPicPr>
+        <p:blipFill>
+          <a:blip r:embed="rId5" cstate="print">
+            <a:extLst>
+              <a:ext uri="{28A0092B-C50C-407E-A947-70E740481C1C}">
+                <a14:useLocalDpi xmlns:a14="http://schemas.microsoft.com/office/drawing/2010/main" val="0"/>
+              </a:ext>
+            </a:extLst>
+          </a:blip>
+          <a:srcRect/>
+          <a:stretch>
+            <a:fillRect/>
+          </a:stretch>
+        </p:blipFill>
+        <p:spPr bwMode="auto">
+          <a:xfrm rot="4739457">
+            <a:off x="693932" y="417573"/>
+            <a:ext cx="777351" cy="1005983"/>
+          </a:xfrm>
+          <a:prstGeom prst="rect">
+            <a:avLst/>
+          </a:prstGeom>
+          <a:noFill/>
+          <a:extLst>
+            <a:ext uri="{909E8E84-426E-40DD-AFC4-6F175D3DCCD1}">
+              <a14:hiddenFill xmlns:a14="http://schemas.microsoft.com/office/drawing/2010/main">
+                <a:solidFill>
+                  <a:srgbClr val="FFFFFF"/>
+                </a:solidFill>
+              </a14:hiddenFill>
+            </a:ext>
+          </a:extLst>
+        </p:spPr>
+      </p:pic>
+      <p:sp>
+        <p:nvSpPr>
+          <p:cNvPr id="152" name="TextBox 151"/>
+          <p:cNvSpPr txBox="1"/>
+          <p:nvPr/>
+        </p:nvSpPr>
+        <p:spPr>
+          <a:xfrm>
+            <a:off x="640160" y="852736"/>
+            <a:ext cx="521297" cy="307777"/>
+          </a:xfrm>
+          <a:prstGeom prst="rect">
+            <a:avLst/>
+          </a:prstGeom>
+          <a:noFill/>
+        </p:spPr>
+        <p:txBody>
+          <a:bodyPr wrap="none" rtlCol="0">
+            <a:spAutoFit/>
+          </a:bodyPr>
+          <a:lstStyle/>
+          <a:p>
+            <a:r>
+              <a:rPr lang="de-DE" sz="1400" dirty="0" smtClean="0"/>
+              <a:t>Click</a:t>
+            </a:r>
+            <a:endParaRPr lang="de-DE" sz="1400" dirty="0"/>
+          </a:p>
+        </p:txBody>
+      </p:sp>
+      <p:sp>
+        <p:nvSpPr>
+          <p:cNvPr id="153" name="AutoShape 10"/>
+          <p:cNvSpPr>
+            <a:spLocks/>
+          </p:cNvSpPr>
+          <p:nvPr/>
+        </p:nvSpPr>
+        <p:spPr bwMode="auto">
+          <a:xfrm>
+            <a:off x="10559312" y="1488232"/>
+            <a:ext cx="900000" cy="288000"/>
+          </a:xfrm>
+          <a:prstGeom prst="roundRect">
+            <a:avLst>
+              <a:gd name="adj" fmla="val 8417"/>
+            </a:avLst>
+          </a:prstGeom>
+          <a:solidFill>
+            <a:schemeClr val="bg1"/>
+          </a:solidFill>
+          <a:ln>
+            <a:solidFill>
+              <a:srgbClr val="ADADAD"/>
+            </a:solidFill>
+          </a:ln>
+        </p:spPr>
+        <p:txBody>
+          <a:bodyPr lIns="0" tIns="0" rIns="-215" bIns="0" anchor="ctr"/>
+          <a:lstStyle/>
+          <a:p>
+            <a:pPr lvl="0" algn="ctr" defTabSz="914400"/>
+            <a:r>
+              <a:rPr lang="de-DE" sz="1200" dirty="0">
+                <a:latin typeface="SAP-icons" panose="02000503000000000000" pitchFamily="2" charset="0"/>
+              </a:rPr>
+              <a:t></a:t>
+            </a:r>
+            <a:endParaRPr kumimoji="0" lang="en-US" sz="1200" i="0" u="none" strike="noStrike" kern="0" cap="none" spc="0" normalizeH="0" baseline="0" noProof="0" dirty="0" smtClean="0">
+              <a:ln>
+                <a:noFill/>
+              </a:ln>
+              <a:effectLst/>
+              <a:uLnTx/>
+              <a:uFillTx/>
+              <a:latin typeface="SAP-icons" panose="02000503000000000000" pitchFamily="2" charset="0"/>
+              <a:ea typeface="MS PGothic" pitchFamily="34" charset="-128"/>
+              <a:sym typeface="Helvetica Neue" pitchFamily="-84" charset="0"/>
+            </a:endParaRPr>
+          </a:p>
+        </p:txBody>
+      </p:sp>
+      <p:sp>
+        <p:nvSpPr>
+          <p:cNvPr id="154" name="Oval 153"/>
+          <p:cNvSpPr/>
+          <p:nvPr/>
+        </p:nvSpPr>
+        <p:spPr>
+          <a:xfrm>
+            <a:off x="11227974" y="1499676"/>
+            <a:ext cx="241426" cy="241426"/>
+          </a:xfrm>
+          <a:prstGeom prst="ellipse">
+            <a:avLst/>
+          </a:prstGeom>
+        </p:spPr>
+        <p:style>
+          <a:lnRef idx="2">
+            <a:schemeClr val="accent2">
+              <a:shade val="50000"/>
+            </a:schemeClr>
+          </a:lnRef>
+          <a:fillRef idx="1">
+            <a:schemeClr val="accent2"/>
+          </a:fillRef>
+          <a:effectRef idx="0">
+            <a:schemeClr val="accent2"/>
+          </a:effectRef>
+          <a:fontRef idx="minor">
+            <a:schemeClr val="lt1"/>
+          </a:fontRef>
+        </p:style>
+        <p:txBody>
+          <a:bodyPr rtlCol="0" anchor="ctr"/>
+          <a:lstStyle/>
+          <a:p>
+            <a:pPr algn="ctr"/>
+            <a:r>
+              <a:rPr lang="de-DE" sz="1100" dirty="0" smtClean="0"/>
+              <a:t>1</a:t>
+            </a:r>
+            <a:endParaRPr lang="de-DE" sz="1100" dirty="0"/>
+          </a:p>
+        </p:txBody>
+      </p:sp>
+      <p:sp>
+        <p:nvSpPr>
+          <p:cNvPr id="14" name="TextBox 13"/>
+          <p:cNvSpPr txBox="1"/>
+          <p:nvPr/>
+        </p:nvSpPr>
+        <p:spPr>
+          <a:xfrm>
+            <a:off x="3573571" y="7965973"/>
+            <a:ext cx="8682727" cy="1384995"/>
+          </a:xfrm>
+          <a:prstGeom prst="rect">
+            <a:avLst/>
+          </a:prstGeom>
+          <a:noFill/>
+          <a:ln w="6350">
+            <a:solidFill>
+              <a:srgbClr val="C00000"/>
+            </a:solidFill>
+          </a:ln>
+        </p:spPr>
+        <p:txBody>
+          <a:bodyPr wrap="square" rtlCol="0">
+            <a:spAutoFit/>
+          </a:bodyPr>
+          <a:lstStyle/>
+          <a:p>
+            <a:r>
+              <a:rPr lang="de-DE" sz="1400" dirty="0" smtClean="0"/>
+              <a:t>1: </a:t>
+            </a:r>
+            <a:r>
+              <a:rPr lang="de-DE" sz="1400" dirty="0" err="1" smtClean="0"/>
+              <a:t>When</a:t>
+            </a:r>
+            <a:r>
+              <a:rPr lang="de-DE" sz="1400" dirty="0" smtClean="0"/>
+              <a:t> </a:t>
+            </a:r>
+            <a:r>
+              <a:rPr lang="de-DE" sz="1400" dirty="0" err="1" smtClean="0"/>
+              <a:t>clicked</a:t>
+            </a:r>
+            <a:r>
+              <a:rPr lang="de-DE" sz="1400" dirty="0" smtClean="0"/>
+              <a:t> </a:t>
+            </a:r>
+            <a:r>
+              <a:rPr lang="de-DE" sz="1400" dirty="0" err="1" smtClean="0"/>
+              <a:t>while</a:t>
+            </a:r>
+            <a:r>
+              <a:rPr lang="de-DE" sz="1400" dirty="0" smtClean="0"/>
+              <a:t> </a:t>
+            </a:r>
+            <a:r>
+              <a:rPr lang="de-DE" sz="1400" dirty="0" err="1" smtClean="0"/>
+              <a:t>pressing</a:t>
+            </a:r>
+            <a:r>
+              <a:rPr lang="de-DE" sz="1400" dirty="0" smtClean="0"/>
+              <a:t> „</a:t>
+            </a:r>
+            <a:r>
+              <a:rPr lang="de-DE" sz="1400" dirty="0" err="1" smtClean="0"/>
+              <a:t>shift</a:t>
+            </a:r>
+            <a:r>
+              <a:rPr lang="de-DE" sz="1400" dirty="0" smtClean="0"/>
+              <a:t>“ </a:t>
+            </a:r>
+            <a:r>
+              <a:rPr lang="de-DE" sz="1400" dirty="0" err="1" smtClean="0"/>
+              <a:t>should</a:t>
+            </a:r>
+            <a:r>
+              <a:rPr lang="de-DE" sz="1400" dirty="0" smtClean="0"/>
+              <a:t> </a:t>
+            </a:r>
+            <a:r>
+              <a:rPr lang="de-DE" sz="1400" dirty="0" err="1" smtClean="0"/>
+              <a:t>act</a:t>
+            </a:r>
+            <a:r>
+              <a:rPr lang="de-DE" sz="1400" dirty="0" smtClean="0"/>
+              <a:t> </a:t>
+            </a:r>
+            <a:r>
+              <a:rPr lang="de-DE" sz="1400" dirty="0" err="1" smtClean="0"/>
+              <a:t>as</a:t>
+            </a:r>
+            <a:r>
+              <a:rPr lang="de-DE" sz="1400" dirty="0" smtClean="0"/>
+              <a:t> „save </a:t>
+            </a:r>
+            <a:r>
+              <a:rPr lang="de-DE" sz="1400" dirty="0" err="1" smtClean="0"/>
+              <a:t>and</a:t>
+            </a:r>
+            <a:r>
+              <a:rPr lang="de-DE" sz="1400" dirty="0" smtClean="0"/>
+              <a:t> </a:t>
+            </a:r>
+            <a:r>
+              <a:rPr lang="de-DE" sz="1400" dirty="0" err="1" smtClean="0"/>
+              <a:t>next</a:t>
+            </a:r>
+            <a:r>
+              <a:rPr lang="de-DE" sz="1400" dirty="0" smtClean="0"/>
+              <a:t>“</a:t>
+            </a:r>
+          </a:p>
+          <a:p>
+            <a:r>
+              <a:rPr lang="de-DE" sz="1400" dirty="0" smtClean="0"/>
+              <a:t>2: Click </a:t>
+            </a:r>
+            <a:r>
+              <a:rPr lang="de-DE" sz="1400" dirty="0" err="1" smtClean="0"/>
+              <a:t>for</a:t>
+            </a:r>
+            <a:r>
+              <a:rPr lang="de-DE" sz="1400" dirty="0" smtClean="0"/>
+              <a:t> </a:t>
+            </a:r>
+            <a:r>
+              <a:rPr lang="de-DE" sz="1400" dirty="0" err="1" smtClean="0"/>
+              <a:t>manual</a:t>
+            </a:r>
+            <a:r>
+              <a:rPr lang="de-DE" sz="1400" dirty="0" smtClean="0"/>
+              <a:t> </a:t>
+            </a:r>
+            <a:r>
+              <a:rPr lang="de-DE" sz="1400" dirty="0" err="1" smtClean="0"/>
+              <a:t>entering</a:t>
+            </a:r>
+            <a:r>
+              <a:rPr lang="de-DE" sz="1400" dirty="0" smtClean="0"/>
+              <a:t> time </a:t>
+            </a:r>
+            <a:r>
+              <a:rPr lang="de-DE" sz="1400" dirty="0" err="1" smtClean="0"/>
+              <a:t>as</a:t>
+            </a:r>
+            <a:r>
+              <a:rPr lang="de-DE" sz="1400" dirty="0" smtClean="0"/>
+              <a:t> </a:t>
+            </a:r>
+            <a:r>
+              <a:rPr lang="de-DE" sz="1400" dirty="0" err="1" smtClean="0"/>
+              <a:t>hours</a:t>
+            </a:r>
+            <a:r>
+              <a:rPr lang="de-DE" sz="1400" dirty="0" smtClean="0"/>
+              <a:t>/</a:t>
+            </a:r>
+            <a:r>
+              <a:rPr lang="de-DE" sz="1400" dirty="0" err="1" smtClean="0"/>
+              <a:t>percentage</a:t>
+            </a:r>
+            <a:endParaRPr lang="de-DE" sz="1400" dirty="0" smtClean="0"/>
+          </a:p>
+          <a:p>
+            <a:r>
+              <a:rPr lang="de-DE" sz="1400" dirty="0" smtClean="0"/>
+              <a:t>3: Sums </a:t>
+            </a:r>
+            <a:r>
+              <a:rPr lang="de-DE" sz="1400" dirty="0" err="1" smtClean="0"/>
+              <a:t>up</a:t>
+            </a:r>
+            <a:r>
+              <a:rPr lang="de-DE" sz="1400" dirty="0" smtClean="0"/>
+              <a:t> </a:t>
+            </a:r>
+            <a:r>
+              <a:rPr lang="de-DE" sz="1400" dirty="0" err="1" smtClean="0"/>
+              <a:t>checked</a:t>
+            </a:r>
+            <a:r>
+              <a:rPr lang="de-DE" sz="1400" dirty="0" smtClean="0"/>
+              <a:t> </a:t>
+            </a:r>
+            <a:r>
+              <a:rPr lang="de-DE" sz="1400" dirty="0" err="1" smtClean="0"/>
+              <a:t>appointments</a:t>
+            </a:r>
+            <a:r>
+              <a:rPr lang="de-DE" sz="1400" dirty="0" smtClean="0"/>
+              <a:t> </a:t>
+            </a:r>
+            <a:r>
+              <a:rPr lang="de-DE" sz="1400" dirty="0" err="1" smtClean="0"/>
+              <a:t>for</a:t>
+            </a:r>
+            <a:r>
+              <a:rPr lang="de-DE" sz="1400" dirty="0" smtClean="0"/>
+              <a:t> </a:t>
+            </a:r>
+            <a:r>
+              <a:rPr lang="de-DE" sz="1400" dirty="0" err="1" smtClean="0"/>
+              <a:t>easier</a:t>
+            </a:r>
+            <a:r>
+              <a:rPr lang="de-DE" sz="1400" dirty="0" smtClean="0"/>
+              <a:t> </a:t>
+            </a:r>
+            <a:r>
+              <a:rPr lang="de-DE" sz="1400" dirty="0" err="1" smtClean="0"/>
+              <a:t>entering</a:t>
+            </a:r>
+            <a:endParaRPr lang="de-DE" sz="1400" dirty="0" smtClean="0"/>
+          </a:p>
+          <a:p>
+            <a:r>
+              <a:rPr lang="de-DE" sz="1400" dirty="0" smtClean="0"/>
+              <a:t>4: </a:t>
+            </a:r>
+            <a:r>
+              <a:rPr lang="de-DE" sz="1400" dirty="0" err="1" smtClean="0"/>
+              <a:t>Copy</a:t>
+            </a:r>
+            <a:r>
+              <a:rPr lang="de-DE" sz="1400" dirty="0" err="1" smtClean="0"/>
+              <a:t>&amp;Paste</a:t>
+            </a:r>
+            <a:r>
+              <a:rPr lang="de-DE" sz="1400" dirty="0" smtClean="0"/>
+              <a:t> </a:t>
+            </a:r>
+            <a:r>
+              <a:rPr lang="de-DE" sz="1400" dirty="0" err="1" smtClean="0"/>
+              <a:t>functionality</a:t>
+            </a:r>
+            <a:endParaRPr lang="de-DE" sz="1400" dirty="0" smtClean="0"/>
+          </a:p>
+          <a:p>
+            <a:r>
+              <a:rPr lang="de-DE" sz="1400" dirty="0" smtClean="0"/>
+              <a:t>5: Tomorrow </a:t>
+            </a:r>
+            <a:r>
+              <a:rPr lang="de-DE" sz="1400" dirty="0" err="1" smtClean="0"/>
+              <a:t>and</a:t>
+            </a:r>
+            <a:r>
+              <a:rPr lang="de-DE" sz="1400" dirty="0" smtClean="0"/>
+              <a:t> </a:t>
+            </a:r>
+            <a:r>
+              <a:rPr lang="de-DE" sz="1400" dirty="0" err="1" smtClean="0"/>
+              <a:t>yesterday</a:t>
+            </a:r>
+            <a:endParaRPr lang="de-DE" sz="1400" dirty="0" smtClean="0"/>
+          </a:p>
+          <a:p>
+            <a:r>
+              <a:rPr lang="de-DE" sz="1400" dirty="0" smtClean="0"/>
+              <a:t>6: </a:t>
+            </a:r>
+            <a:r>
+              <a:rPr lang="de-DE" sz="1400" dirty="0" err="1" smtClean="0"/>
+              <a:t>Grid</a:t>
+            </a:r>
+            <a:r>
+              <a:rPr lang="de-DE" sz="1400" dirty="0" smtClean="0"/>
+              <a:t> </a:t>
+            </a:r>
+            <a:r>
+              <a:rPr lang="de-DE" sz="1400" dirty="0" err="1" smtClean="0"/>
+              <a:t>with</a:t>
+            </a:r>
+            <a:r>
+              <a:rPr lang="de-DE" sz="1400" dirty="0" smtClean="0"/>
+              <a:t> 15 </a:t>
+            </a:r>
+            <a:r>
+              <a:rPr lang="de-DE" sz="1400" dirty="0" err="1" smtClean="0"/>
+              <a:t>minute</a:t>
+            </a:r>
+            <a:r>
+              <a:rPr lang="de-DE" sz="1400" dirty="0" smtClean="0"/>
+              <a:t> </a:t>
+            </a:r>
+            <a:r>
+              <a:rPr lang="de-DE" sz="1400" dirty="0" err="1" smtClean="0"/>
+              <a:t>stepsize</a:t>
+            </a:r>
+            <a:endParaRPr lang="de-DE" sz="1400" dirty="0"/>
+          </a:p>
+        </p:txBody>
+      </p:sp>
+      <p:sp>
+        <p:nvSpPr>
+          <p:cNvPr id="19" name="Rectangle 18"/>
+          <p:cNvSpPr/>
+          <p:nvPr/>
+        </p:nvSpPr>
+        <p:spPr>
+          <a:xfrm>
+            <a:off x="5072085" y="5638471"/>
+            <a:ext cx="364202" cy="307777"/>
+          </a:xfrm>
+          <a:prstGeom prst="rect">
+            <a:avLst/>
+          </a:prstGeom>
+        </p:spPr>
+        <p:txBody>
+          <a:bodyPr wrap="none">
+            <a:spAutoFit/>
+          </a:bodyPr>
+          <a:lstStyle/>
+          <a:p>
+            <a:r>
+              <a:rPr lang="de-DE" sz="1400" dirty="0">
+                <a:solidFill>
+                  <a:schemeClr val="bg1"/>
+                </a:solidFill>
+                <a:latin typeface="SAP-icons" panose="02000503000000000000" pitchFamily="2" charset="0"/>
+              </a:rPr>
+              <a:t></a:t>
+            </a:r>
+          </a:p>
+        </p:txBody>
+      </p:sp>
+      <p:sp>
+        <p:nvSpPr>
+          <p:cNvPr id="155" name="Rectangle 154"/>
+          <p:cNvSpPr/>
+          <p:nvPr/>
+        </p:nvSpPr>
+        <p:spPr>
+          <a:xfrm>
+            <a:off x="7595959" y="5638471"/>
+            <a:ext cx="364202" cy="307777"/>
+          </a:xfrm>
+          <a:prstGeom prst="rect">
+            <a:avLst/>
+          </a:prstGeom>
+        </p:spPr>
+        <p:txBody>
+          <a:bodyPr wrap="none">
+            <a:spAutoFit/>
+          </a:bodyPr>
+          <a:lstStyle/>
+          <a:p>
+            <a:r>
+              <a:rPr lang="de-DE" sz="1400" dirty="0">
+                <a:solidFill>
+                  <a:schemeClr val="bg1"/>
+                </a:solidFill>
+                <a:latin typeface="SAP-icons" panose="02000503000000000000" pitchFamily="2" charset="0"/>
+              </a:rPr>
+              <a:t></a:t>
+            </a:r>
+          </a:p>
+        </p:txBody>
+      </p:sp>
+      <p:pic>
+        <p:nvPicPr>
+          <p:cNvPr id="157" name="Picture 10" descr="\\dwdf200\ux\UI_Guidelines_Internal\Projects\Fiori-Stencils\Xchange\HandCursor.png"/>
+          <p:cNvPicPr>
+            <a:picLocks noChangeAspect="1" noChangeArrowheads="1"/>
+          </p:cNvPicPr>
+          <p:nvPr/>
+        </p:nvPicPr>
+        <p:blipFill>
+          <a:blip r:embed="rId5" cstate="print">
+            <a:extLst>
+              <a:ext uri="{28A0092B-C50C-407E-A947-70E740481C1C}">
+                <a14:useLocalDpi xmlns:a14="http://schemas.microsoft.com/office/drawing/2010/main" val="0"/>
+              </a:ext>
+            </a:extLst>
+          </a:blip>
+          <a:srcRect/>
+          <a:stretch>
+            <a:fillRect/>
+          </a:stretch>
+        </p:blipFill>
+        <p:spPr bwMode="auto">
+          <a:xfrm rot="13728734">
+            <a:off x="5257479" y="4787441"/>
+            <a:ext cx="777351" cy="1005983"/>
+          </a:xfrm>
+          <a:prstGeom prst="rect">
+            <a:avLst/>
+          </a:prstGeom>
+          <a:noFill/>
+          <a:extLst>
+            <a:ext uri="{909E8E84-426E-40DD-AFC4-6F175D3DCCD1}">
+              <a14:hiddenFill xmlns:a14="http://schemas.microsoft.com/office/drawing/2010/main">
+                <a:solidFill>
+                  <a:srgbClr val="FFFFFF"/>
+                </a:solidFill>
+              </a14:hiddenFill>
+            </a:ext>
+          </a:extLst>
+        </p:spPr>
+      </p:pic>
+      <p:sp>
+        <p:nvSpPr>
+          <p:cNvPr id="159" name="Oval 158"/>
+          <p:cNvSpPr/>
+          <p:nvPr/>
+        </p:nvSpPr>
+        <p:spPr>
+          <a:xfrm>
+            <a:off x="5650909" y="4988839"/>
+            <a:ext cx="241426" cy="241426"/>
+          </a:xfrm>
+          <a:prstGeom prst="ellipse">
+            <a:avLst/>
+          </a:prstGeom>
+        </p:spPr>
+        <p:style>
+          <a:lnRef idx="2">
+            <a:schemeClr val="accent2">
+              <a:shade val="50000"/>
+            </a:schemeClr>
+          </a:lnRef>
+          <a:fillRef idx="1">
+            <a:schemeClr val="accent2"/>
+          </a:fillRef>
+          <a:effectRef idx="0">
+            <a:schemeClr val="accent2"/>
+          </a:effectRef>
+          <a:fontRef idx="minor">
+            <a:schemeClr val="lt1"/>
+          </a:fontRef>
+        </p:style>
+        <p:txBody>
+          <a:bodyPr rtlCol="0" anchor="ctr"/>
+          <a:lstStyle/>
+          <a:p>
+            <a:pPr algn="ctr"/>
+            <a:r>
+              <a:rPr lang="de-DE" sz="1100" dirty="0"/>
+              <a:t>2</a:t>
+            </a:r>
+            <a:endParaRPr lang="de-DE" sz="1100" dirty="0"/>
+          </a:p>
+        </p:txBody>
+      </p:sp>
+      <p:sp>
+        <p:nvSpPr>
+          <p:cNvPr id="160" name="Oval 159"/>
+          <p:cNvSpPr/>
+          <p:nvPr/>
+        </p:nvSpPr>
+        <p:spPr>
+          <a:xfrm>
+            <a:off x="0" y="8631786"/>
+            <a:ext cx="241426" cy="241426"/>
+          </a:xfrm>
+          <a:prstGeom prst="ellipse">
+            <a:avLst/>
+          </a:prstGeom>
+        </p:spPr>
+        <p:style>
+          <a:lnRef idx="2">
+            <a:schemeClr val="accent2">
+              <a:shade val="50000"/>
+            </a:schemeClr>
+          </a:lnRef>
+          <a:fillRef idx="1">
+            <a:schemeClr val="accent2"/>
+          </a:fillRef>
+          <a:effectRef idx="0">
+            <a:schemeClr val="accent2"/>
+          </a:effectRef>
+          <a:fontRef idx="minor">
+            <a:schemeClr val="lt1"/>
+          </a:fontRef>
+        </p:style>
+        <p:txBody>
+          <a:bodyPr rtlCol="0" anchor="ctr"/>
+          <a:lstStyle/>
+          <a:p>
+            <a:pPr algn="ctr"/>
+            <a:r>
+              <a:rPr lang="de-DE" sz="1100" dirty="0" smtClean="0"/>
+              <a:t>3</a:t>
+            </a:r>
+            <a:endParaRPr lang="de-DE" sz="1100" dirty="0"/>
+          </a:p>
+        </p:txBody>
+      </p:sp>
+      <p:sp>
+        <p:nvSpPr>
+          <p:cNvPr id="20" name="Rectangle 19"/>
+          <p:cNvSpPr/>
+          <p:nvPr/>
+        </p:nvSpPr>
+        <p:spPr>
+          <a:xfrm>
+            <a:off x="12411646" y="48072"/>
+            <a:ext cx="397866" cy="338554"/>
+          </a:xfrm>
+          <a:prstGeom prst="rect">
+            <a:avLst/>
+          </a:prstGeom>
+        </p:spPr>
+        <p:txBody>
+          <a:bodyPr wrap="none">
+            <a:spAutoFit/>
+          </a:bodyPr>
+          <a:lstStyle/>
+          <a:p>
+            <a:r>
+              <a:rPr lang="de-DE" sz="1600" dirty="0">
+                <a:solidFill>
+                  <a:schemeClr val="tx1">
+                    <a:lumMod val="65000"/>
+                    <a:lumOff val="35000"/>
+                  </a:schemeClr>
+                </a:solidFill>
+                <a:latin typeface="SAP-icons" panose="02000503000000000000" pitchFamily="2" charset="0"/>
+              </a:rPr>
+              <a:t></a:t>
+            </a:r>
+          </a:p>
+        </p:txBody>
+      </p:sp>
+      <p:sp>
+        <p:nvSpPr>
+          <p:cNvPr id="161" name="AutoShape 10"/>
+          <p:cNvSpPr>
+            <a:spLocks/>
+          </p:cNvSpPr>
+          <p:nvPr/>
+        </p:nvSpPr>
+        <p:spPr bwMode="auto">
+          <a:xfrm>
+            <a:off x="3625514" y="5054222"/>
+            <a:ext cx="421635" cy="288000"/>
+          </a:xfrm>
+          <a:prstGeom prst="roundRect">
+            <a:avLst>
+              <a:gd name="adj" fmla="val 8417"/>
+            </a:avLst>
+          </a:prstGeom>
+          <a:solidFill>
+            <a:schemeClr val="bg1"/>
+          </a:solidFill>
+          <a:ln>
+            <a:solidFill>
+              <a:srgbClr val="ADADAD"/>
+            </a:solidFill>
+          </a:ln>
+        </p:spPr>
+        <p:txBody>
+          <a:bodyPr lIns="0" tIns="0" rIns="-215" bIns="0" anchor="ctr"/>
+          <a:lstStyle/>
+          <a:p>
+            <a:pPr algn="ctr"/>
+            <a:r>
+              <a:rPr lang="de-DE" sz="1600" dirty="0" smtClean="0">
+                <a:latin typeface="SAP-icons" panose="02000503000000000000" pitchFamily="2" charset="0"/>
+              </a:rPr>
+              <a:t></a:t>
+            </a:r>
+            <a:endParaRPr lang="de-DE" sz="1600" dirty="0">
+              <a:latin typeface="SAP-icons" panose="02000503000000000000" pitchFamily="2" charset="0"/>
+            </a:endParaRPr>
+          </a:p>
+        </p:txBody>
+      </p:sp>
+      <p:sp>
+        <p:nvSpPr>
+          <p:cNvPr id="162" name="AutoShape 10"/>
+          <p:cNvSpPr>
+            <a:spLocks/>
+          </p:cNvSpPr>
+          <p:nvPr/>
+        </p:nvSpPr>
+        <p:spPr bwMode="auto">
+          <a:xfrm>
+            <a:off x="4099081" y="5060627"/>
+            <a:ext cx="421635" cy="288000"/>
+          </a:xfrm>
+          <a:prstGeom prst="roundRect">
+            <a:avLst>
+              <a:gd name="adj" fmla="val 8417"/>
+            </a:avLst>
+          </a:prstGeom>
+          <a:solidFill>
+            <a:schemeClr val="bg1"/>
+          </a:solidFill>
+          <a:ln>
+            <a:solidFill>
+              <a:srgbClr val="ADADAD"/>
+            </a:solidFill>
+          </a:ln>
+        </p:spPr>
+        <p:txBody>
+          <a:bodyPr lIns="0" tIns="0" rIns="-215" bIns="0" anchor="ctr"/>
+          <a:lstStyle/>
+          <a:p>
+            <a:pPr algn="ctr"/>
+            <a:r>
+              <a:rPr lang="de-DE" sz="1600" dirty="0" smtClean="0">
+                <a:latin typeface="SAP-icons" panose="02000503000000000000" pitchFamily="2" charset="0"/>
+              </a:rPr>
+              <a:t></a:t>
+            </a:r>
+            <a:endParaRPr lang="de-DE" sz="1600" dirty="0">
+              <a:latin typeface="SAP-icons" panose="02000503000000000000" pitchFamily="2" charset="0"/>
+            </a:endParaRPr>
+          </a:p>
+        </p:txBody>
+      </p:sp>
+      <p:sp>
+        <p:nvSpPr>
+          <p:cNvPr id="163" name="Oval 162"/>
+          <p:cNvSpPr/>
+          <p:nvPr/>
+        </p:nvSpPr>
+        <p:spPr>
+          <a:xfrm>
+            <a:off x="3900407" y="4745986"/>
+            <a:ext cx="241426" cy="241426"/>
+          </a:xfrm>
+          <a:prstGeom prst="ellipse">
+            <a:avLst/>
+          </a:prstGeom>
+        </p:spPr>
+        <p:style>
+          <a:lnRef idx="2">
+            <a:schemeClr val="accent2">
+              <a:shade val="50000"/>
+            </a:schemeClr>
+          </a:lnRef>
+          <a:fillRef idx="1">
+            <a:schemeClr val="accent2"/>
+          </a:fillRef>
+          <a:effectRef idx="0">
+            <a:schemeClr val="accent2"/>
+          </a:effectRef>
+          <a:fontRef idx="minor">
+            <a:schemeClr val="lt1"/>
+          </a:fontRef>
+        </p:style>
+        <p:txBody>
+          <a:bodyPr rtlCol="0" anchor="ctr"/>
+          <a:lstStyle/>
+          <a:p>
+            <a:pPr algn="ctr"/>
+            <a:r>
+              <a:rPr lang="de-DE" sz="1100" dirty="0" smtClean="0"/>
+              <a:t>4</a:t>
+            </a:r>
+            <a:endParaRPr lang="de-DE" sz="1100" dirty="0"/>
+          </a:p>
+        </p:txBody>
+      </p:sp>
+      <p:sp>
+        <p:nvSpPr>
+          <p:cNvPr id="164" name="Oval 163"/>
+          <p:cNvSpPr/>
+          <p:nvPr/>
+        </p:nvSpPr>
+        <p:spPr>
+          <a:xfrm>
+            <a:off x="12168592" y="1499676"/>
+            <a:ext cx="241426" cy="241426"/>
+          </a:xfrm>
+          <a:prstGeom prst="ellipse">
+            <a:avLst/>
+          </a:prstGeom>
+        </p:spPr>
+        <p:style>
+          <a:lnRef idx="2">
+            <a:schemeClr val="accent2">
+              <a:shade val="50000"/>
+            </a:schemeClr>
+          </a:lnRef>
+          <a:fillRef idx="1">
+            <a:schemeClr val="accent2"/>
+          </a:fillRef>
+          <a:effectRef idx="0">
+            <a:schemeClr val="accent2"/>
+          </a:effectRef>
+          <a:fontRef idx="minor">
+            <a:schemeClr val="lt1"/>
+          </a:fontRef>
+        </p:style>
+        <p:txBody>
+          <a:bodyPr rtlCol="0" anchor="ctr"/>
+          <a:lstStyle/>
+          <a:p>
+            <a:pPr algn="ctr"/>
+            <a:r>
+              <a:rPr lang="de-DE" sz="1100" dirty="0" smtClean="0"/>
+              <a:t>5</a:t>
+            </a:r>
+            <a:endParaRPr lang="de-DE" sz="1100" dirty="0"/>
+          </a:p>
+        </p:txBody>
+      </p:sp>
+      <p:sp>
+        <p:nvSpPr>
+          <p:cNvPr id="165" name="Oval 164"/>
+          <p:cNvSpPr/>
+          <p:nvPr/>
+        </p:nvSpPr>
+        <p:spPr>
+          <a:xfrm>
+            <a:off x="3482803" y="1511519"/>
+            <a:ext cx="241426" cy="241426"/>
+          </a:xfrm>
+          <a:prstGeom prst="ellipse">
+            <a:avLst/>
+          </a:prstGeom>
+        </p:spPr>
+        <p:style>
+          <a:lnRef idx="2">
+            <a:schemeClr val="accent2">
+              <a:shade val="50000"/>
+            </a:schemeClr>
+          </a:lnRef>
+          <a:fillRef idx="1">
+            <a:schemeClr val="accent2"/>
+          </a:fillRef>
+          <a:effectRef idx="0">
+            <a:schemeClr val="accent2"/>
+          </a:effectRef>
+          <a:fontRef idx="minor">
+            <a:schemeClr val="lt1"/>
+          </a:fontRef>
+        </p:style>
+        <p:txBody>
+          <a:bodyPr rtlCol="0" anchor="ctr"/>
+          <a:lstStyle/>
+          <a:p>
+            <a:pPr algn="ctr"/>
+            <a:r>
+              <a:rPr lang="de-DE" sz="1100" dirty="0" smtClean="0"/>
+              <a:t>5</a:t>
+            </a:r>
+            <a:endParaRPr lang="de-DE" sz="1100" dirty="0"/>
+          </a:p>
+        </p:txBody>
+      </p:sp>
+      <p:sp>
+        <p:nvSpPr>
+          <p:cNvPr id="166" name="Oval 165"/>
+          <p:cNvSpPr/>
+          <p:nvPr/>
+        </p:nvSpPr>
+        <p:spPr>
+          <a:xfrm>
+            <a:off x="8731778" y="6405357"/>
+            <a:ext cx="241426" cy="241426"/>
+          </a:xfrm>
+          <a:prstGeom prst="ellipse">
+            <a:avLst/>
+          </a:prstGeom>
+        </p:spPr>
+        <p:style>
+          <a:lnRef idx="2">
+            <a:schemeClr val="accent2">
+              <a:shade val="50000"/>
+            </a:schemeClr>
+          </a:lnRef>
+          <a:fillRef idx="1">
+            <a:schemeClr val="accent2"/>
+          </a:fillRef>
+          <a:effectRef idx="0">
+            <a:schemeClr val="accent2"/>
+          </a:effectRef>
+          <a:fontRef idx="minor">
+            <a:schemeClr val="lt1"/>
+          </a:fontRef>
+        </p:style>
+        <p:txBody>
+          <a:bodyPr rtlCol="0" anchor="ctr"/>
+          <a:lstStyle/>
+          <a:p>
+            <a:pPr algn="ctr"/>
+            <a:r>
+              <a:rPr lang="de-DE" sz="1100" dirty="0" smtClean="0"/>
+              <a:t>6</a:t>
+            </a:r>
+            <a:endParaRPr lang="de-DE" sz="1100" dirty="0"/>
+          </a:p>
+        </p:txBody>
+      </p:sp>
+    </p:spTree>
+    <p:extLst>
+      <p:ext uri="{BB962C8B-B14F-4D97-AF65-F5344CB8AC3E}">
+        <p14:creationId xmlns:p14="http://schemas.microsoft.com/office/powerpoint/2010/main" val="592045799"/>
       </p:ext>
     </p:extLst>
   </p:cSld>

--- a/webui/app/cats/design_proposal.pptx
+++ b/webui/app/cats/design_proposal.pptx
@@ -1758,971 +1758,6 @@
           <a:bodyPr/>
           <a:lstStyle/>
           <a:p>
-            <a:endParaRPr lang="de-DE" dirty="0" smtClean="0"/>
-          </a:p>
-          <a:p>
-            <a:endParaRPr lang="de-DE" dirty="0" smtClean="0"/>
-          </a:p>
-          <a:p>
-            <a:endParaRPr lang="de-DE" dirty="0" smtClean="0"/>
-          </a:p>
-          <a:p>
-            <a:r>
-              <a:rPr lang="de-DE" dirty="0" smtClean="0"/>
-              <a:t>1: </a:t>
-            </a:r>
-            <a:r>
-              <a:rPr lang="de-DE" dirty="0" err="1" smtClean="0"/>
-              <a:t>Recognizes</a:t>
-            </a:r>
-            <a:r>
-              <a:rPr lang="de-DE" dirty="0" smtClean="0"/>
-              <a:t> </a:t>
-            </a:r>
-            <a:r>
-              <a:rPr lang="de-DE" dirty="0" err="1" smtClean="0"/>
-              <a:t>words</a:t>
-            </a:r>
-            <a:r>
-              <a:rPr lang="de-DE" dirty="0" smtClean="0"/>
-              <a:t> </a:t>
-            </a:r>
-            <a:r>
-              <a:rPr lang="de-DE" dirty="0" err="1" smtClean="0"/>
-              <a:t>like</a:t>
-            </a:r>
-            <a:r>
-              <a:rPr lang="de-DE" dirty="0" smtClean="0"/>
-              <a:t> „lunch“, „</a:t>
-            </a:r>
-            <a:r>
-              <a:rPr lang="de-DE" dirty="0" err="1" smtClean="0"/>
-              <a:t>two</a:t>
-            </a:r>
-            <a:r>
-              <a:rPr lang="de-DE" baseline="0" dirty="0" smtClean="0"/>
-              <a:t> </a:t>
-            </a:r>
-            <a:r>
-              <a:rPr lang="de-DE" baseline="0" dirty="0" err="1" smtClean="0"/>
-              <a:t>go</a:t>
-            </a:r>
-            <a:r>
-              <a:rPr lang="de-DE" baseline="0" dirty="0" smtClean="0"/>
-              <a:t>“</a:t>
-            </a:r>
-            <a:r>
-              <a:rPr lang="de-DE" dirty="0" smtClean="0"/>
-              <a:t> </a:t>
-            </a:r>
-            <a:r>
-              <a:rPr lang="de-DE" dirty="0" err="1" smtClean="0"/>
-              <a:t>or</a:t>
-            </a:r>
-            <a:r>
-              <a:rPr lang="de-DE" dirty="0" smtClean="0"/>
-              <a:t> „private“ </a:t>
-            </a:r>
-            <a:r>
-              <a:rPr lang="de-DE" dirty="0" err="1" smtClean="0"/>
-              <a:t>and</a:t>
-            </a:r>
-            <a:r>
-              <a:rPr lang="de-DE" dirty="0" smtClean="0"/>
-              <a:t> </a:t>
-            </a:r>
-            <a:r>
-              <a:rPr lang="de-DE" dirty="0" err="1" smtClean="0"/>
-              <a:t>marks</a:t>
-            </a:r>
-            <a:r>
-              <a:rPr lang="de-DE" baseline="0" dirty="0" smtClean="0"/>
-              <a:t> </a:t>
-            </a:r>
-            <a:r>
-              <a:rPr lang="de-DE" baseline="0" dirty="0" err="1" smtClean="0"/>
-              <a:t>appointment</a:t>
-            </a:r>
-            <a:r>
-              <a:rPr lang="de-DE" baseline="0" dirty="0" smtClean="0"/>
-              <a:t> </a:t>
-            </a:r>
-            <a:r>
-              <a:rPr lang="de-DE" baseline="0" dirty="0" err="1" smtClean="0"/>
-              <a:t>as</a:t>
-            </a:r>
-            <a:r>
-              <a:rPr lang="de-DE" baseline="0" dirty="0" smtClean="0"/>
-              <a:t> „</a:t>
-            </a:r>
-            <a:r>
-              <a:rPr lang="de-DE" baseline="0" dirty="0" err="1" smtClean="0"/>
-              <a:t>unimportant</a:t>
-            </a:r>
-            <a:r>
-              <a:rPr lang="de-DE" baseline="0" dirty="0" smtClean="0"/>
-              <a:t> </a:t>
-            </a:r>
-            <a:r>
-              <a:rPr lang="de-DE" baseline="0" dirty="0" err="1" smtClean="0"/>
-              <a:t>for</a:t>
-            </a:r>
-            <a:r>
-              <a:rPr lang="de-DE" baseline="0" dirty="0" smtClean="0"/>
-              <a:t> CATS“, </a:t>
-            </a:r>
-            <a:r>
-              <a:rPr lang="de-DE" baseline="0" dirty="0" err="1" smtClean="0"/>
-              <a:t>this</a:t>
-            </a:r>
-            <a:r>
-              <a:rPr lang="de-DE" baseline="0" dirty="0" smtClean="0"/>
-              <a:t> </a:t>
-            </a:r>
-            <a:r>
-              <a:rPr lang="de-DE" baseline="0" dirty="0" err="1" smtClean="0"/>
-              <a:t>word</a:t>
-            </a:r>
-            <a:r>
-              <a:rPr lang="de-DE" baseline="0" dirty="0" smtClean="0"/>
-              <a:t> </a:t>
-            </a:r>
-            <a:r>
-              <a:rPr lang="de-DE" baseline="0" dirty="0" err="1" smtClean="0"/>
-              <a:t>list</a:t>
-            </a:r>
-            <a:r>
-              <a:rPr lang="de-DE" baseline="0" dirty="0" smtClean="0"/>
-              <a:t> </a:t>
-            </a:r>
-            <a:r>
-              <a:rPr lang="de-DE" baseline="0" dirty="0" err="1" smtClean="0"/>
-              <a:t>should</a:t>
-            </a:r>
-            <a:r>
-              <a:rPr lang="de-DE" baseline="0" dirty="0" smtClean="0"/>
-              <a:t> </a:t>
-            </a:r>
-            <a:r>
-              <a:rPr lang="de-DE" baseline="0" dirty="0" err="1" smtClean="0"/>
-              <a:t>be</a:t>
-            </a:r>
-            <a:r>
-              <a:rPr lang="de-DE" baseline="0" dirty="0" smtClean="0"/>
-              <a:t> </a:t>
-            </a:r>
-            <a:r>
-              <a:rPr lang="de-DE" baseline="0" dirty="0" err="1" smtClean="0"/>
-              <a:t>editable</a:t>
-            </a:r>
-            <a:r>
-              <a:rPr lang="de-DE" baseline="0" dirty="0" smtClean="0"/>
-              <a:t> </a:t>
-            </a:r>
-            <a:r>
-              <a:rPr lang="de-DE" baseline="0" dirty="0" err="1" smtClean="0"/>
-              <a:t>by</a:t>
-            </a:r>
-            <a:r>
-              <a:rPr lang="de-DE" baseline="0" dirty="0" smtClean="0"/>
-              <a:t> </a:t>
-            </a:r>
-            <a:r>
-              <a:rPr lang="de-DE" baseline="0" dirty="0" err="1" smtClean="0"/>
-              <a:t>the</a:t>
-            </a:r>
-            <a:r>
-              <a:rPr lang="de-DE" baseline="0" dirty="0" smtClean="0"/>
-              <a:t> </a:t>
-            </a:r>
-            <a:r>
-              <a:rPr lang="de-DE" baseline="0" dirty="0" err="1" smtClean="0"/>
-              <a:t>user</a:t>
-            </a:r>
-            <a:endParaRPr lang="de-DE" baseline="0" dirty="0" smtClean="0"/>
-          </a:p>
-          <a:p>
-            <a:r>
-              <a:rPr lang="de-DE" baseline="0" dirty="0" smtClean="0"/>
-              <a:t>2: </a:t>
-            </a:r>
-            <a:r>
-              <a:rPr lang="de-DE" baseline="0" dirty="0" err="1" smtClean="0"/>
-              <a:t>Assign</a:t>
-            </a:r>
-            <a:r>
-              <a:rPr lang="de-DE" baseline="0" dirty="0" smtClean="0"/>
-              <a:t> </a:t>
-            </a:r>
-            <a:r>
-              <a:rPr lang="de-DE" baseline="0" dirty="0" err="1" smtClean="0"/>
-              <a:t>one</a:t>
-            </a:r>
-            <a:r>
-              <a:rPr lang="de-DE" baseline="0" dirty="0" smtClean="0"/>
-              <a:t> </a:t>
-            </a:r>
-            <a:r>
-              <a:rPr lang="de-DE" baseline="0" dirty="0" err="1" smtClean="0"/>
-              <a:t>of</a:t>
-            </a:r>
-            <a:r>
-              <a:rPr lang="de-DE" baseline="0" dirty="0" smtClean="0"/>
-              <a:t> </a:t>
-            </a:r>
-            <a:r>
-              <a:rPr lang="de-DE" baseline="0" dirty="0" err="1" smtClean="0"/>
-              <a:t>the</a:t>
-            </a:r>
-            <a:r>
-              <a:rPr lang="de-DE" baseline="0" dirty="0" smtClean="0"/>
-              <a:t> </a:t>
-            </a:r>
-            <a:r>
-              <a:rPr lang="de-DE" baseline="0" dirty="0" err="1" smtClean="0"/>
-              <a:t>enabled</a:t>
-            </a:r>
-            <a:r>
-              <a:rPr lang="de-DE" baseline="0" dirty="0" smtClean="0"/>
-              <a:t> </a:t>
-            </a:r>
-            <a:r>
-              <a:rPr lang="de-DE" baseline="0" dirty="0" err="1" smtClean="0"/>
-              <a:t>projects</a:t>
-            </a:r>
-            <a:r>
-              <a:rPr lang="de-DE" baseline="0" dirty="0" smtClean="0"/>
-              <a:t> </a:t>
-            </a:r>
-            <a:r>
-              <a:rPr lang="de-DE" baseline="0" dirty="0" err="1" smtClean="0"/>
-              <a:t>to</a:t>
-            </a:r>
-            <a:r>
-              <a:rPr lang="de-DE" baseline="0" dirty="0" smtClean="0"/>
-              <a:t> </a:t>
-            </a:r>
-            <a:r>
-              <a:rPr lang="de-DE" baseline="0" dirty="0" err="1" smtClean="0"/>
-              <a:t>this</a:t>
-            </a:r>
-            <a:r>
-              <a:rPr lang="de-DE" baseline="0" dirty="0" smtClean="0"/>
-              <a:t> </a:t>
-            </a:r>
-            <a:r>
-              <a:rPr lang="de-DE" baseline="0" dirty="0" err="1" smtClean="0"/>
-              <a:t>appointment</a:t>
-            </a:r>
-            <a:endParaRPr lang="de-DE" baseline="0" dirty="0" smtClean="0"/>
-          </a:p>
-          <a:p>
-            <a:r>
-              <a:rPr lang="de-DE" baseline="0" dirty="0" smtClean="0"/>
-              <a:t>3: Button </a:t>
-            </a:r>
-            <a:r>
-              <a:rPr lang="de-DE" baseline="0" dirty="0" err="1" smtClean="0"/>
-              <a:t>that</a:t>
-            </a:r>
-            <a:r>
-              <a:rPr lang="de-DE" baseline="0" dirty="0" smtClean="0"/>
-              <a:t> </a:t>
-            </a:r>
-            <a:r>
-              <a:rPr lang="de-DE" baseline="0" dirty="0" err="1" smtClean="0"/>
-              <a:t>opens</a:t>
-            </a:r>
-            <a:r>
-              <a:rPr lang="de-DE" baseline="0" dirty="0" smtClean="0"/>
-              <a:t> a </a:t>
-            </a:r>
-            <a:r>
-              <a:rPr lang="de-DE" baseline="0" dirty="0" err="1" smtClean="0"/>
-              <a:t>dialog</a:t>
-            </a:r>
-            <a:r>
-              <a:rPr lang="de-DE" baseline="0" dirty="0" smtClean="0"/>
-              <a:t> </a:t>
-            </a:r>
-            <a:r>
-              <a:rPr lang="de-DE" baseline="0" dirty="0" err="1" smtClean="0"/>
-              <a:t>for</a:t>
-            </a:r>
-            <a:r>
-              <a:rPr lang="de-DE" baseline="0" dirty="0" smtClean="0"/>
-              <a:t> </a:t>
-            </a:r>
-            <a:r>
-              <a:rPr lang="de-DE" baseline="0" dirty="0" err="1" smtClean="0"/>
-              <a:t>inserting</a:t>
-            </a:r>
-            <a:r>
-              <a:rPr lang="de-DE" baseline="0" dirty="0" smtClean="0"/>
-              <a:t> a </a:t>
-            </a:r>
-            <a:r>
-              <a:rPr lang="de-DE" baseline="0" dirty="0" err="1" smtClean="0"/>
-              <a:t>value</a:t>
-            </a:r>
-            <a:r>
-              <a:rPr lang="de-DE" baseline="0" dirty="0" smtClean="0"/>
-              <a:t> </a:t>
-            </a:r>
-            <a:r>
-              <a:rPr lang="de-DE" baseline="0" dirty="0" err="1" smtClean="0"/>
-              <a:t>by</a:t>
-            </a:r>
-            <a:r>
-              <a:rPr lang="de-DE" baseline="0" dirty="0" smtClean="0"/>
-              <a:t> </a:t>
-            </a:r>
-            <a:r>
-              <a:rPr lang="de-DE" baseline="0" dirty="0" err="1" smtClean="0"/>
-              <a:t>keyboard</a:t>
-            </a:r>
-            <a:r>
-              <a:rPr lang="de-DE" baseline="0" dirty="0" smtClean="0"/>
-              <a:t> </a:t>
-            </a:r>
-            <a:r>
-              <a:rPr lang="de-DE" baseline="0" dirty="0" err="1" smtClean="0"/>
-              <a:t>rather</a:t>
-            </a:r>
-            <a:r>
-              <a:rPr lang="de-DE" baseline="0" dirty="0" smtClean="0"/>
-              <a:t> </a:t>
-            </a:r>
-            <a:r>
-              <a:rPr lang="de-DE" baseline="0" dirty="0" err="1" smtClean="0"/>
-              <a:t>than</a:t>
-            </a:r>
-            <a:r>
-              <a:rPr lang="de-DE" baseline="0" dirty="0" smtClean="0"/>
-              <a:t> </a:t>
-            </a:r>
-            <a:r>
-              <a:rPr lang="de-DE" baseline="0" dirty="0" err="1" smtClean="0"/>
-              <a:t>by</a:t>
-            </a:r>
-            <a:r>
-              <a:rPr lang="de-DE" baseline="0" dirty="0" smtClean="0"/>
-              <a:t> </a:t>
-            </a:r>
-            <a:r>
-              <a:rPr lang="de-DE" baseline="0" dirty="0" err="1" smtClean="0"/>
-              <a:t>dragging</a:t>
-            </a:r>
-            <a:r>
-              <a:rPr lang="de-DE" baseline="0" dirty="0" smtClean="0"/>
-              <a:t> </a:t>
-            </a:r>
-            <a:r>
-              <a:rPr lang="de-DE" baseline="0" dirty="0" err="1" smtClean="0"/>
-              <a:t>of</a:t>
-            </a:r>
-            <a:r>
-              <a:rPr lang="de-DE" baseline="0" dirty="0" smtClean="0"/>
-              <a:t> </a:t>
-            </a:r>
-            <a:r>
-              <a:rPr lang="de-DE" baseline="0" dirty="0" err="1" smtClean="0"/>
-              <a:t>the</a:t>
-            </a:r>
-            <a:r>
-              <a:rPr lang="de-DE" baseline="0" dirty="0" smtClean="0"/>
-              <a:t> </a:t>
-            </a:r>
-            <a:r>
-              <a:rPr lang="de-DE" baseline="0" dirty="0" err="1" smtClean="0"/>
-              <a:t>bars</a:t>
-            </a:r>
-            <a:endParaRPr lang="de-DE" baseline="0" dirty="0" smtClean="0"/>
-          </a:p>
-          <a:p>
-            <a:r>
-              <a:rPr lang="de-DE" baseline="0" dirty="0" smtClean="0"/>
-              <a:t>4: Absolute </a:t>
-            </a:r>
-            <a:r>
-              <a:rPr lang="de-DE" baseline="0" dirty="0" err="1" smtClean="0"/>
-              <a:t>values</a:t>
-            </a:r>
-            <a:r>
-              <a:rPr lang="de-DE" baseline="0" dirty="0" smtClean="0"/>
-              <a:t>; </a:t>
-            </a:r>
-            <a:r>
-              <a:rPr lang="de-DE" baseline="0" dirty="0" err="1" smtClean="0"/>
-              <a:t>these</a:t>
-            </a:r>
-            <a:r>
-              <a:rPr lang="de-DE" baseline="0" dirty="0" smtClean="0"/>
-              <a:t> </a:t>
-            </a:r>
-            <a:r>
-              <a:rPr lang="de-DE" baseline="0" dirty="0" err="1" smtClean="0"/>
-              <a:t>depend</a:t>
-            </a:r>
-            <a:r>
-              <a:rPr lang="de-DE" baseline="0" dirty="0" smtClean="0"/>
-              <a:t> on </a:t>
-            </a:r>
-            <a:r>
-              <a:rPr lang="de-DE" baseline="0" dirty="0" err="1" smtClean="0"/>
-              <a:t>the</a:t>
-            </a:r>
-            <a:r>
-              <a:rPr lang="de-DE" baseline="0" dirty="0" smtClean="0"/>
-              <a:t> </a:t>
-            </a:r>
-            <a:r>
-              <a:rPr lang="de-DE" baseline="0" dirty="0" err="1" smtClean="0"/>
-              <a:t>curently</a:t>
-            </a:r>
-            <a:r>
-              <a:rPr lang="de-DE" baseline="0" dirty="0" smtClean="0"/>
-              <a:t> </a:t>
-            </a:r>
-            <a:r>
-              <a:rPr lang="de-DE" baseline="0" dirty="0" err="1" smtClean="0"/>
-              <a:t>selected</a:t>
-            </a:r>
-            <a:r>
-              <a:rPr lang="de-DE" baseline="0" dirty="0" smtClean="0"/>
-              <a:t> </a:t>
-            </a:r>
-            <a:r>
-              <a:rPr lang="de-DE" baseline="0" dirty="0" err="1" smtClean="0"/>
-              <a:t>day</a:t>
-            </a:r>
-            <a:endParaRPr lang="de-DE" baseline="0" dirty="0" smtClean="0"/>
-          </a:p>
-          <a:p>
-            <a:r>
-              <a:rPr lang="de-DE" baseline="0" dirty="0" smtClean="0"/>
-              <a:t>5: Projects not </a:t>
-            </a:r>
-            <a:r>
-              <a:rPr lang="de-DE" baseline="0" dirty="0" err="1" smtClean="0"/>
-              <a:t>currently</a:t>
-            </a:r>
-            <a:r>
-              <a:rPr lang="de-DE" baseline="0" dirty="0" smtClean="0"/>
-              <a:t> </a:t>
-            </a:r>
-            <a:r>
-              <a:rPr lang="de-DE" baseline="0" dirty="0" err="1" smtClean="0"/>
-              <a:t>selected</a:t>
-            </a:r>
-            <a:r>
-              <a:rPr lang="de-DE" baseline="0" dirty="0" smtClean="0"/>
-              <a:t> will also </a:t>
-            </a:r>
-            <a:r>
-              <a:rPr lang="de-DE" baseline="0" dirty="0" err="1" smtClean="0"/>
-              <a:t>be</a:t>
-            </a:r>
-            <a:r>
-              <a:rPr lang="de-DE" baseline="0" dirty="0" smtClean="0"/>
-              <a:t> </a:t>
-            </a:r>
-            <a:r>
-              <a:rPr lang="de-DE" baseline="0" dirty="0" err="1" smtClean="0"/>
-              <a:t>shown</a:t>
-            </a:r>
-            <a:r>
-              <a:rPr lang="de-DE" baseline="0" dirty="0" smtClean="0"/>
-              <a:t> in </a:t>
-            </a:r>
-            <a:r>
-              <a:rPr lang="de-DE" baseline="0" dirty="0" err="1" smtClean="0"/>
-              <a:t>the</a:t>
-            </a:r>
-            <a:r>
-              <a:rPr lang="de-DE" baseline="0" dirty="0" smtClean="0"/>
-              <a:t> </a:t>
-            </a:r>
-            <a:r>
-              <a:rPr lang="de-DE" baseline="0" dirty="0" err="1" smtClean="0"/>
-              <a:t>overview</a:t>
-            </a:r>
-            <a:endParaRPr lang="de-DE" baseline="0" dirty="0" smtClean="0"/>
-          </a:p>
-          <a:p>
-            <a:r>
-              <a:rPr lang="de-DE" baseline="0" dirty="0" smtClean="0"/>
-              <a:t>6: Other </a:t>
-            </a:r>
-            <a:r>
-              <a:rPr lang="de-DE" baseline="0" dirty="0" err="1" smtClean="0"/>
-              <a:t>modes</a:t>
-            </a:r>
-            <a:r>
-              <a:rPr lang="de-DE" baseline="0" dirty="0" smtClean="0"/>
-              <a:t> </a:t>
-            </a:r>
-            <a:r>
-              <a:rPr lang="de-DE" baseline="0" dirty="0" err="1" smtClean="0"/>
-              <a:t>could</a:t>
-            </a:r>
-            <a:r>
-              <a:rPr lang="de-DE" baseline="0" dirty="0" smtClean="0"/>
-              <a:t> </a:t>
-            </a:r>
-            <a:r>
-              <a:rPr lang="de-DE" baseline="0" dirty="0" err="1" smtClean="0"/>
-              <a:t>be</a:t>
-            </a:r>
-            <a:r>
-              <a:rPr lang="de-DE" baseline="0" dirty="0" smtClean="0"/>
-              <a:t>: Last 4 </a:t>
-            </a:r>
-            <a:r>
-              <a:rPr lang="de-DE" baseline="0" dirty="0" err="1" smtClean="0"/>
-              <a:t>Weeks</a:t>
-            </a:r>
-            <a:r>
-              <a:rPr lang="de-DE" baseline="0" dirty="0" smtClean="0"/>
-              <a:t>, </a:t>
-            </a:r>
-            <a:r>
-              <a:rPr lang="de-DE" baseline="0" dirty="0" err="1" smtClean="0"/>
-              <a:t>current</a:t>
-            </a:r>
-            <a:r>
-              <a:rPr lang="de-DE" baseline="0" dirty="0" smtClean="0"/>
-              <a:t> </a:t>
-            </a:r>
-            <a:r>
-              <a:rPr lang="de-DE" baseline="0" dirty="0" err="1" smtClean="0"/>
-              <a:t>month</a:t>
-            </a:r>
-            <a:r>
-              <a:rPr lang="de-DE" baseline="0" dirty="0" smtClean="0"/>
-              <a:t>, </a:t>
-            </a:r>
-            <a:r>
-              <a:rPr lang="de-DE" baseline="0" dirty="0" err="1" smtClean="0"/>
-              <a:t>current</a:t>
-            </a:r>
-            <a:r>
-              <a:rPr lang="de-DE" baseline="0" dirty="0" smtClean="0"/>
-              <a:t> </a:t>
-            </a:r>
-            <a:r>
-              <a:rPr lang="de-DE" baseline="0" dirty="0" err="1" smtClean="0"/>
-              <a:t>week</a:t>
-            </a:r>
-            <a:r>
-              <a:rPr lang="de-DE" baseline="0" dirty="0" smtClean="0"/>
-              <a:t>, last 3 </a:t>
-            </a:r>
-            <a:r>
-              <a:rPr lang="de-DE" baseline="0" dirty="0" err="1" smtClean="0"/>
-              <a:t>month</a:t>
-            </a:r>
-            <a:endParaRPr lang="de-DE" baseline="0" dirty="0" smtClean="0"/>
-          </a:p>
-          <a:p>
-            <a:r>
-              <a:rPr lang="de-DE" baseline="0" dirty="0" smtClean="0"/>
-              <a:t>7: System </a:t>
-            </a:r>
-            <a:r>
-              <a:rPr lang="de-DE" baseline="0" dirty="0" err="1" smtClean="0"/>
-              <a:t>might</a:t>
-            </a:r>
-            <a:r>
-              <a:rPr lang="de-DE" baseline="0" dirty="0" smtClean="0"/>
-              <a:t> </a:t>
-            </a:r>
-            <a:r>
-              <a:rPr lang="de-DE" baseline="0" dirty="0" err="1" smtClean="0"/>
-              <a:t>guess</a:t>
-            </a:r>
-            <a:r>
-              <a:rPr lang="de-DE" baseline="0" dirty="0" smtClean="0"/>
-              <a:t> </a:t>
-            </a:r>
-            <a:r>
-              <a:rPr lang="de-DE" baseline="0" dirty="0" err="1" smtClean="0"/>
-              <a:t>to</a:t>
-            </a:r>
-            <a:r>
-              <a:rPr lang="de-DE" baseline="0" dirty="0" smtClean="0"/>
-              <a:t> </a:t>
-            </a:r>
-            <a:r>
-              <a:rPr lang="de-DE" baseline="0" dirty="0" err="1" smtClean="0"/>
-              <a:t>which</a:t>
-            </a:r>
-            <a:r>
-              <a:rPr lang="de-DE" baseline="0" dirty="0" smtClean="0"/>
-              <a:t> </a:t>
-            </a:r>
-            <a:r>
-              <a:rPr lang="de-DE" baseline="0" dirty="0" err="1" smtClean="0"/>
-              <a:t>project</a:t>
-            </a:r>
-            <a:r>
-              <a:rPr lang="de-DE" baseline="0" dirty="0" smtClean="0"/>
-              <a:t> an </a:t>
-            </a:r>
-            <a:r>
-              <a:rPr lang="de-DE" baseline="0" dirty="0" err="1" smtClean="0"/>
-              <a:t>appointment</a:t>
-            </a:r>
-            <a:r>
-              <a:rPr lang="de-DE" baseline="0" dirty="0" smtClean="0"/>
-              <a:t> </a:t>
-            </a:r>
-            <a:r>
-              <a:rPr lang="de-DE" baseline="0" dirty="0" err="1" smtClean="0"/>
-              <a:t>might</a:t>
-            </a:r>
-            <a:r>
-              <a:rPr lang="de-DE" baseline="0" dirty="0" smtClean="0"/>
-              <a:t> </a:t>
-            </a:r>
-            <a:r>
-              <a:rPr lang="de-DE" baseline="0" dirty="0" err="1" smtClean="0"/>
-              <a:t>belong</a:t>
-            </a:r>
-            <a:r>
-              <a:rPr lang="de-DE" baseline="0" dirty="0" smtClean="0"/>
-              <a:t> </a:t>
-            </a:r>
-            <a:r>
-              <a:rPr lang="de-DE" baseline="0" dirty="0" err="1" smtClean="0"/>
-              <a:t>to</a:t>
-            </a:r>
-            <a:r>
-              <a:rPr lang="de-DE" baseline="0" dirty="0" smtClean="0"/>
-              <a:t> – e. g. </a:t>
-            </a:r>
-            <a:r>
-              <a:rPr lang="de-DE" baseline="0" dirty="0" err="1" smtClean="0"/>
-              <a:t>when</a:t>
-            </a:r>
-            <a:r>
-              <a:rPr lang="de-DE" baseline="0" dirty="0" smtClean="0"/>
-              <a:t> an </a:t>
-            </a:r>
-            <a:r>
-              <a:rPr lang="de-DE" baseline="0" dirty="0" err="1" smtClean="0"/>
-              <a:t>appointment</a:t>
-            </a:r>
-            <a:r>
-              <a:rPr lang="de-DE" baseline="0" dirty="0" smtClean="0"/>
-              <a:t> </a:t>
-            </a:r>
-            <a:r>
-              <a:rPr lang="de-DE" baseline="0" dirty="0" err="1" smtClean="0"/>
-              <a:t>with</a:t>
-            </a:r>
-            <a:r>
-              <a:rPr lang="de-DE" baseline="0" dirty="0" smtClean="0"/>
-              <a:t> </a:t>
-            </a:r>
-            <a:r>
-              <a:rPr lang="de-DE" baseline="0" dirty="0" err="1" smtClean="0"/>
-              <a:t>this</a:t>
-            </a:r>
-            <a:r>
-              <a:rPr lang="de-DE" baseline="0" dirty="0" smtClean="0"/>
-              <a:t> title </a:t>
-            </a:r>
-            <a:r>
-              <a:rPr lang="de-DE" baseline="0" dirty="0" err="1" smtClean="0"/>
-              <a:t>has</a:t>
-            </a:r>
-            <a:r>
-              <a:rPr lang="de-DE" baseline="0" dirty="0" smtClean="0"/>
-              <a:t> </a:t>
-            </a:r>
-            <a:r>
-              <a:rPr lang="de-DE" baseline="0" dirty="0" err="1" smtClean="0"/>
-              <a:t>been</a:t>
-            </a:r>
-            <a:r>
-              <a:rPr lang="de-DE" baseline="0" dirty="0" smtClean="0"/>
-              <a:t> </a:t>
-            </a:r>
-            <a:r>
-              <a:rPr lang="de-DE" baseline="0" dirty="0" err="1" smtClean="0"/>
-              <a:t>bound</a:t>
-            </a:r>
-            <a:r>
-              <a:rPr lang="de-DE" baseline="0" dirty="0" smtClean="0"/>
-              <a:t> </a:t>
-            </a:r>
-            <a:r>
-              <a:rPr lang="de-DE" baseline="0" dirty="0" err="1" smtClean="0"/>
-              <a:t>to</a:t>
-            </a:r>
-            <a:r>
-              <a:rPr lang="de-DE" baseline="0" dirty="0" smtClean="0"/>
-              <a:t> </a:t>
-            </a:r>
-            <a:r>
-              <a:rPr lang="de-DE" baseline="0" dirty="0" err="1" smtClean="0"/>
-              <a:t>this</a:t>
-            </a:r>
-            <a:r>
-              <a:rPr lang="de-DE" baseline="0" dirty="0" smtClean="0"/>
-              <a:t> </a:t>
-            </a:r>
-            <a:r>
-              <a:rPr lang="de-DE" baseline="0" dirty="0" err="1" smtClean="0"/>
-              <a:t>project</a:t>
-            </a:r>
-            <a:r>
-              <a:rPr lang="de-DE" baseline="0" dirty="0" smtClean="0"/>
-              <a:t> </a:t>
-            </a:r>
-            <a:r>
-              <a:rPr lang="de-DE" baseline="0" dirty="0" err="1" smtClean="0"/>
-              <a:t>before</a:t>
-            </a:r>
-            <a:r>
-              <a:rPr lang="de-DE" baseline="0" dirty="0" smtClean="0"/>
-              <a:t> </a:t>
-            </a:r>
-            <a:r>
-              <a:rPr lang="de-DE" baseline="0" dirty="0" err="1" smtClean="0"/>
-              <a:t>or</a:t>
-            </a:r>
-            <a:r>
-              <a:rPr lang="de-DE" baseline="0" dirty="0" smtClean="0"/>
-              <a:t> </a:t>
-            </a:r>
-            <a:r>
-              <a:rPr lang="de-DE" baseline="0" dirty="0" err="1" smtClean="0"/>
-              <a:t>if</a:t>
-            </a:r>
-            <a:r>
-              <a:rPr lang="de-DE" baseline="0" dirty="0" smtClean="0"/>
-              <a:t> tags </a:t>
-            </a:r>
-            <a:r>
-              <a:rPr lang="de-DE" baseline="0" dirty="0" err="1" smtClean="0"/>
-              <a:t>or</a:t>
-            </a:r>
-            <a:r>
-              <a:rPr lang="de-DE" baseline="0" dirty="0" smtClean="0"/>
-              <a:t> </a:t>
-            </a:r>
-            <a:r>
-              <a:rPr lang="de-DE" baseline="0" dirty="0" err="1" smtClean="0"/>
-              <a:t>the</a:t>
-            </a:r>
-            <a:r>
-              <a:rPr lang="de-DE" baseline="0" dirty="0" smtClean="0"/>
-              <a:t> </a:t>
-            </a:r>
-            <a:r>
-              <a:rPr lang="de-DE" baseline="0" dirty="0" err="1" smtClean="0"/>
-              <a:t>project</a:t>
-            </a:r>
-            <a:r>
-              <a:rPr lang="de-DE" baseline="0" dirty="0" smtClean="0"/>
-              <a:t> </a:t>
-            </a:r>
-            <a:r>
-              <a:rPr lang="de-DE" baseline="0" dirty="0" err="1" smtClean="0"/>
-              <a:t>name</a:t>
-            </a:r>
-            <a:r>
-              <a:rPr lang="de-DE" baseline="0" dirty="0" smtClean="0"/>
-              <a:t> </a:t>
-            </a:r>
-            <a:r>
-              <a:rPr lang="de-DE" baseline="0" dirty="0" err="1" smtClean="0"/>
-              <a:t>itself</a:t>
-            </a:r>
-            <a:r>
-              <a:rPr lang="de-DE" baseline="0" dirty="0" smtClean="0"/>
-              <a:t> </a:t>
-            </a:r>
-            <a:r>
-              <a:rPr lang="de-DE" baseline="0" dirty="0" err="1" smtClean="0"/>
-              <a:t>appear</a:t>
-            </a:r>
-            <a:r>
-              <a:rPr lang="de-DE" baseline="0" dirty="0" smtClean="0"/>
-              <a:t> in </a:t>
-            </a:r>
-            <a:r>
-              <a:rPr lang="de-DE" baseline="0" dirty="0" err="1" smtClean="0"/>
-              <a:t>the</a:t>
-            </a:r>
-            <a:r>
-              <a:rPr lang="de-DE" baseline="0" dirty="0" smtClean="0"/>
-              <a:t> title</a:t>
-            </a:r>
-          </a:p>
-          <a:p>
-            <a:r>
-              <a:rPr lang="de-DE" baseline="0" dirty="0" smtClean="0"/>
-              <a:t>8: Last </a:t>
-            </a:r>
-            <a:r>
-              <a:rPr lang="de-DE" baseline="0" dirty="0" err="1" smtClean="0"/>
-              <a:t>and</a:t>
-            </a:r>
-            <a:r>
-              <a:rPr lang="de-DE" baseline="0" dirty="0" smtClean="0"/>
-              <a:t> Next will bring </a:t>
-            </a:r>
-            <a:r>
-              <a:rPr lang="de-DE" baseline="0" dirty="0" err="1" smtClean="0"/>
-              <a:t>the</a:t>
-            </a:r>
-            <a:r>
-              <a:rPr lang="de-DE" baseline="0" dirty="0" smtClean="0"/>
-              <a:t> </a:t>
-            </a:r>
-            <a:r>
-              <a:rPr lang="de-DE" baseline="0" dirty="0" err="1" smtClean="0"/>
-              <a:t>user</a:t>
-            </a:r>
-            <a:r>
-              <a:rPr lang="de-DE" baseline="0" dirty="0" smtClean="0"/>
-              <a:t> </a:t>
-            </a:r>
-            <a:r>
-              <a:rPr lang="de-DE" baseline="0" dirty="0" err="1" smtClean="0"/>
-              <a:t>to</a:t>
-            </a:r>
-            <a:r>
-              <a:rPr lang="de-DE" baseline="0" dirty="0" smtClean="0"/>
-              <a:t> </a:t>
-            </a:r>
-            <a:r>
-              <a:rPr lang="de-DE" baseline="0" dirty="0" err="1" smtClean="0"/>
-              <a:t>the</a:t>
-            </a:r>
-            <a:r>
-              <a:rPr lang="de-DE" baseline="0" dirty="0" smtClean="0"/>
-              <a:t> </a:t>
-            </a:r>
-            <a:r>
-              <a:rPr lang="de-DE" baseline="0" dirty="0" err="1" smtClean="0"/>
-              <a:t>next</a:t>
-            </a:r>
-            <a:r>
-              <a:rPr lang="de-DE" baseline="0" dirty="0" smtClean="0"/>
-              <a:t> </a:t>
-            </a:r>
-            <a:r>
-              <a:rPr lang="de-DE" baseline="0" dirty="0" err="1" smtClean="0"/>
-              <a:t>day</a:t>
-            </a:r>
-            <a:r>
-              <a:rPr lang="de-DE" baseline="0" dirty="0" smtClean="0"/>
-              <a:t> he </a:t>
-            </a:r>
-            <a:r>
-              <a:rPr lang="de-DE" baseline="0" dirty="0" err="1" smtClean="0"/>
-              <a:t>has</a:t>
-            </a:r>
-            <a:r>
-              <a:rPr lang="de-DE" baseline="0" dirty="0" smtClean="0"/>
-              <a:t> </a:t>
-            </a:r>
-            <a:r>
-              <a:rPr lang="de-DE" baseline="0" dirty="0" err="1" smtClean="0"/>
-              <a:t>to</a:t>
-            </a:r>
-            <a:r>
-              <a:rPr lang="de-DE" baseline="0" dirty="0" smtClean="0"/>
-              <a:t> </a:t>
-            </a:r>
-            <a:r>
-              <a:rPr lang="de-DE" baseline="0" dirty="0" err="1" smtClean="0"/>
-              <a:t>fill</a:t>
-            </a:r>
-            <a:r>
-              <a:rPr lang="de-DE" baseline="0" dirty="0" smtClean="0"/>
-              <a:t> in </a:t>
-            </a:r>
-            <a:r>
-              <a:rPr lang="de-DE" baseline="0" dirty="0" err="1" smtClean="0"/>
-              <a:t>data</a:t>
-            </a:r>
-            <a:r>
-              <a:rPr lang="de-DE" baseline="0" dirty="0" smtClean="0"/>
-              <a:t>, </a:t>
-            </a:r>
-            <a:r>
-              <a:rPr lang="de-DE" baseline="0" dirty="0" err="1" smtClean="0"/>
-              <a:t>Yesterday</a:t>
-            </a:r>
-            <a:r>
-              <a:rPr lang="de-DE" baseline="0" dirty="0" smtClean="0"/>
-              <a:t> </a:t>
-            </a:r>
-            <a:r>
-              <a:rPr lang="de-DE" baseline="0" dirty="0" err="1" smtClean="0"/>
-              <a:t>and</a:t>
-            </a:r>
-            <a:r>
-              <a:rPr lang="de-DE" baseline="0" dirty="0" smtClean="0"/>
-              <a:t> </a:t>
-            </a:r>
-            <a:r>
-              <a:rPr lang="de-DE" baseline="0" dirty="0" err="1" smtClean="0"/>
-              <a:t>tomorrow</a:t>
-            </a:r>
-            <a:r>
-              <a:rPr lang="de-DE" baseline="0" dirty="0" smtClean="0"/>
-              <a:t> will </a:t>
-            </a:r>
-            <a:r>
-              <a:rPr lang="de-DE" baseline="0" dirty="0" err="1" smtClean="0"/>
-              <a:t>take</a:t>
-            </a:r>
-            <a:r>
-              <a:rPr lang="de-DE" baseline="0" dirty="0" smtClean="0"/>
-              <a:t> </a:t>
-            </a:r>
-            <a:r>
-              <a:rPr lang="de-DE" baseline="0" dirty="0" err="1" smtClean="0"/>
-              <a:t>him</a:t>
-            </a:r>
-            <a:r>
-              <a:rPr lang="de-DE" baseline="0" dirty="0" smtClean="0"/>
-              <a:t> </a:t>
-            </a:r>
-            <a:r>
-              <a:rPr lang="de-DE" baseline="0" dirty="0" err="1" smtClean="0"/>
-              <a:t>stepwise</a:t>
-            </a:r>
-            <a:r>
-              <a:rPr lang="de-DE" baseline="0" dirty="0" smtClean="0"/>
-              <a:t> </a:t>
-            </a:r>
-            <a:r>
-              <a:rPr lang="de-DE" baseline="0" dirty="0" err="1" smtClean="0"/>
-              <a:t>through</a:t>
-            </a:r>
-            <a:r>
-              <a:rPr lang="de-DE" baseline="0" dirty="0" smtClean="0"/>
-              <a:t> </a:t>
-            </a:r>
-            <a:r>
-              <a:rPr lang="de-DE" baseline="0" dirty="0" err="1" smtClean="0"/>
-              <a:t>the</a:t>
-            </a:r>
-            <a:r>
-              <a:rPr lang="de-DE" baseline="0" dirty="0" smtClean="0"/>
-              <a:t> </a:t>
-            </a:r>
-            <a:r>
-              <a:rPr lang="de-DE" baseline="0" dirty="0" err="1" smtClean="0"/>
-              <a:t>calendar</a:t>
-            </a:r>
             <a:endParaRPr lang="de-DE" baseline="0" dirty="0" smtClean="0"/>
           </a:p>
         </p:txBody>

--- a/webui/app/cats/design_proposal.pptx
+++ b/webui/app/cats/design_proposal.pptx
@@ -12391,8 +12391,8 @@
         </p:nvSpPr>
         <p:spPr bwMode="auto">
           <a:xfrm>
-            <a:off x="3388634" y="1488232"/>
-            <a:ext cx="900000" cy="288000"/>
+            <a:off x="3369906" y="1416224"/>
+            <a:ext cx="900000" cy="360000"/>
           </a:xfrm>
           <a:prstGeom prst="roundRect">
             <a:avLst>
@@ -12414,12 +12414,12 @@
           <a:p>
             <a:pPr lvl="0" algn="ctr" defTabSz="914400"/>
             <a:r>
-              <a:rPr lang="de-DE" sz="1200" dirty="0">
+              <a:rPr lang="de-DE" sz="1600" dirty="0">
                 <a:latin typeface="SAP-icons" panose="02000503000000000000" pitchFamily="2" charset="0"/>
               </a:rPr>
               <a:t></a:t>
             </a:r>
-            <a:endParaRPr kumimoji="0" lang="en-US" sz="1200" i="0" u="none" strike="noStrike" kern="0" cap="none" spc="0" normalizeH="0" baseline="0" noProof="0" dirty="0" smtClean="0">
+            <a:endParaRPr kumimoji="0" lang="en-US" sz="1600" i="0" u="none" strike="noStrike" kern="0" cap="none" spc="0" normalizeH="0" baseline="0" noProof="0" dirty="0" smtClean="0">
               <a:ln>
                 <a:noFill/>
               </a:ln>
@@ -12443,8 +12443,8 @@
         </p:nvSpPr>
         <p:spPr bwMode="auto">
           <a:xfrm>
-            <a:off x="11549472" y="1488232"/>
-            <a:ext cx="900000" cy="288000"/>
+            <a:off x="11530744" y="1416224"/>
+            <a:ext cx="900000" cy="360000"/>
           </a:xfrm>
           <a:prstGeom prst="roundRect">
             <a:avLst>
@@ -12466,12 +12466,12 @@
           <a:p>
             <a:pPr lvl="0" algn="ctr" defTabSz="914400"/>
             <a:r>
-              <a:rPr lang="de-DE" sz="1200" dirty="0">
+              <a:rPr lang="de-DE" sz="1600" dirty="0">
                 <a:latin typeface="SAP-icons" panose="02000503000000000000" pitchFamily="2" charset="0"/>
               </a:rPr>
               <a:t></a:t>
             </a:r>
-            <a:endParaRPr kumimoji="0" lang="en-US" sz="1200" i="0" u="none" strike="noStrike" kern="0" cap="none" spc="0" normalizeH="0" baseline="0" noProof="0" dirty="0" smtClean="0">
+            <a:endParaRPr kumimoji="0" lang="en-US" sz="1600" i="0" u="none" strike="noStrike" kern="0" cap="none" spc="0" normalizeH="0" baseline="0" noProof="0" dirty="0" smtClean="0">
               <a:ln>
                 <a:noFill/>
               </a:ln>
@@ -13890,6 +13890,49 @@
       </p:sp>
       <p:sp>
         <p:nvSpPr>
+          <p:cNvPr id="4" name="Rectangle 3"/>
+          <p:cNvSpPr/>
+          <p:nvPr/>
+        </p:nvSpPr>
+        <p:spPr>
+          <a:xfrm>
+            <a:off x="2720715" y="8005490"/>
+            <a:ext cx="428322" cy="477054"/>
+          </a:xfrm>
+          <a:prstGeom prst="rect">
+            <a:avLst/>
+          </a:prstGeom>
+        </p:spPr>
+        <p:txBody>
+          <a:bodyPr wrap="none">
+            <a:spAutoFit/>
+          </a:bodyPr>
+          <a:lstStyle/>
+          <a:p>
+            <a:r>
+              <a:rPr lang="de-DE" dirty="0" smtClean="0">
+                <a:solidFill>
+                  <a:schemeClr val="bg1">
+                    <a:lumMod val="75000"/>
+                  </a:schemeClr>
+                </a:solidFill>
+                <a:latin typeface="SAP-icons" panose="02000503000000000000" pitchFamily="2" charset="0"/>
+              </a:rPr>
+              <a:t></a:t>
+            </a:r>
+            <a:endParaRPr lang="de-DE" dirty="0">
+              <a:solidFill>
+                <a:schemeClr val="bg1">
+                  <a:lumMod val="75000"/>
+                </a:schemeClr>
+              </a:solidFill>
+              <a:latin typeface="SAP-icons" panose="02000503000000000000" pitchFamily="2" charset="0"/>
+            </a:endParaRPr>
+          </a:p>
+        </p:txBody>
+      </p:sp>
+      <p:sp>
+        <p:nvSpPr>
           <p:cNvPr id="3" name="Rectangle 2"/>
           <p:cNvSpPr/>
           <p:nvPr/>
@@ -13919,49 +13962,6 @@
                 <a:latin typeface="SAP-icons" panose="02000503000000000000" pitchFamily="2" charset="0"/>
               </a:rPr>
               <a:t></a:t>
-            </a:r>
-            <a:endParaRPr lang="de-DE" dirty="0">
-              <a:solidFill>
-                <a:schemeClr val="bg1">
-                  <a:lumMod val="75000"/>
-                </a:schemeClr>
-              </a:solidFill>
-              <a:latin typeface="SAP-icons" panose="02000503000000000000" pitchFamily="2" charset="0"/>
-            </a:endParaRPr>
-          </a:p>
-        </p:txBody>
-      </p:sp>
-      <p:sp>
-        <p:nvSpPr>
-          <p:cNvPr id="4" name="Rectangle 3"/>
-          <p:cNvSpPr/>
-          <p:nvPr/>
-        </p:nvSpPr>
-        <p:spPr>
-          <a:xfrm>
-            <a:off x="2720715" y="8005490"/>
-            <a:ext cx="428322" cy="477054"/>
-          </a:xfrm>
-          <a:prstGeom prst="rect">
-            <a:avLst/>
-          </a:prstGeom>
-        </p:spPr>
-        <p:txBody>
-          <a:bodyPr wrap="none">
-            <a:spAutoFit/>
-          </a:bodyPr>
-          <a:lstStyle/>
-          <a:p>
-            <a:r>
-              <a:rPr lang="de-DE" dirty="0" smtClean="0">
-                <a:solidFill>
-                  <a:schemeClr val="bg1">
-                    <a:lumMod val="75000"/>
-                  </a:schemeClr>
-                </a:solidFill>
-                <a:latin typeface="SAP-icons" panose="02000503000000000000" pitchFamily="2" charset="0"/>
-              </a:rPr>
-              <a:t></a:t>
             </a:r>
             <a:endParaRPr lang="de-DE" dirty="0">
               <a:solidFill>
@@ -15238,8 +15238,8 @@
         </p:nvSpPr>
         <p:spPr bwMode="auto">
           <a:xfrm>
-            <a:off x="10559312" y="1488232"/>
-            <a:ext cx="900000" cy="288000"/>
+            <a:off x="10540584" y="1416224"/>
+            <a:ext cx="900000" cy="360000"/>
           </a:xfrm>
           <a:prstGeom prst="roundRect">
             <a:avLst>
@@ -15261,12 +15261,12 @@
           <a:p>
             <a:pPr lvl="0" algn="ctr" defTabSz="914400"/>
             <a:r>
-              <a:rPr lang="de-DE" sz="1200" dirty="0">
+              <a:rPr lang="de-DE" sz="1600" dirty="0">
                 <a:latin typeface="SAP-icons" panose="02000503000000000000" pitchFamily="2" charset="0"/>
               </a:rPr>
               <a:t></a:t>
             </a:r>
-            <a:endParaRPr kumimoji="0" lang="en-US" sz="1200" i="0" u="none" strike="noStrike" kern="0" cap="none" spc="0" normalizeH="0" baseline="0" noProof="0" dirty="0" smtClean="0">
+            <a:endParaRPr kumimoji="0" lang="en-US" sz="1600" i="0" u="none" strike="noStrike" kern="0" cap="none" spc="0" normalizeH="0" baseline="0" noProof="0" dirty="0" smtClean="0">
               <a:ln>
                 <a:noFill/>
               </a:ln>
@@ -15332,8 +15332,8 @@
         </p:nvSpPr>
         <p:spPr>
           <a:xfrm>
-            <a:off x="3573571" y="7965973"/>
-            <a:ext cx="8682727" cy="1384995"/>
+            <a:off x="3573571" y="7812085"/>
+            <a:ext cx="8682727" cy="1600438"/>
           </a:xfrm>
           <a:prstGeom prst="rect">
             <a:avLst/>
@@ -15350,6 +15350,133 @@
             <a:spAutoFit/>
           </a:bodyPr>
           <a:lstStyle/>
+          <a:p>
+            <a:r>
+              <a:rPr lang="de-DE" sz="1400" dirty="0" err="1" smtClean="0"/>
+              <a:t>Semantic</a:t>
+            </a:r>
+            <a:r>
+              <a:rPr lang="de-DE" sz="1400" dirty="0" smtClean="0"/>
+              <a:t> </a:t>
+            </a:r>
+            <a:r>
+              <a:rPr lang="de-DE" sz="1400" dirty="0" err="1" smtClean="0"/>
+              <a:t>colors</a:t>
+            </a:r>
+            <a:r>
+              <a:rPr lang="de-DE" sz="1400" dirty="0" smtClean="0"/>
+              <a:t> in </a:t>
+            </a:r>
+            <a:r>
+              <a:rPr lang="de-DE" sz="1400" dirty="0" err="1" smtClean="0"/>
+              <a:t>timeline</a:t>
+            </a:r>
+            <a:r>
+              <a:rPr lang="de-DE" sz="1400" dirty="0" smtClean="0"/>
+              <a:t> </a:t>
+            </a:r>
+            <a:r>
+              <a:rPr lang="de-DE" sz="1400" dirty="0" err="1" smtClean="0"/>
+              <a:t>and</a:t>
+            </a:r>
+            <a:r>
+              <a:rPr lang="de-DE" sz="1400" dirty="0" smtClean="0"/>
+              <a:t> </a:t>
+            </a:r>
+            <a:r>
+              <a:rPr lang="de-DE" sz="1400" dirty="0" err="1" smtClean="0"/>
+              <a:t>calendar</a:t>
+            </a:r>
+            <a:r>
+              <a:rPr lang="de-DE" sz="1400" dirty="0" smtClean="0"/>
+              <a:t> </a:t>
+            </a:r>
+            <a:r>
+              <a:rPr lang="de-DE" sz="1400" dirty="0" err="1" smtClean="0"/>
+              <a:t>overview</a:t>
+            </a:r>
+            <a:r>
+              <a:rPr lang="de-DE" sz="1400" dirty="0" smtClean="0"/>
+              <a:t>: </a:t>
+            </a:r>
+            <a:r>
+              <a:rPr lang="de-DE" sz="1400" b="1" dirty="0" err="1" smtClean="0">
+                <a:solidFill>
+                  <a:srgbClr val="FADD99"/>
+                </a:solidFill>
+              </a:rPr>
+              <a:t>maintained</a:t>
+            </a:r>
+            <a:r>
+              <a:rPr lang="de-DE" sz="1400" b="1" dirty="0" smtClean="0"/>
+              <a:t>, </a:t>
+            </a:r>
+            <a:r>
+              <a:rPr lang="de-DE" sz="1400" b="1" dirty="0" smtClean="0">
+                <a:solidFill>
+                  <a:srgbClr val="F0AB00"/>
+                </a:solidFill>
+              </a:rPr>
+              <a:t>not </a:t>
+            </a:r>
+            <a:r>
+              <a:rPr lang="de-DE" sz="1400" b="1" dirty="0" err="1" smtClean="0">
+                <a:solidFill>
+                  <a:srgbClr val="F0AB00"/>
+                </a:solidFill>
+              </a:rPr>
+              <a:t>maintained</a:t>
+            </a:r>
+            <a:r>
+              <a:rPr lang="de-DE" sz="1400" b="1" dirty="0" smtClean="0"/>
+              <a:t>, </a:t>
+            </a:r>
+            <a:r>
+              <a:rPr lang="de-DE" sz="1400" b="1" dirty="0" err="1" smtClean="0">
+                <a:solidFill>
+                  <a:srgbClr val="ACACAC"/>
+                </a:solidFill>
+              </a:rPr>
+              <a:t>no</a:t>
+            </a:r>
+            <a:r>
+              <a:rPr lang="de-DE" sz="1400" b="1" dirty="0" smtClean="0">
+                <a:solidFill>
+                  <a:srgbClr val="ACACAC"/>
+                </a:solidFill>
+              </a:rPr>
+              <a:t> </a:t>
+            </a:r>
+            <a:r>
+              <a:rPr lang="de-DE" sz="1400" b="1" dirty="0" err="1" smtClean="0">
+                <a:solidFill>
+                  <a:srgbClr val="ACACAC"/>
+                </a:solidFill>
+              </a:rPr>
+              <a:t>maintanance</a:t>
+            </a:r>
+            <a:r>
+              <a:rPr lang="de-DE" sz="1400" b="1" dirty="0" smtClean="0">
+                <a:solidFill>
+                  <a:srgbClr val="ACACAC"/>
+                </a:solidFill>
+              </a:rPr>
+              <a:t> </a:t>
+            </a:r>
+            <a:r>
+              <a:rPr lang="de-DE" sz="1400" b="1" dirty="0" err="1" smtClean="0">
+                <a:solidFill>
+                  <a:srgbClr val="ACACAC"/>
+                </a:solidFill>
+              </a:rPr>
+              <a:t>needed</a:t>
+            </a:r>
+            <a:endParaRPr lang="de-DE" sz="1400" b="1" dirty="0" smtClean="0">
+              <a:solidFill>
+                <a:srgbClr val="ACACAC"/>
+              </a:solidFill>
+            </a:endParaRPr>
+          </a:p>
           <a:p>
             <a:r>
               <a:rPr lang="de-DE" sz="1400" dirty="0" smtClean="0"/>
@@ -16032,7 +16159,7 @@
         </p:nvSpPr>
         <p:spPr>
           <a:xfrm>
-            <a:off x="3482803" y="1511519"/>
+            <a:off x="3452858" y="1490203"/>
             <a:ext cx="241426" cy="241426"/>
           </a:xfrm>
           <a:prstGeom prst="ellipse">
